--- a/dm1/minitalks/ron/knowing_ds/know_ds_rn.pptx
+++ b/dm1/minitalks/ron/knowing_ds/know_ds_rn.pptx
@@ -5,7 +5,7 @@
     <p:sldMasterId id="2147483648" r:id="rId1"/>
   </p:sldMasterIdLst>
   <p:notesMasterIdLst>
-    <p:notesMasterId r:id="rId19"/>
+    <p:notesMasterId r:id="rId21"/>
   </p:notesMasterIdLst>
   <p:sldIdLst>
     <p:sldId id="256" r:id="rId2"/>
@@ -19,12 +19,14 @@
     <p:sldId id="266" r:id="rId10"/>
     <p:sldId id="259" r:id="rId11"/>
     <p:sldId id="270" r:id="rId12"/>
-    <p:sldId id="267" r:id="rId13"/>
-    <p:sldId id="264" r:id="rId14"/>
-    <p:sldId id="265" r:id="rId15"/>
-    <p:sldId id="258" r:id="rId16"/>
-    <p:sldId id="274" r:id="rId17"/>
-    <p:sldId id="275" r:id="rId18"/>
+    <p:sldId id="278" r:id="rId13"/>
+    <p:sldId id="279" r:id="rId14"/>
+    <p:sldId id="267" r:id="rId15"/>
+    <p:sldId id="264" r:id="rId16"/>
+    <p:sldId id="265" r:id="rId17"/>
+    <p:sldId id="258" r:id="rId18"/>
+    <p:sldId id="274" r:id="rId19"/>
+    <p:sldId id="275" r:id="rId20"/>
   </p:sldIdLst>
   <p:sldSz cx="12192000" cy="6858000"/>
   <p:notesSz cx="6858000" cy="9144000"/>
@@ -4439,7 +4441,7 @@
           <a:p>
             <a:fld id="{3FF724DD-C013-4DED-9F53-18D16E116C32}" type="datetimeFigureOut">
               <a:rPr lang="en-US" smtClean="0"/>
-              <a:t>8/3/2018</a:t>
+              <a:t>10/18/2018</a:t>
             </a:fld>
             <a:endParaRPr lang="en-US"/>
           </a:p>
@@ -4751,7 +4753,7 @@
           <a:bodyPr/>
           <a:lstStyle/>
           <a:p>
-            <a:endParaRPr lang="en-US" dirty="0"/>
+            <a:endParaRPr lang="en-US"/>
           </a:p>
         </p:txBody>
       </p:sp>
@@ -4772,7 +4774,7 @@
           <a:p>
             <a:fld id="{37D0CA89-0B36-463A-B501-CC109FC43DD6}" type="slidenum">
               <a:rPr lang="en-US" smtClean="0"/>
-              <a:t>3</a:t>
+              <a:t>1</a:t>
             </a:fld>
             <a:endParaRPr lang="en-US"/>
           </a:p>
@@ -4781,7 +4783,7 @@
     </p:spTree>
     <p:extLst>
       <p:ext uri="{BB962C8B-B14F-4D97-AF65-F5344CB8AC3E}">
-        <p14:creationId xmlns:p14="http://schemas.microsoft.com/office/powerpoint/2010/main" val="3310527456"/>
+        <p14:creationId xmlns:p14="http://schemas.microsoft.com/office/powerpoint/2010/main" val="592698388"/>
       </p:ext>
     </p:extLst>
   </p:cSld>
@@ -4835,6 +4837,22 @@
           <a:bodyPr/>
           <a:lstStyle/>
           <a:p>
+            <a:r>
+              <a:rPr lang="en-US" dirty="0" smtClean="0"/>
+              <a:t>While advice</a:t>
+            </a:r>
+            <a:r>
+              <a:rPr lang="en-US" baseline="0" dirty="0" smtClean="0"/>
+              <a:t> is the goal what proportion of effort constitutes it as a deliverable?  </a:t>
+            </a:r>
+            <a:r>
+              <a:rPr lang="en-US" dirty="0" smtClean="0"/>
+              <a:t>How much space does advise take</a:t>
+            </a:r>
+            <a:r>
+              <a:rPr lang="en-US" baseline="0" dirty="0" smtClean="0"/>
+              <a:t> up on the graph?</a:t>
+            </a:r>
             <a:endParaRPr lang="en-US" dirty="0"/>
           </a:p>
         </p:txBody>
@@ -4856,7 +4874,7 @@
           <a:p>
             <a:fld id="{37D0CA89-0B36-463A-B501-CC109FC43DD6}" type="slidenum">
               <a:rPr lang="en-US" smtClean="0"/>
-              <a:t>15</a:t>
+              <a:t>12</a:t>
             </a:fld>
             <a:endParaRPr lang="en-US"/>
           </a:p>
@@ -4865,7 +4883,7 @@
     </p:spTree>
     <p:extLst>
       <p:ext uri="{BB962C8B-B14F-4D97-AF65-F5344CB8AC3E}">
-        <p14:creationId xmlns:p14="http://schemas.microsoft.com/office/powerpoint/2010/main" val="3276505696"/>
+        <p14:creationId xmlns:p14="http://schemas.microsoft.com/office/powerpoint/2010/main" val="2525356824"/>
       </p:ext>
     </p:extLst>
   </p:cSld>
@@ -4921,6 +4939,274 @@
           <a:p>
             <a:r>
               <a:rPr lang="en-US" dirty="0" smtClean="0"/>
+              <a:t>While advice</a:t>
+            </a:r>
+            <a:r>
+              <a:rPr lang="en-US" baseline="0" dirty="0" smtClean="0"/>
+              <a:t> is the goal what proportion of effort constitutes it as a deliverable?  </a:t>
+            </a:r>
+            <a:r>
+              <a:rPr lang="en-US" dirty="0" smtClean="0"/>
+              <a:t>How much space does advise take</a:t>
+            </a:r>
+            <a:r>
+              <a:rPr lang="en-US" baseline="0" dirty="0" smtClean="0"/>
+              <a:t> up on the graph?</a:t>
+            </a:r>
+            <a:endParaRPr lang="en-US" dirty="0"/>
+          </a:p>
+        </p:txBody>
+      </p:sp>
+      <p:sp>
+        <p:nvSpPr>
+          <p:cNvPr id="4" name="Slide Number Placeholder 3"/>
+          <p:cNvSpPr>
+            <a:spLocks noGrp="1"/>
+          </p:cNvSpPr>
+          <p:nvPr>
+            <p:ph type="sldNum" sz="quarter" idx="10"/>
+          </p:nvPr>
+        </p:nvSpPr>
+        <p:spPr/>
+        <p:txBody>
+          <a:bodyPr/>
+          <a:lstStyle/>
+          <a:p>
+            <a:fld id="{37D0CA89-0B36-463A-B501-CC109FC43DD6}" type="slidenum">
+              <a:rPr lang="en-US" smtClean="0"/>
+              <a:t>13</a:t>
+            </a:fld>
+            <a:endParaRPr lang="en-US"/>
+          </a:p>
+        </p:txBody>
+      </p:sp>
+    </p:spTree>
+    <p:extLst>
+      <p:ext uri="{BB962C8B-B14F-4D97-AF65-F5344CB8AC3E}">
+        <p14:creationId xmlns:p14="http://schemas.microsoft.com/office/powerpoint/2010/main" val="2409045430"/>
+      </p:ext>
+    </p:extLst>
+  </p:cSld>
+  <p:clrMapOvr>
+    <a:masterClrMapping/>
+  </p:clrMapOvr>
+</p:notes>
+</file>
+
+<file path=ppt/notesSlides/notesSlide12.xml><?xml version="1.0" encoding="utf-8"?>
+<p:notes xmlns:a="http://schemas.openxmlformats.org/drawingml/2006/main" xmlns:r="http://schemas.openxmlformats.org/officeDocument/2006/relationships" xmlns:p="http://schemas.openxmlformats.org/presentationml/2006/main">
+  <p:cSld>
+    <p:spTree>
+      <p:nvGrpSpPr>
+        <p:cNvPr id="1" name=""/>
+        <p:cNvGrpSpPr/>
+        <p:nvPr/>
+      </p:nvGrpSpPr>
+      <p:grpSpPr>
+        <a:xfrm>
+          <a:off x="0" y="0"/>
+          <a:ext cx="0" cy="0"/>
+          <a:chOff x="0" y="0"/>
+          <a:chExt cx="0" cy="0"/>
+        </a:xfrm>
+      </p:grpSpPr>
+      <p:sp>
+        <p:nvSpPr>
+          <p:cNvPr id="2" name="Slide Image Placeholder 1"/>
+          <p:cNvSpPr>
+            <a:spLocks noGrp="1" noRot="1" noChangeAspect="1"/>
+          </p:cNvSpPr>
+          <p:nvPr>
+            <p:ph type="sldImg"/>
+          </p:nvPr>
+        </p:nvSpPr>
+        <p:spPr/>
+      </p:sp>
+      <p:sp>
+        <p:nvSpPr>
+          <p:cNvPr id="3" name="Notes Placeholder 2"/>
+          <p:cNvSpPr>
+            <a:spLocks noGrp="1"/>
+          </p:cNvSpPr>
+          <p:nvPr>
+            <p:ph type="body" idx="1"/>
+          </p:nvPr>
+        </p:nvSpPr>
+        <p:spPr/>
+        <p:txBody>
+          <a:bodyPr/>
+          <a:lstStyle/>
+          <a:p>
+            <a:endParaRPr lang="en-US" dirty="0"/>
+          </a:p>
+        </p:txBody>
+      </p:sp>
+      <p:sp>
+        <p:nvSpPr>
+          <p:cNvPr id="4" name="Slide Number Placeholder 3"/>
+          <p:cNvSpPr>
+            <a:spLocks noGrp="1"/>
+          </p:cNvSpPr>
+          <p:nvPr>
+            <p:ph type="sldNum" sz="quarter" idx="10"/>
+          </p:nvPr>
+        </p:nvSpPr>
+        <p:spPr/>
+        <p:txBody>
+          <a:bodyPr/>
+          <a:lstStyle/>
+          <a:p>
+            <a:fld id="{37D0CA89-0B36-463A-B501-CC109FC43DD6}" type="slidenum">
+              <a:rPr lang="en-US" smtClean="0"/>
+              <a:t>15</a:t>
+            </a:fld>
+            <a:endParaRPr lang="en-US"/>
+          </a:p>
+        </p:txBody>
+      </p:sp>
+    </p:spTree>
+    <p:extLst>
+      <p:ext uri="{BB962C8B-B14F-4D97-AF65-F5344CB8AC3E}">
+        <p14:creationId xmlns:p14="http://schemas.microsoft.com/office/powerpoint/2010/main" val="137883517"/>
+      </p:ext>
+    </p:extLst>
+  </p:cSld>
+  <p:clrMapOvr>
+    <a:masterClrMapping/>
+  </p:clrMapOvr>
+</p:notes>
+</file>
+
+<file path=ppt/notesSlides/notesSlide13.xml><?xml version="1.0" encoding="utf-8"?>
+<p:notes xmlns:a="http://schemas.openxmlformats.org/drawingml/2006/main" xmlns:r="http://schemas.openxmlformats.org/officeDocument/2006/relationships" xmlns:p="http://schemas.openxmlformats.org/presentationml/2006/main">
+  <p:cSld>
+    <p:spTree>
+      <p:nvGrpSpPr>
+        <p:cNvPr id="1" name=""/>
+        <p:cNvGrpSpPr/>
+        <p:nvPr/>
+      </p:nvGrpSpPr>
+      <p:grpSpPr>
+        <a:xfrm>
+          <a:off x="0" y="0"/>
+          <a:ext cx="0" cy="0"/>
+          <a:chOff x="0" y="0"/>
+          <a:chExt cx="0" cy="0"/>
+        </a:xfrm>
+      </p:grpSpPr>
+      <p:sp>
+        <p:nvSpPr>
+          <p:cNvPr id="2" name="Slide Image Placeholder 1"/>
+          <p:cNvSpPr>
+            <a:spLocks noGrp="1" noRot="1" noChangeAspect="1"/>
+          </p:cNvSpPr>
+          <p:nvPr>
+            <p:ph type="sldImg"/>
+          </p:nvPr>
+        </p:nvSpPr>
+        <p:spPr/>
+      </p:sp>
+      <p:sp>
+        <p:nvSpPr>
+          <p:cNvPr id="3" name="Notes Placeholder 2"/>
+          <p:cNvSpPr>
+            <a:spLocks noGrp="1"/>
+          </p:cNvSpPr>
+          <p:nvPr>
+            <p:ph type="body" idx="1"/>
+          </p:nvPr>
+        </p:nvSpPr>
+        <p:spPr/>
+        <p:txBody>
+          <a:bodyPr/>
+          <a:lstStyle/>
+          <a:p>
+            <a:endParaRPr lang="en-US" dirty="0"/>
+          </a:p>
+        </p:txBody>
+      </p:sp>
+      <p:sp>
+        <p:nvSpPr>
+          <p:cNvPr id="4" name="Slide Number Placeholder 3"/>
+          <p:cNvSpPr>
+            <a:spLocks noGrp="1"/>
+          </p:cNvSpPr>
+          <p:nvPr>
+            <p:ph type="sldNum" sz="quarter" idx="10"/>
+          </p:nvPr>
+        </p:nvSpPr>
+        <p:spPr/>
+        <p:txBody>
+          <a:bodyPr/>
+          <a:lstStyle/>
+          <a:p>
+            <a:fld id="{37D0CA89-0B36-463A-B501-CC109FC43DD6}" type="slidenum">
+              <a:rPr lang="en-US" smtClean="0"/>
+              <a:t>17</a:t>
+            </a:fld>
+            <a:endParaRPr lang="en-US"/>
+          </a:p>
+        </p:txBody>
+      </p:sp>
+    </p:spTree>
+    <p:extLst>
+      <p:ext uri="{BB962C8B-B14F-4D97-AF65-F5344CB8AC3E}">
+        <p14:creationId xmlns:p14="http://schemas.microsoft.com/office/powerpoint/2010/main" val="3276505696"/>
+      </p:ext>
+    </p:extLst>
+  </p:cSld>
+  <p:clrMapOvr>
+    <a:masterClrMapping/>
+  </p:clrMapOvr>
+</p:notes>
+</file>
+
+<file path=ppt/notesSlides/notesSlide14.xml><?xml version="1.0" encoding="utf-8"?>
+<p:notes xmlns:a="http://schemas.openxmlformats.org/drawingml/2006/main" xmlns:r="http://schemas.openxmlformats.org/officeDocument/2006/relationships" xmlns:p="http://schemas.openxmlformats.org/presentationml/2006/main">
+  <p:cSld>
+    <p:spTree>
+      <p:nvGrpSpPr>
+        <p:cNvPr id="1" name=""/>
+        <p:cNvGrpSpPr/>
+        <p:nvPr/>
+      </p:nvGrpSpPr>
+      <p:grpSpPr>
+        <a:xfrm>
+          <a:off x="0" y="0"/>
+          <a:ext cx="0" cy="0"/>
+          <a:chOff x="0" y="0"/>
+          <a:chExt cx="0" cy="0"/>
+        </a:xfrm>
+      </p:grpSpPr>
+      <p:sp>
+        <p:nvSpPr>
+          <p:cNvPr id="2" name="Slide Image Placeholder 1"/>
+          <p:cNvSpPr>
+            <a:spLocks noGrp="1" noRot="1" noChangeAspect="1"/>
+          </p:cNvSpPr>
+          <p:nvPr>
+            <p:ph type="sldImg"/>
+          </p:nvPr>
+        </p:nvSpPr>
+        <p:spPr/>
+      </p:sp>
+      <p:sp>
+        <p:nvSpPr>
+          <p:cNvPr id="3" name="Notes Placeholder 2"/>
+          <p:cNvSpPr>
+            <a:spLocks noGrp="1"/>
+          </p:cNvSpPr>
+          <p:nvPr>
+            <p:ph type="body" idx="1"/>
+          </p:nvPr>
+        </p:nvSpPr>
+        <p:spPr/>
+        <p:txBody>
+          <a:bodyPr/>
+          <a:lstStyle/>
+          <a:p>
+            <a:r>
+              <a:rPr lang="en-US" dirty="0" smtClean="0"/>
               <a:t>Clockwise: be,</a:t>
             </a:r>
             <a:r>
@@ -4948,7 +5234,7 @@
           <a:p>
             <a:fld id="{37D0CA89-0B36-463A-B501-CC109FC43DD6}" type="slidenum">
               <a:rPr lang="en-US" smtClean="0"/>
-              <a:t>16</a:t>
+              <a:t>18</a:t>
             </a:fld>
             <a:endParaRPr lang="en-US"/>
           </a:p>
@@ -5032,7 +5318,7 @@
           <a:p>
             <a:fld id="{37D0CA89-0B36-463A-B501-CC109FC43DD6}" type="slidenum">
               <a:rPr lang="en-US" smtClean="0"/>
-              <a:t>5</a:t>
+              <a:t>3</a:t>
             </a:fld>
             <a:endParaRPr lang="en-US"/>
           </a:p>
@@ -5041,7 +5327,7 @@
     </p:spTree>
     <p:extLst>
       <p:ext uri="{BB962C8B-B14F-4D97-AF65-F5344CB8AC3E}">
-        <p14:creationId xmlns:p14="http://schemas.microsoft.com/office/powerpoint/2010/main" val="1615835921"/>
+        <p14:creationId xmlns:p14="http://schemas.microsoft.com/office/powerpoint/2010/main" val="3310527456"/>
       </p:ext>
     </p:extLst>
   </p:cSld>
@@ -5116,7 +5402,7 @@
           <a:p>
             <a:fld id="{37D0CA89-0B36-463A-B501-CC109FC43DD6}" type="slidenum">
               <a:rPr lang="en-US" smtClean="0"/>
-              <a:t>6</a:t>
+              <a:t>5</a:t>
             </a:fld>
             <a:endParaRPr lang="en-US"/>
           </a:p>
@@ -5125,7 +5411,7 @@
     </p:spTree>
     <p:extLst>
       <p:ext uri="{BB962C8B-B14F-4D97-AF65-F5344CB8AC3E}">
-        <p14:creationId xmlns:p14="http://schemas.microsoft.com/office/powerpoint/2010/main" val="2496575018"/>
+        <p14:creationId xmlns:p14="http://schemas.microsoft.com/office/powerpoint/2010/main" val="1615835921"/>
       </p:ext>
     </p:extLst>
   </p:cSld>
@@ -5179,20 +5465,6 @@
           <a:bodyPr/>
           <a:lstStyle/>
           <a:p>
-            <a:r>
-              <a:rPr lang="en-US" dirty="0" smtClean="0"/>
-              <a:t>Banquet and collapsed temple.  Who was there?</a:t>
-            </a:r>
-          </a:p>
-          <a:p>
-            <a:r>
-              <a:rPr lang="en-US" dirty="0" smtClean="0"/>
-              <a:t>Treasure map, end point, start point, and basis with</a:t>
-            </a:r>
-            <a:r>
-              <a:rPr lang="en-US" baseline="0" dirty="0" smtClean="0"/>
-              <a:t> origin (North, South, East, West)</a:t>
-            </a:r>
             <a:endParaRPr lang="en-US" dirty="0"/>
           </a:p>
         </p:txBody>
@@ -5214,7 +5486,7 @@
           <a:p>
             <a:fld id="{37D0CA89-0B36-463A-B501-CC109FC43DD6}" type="slidenum">
               <a:rPr lang="en-US" smtClean="0"/>
-              <a:t>7</a:t>
+              <a:t>6</a:t>
             </a:fld>
             <a:endParaRPr lang="en-US"/>
           </a:p>
@@ -5223,7 +5495,7 @@
     </p:spTree>
     <p:extLst>
       <p:ext uri="{BB962C8B-B14F-4D97-AF65-F5344CB8AC3E}">
-        <p14:creationId xmlns:p14="http://schemas.microsoft.com/office/powerpoint/2010/main" val="4246526326"/>
+        <p14:creationId xmlns:p14="http://schemas.microsoft.com/office/powerpoint/2010/main" val="2496575018"/>
       </p:ext>
     </p:extLst>
   </p:cSld>
@@ -5278,8 +5550,18 @@
           <a:lstStyle/>
           <a:p>
             <a:r>
+              <a:rPr lang="en-US" dirty="0" smtClean="0"/>
+              <a:t>Banquet and collapsed temple.  Who was there?</a:t>
+            </a:r>
+          </a:p>
+          <a:p>
+            <a:r>
+              <a:rPr lang="en-US" dirty="0" smtClean="0"/>
+              <a:t>Treasure map, end point, start point, and basis with</a:t>
+            </a:r>
+            <a:r>
               <a:rPr lang="en-US" baseline="0" dirty="0" smtClean="0"/>
-              <a:t>Start point:</a:t>
+              <a:t> origin (North, South, East, West)</a:t>
             </a:r>
             <a:endParaRPr lang="en-US" dirty="0"/>
           </a:p>
@@ -5302,7 +5584,7 @@
           <a:p>
             <a:fld id="{37D0CA89-0B36-463A-B501-CC109FC43DD6}" type="slidenum">
               <a:rPr lang="en-US" smtClean="0"/>
-              <a:t>8</a:t>
+              <a:t>7</a:t>
             </a:fld>
             <a:endParaRPr lang="en-US"/>
           </a:p>
@@ -5311,7 +5593,7 @@
     </p:spTree>
     <p:extLst>
       <p:ext uri="{BB962C8B-B14F-4D97-AF65-F5344CB8AC3E}">
-        <p14:creationId xmlns:p14="http://schemas.microsoft.com/office/powerpoint/2010/main" val="3136048214"/>
+        <p14:creationId xmlns:p14="http://schemas.microsoft.com/office/powerpoint/2010/main" val="4246526326"/>
       </p:ext>
     </p:extLst>
   </p:cSld>
@@ -5367,19 +5649,7 @@
           <a:p>
             <a:r>
               <a:rPr lang="en-US" baseline="0" dirty="0" smtClean="0"/>
-              <a:t>Supervised: train from known outcomes</a:t>
-            </a:r>
-          </a:p>
-          <a:p>
-            <a:r>
-              <a:rPr lang="en-US" baseline="0" dirty="0" smtClean="0"/>
-              <a:t>Unsupervised: learn and discover relationships in data</a:t>
-            </a:r>
-          </a:p>
-          <a:p>
-            <a:r>
-              <a:rPr lang="en-US" baseline="0" dirty="0" smtClean="0"/>
-              <a:t>Loosely defined: can assign numbers to categories, can assign known labels to clusters</a:t>
+              <a:t>Start point:</a:t>
             </a:r>
             <a:endParaRPr lang="en-US" dirty="0"/>
           </a:p>
@@ -5402,7 +5672,7 @@
           <a:p>
             <a:fld id="{37D0CA89-0B36-463A-B501-CC109FC43DD6}" type="slidenum">
               <a:rPr lang="en-US" smtClean="0"/>
-              <a:t>9</a:t>
+              <a:t>8</a:t>
             </a:fld>
             <a:endParaRPr lang="en-US"/>
           </a:p>
@@ -5411,7 +5681,7 @@
     </p:spTree>
     <p:extLst>
       <p:ext uri="{BB962C8B-B14F-4D97-AF65-F5344CB8AC3E}">
-        <p14:creationId xmlns:p14="http://schemas.microsoft.com/office/powerpoint/2010/main" val="3758985942"/>
+        <p14:creationId xmlns:p14="http://schemas.microsoft.com/office/powerpoint/2010/main" val="3136048214"/>
       </p:ext>
     </p:extLst>
   </p:cSld>
@@ -5466,12 +5736,20 @@
           <a:lstStyle/>
           <a:p>
             <a:r>
-              <a:rPr lang="en-US" dirty="0" smtClean="0"/>
-              <a:t>What</a:t>
-            </a:r>
-            <a:r>
               <a:rPr lang="en-US" baseline="0" dirty="0" smtClean="0"/>
-              <a:t> are the origin and basis vectors?</a:t>
+              <a:t>Supervised: train from known outcomes</a:t>
+            </a:r>
+          </a:p>
+          <a:p>
+            <a:r>
+              <a:rPr lang="en-US" baseline="0" dirty="0" smtClean="0"/>
+              <a:t>Unsupervised: learn and discover relationships in data</a:t>
+            </a:r>
+          </a:p>
+          <a:p>
+            <a:r>
+              <a:rPr lang="en-US" baseline="0" dirty="0" smtClean="0"/>
+              <a:t>Loosely defined: can assign numbers to categories, can assign known labels to clusters</a:t>
             </a:r>
             <a:endParaRPr lang="en-US" dirty="0"/>
           </a:p>
@@ -5494,7 +5772,7 @@
           <a:p>
             <a:fld id="{37D0CA89-0B36-463A-B501-CC109FC43DD6}" type="slidenum">
               <a:rPr lang="en-US" smtClean="0"/>
-              <a:t>10</a:t>
+              <a:t>9</a:t>
             </a:fld>
             <a:endParaRPr lang="en-US"/>
           </a:p>
@@ -5503,7 +5781,7 @@
     </p:spTree>
     <p:extLst>
       <p:ext uri="{BB962C8B-B14F-4D97-AF65-F5344CB8AC3E}">
-        <p14:creationId xmlns:p14="http://schemas.microsoft.com/office/powerpoint/2010/main" val="4228789661"/>
+        <p14:creationId xmlns:p14="http://schemas.microsoft.com/office/powerpoint/2010/main" val="3758985942"/>
       </p:ext>
     </p:extLst>
   </p:cSld>
@@ -5559,19 +5837,11 @@
           <a:p>
             <a:r>
               <a:rPr lang="en-US" dirty="0" smtClean="0"/>
-              <a:t>While advice</a:t>
+              <a:t>What</a:t>
             </a:r>
             <a:r>
               <a:rPr lang="en-US" baseline="0" dirty="0" smtClean="0"/>
-              <a:t> is the goal what proportion of effort constitutes it as a deliverable?  </a:t>
-            </a:r>
-            <a:r>
-              <a:rPr lang="en-US" dirty="0" smtClean="0"/>
-              <a:t>How much space does advise take</a:t>
-            </a:r>
-            <a:r>
-              <a:rPr lang="en-US" baseline="0" dirty="0" smtClean="0"/>
-              <a:t> up on the graph?</a:t>
+              <a:t> are the origin and basis vectors?</a:t>
             </a:r>
             <a:endParaRPr lang="en-US" dirty="0"/>
           </a:p>
@@ -5594,7 +5864,7 @@
           <a:p>
             <a:fld id="{37D0CA89-0B36-463A-B501-CC109FC43DD6}" type="slidenum">
               <a:rPr lang="en-US" smtClean="0"/>
-              <a:t>11</a:t>
+              <a:t>10</a:t>
             </a:fld>
             <a:endParaRPr lang="en-US"/>
           </a:p>
@@ -5603,7 +5873,7 @@
     </p:spTree>
     <p:extLst>
       <p:ext uri="{BB962C8B-B14F-4D97-AF65-F5344CB8AC3E}">
-        <p14:creationId xmlns:p14="http://schemas.microsoft.com/office/powerpoint/2010/main" val="3910516011"/>
+        <p14:creationId xmlns:p14="http://schemas.microsoft.com/office/powerpoint/2010/main" val="4228789661"/>
       </p:ext>
     </p:extLst>
   </p:cSld>
@@ -5657,6 +5927,22 @@
           <a:bodyPr/>
           <a:lstStyle/>
           <a:p>
+            <a:r>
+              <a:rPr lang="en-US" dirty="0" smtClean="0"/>
+              <a:t>While advice</a:t>
+            </a:r>
+            <a:r>
+              <a:rPr lang="en-US" baseline="0" dirty="0" smtClean="0"/>
+              <a:t> is the goal what proportion of effort constitutes it as a deliverable?  </a:t>
+            </a:r>
+            <a:r>
+              <a:rPr lang="en-US" dirty="0" smtClean="0"/>
+              <a:t>How much space does advise take</a:t>
+            </a:r>
+            <a:r>
+              <a:rPr lang="en-US" baseline="0" dirty="0" smtClean="0"/>
+              <a:t> up on the graph?</a:t>
+            </a:r>
             <a:endParaRPr lang="en-US" dirty="0"/>
           </a:p>
         </p:txBody>
@@ -5678,7 +5964,7 @@
           <a:p>
             <a:fld id="{37D0CA89-0B36-463A-B501-CC109FC43DD6}" type="slidenum">
               <a:rPr lang="en-US" smtClean="0"/>
-              <a:t>13</a:t>
+              <a:t>11</a:t>
             </a:fld>
             <a:endParaRPr lang="en-US"/>
           </a:p>
@@ -5687,7 +5973,7 @@
     </p:spTree>
     <p:extLst>
       <p:ext uri="{BB962C8B-B14F-4D97-AF65-F5344CB8AC3E}">
-        <p14:creationId xmlns:p14="http://schemas.microsoft.com/office/powerpoint/2010/main" val="137883517"/>
+        <p14:creationId xmlns:p14="http://schemas.microsoft.com/office/powerpoint/2010/main" val="3910516011"/>
       </p:ext>
     </p:extLst>
   </p:cSld>
@@ -5828,7 +6114,7 @@
           <a:p>
             <a:fld id="{B9231216-36D3-43A5-A9F7-6E5DCCF6D363}" type="datetimeFigureOut">
               <a:rPr lang="en-US" smtClean="0"/>
-              <a:t>8/3/2018</a:t>
+              <a:t>10/18/2018</a:t>
             </a:fld>
             <a:endParaRPr lang="en-US"/>
           </a:p>
@@ -5998,7 +6284,7 @@
           <a:p>
             <a:fld id="{B9231216-36D3-43A5-A9F7-6E5DCCF6D363}" type="datetimeFigureOut">
               <a:rPr lang="en-US" smtClean="0"/>
-              <a:t>8/3/2018</a:t>
+              <a:t>10/18/2018</a:t>
             </a:fld>
             <a:endParaRPr lang="en-US"/>
           </a:p>
@@ -6178,7 +6464,7 @@
           <a:p>
             <a:fld id="{B9231216-36D3-43A5-A9F7-6E5DCCF6D363}" type="datetimeFigureOut">
               <a:rPr lang="en-US" smtClean="0"/>
-              <a:t>8/3/2018</a:t>
+              <a:t>10/18/2018</a:t>
             </a:fld>
             <a:endParaRPr lang="en-US"/>
           </a:p>
@@ -6348,7 +6634,7 @@
           <a:p>
             <a:fld id="{B9231216-36D3-43A5-A9F7-6E5DCCF6D363}" type="datetimeFigureOut">
               <a:rPr lang="en-US" smtClean="0"/>
-              <a:t>8/3/2018</a:t>
+              <a:t>10/18/2018</a:t>
             </a:fld>
             <a:endParaRPr lang="en-US"/>
           </a:p>
@@ -6594,7 +6880,7 @@
           <a:p>
             <a:fld id="{B9231216-36D3-43A5-A9F7-6E5DCCF6D363}" type="datetimeFigureOut">
               <a:rPr lang="en-US" smtClean="0"/>
-              <a:t>8/3/2018</a:t>
+              <a:t>10/18/2018</a:t>
             </a:fld>
             <a:endParaRPr lang="en-US"/>
           </a:p>
@@ -6826,7 +7112,7 @@
           <a:p>
             <a:fld id="{B9231216-36D3-43A5-A9F7-6E5DCCF6D363}" type="datetimeFigureOut">
               <a:rPr lang="en-US" smtClean="0"/>
-              <a:t>8/3/2018</a:t>
+              <a:t>10/18/2018</a:t>
             </a:fld>
             <a:endParaRPr lang="en-US"/>
           </a:p>
@@ -7193,7 +7479,7 @@
           <a:p>
             <a:fld id="{B9231216-36D3-43A5-A9F7-6E5DCCF6D363}" type="datetimeFigureOut">
               <a:rPr lang="en-US" smtClean="0"/>
-              <a:t>8/3/2018</a:t>
+              <a:t>10/18/2018</a:t>
             </a:fld>
             <a:endParaRPr lang="en-US"/>
           </a:p>
@@ -7311,7 +7597,7 @@
           <a:p>
             <a:fld id="{B9231216-36D3-43A5-A9F7-6E5DCCF6D363}" type="datetimeFigureOut">
               <a:rPr lang="en-US" smtClean="0"/>
-              <a:t>8/3/2018</a:t>
+              <a:t>10/18/2018</a:t>
             </a:fld>
             <a:endParaRPr lang="en-US"/>
           </a:p>
@@ -7406,7 +7692,7 @@
           <a:p>
             <a:fld id="{B9231216-36D3-43A5-A9F7-6E5DCCF6D363}" type="datetimeFigureOut">
               <a:rPr lang="en-US" smtClean="0"/>
-              <a:t>8/3/2018</a:t>
+              <a:t>10/18/2018</a:t>
             </a:fld>
             <a:endParaRPr lang="en-US"/>
           </a:p>
@@ -7683,7 +7969,7 @@
           <a:p>
             <a:fld id="{B9231216-36D3-43A5-A9F7-6E5DCCF6D363}" type="datetimeFigureOut">
               <a:rPr lang="en-US" smtClean="0"/>
-              <a:t>8/3/2018</a:t>
+              <a:t>10/18/2018</a:t>
             </a:fld>
             <a:endParaRPr lang="en-US"/>
           </a:p>
@@ -7936,7 +8222,7 @@
           <a:p>
             <a:fld id="{B9231216-36D3-43A5-A9F7-6E5DCCF6D363}" type="datetimeFigureOut">
               <a:rPr lang="en-US" smtClean="0"/>
-              <a:t>8/3/2018</a:t>
+              <a:t>10/18/2018</a:t>
             </a:fld>
             <a:endParaRPr lang="en-US"/>
           </a:p>
@@ -8149,7 +8435,7 @@
           <a:p>
             <a:fld id="{B9231216-36D3-43A5-A9F7-6E5DCCF6D363}" type="datetimeFigureOut">
               <a:rPr lang="en-US" smtClean="0"/>
-              <a:t>8/3/2018</a:t>
+              <a:t>10/18/2018</a:t>
             </a:fld>
             <a:endParaRPr lang="en-US"/>
           </a:p>
@@ -8621,7 +8907,7 @@
           <a:p>
             <a:r>
               <a:rPr lang="en-US" dirty="0" smtClean="0"/>
-              <a:t>2018.Aug.1</a:t>
+              <a:t>2018.Oct.18</a:t>
             </a:r>
           </a:p>
           <a:p>
@@ -8630,7 +8916,7 @@
           <a:p>
             <a:r>
               <a:rPr lang="en-US" dirty="0" smtClean="0">
-                <a:hlinkClick r:id="rId2"/>
+                <a:hlinkClick r:id="rId3"/>
               </a:rPr>
               <a:t>https://github.com/SpeedCoder5/notes</a:t>
             </a:r>
@@ -8988,7 +9274,15 @@
             </a:pPr>
             <a:r>
               <a:rPr lang="en-US" dirty="0" smtClean="0"/>
-              <a:t>Goal: Advice</a:t>
+              <a:t>Goal: </a:t>
+            </a:r>
+            <a:r>
+              <a:rPr lang="en-US" dirty="0" smtClean="0">
+                <a:solidFill>
+                  <a:srgbClr val="00B050"/>
+                </a:solidFill>
+              </a:rPr>
+              <a:t>Advice</a:t>
             </a:r>
           </a:p>
         </p:txBody>
@@ -9023,6 +9317,52 @@
           </a:prstGeom>
         </p:spPr>
       </p:pic>
+      <p:sp>
+        <p:nvSpPr>
+          <p:cNvPr id="4" name="Oval 3"/>
+          <p:cNvSpPr/>
+          <p:nvPr/>
+        </p:nvSpPr>
+        <p:spPr>
+          <a:xfrm>
+            <a:off x="10210800" y="1334395"/>
+            <a:ext cx="1552575" cy="1075429"/>
+          </a:xfrm>
+          <a:prstGeom prst="ellipse">
+            <a:avLst/>
+          </a:prstGeom>
+          <a:noFill/>
+          <a:ln w="28575">
+            <a:solidFill>
+              <a:srgbClr val="00B050"/>
+            </a:solidFill>
+          </a:ln>
+        </p:spPr>
+        <p:style>
+          <a:lnRef idx="2">
+            <a:schemeClr val="accent1">
+              <a:shade val="50000"/>
+            </a:schemeClr>
+          </a:lnRef>
+          <a:fillRef idx="1">
+            <a:schemeClr val="accent1"/>
+          </a:fillRef>
+          <a:effectRef idx="0">
+            <a:schemeClr val="accent1"/>
+          </a:effectRef>
+          <a:fontRef idx="minor">
+            <a:schemeClr val="lt1"/>
+          </a:fontRef>
+        </p:style>
+        <p:txBody>
+          <a:bodyPr rtlCol="0" anchor="ctr"/>
+          <a:lstStyle/>
+          <a:p>
+            <a:pPr algn="ctr"/>
+            <a:endParaRPr lang="en-US"/>
+          </a:p>
+        </p:txBody>
+      </p:sp>
     </p:spTree>
     <p:extLst>
       <p:ext uri="{BB962C8B-B14F-4D97-AF65-F5344CB8AC3E}">
@@ -9070,43 +9410,10 @@
             <p:ph type="title"/>
           </p:nvPr>
         </p:nvSpPr>
-        <p:spPr/>
-        <p:txBody>
-          <a:bodyPr>
-            <a:normAutofit fontScale="90000"/>
-          </a:bodyPr>
-          <a:lstStyle/>
-          <a:p>
-            <a:pPr lvl="0"/>
-            <a:r>
-              <a:rPr lang="en-US" dirty="0" smtClean="0"/>
-              <a:t>BAH Field Guide: </a:t>
-            </a:r>
-            <a:br>
-              <a:rPr lang="en-US" dirty="0" smtClean="0"/>
-            </a:br>
-            <a:r>
-              <a:rPr lang="en-US" b="1" dirty="0" smtClean="0"/>
-              <a:t>Data Science is the art of turning data into actions:</a:t>
-            </a:r>
-            <a:endParaRPr lang="en-US" b="1" dirty="0"/>
-          </a:p>
-        </p:txBody>
-      </p:sp>
-      <p:sp>
-        <p:nvSpPr>
-          <p:cNvPr id="3" name="Content Placeholder 2"/>
-          <p:cNvSpPr>
-            <a:spLocks noGrp="1"/>
-          </p:cNvSpPr>
-          <p:nvPr>
-            <p:ph idx="1"/>
-          </p:nvPr>
-        </p:nvSpPr>
         <p:spPr>
           <a:xfrm>
-            <a:off x="838200" y="1825625"/>
-            <a:ext cx="10515600" cy="4832350"/>
+            <a:off x="0" y="0"/>
+            <a:ext cx="12321153" cy="852407"/>
           </a:xfrm>
         </p:spPr>
         <p:txBody>
@@ -9117,130 +9424,255 @@
           <a:p>
             <a:pPr lvl="0"/>
             <a:r>
-              <a:rPr lang="en-US" sz="3200" dirty="0" smtClean="0"/>
-              <a:t>Tradecraft </a:t>
-            </a:r>
-            <a:r>
-              <a:rPr lang="en-US" sz="3200" i="1" dirty="0" smtClean="0"/>
-              <a:t>creates </a:t>
-            </a:r>
-            <a:r>
-              <a:rPr lang="en-US" sz="3200" b="1" i="1" dirty="0" smtClean="0"/>
-              <a:t>data products</a:t>
-            </a:r>
-            <a:endParaRPr lang="en-US" sz="3200" b="1" dirty="0" smtClean="0"/>
+              <a:rPr lang="en-US" sz="3900" dirty="0"/>
+              <a:t>Booz Allen Hamilton's (BAH's) </a:t>
+            </a:r>
+            <a:r>
+              <a:rPr lang="en-US" sz="3900" dirty="0">
+                <a:hlinkClick r:id="rId3"/>
+              </a:rPr>
+              <a:t>Field Guide to Data </a:t>
+            </a:r>
+            <a:r>
+              <a:rPr lang="en-US" sz="3900" dirty="0" smtClean="0">
+                <a:hlinkClick r:id="rId3"/>
+              </a:rPr>
+              <a:t>Science</a:t>
+            </a:r>
+            <a:endParaRPr lang="en-US" sz="3900" dirty="0"/>
+          </a:p>
+        </p:txBody>
+      </p:sp>
+      <p:pic>
+        <p:nvPicPr>
+          <p:cNvPr id="5" name="Picture 4"/>
+          <p:cNvPicPr>
+            <a:picLocks noChangeAspect="1"/>
+          </p:cNvPicPr>
+          <p:nvPr/>
+        </p:nvPicPr>
+        <p:blipFill>
+          <a:blip r:embed="rId4">
+            <a:extLst>
+              <a:ext uri="{28A0092B-C50C-407E-A947-70E740481C1C}">
+                <a14:useLocalDpi xmlns:a14="http://schemas.microsoft.com/office/drawing/2010/main" val="0"/>
+              </a:ext>
+            </a:extLst>
+          </a:blip>
+          <a:stretch>
+            <a:fillRect/>
+          </a:stretch>
+        </p:blipFill>
+        <p:spPr>
+          <a:xfrm>
+            <a:off x="2910130" y="657876"/>
+            <a:ext cx="9089502" cy="6171718"/>
+          </a:xfrm>
+          <a:prstGeom prst="rect">
+            <a:avLst/>
+          </a:prstGeom>
+        </p:spPr>
+      </p:pic>
+      <p:sp>
+        <p:nvSpPr>
+          <p:cNvPr id="3" name="Content Placeholder 2"/>
+          <p:cNvSpPr>
+            <a:spLocks noGrp="1"/>
+          </p:cNvSpPr>
+          <p:nvPr>
+            <p:ph idx="1"/>
+          </p:nvPr>
+        </p:nvSpPr>
+        <p:spPr>
+          <a:xfrm>
+            <a:off x="152400" y="1181100"/>
+            <a:ext cx="2867025" cy="2505075"/>
+          </a:xfrm>
+        </p:spPr>
+        <p:txBody>
+          <a:bodyPr>
+            <a:normAutofit fontScale="92500" lnSpcReduction="20000"/>
+          </a:bodyPr>
+          <a:lstStyle/>
+          <a:p>
+            <a:pPr marL="0" lvl="0" indent="0">
+              <a:buNone/>
+            </a:pPr>
+            <a:r>
+              <a:rPr lang="en-US" dirty="0" smtClean="0"/>
+              <a:t>Where are you?</a:t>
+            </a:r>
+          </a:p>
+          <a:p>
+            <a:pPr lvl="0"/>
+            <a:r>
+              <a:rPr lang="en-US" dirty="0" smtClean="0"/>
+              <a:t>Individual</a:t>
+            </a:r>
+          </a:p>
+          <a:p>
+            <a:pPr lvl="0"/>
+            <a:r>
+              <a:rPr lang="en-US" dirty="0" smtClean="0"/>
+              <a:t>Organization</a:t>
+            </a:r>
+          </a:p>
+          <a:p>
+            <a:pPr lvl="0"/>
+            <a:r>
+              <a:rPr lang="en-US" dirty="0" smtClean="0"/>
+              <a:t>Per Project</a:t>
+            </a:r>
           </a:p>
           <a:p>
             <a:pPr lvl="1"/>
-            <a:r>
-              <a:rPr lang="en-US" sz="3200" dirty="0" smtClean="0"/>
-              <a:t>Drive </a:t>
-            </a:r>
-            <a:r>
-              <a:rPr lang="en-US" sz="3200" dirty="0"/>
-              <a:t>actions </a:t>
-            </a:r>
-            <a:r>
-              <a:rPr lang="en-US" sz="3200" dirty="0" smtClean="0"/>
-              <a:t>– </a:t>
-            </a:r>
-            <a:r>
-              <a:rPr lang="en-US" sz="3200" b="1" i="1" dirty="0" smtClean="0"/>
-              <a:t>advice</a:t>
-            </a:r>
-            <a:r>
-              <a:rPr lang="en-US" sz="3200" dirty="0" smtClean="0"/>
-              <a:t> – possibility and danger</a:t>
-            </a:r>
-          </a:p>
-          <a:p>
-            <a:pPr lvl="0"/>
-            <a:r>
-              <a:rPr lang="en-US" sz="3200" dirty="0" smtClean="0"/>
-              <a:t>Supports and encourages shifting between:</a:t>
-            </a:r>
-          </a:p>
-          <a:p>
-            <a:pPr lvl="1"/>
-            <a:r>
-              <a:rPr lang="en-US" sz="3200" b="1" dirty="0" smtClean="0"/>
-              <a:t>Deductive</a:t>
-            </a:r>
-            <a:r>
-              <a:rPr lang="en-US" sz="3200" dirty="0" smtClean="0"/>
-              <a:t> (hypothesis-based) reasoning</a:t>
-            </a:r>
-          </a:p>
-          <a:p>
-            <a:pPr lvl="1"/>
-            <a:r>
-              <a:rPr lang="en-US" sz="3200" b="1" dirty="0" smtClean="0"/>
-              <a:t>Inductive</a:t>
-            </a:r>
-            <a:r>
-              <a:rPr lang="en-US" sz="3200" dirty="0" smtClean="0"/>
-              <a:t> (pattern-based) reasoning</a:t>
-            </a:r>
-          </a:p>
-          <a:p>
-            <a:pPr lvl="0"/>
-            <a:r>
-              <a:rPr lang="en-US" sz="3200" dirty="0"/>
-              <a:t>N</a:t>
-            </a:r>
-            <a:r>
-              <a:rPr lang="en-US" sz="3200" dirty="0" smtClean="0"/>
-              <a:t>ecessary for companies to </a:t>
-            </a:r>
-            <a:r>
-              <a:rPr lang="en-US" sz="3200" b="1" dirty="0" smtClean="0"/>
-              <a:t>compete</a:t>
-            </a:r>
-          </a:p>
-          <a:p>
-            <a:pPr lvl="0"/>
-            <a:r>
-              <a:rPr lang="en-US" sz="3200" dirty="0" smtClean="0"/>
-              <a:t>Capabilities </a:t>
-            </a:r>
-            <a:r>
-              <a:rPr lang="en-US" sz="3200" b="1" dirty="0" smtClean="0"/>
-              <a:t>can be built</a:t>
-            </a:r>
-            <a:r>
-              <a:rPr lang="en-US" sz="3200" dirty="0" smtClean="0"/>
-              <a:t> over time</a:t>
-            </a:r>
-          </a:p>
-          <a:p>
-            <a:pPr lvl="0"/>
-            <a:r>
-              <a:rPr lang="en-US" sz="3200" dirty="0" smtClean="0"/>
-              <a:t>Different kind of team sport</a:t>
-            </a:r>
-          </a:p>
-          <a:p>
-            <a:pPr lvl="1"/>
-            <a:r>
-              <a:rPr lang="en-US" sz="2800" dirty="0" smtClean="0"/>
-              <a:t>Company-wide </a:t>
-            </a:r>
-            <a:r>
-              <a:rPr lang="en-US" sz="2800" i="1" dirty="0" smtClean="0"/>
-              <a:t>open culture </a:t>
-            </a:r>
-            <a:r>
-              <a:rPr lang="en-US" sz="2800" dirty="0" smtClean="0"/>
-              <a:t>– commitment to insights from data</a:t>
-            </a:r>
-            <a:endParaRPr lang="en-US" sz="2800" dirty="0"/>
+            <a:endParaRPr lang="en-US" dirty="0" smtClean="0"/>
+          </a:p>
+          <a:p>
+            <a:pPr marL="0" indent="0">
+              <a:buNone/>
+            </a:pPr>
+            <a:r>
+              <a:rPr lang="en-US" dirty="0" smtClean="0"/>
+              <a:t>Goal: </a:t>
+            </a:r>
+            <a:r>
+              <a:rPr lang="en-US" dirty="0" smtClean="0">
+                <a:solidFill>
+                  <a:srgbClr val="00B050"/>
+                </a:solidFill>
+              </a:rPr>
+              <a:t>Advice</a:t>
+            </a:r>
+          </a:p>
+        </p:txBody>
+      </p:sp>
+      <p:pic>
+        <p:nvPicPr>
+          <p:cNvPr id="6" name="Picture 5"/>
+          <p:cNvPicPr>
+            <a:picLocks noChangeAspect="1"/>
+          </p:cNvPicPr>
+          <p:nvPr/>
+        </p:nvPicPr>
+        <p:blipFill>
+          <a:blip r:embed="rId5">
+            <a:extLst>
+              <a:ext uri="{28A0092B-C50C-407E-A947-70E740481C1C}">
+                <a14:useLocalDpi xmlns:a14="http://schemas.microsoft.com/office/drawing/2010/main" val="0"/>
+              </a:ext>
+            </a:extLst>
+          </a:blip>
+          <a:stretch>
+            <a:fillRect/>
+          </a:stretch>
+        </p:blipFill>
+        <p:spPr>
+          <a:xfrm>
+            <a:off x="83274" y="3686175"/>
+            <a:ext cx="2743583" cy="2743583"/>
+          </a:xfrm>
+          <a:prstGeom prst="rect">
+            <a:avLst/>
+          </a:prstGeom>
+        </p:spPr>
+      </p:pic>
+      <p:sp>
+        <p:nvSpPr>
+          <p:cNvPr id="4" name="Oval 3"/>
+          <p:cNvSpPr/>
+          <p:nvPr/>
+        </p:nvSpPr>
+        <p:spPr>
+          <a:xfrm>
+            <a:off x="10210800" y="1334395"/>
+            <a:ext cx="1552575" cy="1075429"/>
+          </a:xfrm>
+          <a:prstGeom prst="ellipse">
+            <a:avLst/>
+          </a:prstGeom>
+          <a:noFill/>
+          <a:ln w="28575">
+            <a:solidFill>
+              <a:srgbClr val="00B050"/>
+            </a:solidFill>
+          </a:ln>
+        </p:spPr>
+        <p:style>
+          <a:lnRef idx="2">
+            <a:schemeClr val="accent1">
+              <a:shade val="50000"/>
+            </a:schemeClr>
+          </a:lnRef>
+          <a:fillRef idx="1">
+            <a:schemeClr val="accent1"/>
+          </a:fillRef>
+          <a:effectRef idx="0">
+            <a:schemeClr val="accent1"/>
+          </a:effectRef>
+          <a:fontRef idx="minor">
+            <a:schemeClr val="lt1"/>
+          </a:fontRef>
+        </p:style>
+        <p:txBody>
+          <a:bodyPr rtlCol="0" anchor="ctr"/>
+          <a:lstStyle/>
+          <a:p>
+            <a:pPr algn="ctr"/>
+            <a:endParaRPr lang="en-US"/>
+          </a:p>
+        </p:txBody>
+      </p:sp>
+      <p:sp>
+        <p:nvSpPr>
+          <p:cNvPr id="7" name="Oval 6"/>
+          <p:cNvSpPr/>
+          <p:nvPr/>
+        </p:nvSpPr>
+        <p:spPr>
+          <a:xfrm>
+            <a:off x="4277360" y="1334394"/>
+            <a:ext cx="873760" cy="5095363"/>
+          </a:xfrm>
+          <a:prstGeom prst="ellipse">
+            <a:avLst/>
+          </a:prstGeom>
+          <a:noFill/>
+          <a:ln w="28575">
+            <a:solidFill>
+              <a:srgbClr val="00B050"/>
+            </a:solidFill>
+          </a:ln>
+        </p:spPr>
+        <p:style>
+          <a:lnRef idx="2">
+            <a:schemeClr val="accent1">
+              <a:shade val="50000"/>
+            </a:schemeClr>
+          </a:lnRef>
+          <a:fillRef idx="1">
+            <a:schemeClr val="accent1"/>
+          </a:fillRef>
+          <a:effectRef idx="0">
+            <a:schemeClr val="accent1"/>
+          </a:effectRef>
+          <a:fontRef idx="minor">
+            <a:schemeClr val="lt1"/>
+          </a:fontRef>
+        </p:style>
+        <p:txBody>
+          <a:bodyPr rtlCol="0" anchor="ctr"/>
+          <a:lstStyle/>
+          <a:p>
+            <a:pPr algn="ctr"/>
+            <a:endParaRPr lang="en-US"/>
           </a:p>
         </p:txBody>
       </p:sp>
     </p:spTree>
     <p:extLst>
       <p:ext uri="{BB962C8B-B14F-4D97-AF65-F5344CB8AC3E}">
-        <p14:creationId xmlns:p14="http://schemas.microsoft.com/office/powerpoint/2010/main" val="1356862054"/>
+        <p14:creationId xmlns:p14="http://schemas.microsoft.com/office/powerpoint/2010/main" val="1306573025"/>
       </p:ext>
     </p:extLst>
   </p:cSld>
@@ -9286,6 +9718,716 @@
         </p:nvSpPr>
         <p:spPr>
           <a:xfrm>
+            <a:off x="0" y="0"/>
+            <a:ext cx="12321153" cy="852407"/>
+          </a:xfrm>
+        </p:spPr>
+        <p:txBody>
+          <a:bodyPr>
+            <a:normAutofit/>
+          </a:bodyPr>
+          <a:lstStyle/>
+          <a:p>
+            <a:pPr lvl="0"/>
+            <a:r>
+              <a:rPr lang="en-US" sz="3900" dirty="0"/>
+              <a:t>Booz Allen Hamilton's (BAH's) </a:t>
+            </a:r>
+            <a:r>
+              <a:rPr lang="en-US" sz="3900" dirty="0">
+                <a:hlinkClick r:id="rId3"/>
+              </a:rPr>
+              <a:t>Field Guide to Data </a:t>
+            </a:r>
+            <a:r>
+              <a:rPr lang="en-US" sz="3900" dirty="0" smtClean="0">
+                <a:hlinkClick r:id="rId3"/>
+              </a:rPr>
+              <a:t>Science</a:t>
+            </a:r>
+            <a:endParaRPr lang="en-US" sz="3900" dirty="0"/>
+          </a:p>
+        </p:txBody>
+      </p:sp>
+      <p:pic>
+        <p:nvPicPr>
+          <p:cNvPr id="5" name="Picture 4"/>
+          <p:cNvPicPr>
+            <a:picLocks noChangeAspect="1"/>
+          </p:cNvPicPr>
+          <p:nvPr/>
+        </p:nvPicPr>
+        <p:blipFill>
+          <a:blip r:embed="rId4">
+            <a:extLst>
+              <a:ext uri="{28A0092B-C50C-407E-A947-70E740481C1C}">
+                <a14:useLocalDpi xmlns:a14="http://schemas.microsoft.com/office/drawing/2010/main" val="0"/>
+              </a:ext>
+            </a:extLst>
+          </a:blip>
+          <a:stretch>
+            <a:fillRect/>
+          </a:stretch>
+        </p:blipFill>
+        <p:spPr>
+          <a:xfrm>
+            <a:off x="2910130" y="686282"/>
+            <a:ext cx="9089502" cy="6171718"/>
+          </a:xfrm>
+          <a:prstGeom prst="rect">
+            <a:avLst/>
+          </a:prstGeom>
+        </p:spPr>
+      </p:pic>
+      <p:sp>
+        <p:nvSpPr>
+          <p:cNvPr id="3" name="Content Placeholder 2"/>
+          <p:cNvSpPr>
+            <a:spLocks noGrp="1"/>
+          </p:cNvSpPr>
+          <p:nvPr>
+            <p:ph idx="1"/>
+          </p:nvPr>
+        </p:nvSpPr>
+        <p:spPr>
+          <a:xfrm>
+            <a:off x="152400" y="1181100"/>
+            <a:ext cx="2867025" cy="2505075"/>
+          </a:xfrm>
+        </p:spPr>
+        <p:txBody>
+          <a:bodyPr>
+            <a:normAutofit fontScale="92500" lnSpcReduction="20000"/>
+          </a:bodyPr>
+          <a:lstStyle/>
+          <a:p>
+            <a:pPr marL="0" lvl="0" indent="0">
+              <a:buNone/>
+            </a:pPr>
+            <a:r>
+              <a:rPr lang="en-US" dirty="0" smtClean="0"/>
+              <a:t>Where are you?</a:t>
+            </a:r>
+          </a:p>
+          <a:p>
+            <a:pPr lvl="0"/>
+            <a:r>
+              <a:rPr lang="en-US" dirty="0" smtClean="0"/>
+              <a:t>Individual</a:t>
+            </a:r>
+          </a:p>
+          <a:p>
+            <a:pPr lvl="0"/>
+            <a:r>
+              <a:rPr lang="en-US" dirty="0" smtClean="0"/>
+              <a:t>Organization</a:t>
+            </a:r>
+          </a:p>
+          <a:p>
+            <a:pPr lvl="0"/>
+            <a:r>
+              <a:rPr lang="en-US" dirty="0" smtClean="0"/>
+              <a:t>Per Project</a:t>
+            </a:r>
+          </a:p>
+          <a:p>
+            <a:pPr lvl="1"/>
+            <a:endParaRPr lang="en-US" dirty="0" smtClean="0"/>
+          </a:p>
+          <a:p>
+            <a:pPr marL="0" indent="0">
+              <a:buNone/>
+            </a:pPr>
+            <a:r>
+              <a:rPr lang="en-US" dirty="0" smtClean="0"/>
+              <a:t>Goal: </a:t>
+            </a:r>
+            <a:r>
+              <a:rPr lang="en-US" dirty="0" smtClean="0">
+                <a:solidFill>
+                  <a:srgbClr val="00B050"/>
+                </a:solidFill>
+              </a:rPr>
+              <a:t>Advice</a:t>
+            </a:r>
+          </a:p>
+        </p:txBody>
+      </p:sp>
+      <p:pic>
+        <p:nvPicPr>
+          <p:cNvPr id="6" name="Picture 5"/>
+          <p:cNvPicPr>
+            <a:picLocks noChangeAspect="1"/>
+          </p:cNvPicPr>
+          <p:nvPr/>
+        </p:nvPicPr>
+        <p:blipFill>
+          <a:blip r:embed="rId5">
+            <a:extLst>
+              <a:ext uri="{28A0092B-C50C-407E-A947-70E740481C1C}">
+                <a14:useLocalDpi xmlns:a14="http://schemas.microsoft.com/office/drawing/2010/main" val="0"/>
+              </a:ext>
+            </a:extLst>
+          </a:blip>
+          <a:stretch>
+            <a:fillRect/>
+          </a:stretch>
+        </p:blipFill>
+        <p:spPr>
+          <a:xfrm>
+            <a:off x="83274" y="3686175"/>
+            <a:ext cx="2743583" cy="2743583"/>
+          </a:xfrm>
+          <a:prstGeom prst="rect">
+            <a:avLst/>
+          </a:prstGeom>
+        </p:spPr>
+      </p:pic>
+      <p:sp>
+        <p:nvSpPr>
+          <p:cNvPr id="4" name="Oval 3"/>
+          <p:cNvSpPr/>
+          <p:nvPr/>
+        </p:nvSpPr>
+        <p:spPr>
+          <a:xfrm>
+            <a:off x="10210800" y="1334395"/>
+            <a:ext cx="1552575" cy="1075429"/>
+          </a:xfrm>
+          <a:prstGeom prst="ellipse">
+            <a:avLst/>
+          </a:prstGeom>
+          <a:noFill/>
+          <a:ln w="28575">
+            <a:solidFill>
+              <a:srgbClr val="00B050"/>
+            </a:solidFill>
+          </a:ln>
+        </p:spPr>
+        <p:style>
+          <a:lnRef idx="2">
+            <a:schemeClr val="accent1">
+              <a:shade val="50000"/>
+            </a:schemeClr>
+          </a:lnRef>
+          <a:fillRef idx="1">
+            <a:schemeClr val="accent1"/>
+          </a:fillRef>
+          <a:effectRef idx="0">
+            <a:schemeClr val="accent1"/>
+          </a:effectRef>
+          <a:fontRef idx="minor">
+            <a:schemeClr val="lt1"/>
+          </a:fontRef>
+        </p:style>
+        <p:txBody>
+          <a:bodyPr rtlCol="0" anchor="ctr"/>
+          <a:lstStyle/>
+          <a:p>
+            <a:pPr algn="ctr"/>
+            <a:endParaRPr lang="en-US"/>
+          </a:p>
+        </p:txBody>
+      </p:sp>
+      <p:sp>
+        <p:nvSpPr>
+          <p:cNvPr id="7" name="Oval 6"/>
+          <p:cNvSpPr/>
+          <p:nvPr/>
+        </p:nvSpPr>
+        <p:spPr>
+          <a:xfrm>
+            <a:off x="4277360" y="1334394"/>
+            <a:ext cx="873760" cy="5095363"/>
+          </a:xfrm>
+          <a:prstGeom prst="ellipse">
+            <a:avLst/>
+          </a:prstGeom>
+          <a:noFill/>
+          <a:ln w="28575">
+            <a:solidFill>
+              <a:srgbClr val="00B050"/>
+            </a:solidFill>
+          </a:ln>
+        </p:spPr>
+        <p:style>
+          <a:lnRef idx="2">
+            <a:schemeClr val="accent1">
+              <a:shade val="50000"/>
+            </a:schemeClr>
+          </a:lnRef>
+          <a:fillRef idx="1">
+            <a:schemeClr val="accent1"/>
+          </a:fillRef>
+          <a:effectRef idx="0">
+            <a:schemeClr val="accent1"/>
+          </a:effectRef>
+          <a:fontRef idx="minor">
+            <a:schemeClr val="lt1"/>
+          </a:fontRef>
+        </p:style>
+        <p:txBody>
+          <a:bodyPr rtlCol="0" anchor="ctr"/>
+          <a:lstStyle/>
+          <a:p>
+            <a:pPr algn="ctr"/>
+            <a:endParaRPr lang="en-US"/>
+          </a:p>
+        </p:txBody>
+      </p:sp>
+      <p:sp>
+        <p:nvSpPr>
+          <p:cNvPr id="9" name="TextBox 8"/>
+          <p:cNvSpPr txBox="1"/>
+          <p:nvPr/>
+        </p:nvSpPr>
+        <p:spPr>
+          <a:xfrm>
+            <a:off x="1272857" y="5905668"/>
+            <a:ext cx="802168" cy="369332"/>
+          </a:xfrm>
+          <a:prstGeom prst="rect">
+            <a:avLst/>
+          </a:prstGeom>
+          <a:noFill/>
+        </p:spPr>
+        <p:txBody>
+          <a:bodyPr wrap="square" rtlCol="0">
+            <a:spAutoFit/>
+          </a:bodyPr>
+          <a:lstStyle/>
+          <a:p>
+            <a:r>
+              <a:rPr lang="en-US" dirty="0" smtClean="0">
+                <a:solidFill>
+                  <a:srgbClr val="00B050"/>
+                </a:solidFill>
+              </a:rPr>
+              <a:t>$</a:t>
+            </a:r>
+            <a:endParaRPr lang="en-US" dirty="0">
+              <a:solidFill>
+                <a:srgbClr val="00B050"/>
+              </a:solidFill>
+            </a:endParaRPr>
+          </a:p>
+        </p:txBody>
+      </p:sp>
+      <p:sp>
+        <p:nvSpPr>
+          <p:cNvPr id="10" name="TextBox 9"/>
+          <p:cNvSpPr txBox="1"/>
+          <p:nvPr/>
+        </p:nvSpPr>
+        <p:spPr>
+          <a:xfrm>
+            <a:off x="6723833" y="4696628"/>
+            <a:ext cx="802168" cy="276999"/>
+          </a:xfrm>
+          <a:prstGeom prst="rect">
+            <a:avLst/>
+          </a:prstGeom>
+          <a:noFill/>
+        </p:spPr>
+        <p:txBody>
+          <a:bodyPr wrap="square" rtlCol="0">
+            <a:spAutoFit/>
+          </a:bodyPr>
+          <a:lstStyle/>
+          <a:p>
+            <a:r>
+              <a:rPr lang="en-US" sz="1200" dirty="0" smtClean="0">
+                <a:solidFill>
+                  <a:srgbClr val="00B050"/>
+                </a:solidFill>
+              </a:rPr>
+              <a:t>$</a:t>
+            </a:r>
+            <a:endParaRPr lang="en-US" sz="1200" dirty="0">
+              <a:solidFill>
+                <a:srgbClr val="00B050"/>
+              </a:solidFill>
+            </a:endParaRPr>
+          </a:p>
+        </p:txBody>
+      </p:sp>
+      <p:sp>
+        <p:nvSpPr>
+          <p:cNvPr id="11" name="TextBox 10"/>
+          <p:cNvSpPr txBox="1"/>
+          <p:nvPr/>
+        </p:nvSpPr>
+        <p:spPr>
+          <a:xfrm>
+            <a:off x="7660166" y="4005748"/>
+            <a:ext cx="802168" cy="369332"/>
+          </a:xfrm>
+          <a:prstGeom prst="rect">
+            <a:avLst/>
+          </a:prstGeom>
+          <a:noFill/>
+        </p:spPr>
+        <p:txBody>
+          <a:bodyPr wrap="square" rtlCol="0">
+            <a:spAutoFit/>
+          </a:bodyPr>
+          <a:lstStyle/>
+          <a:p>
+            <a:r>
+              <a:rPr lang="en-US" dirty="0" smtClean="0">
+                <a:solidFill>
+                  <a:srgbClr val="00B050"/>
+                </a:solidFill>
+              </a:rPr>
+              <a:t>$</a:t>
+            </a:r>
+            <a:endParaRPr lang="en-US" dirty="0">
+              <a:solidFill>
+                <a:srgbClr val="00B050"/>
+              </a:solidFill>
+            </a:endParaRPr>
+          </a:p>
+        </p:txBody>
+      </p:sp>
+      <p:sp>
+        <p:nvSpPr>
+          <p:cNvPr id="12" name="TextBox 11"/>
+          <p:cNvSpPr txBox="1"/>
+          <p:nvPr/>
+        </p:nvSpPr>
+        <p:spPr>
+          <a:xfrm>
+            <a:off x="8943657" y="3040548"/>
+            <a:ext cx="802168" cy="369332"/>
+          </a:xfrm>
+          <a:prstGeom prst="rect">
+            <a:avLst/>
+          </a:prstGeom>
+          <a:noFill/>
+        </p:spPr>
+        <p:txBody>
+          <a:bodyPr wrap="square" rtlCol="0">
+            <a:spAutoFit/>
+          </a:bodyPr>
+          <a:lstStyle/>
+          <a:p>
+            <a:r>
+              <a:rPr lang="en-US" b="1" dirty="0" smtClean="0">
+                <a:solidFill>
+                  <a:srgbClr val="00B050"/>
+                </a:solidFill>
+              </a:rPr>
+              <a:t>$$$</a:t>
+            </a:r>
+            <a:endParaRPr lang="en-US" b="1" dirty="0">
+              <a:solidFill>
+                <a:srgbClr val="00B050"/>
+              </a:solidFill>
+            </a:endParaRPr>
+          </a:p>
+        </p:txBody>
+      </p:sp>
+      <p:sp>
+        <p:nvSpPr>
+          <p:cNvPr id="13" name="TextBox 12"/>
+          <p:cNvSpPr txBox="1"/>
+          <p:nvPr/>
+        </p:nvSpPr>
+        <p:spPr>
+          <a:xfrm>
+            <a:off x="10447337" y="2029227"/>
+            <a:ext cx="802168" cy="369332"/>
+          </a:xfrm>
+          <a:prstGeom prst="rect">
+            <a:avLst/>
+          </a:prstGeom>
+          <a:noFill/>
+        </p:spPr>
+        <p:txBody>
+          <a:bodyPr wrap="square" rtlCol="0">
+            <a:spAutoFit/>
+          </a:bodyPr>
+          <a:lstStyle/>
+          <a:p>
+            <a:r>
+              <a:rPr lang="en-US" b="1" dirty="0" smtClean="0">
+                <a:solidFill>
+                  <a:srgbClr val="00B050"/>
+                </a:solidFill>
+              </a:rPr>
+              <a:t>$$$$</a:t>
+            </a:r>
+            <a:endParaRPr lang="en-US" b="1" dirty="0">
+              <a:solidFill>
+                <a:srgbClr val="00B050"/>
+              </a:solidFill>
+            </a:endParaRPr>
+          </a:p>
+        </p:txBody>
+      </p:sp>
+    </p:spTree>
+    <p:extLst>
+      <p:ext uri="{BB962C8B-B14F-4D97-AF65-F5344CB8AC3E}">
+        <p14:creationId xmlns:p14="http://schemas.microsoft.com/office/powerpoint/2010/main" val="4009897594"/>
+      </p:ext>
+    </p:extLst>
+  </p:cSld>
+  <p:clrMapOvr>
+    <a:masterClrMapping/>
+  </p:clrMapOvr>
+  <p:timing>
+    <p:tnLst>
+      <p:par>
+        <p:cTn id="1" dur="indefinite" restart="never" nodeType="tmRoot"/>
+      </p:par>
+    </p:tnLst>
+  </p:timing>
+</p:sld>
+</file>
+
+<file path=ppt/slides/slide14.xml><?xml version="1.0" encoding="utf-8"?>
+<p:sld xmlns:a="http://schemas.openxmlformats.org/drawingml/2006/main" xmlns:r="http://schemas.openxmlformats.org/officeDocument/2006/relationships" xmlns:p="http://schemas.openxmlformats.org/presentationml/2006/main">
+  <p:cSld>
+    <p:spTree>
+      <p:nvGrpSpPr>
+        <p:cNvPr id="1" name=""/>
+        <p:cNvGrpSpPr/>
+        <p:nvPr/>
+      </p:nvGrpSpPr>
+      <p:grpSpPr>
+        <a:xfrm>
+          <a:off x="0" y="0"/>
+          <a:ext cx="0" cy="0"/>
+          <a:chOff x="0" y="0"/>
+          <a:chExt cx="0" cy="0"/>
+        </a:xfrm>
+      </p:grpSpPr>
+      <p:sp>
+        <p:nvSpPr>
+          <p:cNvPr id="2" name="Title 1"/>
+          <p:cNvSpPr>
+            <a:spLocks noGrp="1"/>
+          </p:cNvSpPr>
+          <p:nvPr>
+            <p:ph type="title"/>
+          </p:nvPr>
+        </p:nvSpPr>
+        <p:spPr/>
+        <p:txBody>
+          <a:bodyPr>
+            <a:normAutofit fontScale="90000"/>
+          </a:bodyPr>
+          <a:lstStyle/>
+          <a:p>
+            <a:pPr lvl="0"/>
+            <a:r>
+              <a:rPr lang="en-US" dirty="0" smtClean="0"/>
+              <a:t>BAH Field Guide: </a:t>
+            </a:r>
+            <a:br>
+              <a:rPr lang="en-US" dirty="0" smtClean="0"/>
+            </a:br>
+            <a:r>
+              <a:rPr lang="en-US" b="1" dirty="0" smtClean="0"/>
+              <a:t>Data Science is the art of turning data into actions:</a:t>
+            </a:r>
+            <a:endParaRPr lang="en-US" b="1" dirty="0"/>
+          </a:p>
+        </p:txBody>
+      </p:sp>
+      <p:sp>
+        <p:nvSpPr>
+          <p:cNvPr id="3" name="Content Placeholder 2"/>
+          <p:cNvSpPr>
+            <a:spLocks noGrp="1"/>
+          </p:cNvSpPr>
+          <p:nvPr>
+            <p:ph idx="1"/>
+          </p:nvPr>
+        </p:nvSpPr>
+        <p:spPr>
+          <a:xfrm>
+            <a:off x="838200" y="1825625"/>
+            <a:ext cx="10515600" cy="4832350"/>
+          </a:xfrm>
+        </p:spPr>
+        <p:txBody>
+          <a:bodyPr>
+            <a:normAutofit/>
+          </a:bodyPr>
+          <a:lstStyle/>
+          <a:p>
+            <a:pPr lvl="0"/>
+            <a:r>
+              <a:rPr lang="en-US" sz="3200" dirty="0" smtClean="0"/>
+              <a:t>Tradecraft </a:t>
+            </a:r>
+            <a:r>
+              <a:rPr lang="en-US" sz="3200" i="1" dirty="0" smtClean="0"/>
+              <a:t>creates </a:t>
+            </a:r>
+            <a:r>
+              <a:rPr lang="en-US" sz="3200" b="1" i="1" dirty="0" smtClean="0"/>
+              <a:t>data products</a:t>
+            </a:r>
+            <a:endParaRPr lang="en-US" sz="3200" b="1" dirty="0" smtClean="0"/>
+          </a:p>
+          <a:p>
+            <a:pPr lvl="1"/>
+            <a:r>
+              <a:rPr lang="en-US" sz="3200" dirty="0" smtClean="0"/>
+              <a:t>Drive </a:t>
+            </a:r>
+            <a:r>
+              <a:rPr lang="en-US" sz="3200" dirty="0"/>
+              <a:t>actions </a:t>
+            </a:r>
+            <a:r>
+              <a:rPr lang="en-US" sz="3200" dirty="0" smtClean="0"/>
+              <a:t>– </a:t>
+            </a:r>
+            <a:r>
+              <a:rPr lang="en-US" sz="3200" b="1" i="1" dirty="0" smtClean="0"/>
+              <a:t>advice</a:t>
+            </a:r>
+            <a:r>
+              <a:rPr lang="en-US" sz="3200" dirty="0" smtClean="0"/>
+              <a:t> – possibility and danger</a:t>
+            </a:r>
+          </a:p>
+          <a:p>
+            <a:pPr lvl="0"/>
+            <a:r>
+              <a:rPr lang="en-US" sz="3200" dirty="0" smtClean="0"/>
+              <a:t>Supports and encourages shifting between:</a:t>
+            </a:r>
+          </a:p>
+          <a:p>
+            <a:pPr lvl="1"/>
+            <a:r>
+              <a:rPr lang="en-US" sz="3200" b="1" dirty="0" smtClean="0"/>
+              <a:t>Deductive</a:t>
+            </a:r>
+            <a:r>
+              <a:rPr lang="en-US" sz="3200" dirty="0" smtClean="0"/>
+              <a:t> (hypothesis-based) reasoning</a:t>
+            </a:r>
+          </a:p>
+          <a:p>
+            <a:pPr lvl="1"/>
+            <a:r>
+              <a:rPr lang="en-US" sz="3200" b="1" dirty="0" smtClean="0"/>
+              <a:t>Inductive</a:t>
+            </a:r>
+            <a:r>
+              <a:rPr lang="en-US" sz="3200" dirty="0" smtClean="0"/>
+              <a:t> (pattern-based) reasoning</a:t>
+            </a:r>
+          </a:p>
+          <a:p>
+            <a:pPr lvl="0"/>
+            <a:r>
+              <a:rPr lang="en-US" sz="3200" dirty="0"/>
+              <a:t>N</a:t>
+            </a:r>
+            <a:r>
+              <a:rPr lang="en-US" sz="3200" dirty="0" smtClean="0"/>
+              <a:t>ecessary for companies to </a:t>
+            </a:r>
+            <a:r>
+              <a:rPr lang="en-US" sz="3200" b="1" dirty="0" smtClean="0"/>
+              <a:t>compete</a:t>
+            </a:r>
+          </a:p>
+          <a:p>
+            <a:pPr lvl="0"/>
+            <a:r>
+              <a:rPr lang="en-US" sz="3200" dirty="0" smtClean="0"/>
+              <a:t>Capabilities </a:t>
+            </a:r>
+            <a:r>
+              <a:rPr lang="en-US" sz="3200" b="1" dirty="0" smtClean="0"/>
+              <a:t>can be built</a:t>
+            </a:r>
+            <a:r>
+              <a:rPr lang="en-US" sz="3200" dirty="0" smtClean="0"/>
+              <a:t> over time</a:t>
+            </a:r>
+          </a:p>
+          <a:p>
+            <a:pPr lvl="0"/>
+            <a:r>
+              <a:rPr lang="en-US" sz="3200" dirty="0" smtClean="0"/>
+              <a:t>Different kind of team sport</a:t>
+            </a:r>
+          </a:p>
+          <a:p>
+            <a:pPr lvl="1"/>
+            <a:r>
+              <a:rPr lang="en-US" sz="2800" dirty="0" smtClean="0"/>
+              <a:t>Company-wide </a:t>
+            </a:r>
+            <a:r>
+              <a:rPr lang="en-US" sz="2800" i="1" dirty="0" smtClean="0"/>
+              <a:t>open culture </a:t>
+            </a:r>
+            <a:r>
+              <a:rPr lang="en-US" sz="2800" dirty="0" smtClean="0"/>
+              <a:t>– commitment to insights from data</a:t>
+            </a:r>
+            <a:endParaRPr lang="en-US" sz="2800" dirty="0"/>
+          </a:p>
+        </p:txBody>
+      </p:sp>
+    </p:spTree>
+    <p:extLst>
+      <p:ext uri="{BB962C8B-B14F-4D97-AF65-F5344CB8AC3E}">
+        <p14:creationId xmlns:p14="http://schemas.microsoft.com/office/powerpoint/2010/main" val="1356862054"/>
+      </p:ext>
+    </p:extLst>
+  </p:cSld>
+  <p:clrMapOvr>
+    <a:masterClrMapping/>
+  </p:clrMapOvr>
+  <p:timing>
+    <p:tnLst>
+      <p:par>
+        <p:cTn id="1" dur="indefinite" restart="never" nodeType="tmRoot"/>
+      </p:par>
+    </p:tnLst>
+  </p:timing>
+</p:sld>
+</file>
+
+<file path=ppt/slides/slide15.xml><?xml version="1.0" encoding="utf-8"?>
+<p:sld xmlns:a="http://schemas.openxmlformats.org/drawingml/2006/main" xmlns:r="http://schemas.openxmlformats.org/officeDocument/2006/relationships" xmlns:p="http://schemas.openxmlformats.org/presentationml/2006/main">
+  <p:cSld>
+    <p:spTree>
+      <p:nvGrpSpPr>
+        <p:cNvPr id="1" name=""/>
+        <p:cNvGrpSpPr/>
+        <p:nvPr/>
+      </p:nvGrpSpPr>
+      <p:grpSpPr>
+        <a:xfrm>
+          <a:off x="0" y="0"/>
+          <a:ext cx="0" cy="0"/>
+          <a:chOff x="0" y="0"/>
+          <a:chExt cx="0" cy="0"/>
+        </a:xfrm>
+      </p:grpSpPr>
+      <p:sp>
+        <p:nvSpPr>
+          <p:cNvPr id="2" name="Title 1"/>
+          <p:cNvSpPr>
+            <a:spLocks noGrp="1"/>
+          </p:cNvSpPr>
+          <p:nvPr>
+            <p:ph type="title"/>
+          </p:nvPr>
+        </p:nvSpPr>
+        <p:spPr>
+          <a:xfrm>
             <a:off x="0" y="1"/>
             <a:ext cx="12192000" cy="1007390"/>
           </a:xfrm>
@@ -9360,26 +10502,14 @@
           <a:p>
             <a:r>
               <a:rPr lang="en-US" baseline="0" dirty="0" smtClean="0"/>
-              <a:t>Earned </a:t>
-            </a:r>
-            <a:r>
-              <a:rPr lang="en-US" baseline="0" dirty="0" smtClean="0"/>
-              <a:t>Value </a:t>
-            </a:r>
-            <a:r>
-              <a:rPr lang="en-US" baseline="0" dirty="0" smtClean="0"/>
-              <a:t>Management =</a:t>
+              <a:t>Earned Value Management =</a:t>
             </a:r>
             <a:br>
               <a:rPr lang="en-US" baseline="0" dirty="0" smtClean="0"/>
             </a:br>
             <a:r>
               <a:rPr lang="en-US" baseline="0" dirty="0" smtClean="0"/>
-              <a:t>value </a:t>
-            </a:r>
-            <a:r>
-              <a:rPr lang="en-US" baseline="0" dirty="0" smtClean="0"/>
-              <a:t>earned from work being done </a:t>
+              <a:t>value earned from work being done </a:t>
             </a:r>
             <a:r>
               <a:rPr lang="en-US" baseline="0" dirty="0" smtClean="0">
@@ -9399,19 +10529,7 @@
           <a:p>
             <a:r>
               <a:rPr lang="en-US" dirty="0" smtClean="0"/>
-              <a:t>Plan your </a:t>
-            </a:r>
-            <a:r>
-              <a:rPr lang="en-US" dirty="0" smtClean="0"/>
-              <a:t>work </a:t>
-            </a:r>
-            <a:r>
-              <a:rPr lang="en-US" dirty="0" smtClean="0"/>
-              <a:t>work your </a:t>
-            </a:r>
-            <a:r>
-              <a:rPr lang="en-US" dirty="0" smtClean="0"/>
-              <a:t>plan</a:t>
+              <a:t>Plan your work work your plan</a:t>
             </a:r>
             <a:br>
               <a:rPr lang="en-US" dirty="0" smtClean="0"/>
@@ -9548,7 +10666,7 @@
                   <a:srgbClr val="0070C0"/>
                 </a:solidFill>
               </a:rPr>
-              <a:t>Effort</a:t>
+              <a:t>Maturity</a:t>
             </a:r>
             <a:endParaRPr lang="en-US" sz="2800" b="1" dirty="0">
               <a:solidFill>
@@ -9586,7 +10704,7 @@
                   <a:srgbClr val="0070C0"/>
                 </a:solidFill>
               </a:rPr>
-              <a:t>Maturity</a:t>
+              <a:t>Effort</a:t>
             </a:r>
             <a:endParaRPr lang="en-US" sz="2800" b="1" dirty="0">
               <a:solidFill>
@@ -9646,7 +10764,7 @@
 </p:sld>
 </file>
 
-<file path=ppt/slides/slide14.xml><?xml version="1.0" encoding="utf-8"?>
+<file path=ppt/slides/slide16.xml><?xml version="1.0" encoding="utf-8"?>
 <p:sld xmlns:a="http://schemas.openxmlformats.org/drawingml/2006/main" xmlns:r="http://schemas.openxmlformats.org/officeDocument/2006/relationships" xmlns:p="http://schemas.openxmlformats.org/presentationml/2006/main">
   <p:cSld>
     <p:spTree>
@@ -9747,7 +10865,7 @@
 </p:sld>
 </file>
 
-<file path=ppt/slides/slide15.xml><?xml version="1.0" encoding="utf-8"?>
+<file path=ppt/slides/slide17.xml><?xml version="1.0" encoding="utf-8"?>
 <p:sld xmlns:a="http://schemas.openxmlformats.org/drawingml/2006/main" xmlns:r="http://schemas.openxmlformats.org/officeDocument/2006/relationships" xmlns:p="http://schemas.openxmlformats.org/presentationml/2006/main">
   <p:cSld>
     <p:spTree>
@@ -9891,7 +11009,7 @@
 </p:sld>
 </file>
 
-<file path=ppt/slides/slide16.xml><?xml version="1.0" encoding="utf-8"?>
+<file path=ppt/slides/slide18.xml><?xml version="1.0" encoding="utf-8"?>
 <p:sld xmlns:a="http://schemas.openxmlformats.org/drawingml/2006/main" xmlns:r="http://schemas.openxmlformats.org/officeDocument/2006/relationships" xmlns:p="http://schemas.openxmlformats.org/presentationml/2006/main">
   <p:cSld>
     <p:spTree>
@@ -10010,11 +11128,7 @@
           <a:p>
             <a:r>
               <a:rPr lang="en-US" dirty="0" smtClean="0"/>
-              <a:t>Possibility - clockwise </a:t>
-            </a:r>
-            <a:r>
-              <a:rPr lang="en-US" dirty="0" smtClean="0"/>
-              <a:t>(Opportunity):</a:t>
+              <a:t>Possibility - clockwise (Opportunity):</a:t>
             </a:r>
             <a:endParaRPr lang="en-US" dirty="0"/>
           </a:p>
@@ -10067,7 +11181,6 @@
               <a:rPr lang="en-US" dirty="0" smtClean="0"/>
               <a:t>Data is only a starting point</a:t>
             </a:r>
-            <a:endParaRPr lang="en-US" dirty="0" smtClean="0"/>
           </a:p>
           <a:p>
             <a:pPr lvl="1"/>
@@ -10096,7 +11209,6 @@
               <a:rPr lang="en-US" dirty="0" smtClean="0"/>
               <a:t>Danger - counterclockwise (Constraint):</a:t>
             </a:r>
-            <a:endParaRPr lang="en-US" dirty="0" smtClean="0"/>
           </a:p>
           <a:p>
             <a:pPr lvl="1"/>
@@ -10110,13 +11222,8 @@
             </a:r>
             <a:r>
               <a:rPr lang="en-US" dirty="0" smtClean="0"/>
-              <a:t> </a:t>
-            </a:r>
-            <a:r>
-              <a:rPr lang="en-US" dirty="0" smtClean="0"/>
-              <a:t>constrains being</a:t>
-            </a:r>
-            <a:endParaRPr lang="en-US" dirty="0" smtClean="0"/>
+              <a:t> constrains being</a:t>
+            </a:r>
           </a:p>
           <a:p>
             <a:pPr lvl="1"/>
@@ -10141,15 +11248,7 @@
             <a:pPr lvl="1"/>
             <a:r>
               <a:rPr lang="en-US" dirty="0" smtClean="0"/>
-              <a:t>Have </a:t>
-            </a:r>
-            <a:r>
-              <a:rPr lang="en-US" dirty="0" smtClean="0"/>
-              <a:t>-&gt; Do -&gt; </a:t>
-            </a:r>
-            <a:r>
-              <a:rPr lang="en-US" dirty="0" smtClean="0"/>
-              <a:t>Be</a:t>
+              <a:t>Have -&gt; Do -&gt; Be</a:t>
             </a:r>
           </a:p>
           <a:p>
@@ -10290,7 +11389,7 @@
 </p:sld>
 </file>
 
-<file path=ppt/slides/slide17.xml><?xml version="1.0" encoding="utf-8"?>
+<file path=ppt/slides/slide19.xml><?xml version="1.0" encoding="utf-8"?>
 <p:sld xmlns:a="http://schemas.openxmlformats.org/drawingml/2006/main" xmlns:r="http://schemas.openxmlformats.org/officeDocument/2006/relationships" xmlns:p="http://schemas.openxmlformats.org/presentationml/2006/main">
   <p:cSld>
     <p:spTree>

--- a/dm1/minitalks/ron/knowing_ds/know_ds_rn.pptx
+++ b/dm1/minitalks/ron/knowing_ds/know_ds_rn.pptx
@@ -5,7 +5,7 @@
     <p:sldMasterId id="2147483648" r:id="rId1"/>
   </p:sldMasterIdLst>
   <p:notesMasterIdLst>
-    <p:notesMasterId r:id="rId21"/>
+    <p:notesMasterId r:id="rId26"/>
   </p:notesMasterIdLst>
   <p:sldIdLst>
     <p:sldId id="256" r:id="rId2"/>
@@ -15,18 +15,23 @@
     <p:sldId id="268" r:id="rId6"/>
     <p:sldId id="269" r:id="rId7"/>
     <p:sldId id="261" r:id="rId8"/>
-    <p:sldId id="276" r:id="rId9"/>
-    <p:sldId id="266" r:id="rId10"/>
-    <p:sldId id="259" r:id="rId11"/>
-    <p:sldId id="270" r:id="rId12"/>
-    <p:sldId id="278" r:id="rId13"/>
-    <p:sldId id="279" r:id="rId14"/>
-    <p:sldId id="267" r:id="rId15"/>
-    <p:sldId id="264" r:id="rId16"/>
-    <p:sldId id="265" r:id="rId17"/>
-    <p:sldId id="258" r:id="rId18"/>
-    <p:sldId id="274" r:id="rId19"/>
-    <p:sldId id="275" r:id="rId20"/>
+    <p:sldId id="281" r:id="rId9"/>
+    <p:sldId id="285" r:id="rId10"/>
+    <p:sldId id="284" r:id="rId11"/>
+    <p:sldId id="283" r:id="rId12"/>
+    <p:sldId id="282" r:id="rId13"/>
+    <p:sldId id="276" r:id="rId14"/>
+    <p:sldId id="266" r:id="rId15"/>
+    <p:sldId id="259" r:id="rId16"/>
+    <p:sldId id="270" r:id="rId17"/>
+    <p:sldId id="278" r:id="rId18"/>
+    <p:sldId id="279" r:id="rId19"/>
+    <p:sldId id="267" r:id="rId20"/>
+    <p:sldId id="264" r:id="rId21"/>
+    <p:sldId id="265" r:id="rId22"/>
+    <p:sldId id="258" r:id="rId23"/>
+    <p:sldId id="274" r:id="rId24"/>
+    <p:sldId id="275" r:id="rId25"/>
   </p:sldIdLst>
   <p:sldSz cx="12192000" cy="6858000"/>
   <p:notesSz cx="6858000" cy="9144000"/>
@@ -1160,7 +1165,7 @@
   <dgm:whole/>
   <dgm:extLst>
     <a:ext uri="http://schemas.microsoft.com/office/drawing/2008/diagram">
-      <dsp:dataModelExt xmlns:dsp="http://schemas.microsoft.com/office/drawing/2008/diagram" relId="rId8" minVer="http://schemas.openxmlformats.org/drawingml/2006/diagram"/>
+      <dsp:dataModelExt xmlns:dsp="http://schemas.microsoft.com/office/drawing/2008/diagram" relId="rId7" minVer="http://schemas.openxmlformats.org/drawingml/2006/diagram"/>
     </a:ext>
   </dgm:extLst>
 </dgm:dataModel>
@@ -4441,7 +4446,7 @@
           <a:p>
             <a:fld id="{3FF724DD-C013-4DED-9F53-18D16E116C32}" type="datetimeFigureOut">
               <a:rPr lang="en-US" smtClean="0"/>
-              <a:t>10/18/2018</a:t>
+              <a:t>10/19/2018</a:t>
             </a:fld>
             <a:endParaRPr lang="en-US"/>
           </a:p>
@@ -4837,22 +4842,6 @@
           <a:bodyPr/>
           <a:lstStyle/>
           <a:p>
-            <a:r>
-              <a:rPr lang="en-US" dirty="0" smtClean="0"/>
-              <a:t>While advice</a:t>
-            </a:r>
-            <a:r>
-              <a:rPr lang="en-US" baseline="0" dirty="0" smtClean="0"/>
-              <a:t> is the goal what proportion of effort constitutes it as a deliverable?  </a:t>
-            </a:r>
-            <a:r>
-              <a:rPr lang="en-US" dirty="0" smtClean="0"/>
-              <a:t>How much space does advise take</a:t>
-            </a:r>
-            <a:r>
-              <a:rPr lang="en-US" baseline="0" dirty="0" smtClean="0"/>
-              <a:t> up on the graph?</a:t>
-            </a:r>
             <a:endParaRPr lang="en-US" dirty="0"/>
           </a:p>
         </p:txBody>
@@ -4883,7 +4872,7 @@
     </p:spTree>
     <p:extLst>
       <p:ext uri="{BB962C8B-B14F-4D97-AF65-F5344CB8AC3E}">
-        <p14:creationId xmlns:p14="http://schemas.microsoft.com/office/powerpoint/2010/main" val="2525356824"/>
+        <p14:creationId xmlns:p14="http://schemas.microsoft.com/office/powerpoint/2010/main" val="1096800122"/>
       </p:ext>
     </p:extLst>
   </p:cSld>
@@ -4938,20 +4927,8 @@
           <a:lstStyle/>
           <a:p>
             <a:r>
-              <a:rPr lang="en-US" dirty="0" smtClean="0"/>
-              <a:t>While advice</a:t>
-            </a:r>
-            <a:r>
               <a:rPr lang="en-US" baseline="0" dirty="0" smtClean="0"/>
-              <a:t> is the goal what proportion of effort constitutes it as a deliverable?  </a:t>
-            </a:r>
-            <a:r>
-              <a:rPr lang="en-US" dirty="0" smtClean="0"/>
-              <a:t>How much space does advise take</a:t>
-            </a:r>
-            <a:r>
-              <a:rPr lang="en-US" baseline="0" dirty="0" smtClean="0"/>
-              <a:t> up on the graph?</a:t>
+              <a:t>Start point:</a:t>
             </a:r>
             <a:endParaRPr lang="en-US" dirty="0"/>
           </a:p>
@@ -4983,7 +4960,7 @@
     </p:spTree>
     <p:extLst>
       <p:ext uri="{BB962C8B-B14F-4D97-AF65-F5344CB8AC3E}">
-        <p14:creationId xmlns:p14="http://schemas.microsoft.com/office/powerpoint/2010/main" val="2409045430"/>
+        <p14:creationId xmlns:p14="http://schemas.microsoft.com/office/powerpoint/2010/main" val="3136048214"/>
       </p:ext>
     </p:extLst>
   </p:cSld>
@@ -5037,6 +5014,22 @@
           <a:bodyPr/>
           <a:lstStyle/>
           <a:p>
+            <a:r>
+              <a:rPr lang="en-US" baseline="0" dirty="0" smtClean="0"/>
+              <a:t>Supervised: train from known outcomes</a:t>
+            </a:r>
+          </a:p>
+          <a:p>
+            <a:r>
+              <a:rPr lang="en-US" baseline="0" dirty="0" smtClean="0"/>
+              <a:t>Unsupervised: learn and discover relationships in data</a:t>
+            </a:r>
+          </a:p>
+          <a:p>
+            <a:r>
+              <a:rPr lang="en-US" baseline="0" dirty="0" smtClean="0"/>
+              <a:t>Loosely defined: can assign numbers to categories, can assign known labels to clusters</a:t>
+            </a:r>
             <a:endParaRPr lang="en-US" dirty="0"/>
           </a:p>
         </p:txBody>
@@ -5058,7 +5051,7 @@
           <a:p>
             <a:fld id="{37D0CA89-0B36-463A-B501-CC109FC43DD6}" type="slidenum">
               <a:rPr lang="en-US" smtClean="0"/>
-              <a:t>15</a:t>
+              <a:t>14</a:t>
             </a:fld>
             <a:endParaRPr lang="en-US"/>
           </a:p>
@@ -5067,7 +5060,7 @@
     </p:spTree>
     <p:extLst>
       <p:ext uri="{BB962C8B-B14F-4D97-AF65-F5344CB8AC3E}">
-        <p14:creationId xmlns:p14="http://schemas.microsoft.com/office/powerpoint/2010/main" val="137883517"/>
+        <p14:creationId xmlns:p14="http://schemas.microsoft.com/office/powerpoint/2010/main" val="3758985942"/>
       </p:ext>
     </p:extLst>
   </p:cSld>
@@ -5121,6 +5114,14 @@
           <a:bodyPr/>
           <a:lstStyle/>
           <a:p>
+            <a:r>
+              <a:rPr lang="en-US" dirty="0" smtClean="0"/>
+              <a:t>What</a:t>
+            </a:r>
+            <a:r>
+              <a:rPr lang="en-US" baseline="0" dirty="0" smtClean="0"/>
+              <a:t> are the origin and basis vectors?</a:t>
+            </a:r>
             <a:endParaRPr lang="en-US" dirty="0"/>
           </a:p>
         </p:txBody>
@@ -5142,7 +5143,7 @@
           <a:p>
             <a:fld id="{37D0CA89-0B36-463A-B501-CC109FC43DD6}" type="slidenum">
               <a:rPr lang="en-US" smtClean="0"/>
-              <a:t>17</a:t>
+              <a:t>15</a:t>
             </a:fld>
             <a:endParaRPr lang="en-US"/>
           </a:p>
@@ -5151,7 +5152,7 @@
     </p:spTree>
     <p:extLst>
       <p:ext uri="{BB962C8B-B14F-4D97-AF65-F5344CB8AC3E}">
-        <p14:creationId xmlns:p14="http://schemas.microsoft.com/office/powerpoint/2010/main" val="3276505696"/>
+        <p14:creationId xmlns:p14="http://schemas.microsoft.com/office/powerpoint/2010/main" val="4228789661"/>
       </p:ext>
     </p:extLst>
   </p:cSld>
@@ -5207,11 +5208,219 @@
           <a:p>
             <a:r>
               <a:rPr lang="en-US" dirty="0" smtClean="0"/>
-              <a:t>Clockwise: be,</a:t>
+              <a:t>While advice</a:t>
             </a:r>
             <a:r>
               <a:rPr lang="en-US" baseline="0" dirty="0" smtClean="0"/>
-              <a:t> do, have</a:t>
+              <a:t> is the goal what proportion of effort constitutes it as a deliverable?  </a:t>
+            </a:r>
+            <a:r>
+              <a:rPr lang="en-US" dirty="0" smtClean="0"/>
+              <a:t>How much space does advise take</a:t>
+            </a:r>
+            <a:r>
+              <a:rPr lang="en-US" baseline="0" dirty="0" smtClean="0"/>
+              <a:t> up on the graph?</a:t>
+            </a:r>
+            <a:endParaRPr lang="en-US" dirty="0"/>
+          </a:p>
+        </p:txBody>
+      </p:sp>
+      <p:sp>
+        <p:nvSpPr>
+          <p:cNvPr id="4" name="Slide Number Placeholder 3"/>
+          <p:cNvSpPr>
+            <a:spLocks noGrp="1"/>
+          </p:cNvSpPr>
+          <p:nvPr>
+            <p:ph type="sldNum" sz="quarter" idx="10"/>
+          </p:nvPr>
+        </p:nvSpPr>
+        <p:spPr/>
+        <p:txBody>
+          <a:bodyPr/>
+          <a:lstStyle/>
+          <a:p>
+            <a:fld id="{37D0CA89-0B36-463A-B501-CC109FC43DD6}" type="slidenum">
+              <a:rPr lang="en-US" smtClean="0"/>
+              <a:t>16</a:t>
+            </a:fld>
+            <a:endParaRPr lang="en-US"/>
+          </a:p>
+        </p:txBody>
+      </p:sp>
+    </p:spTree>
+    <p:extLst>
+      <p:ext uri="{BB962C8B-B14F-4D97-AF65-F5344CB8AC3E}">
+        <p14:creationId xmlns:p14="http://schemas.microsoft.com/office/powerpoint/2010/main" val="3910516011"/>
+      </p:ext>
+    </p:extLst>
+  </p:cSld>
+  <p:clrMapOvr>
+    <a:masterClrMapping/>
+  </p:clrMapOvr>
+</p:notes>
+</file>
+
+<file path=ppt/notesSlides/notesSlide15.xml><?xml version="1.0" encoding="utf-8"?>
+<p:notes xmlns:a="http://schemas.openxmlformats.org/drawingml/2006/main" xmlns:r="http://schemas.openxmlformats.org/officeDocument/2006/relationships" xmlns:p="http://schemas.openxmlformats.org/presentationml/2006/main">
+  <p:cSld>
+    <p:spTree>
+      <p:nvGrpSpPr>
+        <p:cNvPr id="1" name=""/>
+        <p:cNvGrpSpPr/>
+        <p:nvPr/>
+      </p:nvGrpSpPr>
+      <p:grpSpPr>
+        <a:xfrm>
+          <a:off x="0" y="0"/>
+          <a:ext cx="0" cy="0"/>
+          <a:chOff x="0" y="0"/>
+          <a:chExt cx="0" cy="0"/>
+        </a:xfrm>
+      </p:grpSpPr>
+      <p:sp>
+        <p:nvSpPr>
+          <p:cNvPr id="2" name="Slide Image Placeholder 1"/>
+          <p:cNvSpPr>
+            <a:spLocks noGrp="1" noRot="1" noChangeAspect="1"/>
+          </p:cNvSpPr>
+          <p:nvPr>
+            <p:ph type="sldImg"/>
+          </p:nvPr>
+        </p:nvSpPr>
+        <p:spPr/>
+      </p:sp>
+      <p:sp>
+        <p:nvSpPr>
+          <p:cNvPr id="3" name="Notes Placeholder 2"/>
+          <p:cNvSpPr>
+            <a:spLocks noGrp="1"/>
+          </p:cNvSpPr>
+          <p:nvPr>
+            <p:ph type="body" idx="1"/>
+          </p:nvPr>
+        </p:nvSpPr>
+        <p:spPr/>
+        <p:txBody>
+          <a:bodyPr/>
+          <a:lstStyle/>
+          <a:p>
+            <a:r>
+              <a:rPr lang="en-US" dirty="0" smtClean="0"/>
+              <a:t>While advice</a:t>
+            </a:r>
+            <a:r>
+              <a:rPr lang="en-US" baseline="0" dirty="0" smtClean="0"/>
+              <a:t> is the goal what proportion of effort constitutes it as a deliverable?  </a:t>
+            </a:r>
+            <a:r>
+              <a:rPr lang="en-US" dirty="0" smtClean="0"/>
+              <a:t>How much space does advise take</a:t>
+            </a:r>
+            <a:r>
+              <a:rPr lang="en-US" baseline="0" dirty="0" smtClean="0"/>
+              <a:t> up on the graph?</a:t>
+            </a:r>
+            <a:endParaRPr lang="en-US" dirty="0"/>
+          </a:p>
+        </p:txBody>
+      </p:sp>
+      <p:sp>
+        <p:nvSpPr>
+          <p:cNvPr id="4" name="Slide Number Placeholder 3"/>
+          <p:cNvSpPr>
+            <a:spLocks noGrp="1"/>
+          </p:cNvSpPr>
+          <p:nvPr>
+            <p:ph type="sldNum" sz="quarter" idx="10"/>
+          </p:nvPr>
+        </p:nvSpPr>
+        <p:spPr/>
+        <p:txBody>
+          <a:bodyPr/>
+          <a:lstStyle/>
+          <a:p>
+            <a:fld id="{37D0CA89-0B36-463A-B501-CC109FC43DD6}" type="slidenum">
+              <a:rPr lang="en-US" smtClean="0"/>
+              <a:t>17</a:t>
+            </a:fld>
+            <a:endParaRPr lang="en-US"/>
+          </a:p>
+        </p:txBody>
+      </p:sp>
+    </p:spTree>
+    <p:extLst>
+      <p:ext uri="{BB962C8B-B14F-4D97-AF65-F5344CB8AC3E}">
+        <p14:creationId xmlns:p14="http://schemas.microsoft.com/office/powerpoint/2010/main" val="2525356824"/>
+      </p:ext>
+    </p:extLst>
+  </p:cSld>
+  <p:clrMapOvr>
+    <a:masterClrMapping/>
+  </p:clrMapOvr>
+</p:notes>
+</file>
+
+<file path=ppt/notesSlides/notesSlide16.xml><?xml version="1.0" encoding="utf-8"?>
+<p:notes xmlns:a="http://schemas.openxmlformats.org/drawingml/2006/main" xmlns:r="http://schemas.openxmlformats.org/officeDocument/2006/relationships" xmlns:p="http://schemas.openxmlformats.org/presentationml/2006/main">
+  <p:cSld>
+    <p:spTree>
+      <p:nvGrpSpPr>
+        <p:cNvPr id="1" name=""/>
+        <p:cNvGrpSpPr/>
+        <p:nvPr/>
+      </p:nvGrpSpPr>
+      <p:grpSpPr>
+        <a:xfrm>
+          <a:off x="0" y="0"/>
+          <a:ext cx="0" cy="0"/>
+          <a:chOff x="0" y="0"/>
+          <a:chExt cx="0" cy="0"/>
+        </a:xfrm>
+      </p:grpSpPr>
+      <p:sp>
+        <p:nvSpPr>
+          <p:cNvPr id="2" name="Slide Image Placeholder 1"/>
+          <p:cNvSpPr>
+            <a:spLocks noGrp="1" noRot="1" noChangeAspect="1"/>
+          </p:cNvSpPr>
+          <p:nvPr>
+            <p:ph type="sldImg"/>
+          </p:nvPr>
+        </p:nvSpPr>
+        <p:spPr/>
+      </p:sp>
+      <p:sp>
+        <p:nvSpPr>
+          <p:cNvPr id="3" name="Notes Placeholder 2"/>
+          <p:cNvSpPr>
+            <a:spLocks noGrp="1"/>
+          </p:cNvSpPr>
+          <p:nvPr>
+            <p:ph type="body" idx="1"/>
+          </p:nvPr>
+        </p:nvSpPr>
+        <p:spPr/>
+        <p:txBody>
+          <a:bodyPr/>
+          <a:lstStyle/>
+          <a:p>
+            <a:r>
+              <a:rPr lang="en-US" dirty="0" smtClean="0"/>
+              <a:t>While advice</a:t>
+            </a:r>
+            <a:r>
+              <a:rPr lang="en-US" baseline="0" dirty="0" smtClean="0"/>
+              <a:t> is the goal what proportion of effort constitutes it as a deliverable?  </a:t>
+            </a:r>
+            <a:r>
+              <a:rPr lang="en-US" dirty="0" smtClean="0"/>
+              <a:t>How much space does advise take</a:t>
+            </a:r>
+            <a:r>
+              <a:rPr lang="en-US" baseline="0" dirty="0" smtClean="0"/>
+              <a:t> up on the graph?</a:t>
             </a:r>
             <a:endParaRPr lang="en-US" dirty="0"/>
           </a:p>
@@ -5235,6 +5444,266 @@
             <a:fld id="{37D0CA89-0B36-463A-B501-CC109FC43DD6}" type="slidenum">
               <a:rPr lang="en-US" smtClean="0"/>
               <a:t>18</a:t>
+            </a:fld>
+            <a:endParaRPr lang="en-US"/>
+          </a:p>
+        </p:txBody>
+      </p:sp>
+    </p:spTree>
+    <p:extLst>
+      <p:ext uri="{BB962C8B-B14F-4D97-AF65-F5344CB8AC3E}">
+        <p14:creationId xmlns:p14="http://schemas.microsoft.com/office/powerpoint/2010/main" val="2409045430"/>
+      </p:ext>
+    </p:extLst>
+  </p:cSld>
+  <p:clrMapOvr>
+    <a:masterClrMapping/>
+  </p:clrMapOvr>
+</p:notes>
+</file>
+
+<file path=ppt/notesSlides/notesSlide17.xml><?xml version="1.0" encoding="utf-8"?>
+<p:notes xmlns:a="http://schemas.openxmlformats.org/drawingml/2006/main" xmlns:r="http://schemas.openxmlformats.org/officeDocument/2006/relationships" xmlns:p="http://schemas.openxmlformats.org/presentationml/2006/main">
+  <p:cSld>
+    <p:spTree>
+      <p:nvGrpSpPr>
+        <p:cNvPr id="1" name=""/>
+        <p:cNvGrpSpPr/>
+        <p:nvPr/>
+      </p:nvGrpSpPr>
+      <p:grpSpPr>
+        <a:xfrm>
+          <a:off x="0" y="0"/>
+          <a:ext cx="0" cy="0"/>
+          <a:chOff x="0" y="0"/>
+          <a:chExt cx="0" cy="0"/>
+        </a:xfrm>
+      </p:grpSpPr>
+      <p:sp>
+        <p:nvSpPr>
+          <p:cNvPr id="2" name="Slide Image Placeholder 1"/>
+          <p:cNvSpPr>
+            <a:spLocks noGrp="1" noRot="1" noChangeAspect="1"/>
+          </p:cNvSpPr>
+          <p:nvPr>
+            <p:ph type="sldImg"/>
+          </p:nvPr>
+        </p:nvSpPr>
+        <p:spPr/>
+      </p:sp>
+      <p:sp>
+        <p:nvSpPr>
+          <p:cNvPr id="3" name="Notes Placeholder 2"/>
+          <p:cNvSpPr>
+            <a:spLocks noGrp="1"/>
+          </p:cNvSpPr>
+          <p:nvPr>
+            <p:ph type="body" idx="1"/>
+          </p:nvPr>
+        </p:nvSpPr>
+        <p:spPr/>
+        <p:txBody>
+          <a:bodyPr/>
+          <a:lstStyle/>
+          <a:p>
+            <a:endParaRPr lang="en-US" dirty="0"/>
+          </a:p>
+        </p:txBody>
+      </p:sp>
+      <p:sp>
+        <p:nvSpPr>
+          <p:cNvPr id="4" name="Slide Number Placeholder 3"/>
+          <p:cNvSpPr>
+            <a:spLocks noGrp="1"/>
+          </p:cNvSpPr>
+          <p:nvPr>
+            <p:ph type="sldNum" sz="quarter" idx="10"/>
+          </p:nvPr>
+        </p:nvSpPr>
+        <p:spPr/>
+        <p:txBody>
+          <a:bodyPr/>
+          <a:lstStyle/>
+          <a:p>
+            <a:fld id="{37D0CA89-0B36-463A-B501-CC109FC43DD6}" type="slidenum">
+              <a:rPr lang="en-US" smtClean="0"/>
+              <a:t>20</a:t>
+            </a:fld>
+            <a:endParaRPr lang="en-US"/>
+          </a:p>
+        </p:txBody>
+      </p:sp>
+    </p:spTree>
+    <p:extLst>
+      <p:ext uri="{BB962C8B-B14F-4D97-AF65-F5344CB8AC3E}">
+        <p14:creationId xmlns:p14="http://schemas.microsoft.com/office/powerpoint/2010/main" val="137883517"/>
+      </p:ext>
+    </p:extLst>
+  </p:cSld>
+  <p:clrMapOvr>
+    <a:masterClrMapping/>
+  </p:clrMapOvr>
+</p:notes>
+</file>
+
+<file path=ppt/notesSlides/notesSlide18.xml><?xml version="1.0" encoding="utf-8"?>
+<p:notes xmlns:a="http://schemas.openxmlformats.org/drawingml/2006/main" xmlns:r="http://schemas.openxmlformats.org/officeDocument/2006/relationships" xmlns:p="http://schemas.openxmlformats.org/presentationml/2006/main">
+  <p:cSld>
+    <p:spTree>
+      <p:nvGrpSpPr>
+        <p:cNvPr id="1" name=""/>
+        <p:cNvGrpSpPr/>
+        <p:nvPr/>
+      </p:nvGrpSpPr>
+      <p:grpSpPr>
+        <a:xfrm>
+          <a:off x="0" y="0"/>
+          <a:ext cx="0" cy="0"/>
+          <a:chOff x="0" y="0"/>
+          <a:chExt cx="0" cy="0"/>
+        </a:xfrm>
+      </p:grpSpPr>
+      <p:sp>
+        <p:nvSpPr>
+          <p:cNvPr id="2" name="Slide Image Placeholder 1"/>
+          <p:cNvSpPr>
+            <a:spLocks noGrp="1" noRot="1" noChangeAspect="1"/>
+          </p:cNvSpPr>
+          <p:nvPr>
+            <p:ph type="sldImg"/>
+          </p:nvPr>
+        </p:nvSpPr>
+        <p:spPr/>
+      </p:sp>
+      <p:sp>
+        <p:nvSpPr>
+          <p:cNvPr id="3" name="Notes Placeholder 2"/>
+          <p:cNvSpPr>
+            <a:spLocks noGrp="1"/>
+          </p:cNvSpPr>
+          <p:nvPr>
+            <p:ph type="body" idx="1"/>
+          </p:nvPr>
+        </p:nvSpPr>
+        <p:spPr/>
+        <p:txBody>
+          <a:bodyPr/>
+          <a:lstStyle/>
+          <a:p>
+            <a:endParaRPr lang="en-US" dirty="0"/>
+          </a:p>
+        </p:txBody>
+      </p:sp>
+      <p:sp>
+        <p:nvSpPr>
+          <p:cNvPr id="4" name="Slide Number Placeholder 3"/>
+          <p:cNvSpPr>
+            <a:spLocks noGrp="1"/>
+          </p:cNvSpPr>
+          <p:nvPr>
+            <p:ph type="sldNum" sz="quarter" idx="10"/>
+          </p:nvPr>
+        </p:nvSpPr>
+        <p:spPr/>
+        <p:txBody>
+          <a:bodyPr/>
+          <a:lstStyle/>
+          <a:p>
+            <a:fld id="{37D0CA89-0B36-463A-B501-CC109FC43DD6}" type="slidenum">
+              <a:rPr lang="en-US" smtClean="0"/>
+              <a:t>22</a:t>
+            </a:fld>
+            <a:endParaRPr lang="en-US"/>
+          </a:p>
+        </p:txBody>
+      </p:sp>
+    </p:spTree>
+    <p:extLst>
+      <p:ext uri="{BB962C8B-B14F-4D97-AF65-F5344CB8AC3E}">
+        <p14:creationId xmlns:p14="http://schemas.microsoft.com/office/powerpoint/2010/main" val="3276505696"/>
+      </p:ext>
+    </p:extLst>
+  </p:cSld>
+  <p:clrMapOvr>
+    <a:masterClrMapping/>
+  </p:clrMapOvr>
+</p:notes>
+</file>
+
+<file path=ppt/notesSlides/notesSlide19.xml><?xml version="1.0" encoding="utf-8"?>
+<p:notes xmlns:a="http://schemas.openxmlformats.org/drawingml/2006/main" xmlns:r="http://schemas.openxmlformats.org/officeDocument/2006/relationships" xmlns:p="http://schemas.openxmlformats.org/presentationml/2006/main">
+  <p:cSld>
+    <p:spTree>
+      <p:nvGrpSpPr>
+        <p:cNvPr id="1" name=""/>
+        <p:cNvGrpSpPr/>
+        <p:nvPr/>
+      </p:nvGrpSpPr>
+      <p:grpSpPr>
+        <a:xfrm>
+          <a:off x="0" y="0"/>
+          <a:ext cx="0" cy="0"/>
+          <a:chOff x="0" y="0"/>
+          <a:chExt cx="0" cy="0"/>
+        </a:xfrm>
+      </p:grpSpPr>
+      <p:sp>
+        <p:nvSpPr>
+          <p:cNvPr id="2" name="Slide Image Placeholder 1"/>
+          <p:cNvSpPr>
+            <a:spLocks noGrp="1" noRot="1" noChangeAspect="1"/>
+          </p:cNvSpPr>
+          <p:nvPr>
+            <p:ph type="sldImg"/>
+          </p:nvPr>
+        </p:nvSpPr>
+        <p:spPr/>
+      </p:sp>
+      <p:sp>
+        <p:nvSpPr>
+          <p:cNvPr id="3" name="Notes Placeholder 2"/>
+          <p:cNvSpPr>
+            <a:spLocks noGrp="1"/>
+          </p:cNvSpPr>
+          <p:nvPr>
+            <p:ph type="body" idx="1"/>
+          </p:nvPr>
+        </p:nvSpPr>
+        <p:spPr/>
+        <p:txBody>
+          <a:bodyPr/>
+          <a:lstStyle/>
+          <a:p>
+            <a:r>
+              <a:rPr lang="en-US" dirty="0" smtClean="0"/>
+              <a:t>Clockwise: be,</a:t>
+            </a:r>
+            <a:r>
+              <a:rPr lang="en-US" baseline="0" dirty="0" smtClean="0"/>
+              <a:t> do, have</a:t>
+            </a:r>
+            <a:endParaRPr lang="en-US" dirty="0"/>
+          </a:p>
+        </p:txBody>
+      </p:sp>
+      <p:sp>
+        <p:nvSpPr>
+          <p:cNvPr id="4" name="Slide Number Placeholder 3"/>
+          <p:cNvSpPr>
+            <a:spLocks noGrp="1"/>
+          </p:cNvSpPr>
+          <p:nvPr>
+            <p:ph type="sldNum" sz="quarter" idx="10"/>
+          </p:nvPr>
+        </p:nvSpPr>
+        <p:spPr/>
+        <p:txBody>
+          <a:bodyPr/>
+          <a:lstStyle/>
+          <a:p>
+            <a:fld id="{37D0CA89-0B36-463A-B501-CC109FC43DD6}" type="slidenum">
+              <a:rPr lang="en-US" smtClean="0"/>
+              <a:t>23</a:t>
             </a:fld>
             <a:endParaRPr lang="en-US"/>
           </a:p>
@@ -5647,10 +6116,6 @@
           <a:bodyPr/>
           <a:lstStyle/>
           <a:p>
-            <a:r>
-              <a:rPr lang="en-US" baseline="0" dirty="0" smtClean="0"/>
-              <a:t>Start point:</a:t>
-            </a:r>
             <a:endParaRPr lang="en-US" dirty="0"/>
           </a:p>
         </p:txBody>
@@ -5681,7 +6146,7 @@
     </p:spTree>
     <p:extLst>
       <p:ext uri="{BB962C8B-B14F-4D97-AF65-F5344CB8AC3E}">
-        <p14:creationId xmlns:p14="http://schemas.microsoft.com/office/powerpoint/2010/main" val="3136048214"/>
+        <p14:creationId xmlns:p14="http://schemas.microsoft.com/office/powerpoint/2010/main" val="1605024293"/>
       </p:ext>
     </p:extLst>
   </p:cSld>
@@ -5735,22 +6200,6 @@
           <a:bodyPr/>
           <a:lstStyle/>
           <a:p>
-            <a:r>
-              <a:rPr lang="en-US" baseline="0" dirty="0" smtClean="0"/>
-              <a:t>Supervised: train from known outcomes</a:t>
-            </a:r>
-          </a:p>
-          <a:p>
-            <a:r>
-              <a:rPr lang="en-US" baseline="0" dirty="0" smtClean="0"/>
-              <a:t>Unsupervised: learn and discover relationships in data</a:t>
-            </a:r>
-          </a:p>
-          <a:p>
-            <a:r>
-              <a:rPr lang="en-US" baseline="0" dirty="0" smtClean="0"/>
-              <a:t>Loosely defined: can assign numbers to categories, can assign known labels to clusters</a:t>
-            </a:r>
             <a:endParaRPr lang="en-US" dirty="0"/>
           </a:p>
         </p:txBody>
@@ -5781,7 +6230,7 @@
     </p:spTree>
     <p:extLst>
       <p:ext uri="{BB962C8B-B14F-4D97-AF65-F5344CB8AC3E}">
-        <p14:creationId xmlns:p14="http://schemas.microsoft.com/office/powerpoint/2010/main" val="3758985942"/>
+        <p14:creationId xmlns:p14="http://schemas.microsoft.com/office/powerpoint/2010/main" val="3418968630"/>
       </p:ext>
     </p:extLst>
   </p:cSld>
@@ -5835,14 +6284,6 @@
           <a:bodyPr/>
           <a:lstStyle/>
           <a:p>
-            <a:r>
-              <a:rPr lang="en-US" dirty="0" smtClean="0"/>
-              <a:t>What</a:t>
-            </a:r>
-            <a:r>
-              <a:rPr lang="en-US" baseline="0" dirty="0" smtClean="0"/>
-              <a:t> are the origin and basis vectors?</a:t>
-            </a:r>
             <a:endParaRPr lang="en-US" dirty="0"/>
           </a:p>
         </p:txBody>
@@ -5873,7 +6314,7 @@
     </p:spTree>
     <p:extLst>
       <p:ext uri="{BB962C8B-B14F-4D97-AF65-F5344CB8AC3E}">
-        <p14:creationId xmlns:p14="http://schemas.microsoft.com/office/powerpoint/2010/main" val="4228789661"/>
+        <p14:creationId xmlns:p14="http://schemas.microsoft.com/office/powerpoint/2010/main" val="125828513"/>
       </p:ext>
     </p:extLst>
   </p:cSld>
@@ -5927,22 +6368,6 @@
           <a:bodyPr/>
           <a:lstStyle/>
           <a:p>
-            <a:r>
-              <a:rPr lang="en-US" dirty="0" smtClean="0"/>
-              <a:t>While advice</a:t>
-            </a:r>
-            <a:r>
-              <a:rPr lang="en-US" baseline="0" dirty="0" smtClean="0"/>
-              <a:t> is the goal what proportion of effort constitutes it as a deliverable?  </a:t>
-            </a:r>
-            <a:r>
-              <a:rPr lang="en-US" dirty="0" smtClean="0"/>
-              <a:t>How much space does advise take</a:t>
-            </a:r>
-            <a:r>
-              <a:rPr lang="en-US" baseline="0" dirty="0" smtClean="0"/>
-              <a:t> up on the graph?</a:t>
-            </a:r>
             <a:endParaRPr lang="en-US" dirty="0"/>
           </a:p>
         </p:txBody>
@@ -5973,7 +6398,7 @@
     </p:spTree>
     <p:extLst>
       <p:ext uri="{BB962C8B-B14F-4D97-AF65-F5344CB8AC3E}">
-        <p14:creationId xmlns:p14="http://schemas.microsoft.com/office/powerpoint/2010/main" val="3910516011"/>
+        <p14:creationId xmlns:p14="http://schemas.microsoft.com/office/powerpoint/2010/main" val="4075168869"/>
       </p:ext>
     </p:extLst>
   </p:cSld>
@@ -6114,7 +6539,7 @@
           <a:p>
             <a:fld id="{B9231216-36D3-43A5-A9F7-6E5DCCF6D363}" type="datetimeFigureOut">
               <a:rPr lang="en-US" smtClean="0"/>
-              <a:t>10/18/2018</a:t>
+              <a:t>10/19/2018</a:t>
             </a:fld>
             <a:endParaRPr lang="en-US"/>
           </a:p>
@@ -6284,7 +6709,7 @@
           <a:p>
             <a:fld id="{B9231216-36D3-43A5-A9F7-6E5DCCF6D363}" type="datetimeFigureOut">
               <a:rPr lang="en-US" smtClean="0"/>
-              <a:t>10/18/2018</a:t>
+              <a:t>10/19/2018</a:t>
             </a:fld>
             <a:endParaRPr lang="en-US"/>
           </a:p>
@@ -6464,7 +6889,7 @@
           <a:p>
             <a:fld id="{B9231216-36D3-43A5-A9F7-6E5DCCF6D363}" type="datetimeFigureOut">
               <a:rPr lang="en-US" smtClean="0"/>
-              <a:t>10/18/2018</a:t>
+              <a:t>10/19/2018</a:t>
             </a:fld>
             <a:endParaRPr lang="en-US"/>
           </a:p>
@@ -6634,7 +7059,7 @@
           <a:p>
             <a:fld id="{B9231216-36D3-43A5-A9F7-6E5DCCF6D363}" type="datetimeFigureOut">
               <a:rPr lang="en-US" smtClean="0"/>
-              <a:t>10/18/2018</a:t>
+              <a:t>10/19/2018</a:t>
             </a:fld>
             <a:endParaRPr lang="en-US"/>
           </a:p>
@@ -6880,7 +7305,7 @@
           <a:p>
             <a:fld id="{B9231216-36D3-43A5-A9F7-6E5DCCF6D363}" type="datetimeFigureOut">
               <a:rPr lang="en-US" smtClean="0"/>
-              <a:t>10/18/2018</a:t>
+              <a:t>10/19/2018</a:t>
             </a:fld>
             <a:endParaRPr lang="en-US"/>
           </a:p>
@@ -7112,7 +7537,7 @@
           <a:p>
             <a:fld id="{B9231216-36D3-43A5-A9F7-6E5DCCF6D363}" type="datetimeFigureOut">
               <a:rPr lang="en-US" smtClean="0"/>
-              <a:t>10/18/2018</a:t>
+              <a:t>10/19/2018</a:t>
             </a:fld>
             <a:endParaRPr lang="en-US"/>
           </a:p>
@@ -7479,7 +7904,7 @@
           <a:p>
             <a:fld id="{B9231216-36D3-43A5-A9F7-6E5DCCF6D363}" type="datetimeFigureOut">
               <a:rPr lang="en-US" smtClean="0"/>
-              <a:t>10/18/2018</a:t>
+              <a:t>10/19/2018</a:t>
             </a:fld>
             <a:endParaRPr lang="en-US"/>
           </a:p>
@@ -7597,7 +8022,7 @@
           <a:p>
             <a:fld id="{B9231216-36D3-43A5-A9F7-6E5DCCF6D363}" type="datetimeFigureOut">
               <a:rPr lang="en-US" smtClean="0"/>
-              <a:t>10/18/2018</a:t>
+              <a:t>10/19/2018</a:t>
             </a:fld>
             <a:endParaRPr lang="en-US"/>
           </a:p>
@@ -7692,7 +8117,7 @@
           <a:p>
             <a:fld id="{B9231216-36D3-43A5-A9F7-6E5DCCF6D363}" type="datetimeFigureOut">
               <a:rPr lang="en-US" smtClean="0"/>
-              <a:t>10/18/2018</a:t>
+              <a:t>10/19/2018</a:t>
             </a:fld>
             <a:endParaRPr lang="en-US"/>
           </a:p>
@@ -7969,7 +8394,7 @@
           <a:p>
             <a:fld id="{B9231216-36D3-43A5-A9F7-6E5DCCF6D363}" type="datetimeFigureOut">
               <a:rPr lang="en-US" smtClean="0"/>
-              <a:t>10/18/2018</a:t>
+              <a:t>10/19/2018</a:t>
             </a:fld>
             <a:endParaRPr lang="en-US"/>
           </a:p>
@@ -8222,7 +8647,7 @@
           <a:p>
             <a:fld id="{B9231216-36D3-43A5-A9F7-6E5DCCF6D363}" type="datetimeFigureOut">
               <a:rPr lang="en-US" smtClean="0"/>
-              <a:t>10/18/2018</a:t>
+              <a:t>10/19/2018</a:t>
             </a:fld>
             <a:endParaRPr lang="en-US"/>
           </a:p>
@@ -8435,7 +8860,7 @@
           <a:p>
             <a:fld id="{B9231216-36D3-43A5-A9F7-6E5DCCF6D363}" type="datetimeFigureOut">
               <a:rPr lang="en-US" smtClean="0"/>
-              <a:t>10/18/2018</a:t>
+              <a:t>10/19/2018</a:t>
             </a:fld>
             <a:endParaRPr lang="en-US"/>
           </a:p>
@@ -8964,59 +9389,28 @@
           <a:chExt cx="0" cy="0"/>
         </a:xfrm>
       </p:grpSpPr>
-      <p:sp>
-        <p:nvSpPr>
-          <p:cNvPr id="2" name="Title 1"/>
-          <p:cNvSpPr>
-            <a:spLocks noGrp="1"/>
-          </p:cNvSpPr>
-          <p:nvPr>
-            <p:ph type="title"/>
-          </p:nvPr>
-        </p:nvSpPr>
-        <p:spPr>
-          <a:xfrm>
-            <a:off x="0" y="0"/>
-            <a:ext cx="12321153" cy="852407"/>
-          </a:xfrm>
-        </p:spPr>
-        <p:txBody>
-          <a:bodyPr>
-            <a:normAutofit/>
-          </a:bodyPr>
-          <a:lstStyle/>
-          <a:p>
-            <a:pPr lvl="0"/>
-            <a:r>
-              <a:rPr lang="en-US" sz="3900" dirty="0"/>
-              <a:t>Booz Allen Hamilton's (BAH's) </a:t>
-            </a:r>
-            <a:r>
-              <a:rPr lang="en-US" sz="3900" dirty="0">
-                <a:hlinkClick r:id="rId3"/>
-              </a:rPr>
-              <a:t>Field Guide to Data </a:t>
-            </a:r>
-            <a:r>
-              <a:rPr lang="en-US" sz="3900" dirty="0" smtClean="0">
-                <a:hlinkClick r:id="rId3"/>
-              </a:rPr>
-              <a:t>Science</a:t>
-            </a:r>
-            <a:endParaRPr lang="en-US" sz="3900" dirty="0"/>
-          </a:p>
-        </p:txBody>
-      </p:sp>
       <p:pic>
         <p:nvPicPr>
-          <p:cNvPr id="5" name="Picture 4"/>
+          <p:cNvPr id="5" name="Content Placeholder 4"/>
           <p:cNvPicPr>
-            <a:picLocks noChangeAspect="1"/>
+            <a:picLocks noGrp="1" noChangeAspect="1"/>
           </p:cNvPicPr>
-          <p:nvPr/>
+          <p:nvPr>
+            <p:ph idx="1"/>
+          </p:nvPr>
         </p:nvPicPr>
         <p:blipFill>
-          <a:blip r:embed="rId4">
+          <a:blip r:embed="rId3">
+            <a:clrChange>
+              <a:clrFrom>
+                <a:srgbClr val="FEFEFE"/>
+              </a:clrFrom>
+              <a:clrTo>
+                <a:srgbClr val="FEFEFE">
+                  <a:alpha val="0"/>
+                </a:srgbClr>
+              </a:clrTo>
+            </a:clrChange>
             <a:extLst>
               <a:ext uri="{28A0092B-C50C-407E-A947-70E740481C1C}">
                 <a14:useLocalDpi xmlns:a14="http://schemas.microsoft.com/office/drawing/2010/main" val="0"/>
@@ -9029,8 +9423,147 @@
         </p:blipFill>
         <p:spPr>
           <a:xfrm>
-            <a:off x="2910130" y="657876"/>
-            <a:ext cx="9089502" cy="6171718"/>
+            <a:off x="574343" y="391886"/>
+            <a:ext cx="8758343" cy="6586275"/>
+          </a:xfrm>
+        </p:spPr>
+      </p:pic>
+      <p:sp>
+        <p:nvSpPr>
+          <p:cNvPr id="4" name="Title 1"/>
+          <p:cNvSpPr>
+            <a:spLocks noGrp="1"/>
+          </p:cNvSpPr>
+          <p:nvPr>
+            <p:ph type="title"/>
+          </p:nvPr>
+        </p:nvSpPr>
+        <p:spPr>
+          <a:xfrm>
+            <a:off x="0" y="0"/>
+            <a:ext cx="10515600" cy="566057"/>
+          </a:xfrm>
+        </p:spPr>
+        <p:txBody>
+          <a:bodyPr>
+            <a:normAutofit/>
+          </a:bodyPr>
+          <a:lstStyle/>
+          <a:p>
+            <a:pPr lvl="0"/>
+            <a:r>
+              <a:rPr lang="en-US" sz="2800" kern="1200" dirty="0" smtClean="0">
+                <a:solidFill>
+                  <a:schemeClr val="tx1"/>
+                </a:solidFill>
+                <a:effectLst/>
+                <a:latin typeface="+mn-lt"/>
+                <a:ea typeface="+mn-ea"/>
+                <a:cs typeface="+mn-cs"/>
+              </a:rPr>
+              <a:t>Method of Loci </a:t>
+            </a:r>
+            <a:r>
+              <a:rPr lang="en-US" sz="2800" dirty="0" smtClean="0">
+                <a:latin typeface="+mn-lt"/>
+                <a:ea typeface="+mn-ea"/>
+                <a:cs typeface="+mn-cs"/>
+              </a:rPr>
+              <a:t>Map</a:t>
+            </a:r>
+            <a:endParaRPr lang="en-US" dirty="0"/>
+          </a:p>
+        </p:txBody>
+      </p:sp>
+      <p:sp>
+        <p:nvSpPr>
+          <p:cNvPr id="6" name="Text Placeholder 5"/>
+          <p:cNvSpPr>
+            <a:spLocks noGrp="1"/>
+          </p:cNvSpPr>
+          <p:nvPr>
+            <p:ph type="body" idx="4294967295"/>
+          </p:nvPr>
+        </p:nvSpPr>
+        <p:spPr>
+          <a:xfrm>
+            <a:off x="9332686" y="957943"/>
+            <a:ext cx="2859314" cy="5219020"/>
+          </a:xfrm>
+        </p:spPr>
+        <p:txBody>
+          <a:bodyPr>
+            <a:normAutofit/>
+          </a:bodyPr>
+          <a:lstStyle/>
+          <a:p>
+            <a:pPr>
+              <a:buFont typeface="Wingdings" panose="05000000000000000000" pitchFamily="2" charset="2"/>
+              <a:buChar char="ü"/>
+            </a:pPr>
+            <a:r>
+              <a:rPr lang="en-US" sz="4400" dirty="0"/>
+              <a:t>Drawing</a:t>
+            </a:r>
+          </a:p>
+          <a:p>
+            <a:pPr>
+              <a:buFont typeface="Wingdings" panose="05000000000000000000" pitchFamily="2" charset="2"/>
+              <a:buChar char="ü"/>
+            </a:pPr>
+            <a:r>
+              <a:rPr lang="en-US" sz="4400" dirty="0" smtClean="0"/>
+              <a:t>Place</a:t>
+            </a:r>
+            <a:endParaRPr lang="en-US" sz="4400" dirty="0" smtClean="0"/>
+          </a:p>
+          <a:p>
+            <a:pPr>
+              <a:buFont typeface="Wingdings" panose="05000000000000000000" pitchFamily="2" charset="2"/>
+              <a:buChar char="ü"/>
+            </a:pPr>
+            <a:r>
+              <a:rPr lang="en-US" sz="4400" dirty="0" smtClean="0"/>
+              <a:t>Path</a:t>
+            </a:r>
+            <a:endParaRPr lang="en-US" sz="4400" dirty="0" smtClean="0"/>
+          </a:p>
+        </p:txBody>
+      </p:sp>
+      <p:pic>
+        <p:nvPicPr>
+          <p:cNvPr id="11" name="Picture 10"/>
+          <p:cNvPicPr>
+            <a:picLocks noChangeAspect="1"/>
+          </p:cNvPicPr>
+          <p:nvPr/>
+        </p:nvPicPr>
+        <p:blipFill>
+          <a:blip r:embed="rId4">
+            <a:clrChange>
+              <a:clrFrom>
+                <a:srgbClr val="FFFFFF"/>
+              </a:clrFrom>
+              <a:clrTo>
+                <a:srgbClr val="FFFFFF">
+                  <a:alpha val="0"/>
+                </a:srgbClr>
+              </a:clrTo>
+            </a:clrChange>
+            <a:extLst>
+              <a:ext uri="{28A0092B-C50C-407E-A947-70E740481C1C}">
+                <a14:useLocalDpi xmlns:a14="http://schemas.microsoft.com/office/drawing/2010/main" val="0"/>
+              </a:ext>
+            </a:extLst>
+          </a:blip>
+          <a:stretch>
+            <a:fillRect/>
+          </a:stretch>
+        </p:blipFill>
+        <p:spPr>
+          <a:xfrm>
+            <a:off x="7132645" y="4367104"/>
+            <a:ext cx="966091" cy="791321"/>
           </a:xfrm>
           <a:prstGeom prst="rect">
             <a:avLst/>
@@ -9039,74 +9572,202 @@
       </p:pic>
       <p:sp>
         <p:nvSpPr>
-          <p:cNvPr id="3" name="Content Placeholder 2"/>
-          <p:cNvSpPr>
-            <a:spLocks noGrp="1"/>
-          </p:cNvSpPr>
-          <p:nvPr>
-            <p:ph idx="1"/>
-          </p:nvPr>
+          <p:cNvPr id="12" name="Oval 11"/>
+          <p:cNvSpPr/>
+          <p:nvPr/>
         </p:nvSpPr>
         <p:spPr>
           <a:xfrm>
-            <a:off x="152400" y="1181100"/>
-            <a:ext cx="2867025" cy="2505075"/>
+            <a:off x="4051300" y="3751724"/>
+            <a:ext cx="1003300" cy="704280"/>
           </a:xfrm>
+          <a:prstGeom prst="ellipse">
+            <a:avLst/>
+          </a:prstGeom>
+          <a:noFill/>
+          <a:ln w="28575">
+            <a:solidFill>
+              <a:srgbClr val="FF0000"/>
+            </a:solidFill>
+          </a:ln>
         </p:spPr>
-        <p:txBody>
-          <a:bodyPr>
-            <a:normAutofit fontScale="92500" lnSpcReduction="20000"/>
-          </a:bodyPr>
+        <p:style>
+          <a:lnRef idx="2">
+            <a:schemeClr val="accent1">
+              <a:shade val="50000"/>
+            </a:schemeClr>
+          </a:lnRef>
+          <a:fillRef idx="1">
+            <a:schemeClr val="accent1"/>
+          </a:fillRef>
+          <a:effectRef idx="0">
+            <a:schemeClr val="accent1"/>
+          </a:effectRef>
+          <a:fontRef idx="minor">
+            <a:schemeClr val="lt1"/>
+          </a:fontRef>
+        </p:style>
+        <p:txBody>
+          <a:bodyPr rtlCol="0" anchor="ctr"/>
           <a:lstStyle/>
           <a:p>
-            <a:pPr marL="0" lvl="0" indent="0">
-              <a:buNone/>
-            </a:pPr>
-            <a:r>
-              <a:rPr lang="en-US" dirty="0" smtClean="0"/>
-              <a:t>Where are you?</a:t>
-            </a:r>
-          </a:p>
-          <a:p>
-            <a:pPr lvl="0"/>
-            <a:r>
-              <a:rPr lang="en-US" dirty="0" smtClean="0"/>
-              <a:t>Individual</a:t>
-            </a:r>
-          </a:p>
-          <a:p>
-            <a:pPr lvl="0"/>
-            <a:r>
-              <a:rPr lang="en-US" dirty="0" smtClean="0"/>
-              <a:t>Organization</a:t>
-            </a:r>
-          </a:p>
-          <a:p>
-            <a:pPr lvl="0"/>
-            <a:r>
-              <a:rPr lang="en-US" dirty="0" smtClean="0"/>
-              <a:t>Per Project</a:t>
-            </a:r>
-          </a:p>
-          <a:p>
-            <a:pPr lvl="1"/>
-            <a:endParaRPr lang="en-US" dirty="0" smtClean="0"/>
-          </a:p>
-          <a:p>
-            <a:pPr marL="0" indent="0">
-              <a:buNone/>
-            </a:pPr>
-            <a:r>
-              <a:rPr lang="en-US" dirty="0" smtClean="0"/>
-              <a:t> </a:t>
-            </a:r>
-          </a:p>
-        </p:txBody>
-      </p:sp>
+            <a:pPr algn="ctr"/>
+            <a:endParaRPr lang="en-US"/>
+          </a:p>
+        </p:txBody>
+      </p:sp>
+      <p:cxnSp>
+        <p:nvCxnSpPr>
+          <p:cNvPr id="14" name="Straight Arrow Connector 13"/>
+          <p:cNvCxnSpPr/>
+          <p:nvPr/>
+        </p:nvCxnSpPr>
+        <p:spPr>
+          <a:xfrm flipH="1">
+            <a:off x="5487371" y="5089530"/>
+            <a:ext cx="1827027" cy="960750"/>
+          </a:xfrm>
+          <a:prstGeom prst="straightConnector1">
+            <a:avLst/>
+          </a:prstGeom>
+          <a:ln w="57150">
+            <a:solidFill>
+              <a:srgbClr val="FFFF00"/>
+            </a:solidFill>
+            <a:prstDash val="dash"/>
+            <a:tailEnd type="triangle"/>
+          </a:ln>
+        </p:spPr>
+        <p:style>
+          <a:lnRef idx="1">
+            <a:schemeClr val="accent1"/>
+          </a:lnRef>
+          <a:fillRef idx="0">
+            <a:schemeClr val="accent1"/>
+          </a:fillRef>
+          <a:effectRef idx="0">
+            <a:schemeClr val="accent1"/>
+          </a:effectRef>
+          <a:fontRef idx="minor">
+            <a:schemeClr val="tx1"/>
+          </a:fontRef>
+        </p:style>
+      </p:cxnSp>
+      <p:cxnSp>
+        <p:nvCxnSpPr>
+          <p:cNvPr id="13" name="Straight Arrow Connector 12"/>
+          <p:cNvCxnSpPr/>
+          <p:nvPr/>
+        </p:nvCxnSpPr>
+        <p:spPr>
+          <a:xfrm flipH="1" flipV="1">
+            <a:off x="4552950" y="4456004"/>
+            <a:ext cx="934422" cy="1594276"/>
+          </a:xfrm>
+          <a:prstGeom prst="straightConnector1">
+            <a:avLst/>
+          </a:prstGeom>
+          <a:ln w="57150">
+            <a:solidFill>
+              <a:srgbClr val="FFFF00"/>
+            </a:solidFill>
+            <a:prstDash val="dash"/>
+            <a:tailEnd type="triangle"/>
+          </a:ln>
+        </p:spPr>
+        <p:style>
+          <a:lnRef idx="1">
+            <a:schemeClr val="accent1"/>
+          </a:lnRef>
+          <a:fillRef idx="0">
+            <a:schemeClr val="accent1"/>
+          </a:fillRef>
+          <a:effectRef idx="0">
+            <a:schemeClr val="accent1"/>
+          </a:effectRef>
+          <a:fontRef idx="minor">
+            <a:schemeClr val="tx1"/>
+          </a:fontRef>
+        </p:style>
+      </p:cxnSp>
+      <p:cxnSp>
+        <p:nvCxnSpPr>
+          <p:cNvPr id="3" name="Straight Arrow Connector 2"/>
+          <p:cNvCxnSpPr/>
+          <p:nvPr/>
+        </p:nvCxnSpPr>
+        <p:spPr>
+          <a:xfrm flipH="1" flipV="1">
+            <a:off x="7604760" y="1478280"/>
+            <a:ext cx="30480" cy="2173840"/>
+          </a:xfrm>
+          <a:prstGeom prst="straightConnector1">
+            <a:avLst/>
+          </a:prstGeom>
+          <a:ln w="101600">
+            <a:solidFill>
+              <a:srgbClr val="00B050"/>
+            </a:solidFill>
+            <a:headEnd type="triangle" w="med" len="med"/>
+            <a:tailEnd type="triangle" w="med" len="med"/>
+          </a:ln>
+        </p:spPr>
+        <p:style>
+          <a:lnRef idx="1">
+            <a:schemeClr val="accent1"/>
+          </a:lnRef>
+          <a:fillRef idx="0">
+            <a:schemeClr val="accent1"/>
+          </a:fillRef>
+          <a:effectRef idx="0">
+            <a:schemeClr val="accent1"/>
+          </a:effectRef>
+          <a:fontRef idx="minor">
+            <a:schemeClr val="tx1"/>
+          </a:fontRef>
+        </p:style>
+      </p:cxnSp>
+      <p:cxnSp>
+        <p:nvCxnSpPr>
+          <p:cNvPr id="15" name="Straight Arrow Connector 14"/>
+          <p:cNvCxnSpPr/>
+          <p:nvPr/>
+        </p:nvCxnSpPr>
+        <p:spPr>
+          <a:xfrm flipH="1" flipV="1">
+            <a:off x="6522720" y="2560320"/>
+            <a:ext cx="2087880" cy="1"/>
+          </a:xfrm>
+          <a:prstGeom prst="straightConnector1">
+            <a:avLst/>
+          </a:prstGeom>
+          <a:ln w="101600">
+            <a:solidFill>
+              <a:srgbClr val="00B050"/>
+            </a:solidFill>
+            <a:headEnd type="triangle" w="med" len="med"/>
+            <a:tailEnd type="triangle" w="med" len="med"/>
+          </a:ln>
+        </p:spPr>
+        <p:style>
+          <a:lnRef idx="1">
+            <a:schemeClr val="accent1"/>
+          </a:lnRef>
+          <a:fillRef idx="0">
+            <a:schemeClr val="accent1"/>
+          </a:fillRef>
+          <a:effectRef idx="0">
+            <a:schemeClr val="accent1"/>
+          </a:effectRef>
+          <a:fontRef idx="minor">
+            <a:schemeClr val="tx1"/>
+          </a:fontRef>
+        </p:style>
+      </p:cxnSp>
     </p:spTree>
     <p:extLst>
       <p:ext uri="{BB962C8B-B14F-4D97-AF65-F5344CB8AC3E}">
-        <p14:creationId xmlns:p14="http://schemas.microsoft.com/office/powerpoint/2010/main" val="252585997"/>
+        <p14:creationId xmlns:p14="http://schemas.microsoft.com/office/powerpoint/2010/main" val="300841261"/>
       </p:ext>
     </p:extLst>
   </p:cSld>
@@ -9140,59 +9801,28 @@
           <a:chExt cx="0" cy="0"/>
         </a:xfrm>
       </p:grpSpPr>
-      <p:sp>
-        <p:nvSpPr>
-          <p:cNvPr id="2" name="Title 1"/>
-          <p:cNvSpPr>
-            <a:spLocks noGrp="1"/>
-          </p:cNvSpPr>
-          <p:nvPr>
-            <p:ph type="title"/>
-          </p:nvPr>
-        </p:nvSpPr>
-        <p:spPr>
-          <a:xfrm>
-            <a:off x="0" y="0"/>
-            <a:ext cx="12321153" cy="852407"/>
-          </a:xfrm>
-        </p:spPr>
-        <p:txBody>
-          <a:bodyPr>
-            <a:normAutofit/>
-          </a:bodyPr>
-          <a:lstStyle/>
-          <a:p>
-            <a:pPr lvl="0"/>
-            <a:r>
-              <a:rPr lang="en-US" sz="3900" dirty="0"/>
-              <a:t>Booz Allen Hamilton's (BAH's) </a:t>
-            </a:r>
-            <a:r>
-              <a:rPr lang="en-US" sz="3900" dirty="0">
-                <a:hlinkClick r:id="rId3"/>
-              </a:rPr>
-              <a:t>Field Guide to Data </a:t>
-            </a:r>
-            <a:r>
-              <a:rPr lang="en-US" sz="3900" dirty="0" smtClean="0">
-                <a:hlinkClick r:id="rId3"/>
-              </a:rPr>
-              <a:t>Science</a:t>
-            </a:r>
-            <a:endParaRPr lang="en-US" sz="3900" dirty="0"/>
-          </a:p>
-        </p:txBody>
-      </p:sp>
       <p:pic>
         <p:nvPicPr>
-          <p:cNvPr id="5" name="Picture 4"/>
+          <p:cNvPr id="5" name="Content Placeholder 4"/>
           <p:cNvPicPr>
-            <a:picLocks noChangeAspect="1"/>
+            <a:picLocks noGrp="1" noChangeAspect="1"/>
           </p:cNvPicPr>
-          <p:nvPr/>
+          <p:nvPr>
+            <p:ph idx="1"/>
+          </p:nvPr>
         </p:nvPicPr>
         <p:blipFill>
-          <a:blip r:embed="rId4">
+          <a:blip r:embed="rId3">
+            <a:clrChange>
+              <a:clrFrom>
+                <a:srgbClr val="FEFEFE"/>
+              </a:clrFrom>
+              <a:clrTo>
+                <a:srgbClr val="FEFEFE">
+                  <a:alpha val="0"/>
+                </a:srgbClr>
+              </a:clrTo>
+            </a:clrChange>
             <a:extLst>
               <a:ext uri="{28A0092B-C50C-407E-A947-70E740481C1C}">
                 <a14:useLocalDpi xmlns:a14="http://schemas.microsoft.com/office/drawing/2010/main" val="0"/>
@@ -9205,98 +9835,148 @@
         </p:blipFill>
         <p:spPr>
           <a:xfrm>
-            <a:off x="2910130" y="657876"/>
-            <a:ext cx="9089502" cy="6171718"/>
+            <a:off x="574343" y="391886"/>
+            <a:ext cx="8758343" cy="6586275"/>
           </a:xfrm>
-          <a:prstGeom prst="rect">
-            <a:avLst/>
-          </a:prstGeom>
         </p:spPr>
       </p:pic>
       <p:sp>
         <p:nvSpPr>
-          <p:cNvPr id="3" name="Content Placeholder 2"/>
+          <p:cNvPr id="4" name="Title 1"/>
           <p:cNvSpPr>
             <a:spLocks noGrp="1"/>
           </p:cNvSpPr>
           <p:nvPr>
-            <p:ph idx="1"/>
+            <p:ph type="title"/>
           </p:nvPr>
         </p:nvSpPr>
         <p:spPr>
           <a:xfrm>
-            <a:off x="152400" y="1181100"/>
-            <a:ext cx="2867025" cy="2505075"/>
+            <a:off x="0" y="0"/>
+            <a:ext cx="10515600" cy="566057"/>
           </a:xfrm>
         </p:spPr>
         <p:txBody>
           <a:bodyPr>
-            <a:normAutofit fontScale="92500" lnSpcReduction="20000"/>
+            <a:normAutofit/>
           </a:bodyPr>
           <a:lstStyle/>
           <a:p>
-            <a:pPr marL="0" lvl="0" indent="0">
-              <a:buNone/>
+            <a:pPr lvl="0"/>
+            <a:r>
+              <a:rPr lang="en-US" sz="2800" kern="1200" dirty="0" smtClean="0">
+                <a:solidFill>
+                  <a:schemeClr val="tx1"/>
+                </a:solidFill>
+                <a:effectLst/>
+                <a:latin typeface="+mn-lt"/>
+                <a:ea typeface="+mn-ea"/>
+                <a:cs typeface="+mn-cs"/>
+              </a:rPr>
+              <a:t>Method of Loci </a:t>
+            </a:r>
+            <a:r>
+              <a:rPr lang="en-US" sz="2800" dirty="0" smtClean="0">
+                <a:latin typeface="+mn-lt"/>
+                <a:ea typeface="+mn-ea"/>
+                <a:cs typeface="+mn-cs"/>
+              </a:rPr>
+              <a:t>Map</a:t>
+            </a:r>
+            <a:endParaRPr lang="en-US" dirty="0"/>
+          </a:p>
+        </p:txBody>
+      </p:sp>
+      <p:sp>
+        <p:nvSpPr>
+          <p:cNvPr id="6" name="Text Placeholder 5"/>
+          <p:cNvSpPr>
+            <a:spLocks noGrp="1"/>
+          </p:cNvSpPr>
+          <p:nvPr>
+            <p:ph type="body" idx="4294967295"/>
+          </p:nvPr>
+        </p:nvSpPr>
+        <p:spPr>
+          <a:xfrm>
+            <a:off x="9332686" y="957943"/>
+            <a:ext cx="2859314" cy="5219020"/>
+          </a:xfrm>
+        </p:spPr>
+        <p:txBody>
+          <a:bodyPr>
+            <a:normAutofit/>
+          </a:bodyPr>
+          <a:lstStyle/>
+          <a:p>
+            <a:pPr>
+              <a:buFont typeface="Wingdings" panose="05000000000000000000" pitchFamily="2" charset="2"/>
+              <a:buChar char="ü"/>
             </a:pPr>
             <a:r>
-              <a:rPr lang="en-US" dirty="0" smtClean="0"/>
-              <a:t>Where are you?</a:t>
-            </a:r>
-          </a:p>
-          <a:p>
-            <a:pPr lvl="0"/>
-            <a:r>
-              <a:rPr lang="en-US" dirty="0" smtClean="0"/>
-              <a:t>Individual</a:t>
-            </a:r>
-          </a:p>
-          <a:p>
-            <a:pPr lvl="0"/>
-            <a:r>
-              <a:rPr lang="en-US" dirty="0" smtClean="0"/>
-              <a:t>Organization</a:t>
-            </a:r>
-          </a:p>
-          <a:p>
-            <a:pPr lvl="0"/>
-            <a:r>
-              <a:rPr lang="en-US" dirty="0" smtClean="0"/>
-              <a:t>Per Project</a:t>
-            </a:r>
-          </a:p>
-          <a:p>
-            <a:pPr lvl="1"/>
-            <a:endParaRPr lang="en-US" dirty="0" smtClean="0"/>
+              <a:rPr lang="en-US" sz="4400" dirty="0"/>
+              <a:t>Drawing</a:t>
+            </a:r>
+          </a:p>
+          <a:p>
+            <a:pPr>
+              <a:buFont typeface="Wingdings" panose="05000000000000000000" pitchFamily="2" charset="2"/>
+              <a:buChar char="ü"/>
+            </a:pPr>
+            <a:r>
+              <a:rPr lang="en-US" sz="4400" dirty="0" smtClean="0"/>
+              <a:t>Place</a:t>
+            </a:r>
+            <a:endParaRPr lang="en-US" sz="4400" dirty="0" smtClean="0"/>
+          </a:p>
+          <a:p>
+            <a:pPr>
+              <a:buFont typeface="Wingdings" panose="05000000000000000000" pitchFamily="2" charset="2"/>
+              <a:buChar char="ü"/>
+            </a:pPr>
+            <a:r>
+              <a:rPr lang="en-US" sz="4400" dirty="0" smtClean="0"/>
+              <a:t>Path</a:t>
+            </a:r>
+          </a:p>
+          <a:p>
+            <a:pPr>
+              <a:buFont typeface="Wingdings" panose="05000000000000000000" pitchFamily="2" charset="2"/>
+              <a:buChar char="ü"/>
+            </a:pPr>
+            <a:r>
+              <a:rPr lang="en-US" sz="4400" dirty="0" smtClean="0"/>
+              <a:t>Location</a:t>
+            </a:r>
           </a:p>
           <a:p>
             <a:pPr marL="0" indent="0">
               <a:buNone/>
             </a:pPr>
-            <a:r>
-              <a:rPr lang="en-US" dirty="0" smtClean="0"/>
-              <a:t>Goal: </a:t>
-            </a:r>
-            <a:r>
-              <a:rPr lang="en-US" dirty="0" smtClean="0">
-                <a:solidFill>
-                  <a:srgbClr val="00B050"/>
-                </a:solidFill>
-              </a:rPr>
-              <a:t>Advice</a:t>
-            </a:r>
+            <a:endParaRPr lang="en-US" sz="4400" dirty="0"/>
           </a:p>
         </p:txBody>
       </p:sp>
       <p:pic>
         <p:nvPicPr>
-          <p:cNvPr id="6" name="Picture 5"/>
+          <p:cNvPr id="11" name="Picture 10"/>
           <p:cNvPicPr>
             <a:picLocks noChangeAspect="1"/>
           </p:cNvPicPr>
           <p:nvPr/>
         </p:nvPicPr>
         <p:blipFill>
-          <a:blip r:embed="rId5">
+          <a:blip r:embed="rId4">
+            <a:clrChange>
+              <a:clrFrom>
+                <a:srgbClr val="FFFFFF"/>
+              </a:clrFrom>
+              <a:clrTo>
+                <a:srgbClr val="FFFFFF">
+                  <a:alpha val="0"/>
+                </a:srgbClr>
+              </a:clrTo>
+            </a:clrChange>
             <a:extLst>
               <a:ext uri="{28A0092B-C50C-407E-A947-70E740481C1C}">
                 <a14:useLocalDpi xmlns:a14="http://schemas.microsoft.com/office/drawing/2010/main" val="0"/>
@@ -9309,8 +9989,8 @@
         </p:blipFill>
         <p:spPr>
           <a:xfrm>
-            <a:off x="83274" y="3686175"/>
-            <a:ext cx="2743583" cy="2743583"/>
+            <a:off x="7132645" y="4367104"/>
+            <a:ext cx="966091" cy="791321"/>
           </a:xfrm>
           <a:prstGeom prst="rect">
             <a:avLst/>
@@ -9319,14 +9999,14 @@
       </p:pic>
       <p:sp>
         <p:nvSpPr>
-          <p:cNvPr id="4" name="Oval 3"/>
+          <p:cNvPr id="12" name="Oval 11"/>
           <p:cNvSpPr/>
           <p:nvPr/>
         </p:nvSpPr>
         <p:spPr>
           <a:xfrm>
-            <a:off x="10210800" y="1334395"/>
-            <a:ext cx="1552575" cy="1075429"/>
+            <a:off x="4051300" y="3751724"/>
+            <a:ext cx="1003300" cy="704280"/>
           </a:xfrm>
           <a:prstGeom prst="ellipse">
             <a:avLst/>
@@ -9334,7 +10014,7 @@
           <a:noFill/>
           <a:ln w="28575">
             <a:solidFill>
-              <a:srgbClr val="00B050"/>
+              <a:srgbClr val="FF0000"/>
             </a:solidFill>
           </a:ln>
         </p:spPr>
@@ -9363,10 +10043,198 @@
           </a:p>
         </p:txBody>
       </p:sp>
+      <p:cxnSp>
+        <p:nvCxnSpPr>
+          <p:cNvPr id="14" name="Straight Arrow Connector 13"/>
+          <p:cNvCxnSpPr/>
+          <p:nvPr/>
+        </p:nvCxnSpPr>
+        <p:spPr>
+          <a:xfrm flipH="1">
+            <a:off x="5487371" y="5089530"/>
+            <a:ext cx="1827027" cy="960750"/>
+          </a:xfrm>
+          <a:prstGeom prst="straightConnector1">
+            <a:avLst/>
+          </a:prstGeom>
+          <a:ln w="57150">
+            <a:solidFill>
+              <a:srgbClr val="FFFF00"/>
+            </a:solidFill>
+            <a:prstDash val="dash"/>
+            <a:tailEnd type="triangle"/>
+          </a:ln>
+        </p:spPr>
+        <p:style>
+          <a:lnRef idx="1">
+            <a:schemeClr val="accent1"/>
+          </a:lnRef>
+          <a:fillRef idx="0">
+            <a:schemeClr val="accent1"/>
+          </a:fillRef>
+          <a:effectRef idx="0">
+            <a:schemeClr val="accent1"/>
+          </a:effectRef>
+          <a:fontRef idx="minor">
+            <a:schemeClr val="tx1"/>
+          </a:fontRef>
+        </p:style>
+      </p:cxnSp>
+      <p:cxnSp>
+        <p:nvCxnSpPr>
+          <p:cNvPr id="13" name="Straight Arrow Connector 12"/>
+          <p:cNvCxnSpPr/>
+          <p:nvPr/>
+        </p:nvCxnSpPr>
+        <p:spPr>
+          <a:xfrm flipH="1" flipV="1">
+            <a:off x="4552950" y="4456004"/>
+            <a:ext cx="934422" cy="1594276"/>
+          </a:xfrm>
+          <a:prstGeom prst="straightConnector1">
+            <a:avLst/>
+          </a:prstGeom>
+          <a:ln w="57150">
+            <a:solidFill>
+              <a:srgbClr val="FFFF00"/>
+            </a:solidFill>
+            <a:prstDash val="dash"/>
+            <a:tailEnd type="triangle"/>
+          </a:ln>
+        </p:spPr>
+        <p:style>
+          <a:lnRef idx="1">
+            <a:schemeClr val="accent1"/>
+          </a:lnRef>
+          <a:fillRef idx="0">
+            <a:schemeClr val="accent1"/>
+          </a:fillRef>
+          <a:effectRef idx="0">
+            <a:schemeClr val="accent1"/>
+          </a:effectRef>
+          <a:fontRef idx="minor">
+            <a:schemeClr val="tx1"/>
+          </a:fontRef>
+        </p:style>
+      </p:cxnSp>
+      <p:pic>
+        <p:nvPicPr>
+          <p:cNvPr id="9" name="Picture 8"/>
+          <p:cNvPicPr>
+            <a:picLocks noChangeAspect="1"/>
+          </p:cNvPicPr>
+          <p:nvPr/>
+        </p:nvPicPr>
+        <p:blipFill>
+          <a:blip r:embed="rId5" cstate="print">
+            <a:clrChange>
+              <a:clrFrom>
+                <a:srgbClr val="ED1C24"/>
+              </a:clrFrom>
+              <a:clrTo>
+                <a:srgbClr val="ED1C24">
+                  <a:alpha val="0"/>
+                </a:srgbClr>
+              </a:clrTo>
+            </a:clrChange>
+            <a:extLst>
+              <a:ext uri="{28A0092B-C50C-407E-A947-70E740481C1C}">
+                <a14:useLocalDpi xmlns:a14="http://schemas.microsoft.com/office/drawing/2010/main" val="0"/>
+              </a:ext>
+            </a:extLst>
+          </a:blip>
+          <a:stretch>
+            <a:fillRect/>
+          </a:stretch>
+        </p:blipFill>
+        <p:spPr>
+          <a:xfrm>
+            <a:off x="4023178" y="3652120"/>
+            <a:ext cx="1059543" cy="903487"/>
+          </a:xfrm>
+          <a:prstGeom prst="rect">
+            <a:avLst/>
+          </a:prstGeom>
+        </p:spPr>
+      </p:pic>
+      <p:cxnSp>
+        <p:nvCxnSpPr>
+          <p:cNvPr id="3" name="Straight Arrow Connector 2"/>
+          <p:cNvCxnSpPr/>
+          <p:nvPr/>
+        </p:nvCxnSpPr>
+        <p:spPr>
+          <a:xfrm flipH="1" flipV="1">
+            <a:off x="7604760" y="1478280"/>
+            <a:ext cx="30480" cy="2173840"/>
+          </a:xfrm>
+          <a:prstGeom prst="straightConnector1">
+            <a:avLst/>
+          </a:prstGeom>
+          <a:ln w="101600">
+            <a:solidFill>
+              <a:srgbClr val="00B050"/>
+            </a:solidFill>
+            <a:headEnd type="triangle" w="med" len="med"/>
+            <a:tailEnd type="triangle" w="med" len="med"/>
+          </a:ln>
+        </p:spPr>
+        <p:style>
+          <a:lnRef idx="1">
+            <a:schemeClr val="accent1"/>
+          </a:lnRef>
+          <a:fillRef idx="0">
+            <a:schemeClr val="accent1"/>
+          </a:fillRef>
+          <a:effectRef idx="0">
+            <a:schemeClr val="accent1"/>
+          </a:effectRef>
+          <a:fontRef idx="minor">
+            <a:schemeClr val="tx1"/>
+          </a:fontRef>
+        </p:style>
+      </p:cxnSp>
+      <p:cxnSp>
+        <p:nvCxnSpPr>
+          <p:cNvPr id="15" name="Straight Arrow Connector 14"/>
+          <p:cNvCxnSpPr/>
+          <p:nvPr/>
+        </p:nvCxnSpPr>
+        <p:spPr>
+          <a:xfrm flipH="1" flipV="1">
+            <a:off x="6522720" y="2560320"/>
+            <a:ext cx="2087880" cy="1"/>
+          </a:xfrm>
+          <a:prstGeom prst="straightConnector1">
+            <a:avLst/>
+          </a:prstGeom>
+          <a:ln w="101600">
+            <a:solidFill>
+              <a:srgbClr val="00B050"/>
+            </a:solidFill>
+            <a:headEnd type="triangle" w="med" len="med"/>
+            <a:tailEnd type="triangle" w="med" len="med"/>
+          </a:ln>
+        </p:spPr>
+        <p:style>
+          <a:lnRef idx="1">
+            <a:schemeClr val="accent1"/>
+          </a:lnRef>
+          <a:fillRef idx="0">
+            <a:schemeClr val="accent1"/>
+          </a:fillRef>
+          <a:effectRef idx="0">
+            <a:schemeClr val="accent1"/>
+          </a:effectRef>
+          <a:fontRef idx="minor">
+            <a:schemeClr val="tx1"/>
+          </a:fontRef>
+        </p:style>
+      </p:cxnSp>
     </p:spTree>
     <p:extLst>
       <p:ext uri="{BB962C8B-B14F-4D97-AF65-F5344CB8AC3E}">
-        <p14:creationId xmlns:p14="http://schemas.microsoft.com/office/powerpoint/2010/main" val="3679970942"/>
+        <p14:creationId xmlns:p14="http://schemas.microsoft.com/office/powerpoint/2010/main" val="1764006904"/>
       </p:ext>
     </p:extLst>
   </p:cSld>
@@ -9400,59 +10268,28 @@
           <a:chExt cx="0" cy="0"/>
         </a:xfrm>
       </p:grpSpPr>
-      <p:sp>
-        <p:nvSpPr>
-          <p:cNvPr id="2" name="Title 1"/>
-          <p:cNvSpPr>
-            <a:spLocks noGrp="1"/>
-          </p:cNvSpPr>
-          <p:nvPr>
-            <p:ph type="title"/>
-          </p:nvPr>
-        </p:nvSpPr>
-        <p:spPr>
-          <a:xfrm>
-            <a:off x="0" y="0"/>
-            <a:ext cx="12321153" cy="852407"/>
-          </a:xfrm>
-        </p:spPr>
-        <p:txBody>
-          <a:bodyPr>
-            <a:normAutofit/>
-          </a:bodyPr>
-          <a:lstStyle/>
-          <a:p>
-            <a:pPr lvl="0"/>
-            <a:r>
-              <a:rPr lang="en-US" sz="3900" dirty="0"/>
-              <a:t>Booz Allen Hamilton's (BAH's) </a:t>
-            </a:r>
-            <a:r>
-              <a:rPr lang="en-US" sz="3900" dirty="0">
-                <a:hlinkClick r:id="rId3"/>
-              </a:rPr>
-              <a:t>Field Guide to Data </a:t>
-            </a:r>
-            <a:r>
-              <a:rPr lang="en-US" sz="3900" dirty="0" smtClean="0">
-                <a:hlinkClick r:id="rId3"/>
-              </a:rPr>
-              <a:t>Science</a:t>
-            </a:r>
-            <a:endParaRPr lang="en-US" sz="3900" dirty="0"/>
-          </a:p>
-        </p:txBody>
-      </p:sp>
       <p:pic>
         <p:nvPicPr>
-          <p:cNvPr id="5" name="Picture 4"/>
+          <p:cNvPr id="5" name="Content Placeholder 4"/>
           <p:cNvPicPr>
-            <a:picLocks noChangeAspect="1"/>
+            <a:picLocks noGrp="1" noChangeAspect="1"/>
           </p:cNvPicPr>
-          <p:nvPr/>
+          <p:nvPr>
+            <p:ph idx="1"/>
+          </p:nvPr>
         </p:nvPicPr>
         <p:blipFill>
-          <a:blip r:embed="rId4">
+          <a:blip r:embed="rId3">
+            <a:clrChange>
+              <a:clrFrom>
+                <a:srgbClr val="FEFEFE"/>
+              </a:clrFrom>
+              <a:clrTo>
+                <a:srgbClr val="FEFEFE">
+                  <a:alpha val="0"/>
+                </a:srgbClr>
+              </a:clrTo>
+            </a:clrChange>
             <a:extLst>
               <a:ext uri="{28A0092B-C50C-407E-A947-70E740481C1C}">
                 <a14:useLocalDpi xmlns:a14="http://schemas.microsoft.com/office/drawing/2010/main" val="0"/>
@@ -9465,98 +10302,155 @@
         </p:blipFill>
         <p:spPr>
           <a:xfrm>
-            <a:off x="2910130" y="657876"/>
-            <a:ext cx="9089502" cy="6171718"/>
+            <a:off x="574343" y="391886"/>
+            <a:ext cx="8758343" cy="6586275"/>
           </a:xfrm>
-          <a:prstGeom prst="rect">
-            <a:avLst/>
-          </a:prstGeom>
         </p:spPr>
       </p:pic>
       <p:sp>
         <p:nvSpPr>
-          <p:cNvPr id="3" name="Content Placeholder 2"/>
+          <p:cNvPr id="4" name="Title 1"/>
           <p:cNvSpPr>
             <a:spLocks noGrp="1"/>
           </p:cNvSpPr>
           <p:nvPr>
-            <p:ph idx="1"/>
+            <p:ph type="title"/>
           </p:nvPr>
         </p:nvSpPr>
         <p:spPr>
           <a:xfrm>
-            <a:off x="152400" y="1181100"/>
-            <a:ext cx="2867025" cy="2505075"/>
+            <a:off x="0" y="0"/>
+            <a:ext cx="10515600" cy="566057"/>
           </a:xfrm>
         </p:spPr>
         <p:txBody>
           <a:bodyPr>
-            <a:normAutofit fontScale="92500" lnSpcReduction="20000"/>
+            <a:normAutofit/>
           </a:bodyPr>
           <a:lstStyle/>
           <a:p>
-            <a:pPr marL="0" lvl="0" indent="0">
-              <a:buNone/>
+            <a:pPr lvl="0"/>
+            <a:r>
+              <a:rPr lang="en-US" sz="2800" kern="1200" dirty="0" smtClean="0">
+                <a:solidFill>
+                  <a:schemeClr val="tx1"/>
+                </a:solidFill>
+                <a:effectLst/>
+                <a:latin typeface="+mn-lt"/>
+                <a:ea typeface="+mn-ea"/>
+                <a:cs typeface="+mn-cs"/>
+              </a:rPr>
+              <a:t>Method of Loci </a:t>
+            </a:r>
+            <a:r>
+              <a:rPr lang="en-US" sz="2800" dirty="0" smtClean="0">
+                <a:latin typeface="+mn-lt"/>
+                <a:ea typeface="+mn-ea"/>
+                <a:cs typeface="+mn-cs"/>
+              </a:rPr>
+              <a:t>Map</a:t>
+            </a:r>
+            <a:endParaRPr lang="en-US" dirty="0"/>
+          </a:p>
+        </p:txBody>
+      </p:sp>
+      <p:sp>
+        <p:nvSpPr>
+          <p:cNvPr id="6" name="Text Placeholder 5"/>
+          <p:cNvSpPr>
+            <a:spLocks noGrp="1"/>
+          </p:cNvSpPr>
+          <p:nvPr>
+            <p:ph type="body" idx="4294967295"/>
+          </p:nvPr>
+        </p:nvSpPr>
+        <p:spPr>
+          <a:xfrm>
+            <a:off x="9332686" y="957943"/>
+            <a:ext cx="2859314" cy="5219020"/>
+          </a:xfrm>
+        </p:spPr>
+        <p:txBody>
+          <a:bodyPr>
+            <a:normAutofit/>
+          </a:bodyPr>
+          <a:lstStyle/>
+          <a:p>
+            <a:pPr>
+              <a:buFont typeface="Wingdings" panose="05000000000000000000" pitchFamily="2" charset="2"/>
+              <a:buChar char="ü"/>
             </a:pPr>
             <a:r>
-              <a:rPr lang="en-US" dirty="0" smtClean="0"/>
-              <a:t>Where are you?</a:t>
-            </a:r>
-          </a:p>
-          <a:p>
-            <a:pPr lvl="0"/>
-            <a:r>
-              <a:rPr lang="en-US" dirty="0" smtClean="0"/>
-              <a:t>Individual</a:t>
-            </a:r>
-          </a:p>
-          <a:p>
-            <a:pPr lvl="0"/>
-            <a:r>
-              <a:rPr lang="en-US" dirty="0" smtClean="0"/>
-              <a:t>Organization</a:t>
-            </a:r>
-          </a:p>
-          <a:p>
-            <a:pPr lvl="0"/>
-            <a:r>
-              <a:rPr lang="en-US" dirty="0" smtClean="0"/>
-              <a:t>Per Project</a:t>
-            </a:r>
-          </a:p>
-          <a:p>
-            <a:pPr lvl="1"/>
-            <a:endParaRPr lang="en-US" dirty="0" smtClean="0"/>
-          </a:p>
-          <a:p>
-            <a:pPr marL="0" indent="0">
-              <a:buNone/>
+              <a:rPr lang="en-US" sz="4400" dirty="0"/>
+              <a:t>Drawing</a:t>
+            </a:r>
+          </a:p>
+          <a:p>
+            <a:pPr>
+              <a:buFont typeface="Wingdings" panose="05000000000000000000" pitchFamily="2" charset="2"/>
+              <a:buChar char="ü"/>
             </a:pPr>
             <a:r>
-              <a:rPr lang="en-US" dirty="0" smtClean="0"/>
-              <a:t>Goal: </a:t>
-            </a:r>
-            <a:r>
-              <a:rPr lang="en-US" dirty="0" smtClean="0">
-                <a:solidFill>
-                  <a:srgbClr val="00B050"/>
-                </a:solidFill>
-              </a:rPr>
-              <a:t>Advice</a:t>
-            </a:r>
+              <a:rPr lang="en-US" sz="4400" dirty="0" smtClean="0"/>
+              <a:t>Place</a:t>
+            </a:r>
+            <a:endParaRPr lang="en-US" sz="4400" dirty="0" smtClean="0"/>
+          </a:p>
+          <a:p>
+            <a:pPr>
+              <a:buFont typeface="Wingdings" panose="05000000000000000000" pitchFamily="2" charset="2"/>
+              <a:buChar char="ü"/>
+            </a:pPr>
+            <a:r>
+              <a:rPr lang="en-US" sz="4400" dirty="0" smtClean="0"/>
+              <a:t>Path</a:t>
+            </a:r>
+          </a:p>
+          <a:p>
+            <a:pPr>
+              <a:buFont typeface="Wingdings" panose="05000000000000000000" pitchFamily="2" charset="2"/>
+              <a:buChar char="ü"/>
+            </a:pPr>
+            <a:r>
+              <a:rPr lang="en-US" sz="4400" dirty="0" smtClean="0"/>
+              <a:t>Location</a:t>
+            </a:r>
+          </a:p>
+          <a:p>
+            <a:pPr>
+              <a:buFont typeface="Wingdings" panose="05000000000000000000" pitchFamily="2" charset="2"/>
+              <a:buChar char="ü"/>
+            </a:pPr>
+            <a:r>
+              <a:rPr lang="en-US" sz="4400" dirty="0" smtClean="0"/>
+              <a:t>Placing</a:t>
+            </a:r>
+          </a:p>
+          <a:p>
+            <a:endParaRPr lang="en-US" sz="4400" dirty="0"/>
           </a:p>
         </p:txBody>
       </p:sp>
       <p:pic>
         <p:nvPicPr>
-          <p:cNvPr id="6" name="Picture 5"/>
+          <p:cNvPr id="11" name="Picture 10"/>
           <p:cNvPicPr>
             <a:picLocks noChangeAspect="1"/>
           </p:cNvPicPr>
           <p:nvPr/>
         </p:nvPicPr>
         <p:blipFill>
-          <a:blip r:embed="rId5">
+          <a:blip r:embed="rId4">
+            <a:clrChange>
+              <a:clrFrom>
+                <a:srgbClr val="FFFFFF"/>
+              </a:clrFrom>
+              <a:clrTo>
+                <a:srgbClr val="FFFFFF">
+                  <a:alpha val="0"/>
+                </a:srgbClr>
+              </a:clrTo>
+            </a:clrChange>
             <a:extLst>
               <a:ext uri="{28A0092B-C50C-407E-A947-70E740481C1C}">
                 <a14:useLocalDpi xmlns:a14="http://schemas.microsoft.com/office/drawing/2010/main" val="0"/>
@@ -9569,8 +10463,8 @@
         </p:blipFill>
         <p:spPr>
           <a:xfrm>
-            <a:off x="83274" y="3686175"/>
-            <a:ext cx="2743583" cy="2743583"/>
+            <a:off x="7132645" y="4367104"/>
+            <a:ext cx="966091" cy="791321"/>
           </a:xfrm>
           <a:prstGeom prst="rect">
             <a:avLst/>
@@ -9579,14 +10473,14 @@
       </p:pic>
       <p:sp>
         <p:nvSpPr>
-          <p:cNvPr id="4" name="Oval 3"/>
+          <p:cNvPr id="12" name="Oval 11"/>
           <p:cNvSpPr/>
           <p:nvPr/>
         </p:nvSpPr>
         <p:spPr>
           <a:xfrm>
-            <a:off x="10210800" y="1334395"/>
-            <a:ext cx="1552575" cy="1075429"/>
+            <a:off x="4051300" y="3751724"/>
+            <a:ext cx="1003300" cy="704280"/>
           </a:xfrm>
           <a:prstGeom prst="ellipse">
             <a:avLst/>
@@ -9594,7 +10488,7 @@
           <a:noFill/>
           <a:ln w="28575">
             <a:solidFill>
-              <a:srgbClr val="00B050"/>
+              <a:srgbClr val="FF0000"/>
             </a:solidFill>
           </a:ln>
         </p:spPr>
@@ -9623,56 +10517,232 @@
           </a:p>
         </p:txBody>
       </p:sp>
-      <p:sp>
-        <p:nvSpPr>
-          <p:cNvPr id="7" name="Oval 6"/>
-          <p:cNvSpPr/>
+      <p:cxnSp>
+        <p:nvCxnSpPr>
+          <p:cNvPr id="14" name="Straight Arrow Connector 13"/>
+          <p:cNvCxnSpPr/>
           <p:nvPr/>
-        </p:nvSpPr>
+        </p:nvCxnSpPr>
         <p:spPr>
-          <a:xfrm>
-            <a:off x="4277360" y="1334394"/>
-            <a:ext cx="873760" cy="5095363"/>
+          <a:xfrm flipH="1">
+            <a:off x="5487371" y="5089530"/>
+            <a:ext cx="1827027" cy="960750"/>
           </a:xfrm>
-          <a:prstGeom prst="ellipse">
+          <a:prstGeom prst="straightConnector1">
             <a:avLst/>
           </a:prstGeom>
-          <a:noFill/>
-          <a:ln w="28575">
+          <a:ln w="57150">
             <a:solidFill>
-              <a:srgbClr val="00B050"/>
+              <a:srgbClr val="FFFF00"/>
             </a:solidFill>
+            <a:prstDash val="dash"/>
+            <a:tailEnd type="triangle"/>
           </a:ln>
         </p:spPr>
         <p:style>
-          <a:lnRef idx="2">
-            <a:schemeClr val="accent1">
-              <a:shade val="50000"/>
-            </a:schemeClr>
+          <a:lnRef idx="1">
+            <a:schemeClr val="accent1"/>
           </a:lnRef>
-          <a:fillRef idx="1">
+          <a:fillRef idx="0">
             <a:schemeClr val="accent1"/>
           </a:fillRef>
           <a:effectRef idx="0">
             <a:schemeClr val="accent1"/>
           </a:effectRef>
           <a:fontRef idx="minor">
-            <a:schemeClr val="lt1"/>
+            <a:schemeClr val="tx1"/>
           </a:fontRef>
         </p:style>
-        <p:txBody>
-          <a:bodyPr rtlCol="0" anchor="ctr"/>
-          <a:lstStyle/>
-          <a:p>
-            <a:pPr algn="ctr"/>
-            <a:endParaRPr lang="en-US"/>
-          </a:p>
-        </p:txBody>
-      </p:sp>
+      </p:cxnSp>
+      <p:cxnSp>
+        <p:nvCxnSpPr>
+          <p:cNvPr id="13" name="Straight Arrow Connector 12"/>
+          <p:cNvCxnSpPr/>
+          <p:nvPr/>
+        </p:nvCxnSpPr>
+        <p:spPr>
+          <a:xfrm flipH="1" flipV="1">
+            <a:off x="4552950" y="4456004"/>
+            <a:ext cx="934422" cy="1594276"/>
+          </a:xfrm>
+          <a:prstGeom prst="straightConnector1">
+            <a:avLst/>
+          </a:prstGeom>
+          <a:ln w="57150">
+            <a:solidFill>
+              <a:srgbClr val="FFFF00"/>
+            </a:solidFill>
+            <a:prstDash val="dash"/>
+            <a:tailEnd type="triangle"/>
+          </a:ln>
+        </p:spPr>
+        <p:style>
+          <a:lnRef idx="1">
+            <a:schemeClr val="accent1"/>
+          </a:lnRef>
+          <a:fillRef idx="0">
+            <a:schemeClr val="accent1"/>
+          </a:fillRef>
+          <a:effectRef idx="0">
+            <a:schemeClr val="accent1"/>
+          </a:effectRef>
+          <a:fontRef idx="minor">
+            <a:schemeClr val="tx1"/>
+          </a:fontRef>
+        </p:style>
+      </p:cxnSp>
+      <p:pic>
+        <p:nvPicPr>
+          <p:cNvPr id="9" name="Picture 8"/>
+          <p:cNvPicPr>
+            <a:picLocks noChangeAspect="1"/>
+          </p:cNvPicPr>
+          <p:nvPr/>
+        </p:nvPicPr>
+        <p:blipFill>
+          <a:blip r:embed="rId5" cstate="print">
+            <a:clrChange>
+              <a:clrFrom>
+                <a:srgbClr val="ED1C24"/>
+              </a:clrFrom>
+              <a:clrTo>
+                <a:srgbClr val="ED1C24">
+                  <a:alpha val="0"/>
+                </a:srgbClr>
+              </a:clrTo>
+            </a:clrChange>
+            <a:extLst>
+              <a:ext uri="{28A0092B-C50C-407E-A947-70E740481C1C}">
+                <a14:useLocalDpi xmlns:a14="http://schemas.microsoft.com/office/drawing/2010/main" val="0"/>
+              </a:ext>
+            </a:extLst>
+          </a:blip>
+          <a:stretch>
+            <a:fillRect/>
+          </a:stretch>
+        </p:blipFill>
+        <p:spPr>
+          <a:xfrm>
+            <a:off x="4023178" y="3652120"/>
+            <a:ext cx="1059543" cy="903487"/>
+          </a:xfrm>
+          <a:prstGeom prst="rect">
+            <a:avLst/>
+          </a:prstGeom>
+        </p:spPr>
+      </p:pic>
+      <p:pic>
+        <p:nvPicPr>
+          <p:cNvPr id="7" name="Picture 6"/>
+          <p:cNvPicPr>
+            <a:picLocks noChangeAspect="1"/>
+          </p:cNvPicPr>
+          <p:nvPr/>
+        </p:nvPicPr>
+        <p:blipFill>
+          <a:blip r:embed="rId6" cstate="print">
+            <a:extLst>
+              <a:ext uri="{28A0092B-C50C-407E-A947-70E740481C1C}">
+                <a14:useLocalDpi xmlns:a14="http://schemas.microsoft.com/office/drawing/2010/main" val="0"/>
+              </a:ext>
+            </a:extLst>
+          </a:blip>
+          <a:stretch>
+            <a:fillRect/>
+          </a:stretch>
+        </p:blipFill>
+        <p:spPr>
+          <a:xfrm>
+            <a:off x="3736295" y="3281269"/>
+            <a:ext cx="1318305" cy="1287896"/>
+          </a:xfrm>
+          <a:prstGeom prst="rect">
+            <a:avLst/>
+          </a:prstGeom>
+          <a:noFill/>
+          <a:ln>
+            <a:noFill/>
+          </a:ln>
+        </p:spPr>
+      </p:pic>
+      <p:cxnSp>
+        <p:nvCxnSpPr>
+          <p:cNvPr id="3" name="Straight Arrow Connector 2"/>
+          <p:cNvCxnSpPr/>
+          <p:nvPr/>
+        </p:nvCxnSpPr>
+        <p:spPr>
+          <a:xfrm flipH="1" flipV="1">
+            <a:off x="7604760" y="1478280"/>
+            <a:ext cx="30480" cy="2173840"/>
+          </a:xfrm>
+          <a:prstGeom prst="straightConnector1">
+            <a:avLst/>
+          </a:prstGeom>
+          <a:ln w="101600">
+            <a:solidFill>
+              <a:srgbClr val="00B050"/>
+            </a:solidFill>
+            <a:headEnd type="triangle" w="med" len="med"/>
+            <a:tailEnd type="triangle" w="med" len="med"/>
+          </a:ln>
+        </p:spPr>
+        <p:style>
+          <a:lnRef idx="1">
+            <a:schemeClr val="accent1"/>
+          </a:lnRef>
+          <a:fillRef idx="0">
+            <a:schemeClr val="accent1"/>
+          </a:fillRef>
+          <a:effectRef idx="0">
+            <a:schemeClr val="accent1"/>
+          </a:effectRef>
+          <a:fontRef idx="minor">
+            <a:schemeClr val="tx1"/>
+          </a:fontRef>
+        </p:style>
+      </p:cxnSp>
+      <p:cxnSp>
+        <p:nvCxnSpPr>
+          <p:cNvPr id="15" name="Straight Arrow Connector 14"/>
+          <p:cNvCxnSpPr/>
+          <p:nvPr/>
+        </p:nvCxnSpPr>
+        <p:spPr>
+          <a:xfrm flipH="1" flipV="1">
+            <a:off x="6522720" y="2560320"/>
+            <a:ext cx="2087880" cy="1"/>
+          </a:xfrm>
+          <a:prstGeom prst="straightConnector1">
+            <a:avLst/>
+          </a:prstGeom>
+          <a:ln w="101600">
+            <a:solidFill>
+              <a:srgbClr val="00B050"/>
+            </a:solidFill>
+            <a:headEnd type="triangle" w="med" len="med"/>
+            <a:tailEnd type="triangle" w="med" len="med"/>
+          </a:ln>
+        </p:spPr>
+        <p:style>
+          <a:lnRef idx="1">
+            <a:schemeClr val="accent1"/>
+          </a:lnRef>
+          <a:fillRef idx="0">
+            <a:schemeClr val="accent1"/>
+          </a:fillRef>
+          <a:effectRef idx="0">
+            <a:schemeClr val="accent1"/>
+          </a:effectRef>
+          <a:fontRef idx="minor">
+            <a:schemeClr val="tx1"/>
+          </a:fontRef>
+        </p:style>
+      </p:cxnSp>
     </p:spTree>
     <p:extLst>
       <p:ext uri="{BB962C8B-B14F-4D97-AF65-F5344CB8AC3E}">
-        <p14:creationId xmlns:p14="http://schemas.microsoft.com/office/powerpoint/2010/main" val="1306573025"/>
+        <p14:creationId xmlns:p14="http://schemas.microsoft.com/office/powerpoint/2010/main" val="2697983814"/>
       </p:ext>
     </p:extLst>
   </p:cSld>
@@ -9718,47 +10788,53 @@
         </p:nvSpPr>
         <p:spPr>
           <a:xfrm>
-            <a:off x="0" y="0"/>
-            <a:ext cx="12321153" cy="852407"/>
+            <a:off x="0" y="-378794"/>
+            <a:ext cx="12192000" cy="1325563"/>
           </a:xfrm>
         </p:spPr>
         <p:txBody>
-          <a:bodyPr>
-            <a:normAutofit/>
-          </a:bodyPr>
+          <a:bodyPr/>
           <a:lstStyle/>
           <a:p>
-            <a:pPr lvl="0"/>
-            <a:r>
-              <a:rPr lang="en-US" sz="3900" dirty="0"/>
-              <a:t>Booz Allen Hamilton's (BAH's) </a:t>
-            </a:r>
-            <a:r>
-              <a:rPr lang="en-US" sz="3900" dirty="0">
-                <a:hlinkClick r:id="rId3"/>
+            <a:pPr lvl="0" rtl="0" eaLnBrk="1" latinLnBrk="0" hangingPunct="1"/>
+            <a:r>
+              <a:rPr lang="en-US" sz="2800" kern="1200" dirty="0" err="1" smtClean="0">
+                <a:solidFill>
+                  <a:schemeClr val="tx1"/>
+                </a:solidFill>
+                <a:effectLst/>
+                <a:latin typeface="+mn-lt"/>
+                <a:ea typeface="+mn-ea"/>
+                <a:cs typeface="+mn-cs"/>
               </a:rPr>
-              <a:t>Field Guide to Data </a:t>
-            </a:r>
-            <a:r>
-              <a:rPr lang="en-US" sz="3900" dirty="0" smtClean="0">
-                <a:hlinkClick r:id="rId3"/>
+              <a:t>Scikit-learn’s</a:t>
+            </a:r>
+            <a:r>
+              <a:rPr lang="en-US" sz="2800" kern="1200" dirty="0" smtClean="0">
+                <a:solidFill>
+                  <a:schemeClr val="tx1"/>
+                </a:solidFill>
+                <a:effectLst/>
+                <a:latin typeface="+mn-lt"/>
+                <a:ea typeface="+mn-ea"/>
+                <a:cs typeface="+mn-cs"/>
               </a:rPr>
-              <a:t>Science</a:t>
-            </a:r>
-            <a:endParaRPr lang="en-US" sz="3900" dirty="0"/>
+              <a:t> “butterfly map”</a:t>
+            </a:r>
+            <a:endParaRPr lang="en-US" dirty="0"/>
           </a:p>
         </p:txBody>
       </p:sp>
       <p:pic>
         <p:nvPicPr>
-          <p:cNvPr id="5" name="Picture 4"/>
+          <p:cNvPr id="4" name="Picture 3"/>
           <p:cNvPicPr>
             <a:picLocks noChangeAspect="1"/>
           </p:cNvPicPr>
           <p:nvPr/>
         </p:nvPicPr>
         <p:blipFill>
-          <a:blip r:embed="rId4">
+          <a:blip r:embed="rId3">
             <a:extLst>
               <a:ext uri="{28A0092B-C50C-407E-A947-70E740481C1C}">
                 <a14:useLocalDpi xmlns:a14="http://schemas.microsoft.com/office/drawing/2010/main" val="0"/>
@@ -9771,404 +10847,18 @@
         </p:blipFill>
         <p:spPr>
           <a:xfrm>
-            <a:off x="2910130" y="686282"/>
-            <a:ext cx="9089502" cy="6171718"/>
+            <a:off x="2171377" y="613933"/>
+            <a:ext cx="10015050" cy="6244068"/>
           </a:xfrm>
           <a:prstGeom prst="rect">
             <a:avLst/>
           </a:prstGeom>
         </p:spPr>
       </p:pic>
-      <p:sp>
-        <p:nvSpPr>
-          <p:cNvPr id="3" name="Content Placeholder 2"/>
-          <p:cNvSpPr>
-            <a:spLocks noGrp="1"/>
-          </p:cNvSpPr>
-          <p:nvPr>
-            <p:ph idx="1"/>
-          </p:nvPr>
-        </p:nvSpPr>
-        <p:spPr>
-          <a:xfrm>
-            <a:off x="152400" y="1181100"/>
-            <a:ext cx="2867025" cy="2505075"/>
-          </a:xfrm>
-        </p:spPr>
-        <p:txBody>
-          <a:bodyPr>
-            <a:normAutofit fontScale="92500" lnSpcReduction="20000"/>
-          </a:bodyPr>
-          <a:lstStyle/>
-          <a:p>
-            <a:pPr marL="0" lvl="0" indent="0">
-              <a:buNone/>
-            </a:pPr>
-            <a:r>
-              <a:rPr lang="en-US" dirty="0" smtClean="0"/>
-              <a:t>Where are you?</a:t>
-            </a:r>
-          </a:p>
-          <a:p>
-            <a:pPr lvl="0"/>
-            <a:r>
-              <a:rPr lang="en-US" dirty="0" smtClean="0"/>
-              <a:t>Individual</a:t>
-            </a:r>
-          </a:p>
-          <a:p>
-            <a:pPr lvl="0"/>
-            <a:r>
-              <a:rPr lang="en-US" dirty="0" smtClean="0"/>
-              <a:t>Organization</a:t>
-            </a:r>
-          </a:p>
-          <a:p>
-            <a:pPr lvl="0"/>
-            <a:r>
-              <a:rPr lang="en-US" dirty="0" smtClean="0"/>
-              <a:t>Per Project</a:t>
-            </a:r>
-          </a:p>
-          <a:p>
-            <a:pPr lvl="1"/>
-            <a:endParaRPr lang="en-US" dirty="0" smtClean="0"/>
-          </a:p>
-          <a:p>
-            <a:pPr marL="0" indent="0">
-              <a:buNone/>
-            </a:pPr>
-            <a:r>
-              <a:rPr lang="en-US" dirty="0" smtClean="0"/>
-              <a:t>Goal: </a:t>
-            </a:r>
-            <a:r>
-              <a:rPr lang="en-US" dirty="0" smtClean="0">
-                <a:solidFill>
-                  <a:srgbClr val="00B050"/>
-                </a:solidFill>
-              </a:rPr>
-              <a:t>Advice</a:t>
-            </a:r>
-          </a:p>
-        </p:txBody>
-      </p:sp>
-      <p:pic>
-        <p:nvPicPr>
-          <p:cNvPr id="6" name="Picture 5"/>
-          <p:cNvPicPr>
-            <a:picLocks noChangeAspect="1"/>
-          </p:cNvPicPr>
-          <p:nvPr/>
-        </p:nvPicPr>
-        <p:blipFill>
-          <a:blip r:embed="rId5">
-            <a:extLst>
-              <a:ext uri="{28A0092B-C50C-407E-A947-70E740481C1C}">
-                <a14:useLocalDpi xmlns:a14="http://schemas.microsoft.com/office/drawing/2010/main" val="0"/>
-              </a:ext>
-            </a:extLst>
-          </a:blip>
-          <a:stretch>
-            <a:fillRect/>
-          </a:stretch>
-        </p:blipFill>
-        <p:spPr>
-          <a:xfrm>
-            <a:off x="83274" y="3686175"/>
-            <a:ext cx="2743583" cy="2743583"/>
-          </a:xfrm>
-          <a:prstGeom prst="rect">
-            <a:avLst/>
-          </a:prstGeom>
-        </p:spPr>
-      </p:pic>
-      <p:sp>
-        <p:nvSpPr>
-          <p:cNvPr id="4" name="Oval 3"/>
-          <p:cNvSpPr/>
-          <p:nvPr/>
-        </p:nvSpPr>
-        <p:spPr>
-          <a:xfrm>
-            <a:off x="10210800" y="1334395"/>
-            <a:ext cx="1552575" cy="1075429"/>
-          </a:xfrm>
-          <a:prstGeom prst="ellipse">
-            <a:avLst/>
-          </a:prstGeom>
-          <a:noFill/>
-          <a:ln w="28575">
-            <a:solidFill>
-              <a:srgbClr val="00B050"/>
-            </a:solidFill>
-          </a:ln>
-        </p:spPr>
-        <p:style>
-          <a:lnRef idx="2">
-            <a:schemeClr val="accent1">
-              <a:shade val="50000"/>
-            </a:schemeClr>
-          </a:lnRef>
-          <a:fillRef idx="1">
-            <a:schemeClr val="accent1"/>
-          </a:fillRef>
-          <a:effectRef idx="0">
-            <a:schemeClr val="accent1"/>
-          </a:effectRef>
-          <a:fontRef idx="minor">
-            <a:schemeClr val="lt1"/>
-          </a:fontRef>
-        </p:style>
-        <p:txBody>
-          <a:bodyPr rtlCol="0" anchor="ctr"/>
-          <a:lstStyle/>
-          <a:p>
-            <a:pPr algn="ctr"/>
-            <a:endParaRPr lang="en-US"/>
-          </a:p>
-        </p:txBody>
-      </p:sp>
-      <p:sp>
-        <p:nvSpPr>
-          <p:cNvPr id="7" name="Oval 6"/>
-          <p:cNvSpPr/>
-          <p:nvPr/>
-        </p:nvSpPr>
-        <p:spPr>
-          <a:xfrm>
-            <a:off x="4277360" y="1334394"/>
-            <a:ext cx="873760" cy="5095363"/>
-          </a:xfrm>
-          <a:prstGeom prst="ellipse">
-            <a:avLst/>
-          </a:prstGeom>
-          <a:noFill/>
-          <a:ln w="28575">
-            <a:solidFill>
-              <a:srgbClr val="00B050"/>
-            </a:solidFill>
-          </a:ln>
-        </p:spPr>
-        <p:style>
-          <a:lnRef idx="2">
-            <a:schemeClr val="accent1">
-              <a:shade val="50000"/>
-            </a:schemeClr>
-          </a:lnRef>
-          <a:fillRef idx="1">
-            <a:schemeClr val="accent1"/>
-          </a:fillRef>
-          <a:effectRef idx="0">
-            <a:schemeClr val="accent1"/>
-          </a:effectRef>
-          <a:fontRef idx="minor">
-            <a:schemeClr val="lt1"/>
-          </a:fontRef>
-        </p:style>
-        <p:txBody>
-          <a:bodyPr rtlCol="0" anchor="ctr"/>
-          <a:lstStyle/>
-          <a:p>
-            <a:pPr algn="ctr"/>
-            <a:endParaRPr lang="en-US"/>
-          </a:p>
-        </p:txBody>
-      </p:sp>
-      <p:sp>
-        <p:nvSpPr>
-          <p:cNvPr id="9" name="TextBox 8"/>
-          <p:cNvSpPr txBox="1"/>
-          <p:nvPr/>
-        </p:nvSpPr>
-        <p:spPr>
-          <a:xfrm>
-            <a:off x="1272857" y="5905668"/>
-            <a:ext cx="802168" cy="369332"/>
-          </a:xfrm>
-          <a:prstGeom prst="rect">
-            <a:avLst/>
-          </a:prstGeom>
-          <a:noFill/>
-        </p:spPr>
-        <p:txBody>
-          <a:bodyPr wrap="square" rtlCol="0">
-            <a:spAutoFit/>
-          </a:bodyPr>
-          <a:lstStyle/>
-          <a:p>
-            <a:r>
-              <a:rPr lang="en-US" dirty="0" smtClean="0">
-                <a:solidFill>
-                  <a:srgbClr val="00B050"/>
-                </a:solidFill>
-              </a:rPr>
-              <a:t>$</a:t>
-            </a:r>
-            <a:endParaRPr lang="en-US" dirty="0">
-              <a:solidFill>
-                <a:srgbClr val="00B050"/>
-              </a:solidFill>
-            </a:endParaRPr>
-          </a:p>
-        </p:txBody>
-      </p:sp>
-      <p:sp>
-        <p:nvSpPr>
-          <p:cNvPr id="10" name="TextBox 9"/>
-          <p:cNvSpPr txBox="1"/>
-          <p:nvPr/>
-        </p:nvSpPr>
-        <p:spPr>
-          <a:xfrm>
-            <a:off x="6723833" y="4696628"/>
-            <a:ext cx="802168" cy="276999"/>
-          </a:xfrm>
-          <a:prstGeom prst="rect">
-            <a:avLst/>
-          </a:prstGeom>
-          <a:noFill/>
-        </p:spPr>
-        <p:txBody>
-          <a:bodyPr wrap="square" rtlCol="0">
-            <a:spAutoFit/>
-          </a:bodyPr>
-          <a:lstStyle/>
-          <a:p>
-            <a:r>
-              <a:rPr lang="en-US" sz="1200" dirty="0" smtClean="0">
-                <a:solidFill>
-                  <a:srgbClr val="00B050"/>
-                </a:solidFill>
-              </a:rPr>
-              <a:t>$</a:t>
-            </a:r>
-            <a:endParaRPr lang="en-US" sz="1200" dirty="0">
-              <a:solidFill>
-                <a:srgbClr val="00B050"/>
-              </a:solidFill>
-            </a:endParaRPr>
-          </a:p>
-        </p:txBody>
-      </p:sp>
-      <p:sp>
-        <p:nvSpPr>
-          <p:cNvPr id="11" name="TextBox 10"/>
-          <p:cNvSpPr txBox="1"/>
-          <p:nvPr/>
-        </p:nvSpPr>
-        <p:spPr>
-          <a:xfrm>
-            <a:off x="7660166" y="4005748"/>
-            <a:ext cx="802168" cy="369332"/>
-          </a:xfrm>
-          <a:prstGeom prst="rect">
-            <a:avLst/>
-          </a:prstGeom>
-          <a:noFill/>
-        </p:spPr>
-        <p:txBody>
-          <a:bodyPr wrap="square" rtlCol="0">
-            <a:spAutoFit/>
-          </a:bodyPr>
-          <a:lstStyle/>
-          <a:p>
-            <a:r>
-              <a:rPr lang="en-US" dirty="0" smtClean="0">
-                <a:solidFill>
-                  <a:srgbClr val="00B050"/>
-                </a:solidFill>
-              </a:rPr>
-              <a:t>$</a:t>
-            </a:r>
-            <a:endParaRPr lang="en-US" dirty="0">
-              <a:solidFill>
-                <a:srgbClr val="00B050"/>
-              </a:solidFill>
-            </a:endParaRPr>
-          </a:p>
-        </p:txBody>
-      </p:sp>
-      <p:sp>
-        <p:nvSpPr>
-          <p:cNvPr id="12" name="TextBox 11"/>
-          <p:cNvSpPr txBox="1"/>
-          <p:nvPr/>
-        </p:nvSpPr>
-        <p:spPr>
-          <a:xfrm>
-            <a:off x="8943657" y="3040548"/>
-            <a:ext cx="802168" cy="369332"/>
-          </a:xfrm>
-          <a:prstGeom prst="rect">
-            <a:avLst/>
-          </a:prstGeom>
-          <a:noFill/>
-        </p:spPr>
-        <p:txBody>
-          <a:bodyPr wrap="square" rtlCol="0">
-            <a:spAutoFit/>
-          </a:bodyPr>
-          <a:lstStyle/>
-          <a:p>
-            <a:r>
-              <a:rPr lang="en-US" b="1" dirty="0" smtClean="0">
-                <a:solidFill>
-                  <a:srgbClr val="00B050"/>
-                </a:solidFill>
-              </a:rPr>
-              <a:t>$$$</a:t>
-            </a:r>
-            <a:endParaRPr lang="en-US" b="1" dirty="0">
-              <a:solidFill>
-                <a:srgbClr val="00B050"/>
-              </a:solidFill>
-            </a:endParaRPr>
-          </a:p>
-        </p:txBody>
-      </p:sp>
-      <p:sp>
-        <p:nvSpPr>
-          <p:cNvPr id="13" name="TextBox 12"/>
-          <p:cNvSpPr txBox="1"/>
-          <p:nvPr/>
-        </p:nvSpPr>
-        <p:spPr>
-          <a:xfrm>
-            <a:off x="10447337" y="2029227"/>
-            <a:ext cx="802168" cy="369332"/>
-          </a:xfrm>
-          <a:prstGeom prst="rect">
-            <a:avLst/>
-          </a:prstGeom>
-          <a:noFill/>
-        </p:spPr>
-        <p:txBody>
-          <a:bodyPr wrap="square" rtlCol="0">
-            <a:spAutoFit/>
-          </a:bodyPr>
-          <a:lstStyle/>
-          <a:p>
-            <a:r>
-              <a:rPr lang="en-US" b="1" dirty="0" smtClean="0">
-                <a:solidFill>
-                  <a:srgbClr val="00B050"/>
-                </a:solidFill>
-              </a:rPr>
-              <a:t>$$$$</a:t>
-            </a:r>
-            <a:endParaRPr lang="en-US" b="1" dirty="0">
-              <a:solidFill>
-                <a:srgbClr val="00B050"/>
-              </a:solidFill>
-            </a:endParaRPr>
-          </a:p>
-        </p:txBody>
-      </p:sp>
     </p:spTree>
     <p:extLst>
       <p:ext uri="{BB962C8B-B14F-4D97-AF65-F5344CB8AC3E}">
-        <p14:creationId xmlns:p14="http://schemas.microsoft.com/office/powerpoint/2010/main" val="4009897594"/>
+        <p14:creationId xmlns:p14="http://schemas.microsoft.com/office/powerpoint/2010/main" val="1231330900"/>
       </p:ext>
     </p:extLst>
   </p:cSld>
@@ -10212,6 +10902,1596 @@
             <p:ph type="title"/>
           </p:nvPr>
         </p:nvSpPr>
+        <p:spPr>
+          <a:xfrm>
+            <a:off x="0" y="-378794"/>
+            <a:ext cx="12192000" cy="1325563"/>
+          </a:xfrm>
+        </p:spPr>
+        <p:txBody>
+          <a:bodyPr/>
+          <a:lstStyle/>
+          <a:p>
+            <a:pPr lvl="0" rtl="0" eaLnBrk="1" latinLnBrk="0" hangingPunct="1"/>
+            <a:r>
+              <a:rPr lang="en-US" sz="2800" kern="1200" dirty="0" err="1" smtClean="0">
+                <a:solidFill>
+                  <a:schemeClr val="tx1"/>
+                </a:solidFill>
+                <a:effectLst/>
+                <a:latin typeface="+mn-lt"/>
+                <a:ea typeface="+mn-ea"/>
+                <a:cs typeface="+mn-cs"/>
+              </a:rPr>
+              <a:t>Scikit-learn’s</a:t>
+            </a:r>
+            <a:r>
+              <a:rPr lang="en-US" sz="2800" kern="1200" dirty="0" smtClean="0">
+                <a:solidFill>
+                  <a:schemeClr val="tx1"/>
+                </a:solidFill>
+                <a:effectLst/>
+                <a:latin typeface="+mn-lt"/>
+                <a:ea typeface="+mn-ea"/>
+                <a:cs typeface="+mn-cs"/>
+              </a:rPr>
+              <a:t> “butterfly map” – with origin and ver</a:t>
+            </a:r>
+            <a:r>
+              <a:rPr lang="en-US" sz="2800" dirty="0" smtClean="0">
+                <a:latin typeface="+mn-lt"/>
+                <a:ea typeface="+mn-ea"/>
+                <a:cs typeface="+mn-cs"/>
+              </a:rPr>
+              <a:t>y loosely-defined basis</a:t>
+            </a:r>
+            <a:endParaRPr lang="en-US" dirty="0"/>
+          </a:p>
+        </p:txBody>
+      </p:sp>
+      <p:pic>
+        <p:nvPicPr>
+          <p:cNvPr id="4" name="Picture 3"/>
+          <p:cNvPicPr>
+            <a:picLocks noChangeAspect="1"/>
+          </p:cNvPicPr>
+          <p:nvPr/>
+        </p:nvPicPr>
+        <p:blipFill>
+          <a:blip r:embed="rId3">
+            <a:extLst>
+              <a:ext uri="{28A0092B-C50C-407E-A947-70E740481C1C}">
+                <a14:useLocalDpi xmlns:a14="http://schemas.microsoft.com/office/drawing/2010/main" val="0"/>
+              </a:ext>
+            </a:extLst>
+          </a:blip>
+          <a:stretch>
+            <a:fillRect/>
+          </a:stretch>
+        </p:blipFill>
+        <p:spPr>
+          <a:xfrm>
+            <a:off x="2171377" y="613933"/>
+            <a:ext cx="10015050" cy="6244068"/>
+          </a:xfrm>
+          <a:prstGeom prst="rect">
+            <a:avLst/>
+          </a:prstGeom>
+        </p:spPr>
+      </p:pic>
+      <p:cxnSp>
+        <p:nvCxnSpPr>
+          <p:cNvPr id="5" name="Straight Arrow Connector 4"/>
+          <p:cNvCxnSpPr/>
+          <p:nvPr/>
+        </p:nvCxnSpPr>
+        <p:spPr>
+          <a:xfrm flipV="1">
+            <a:off x="2536556" y="5982336"/>
+            <a:ext cx="9059321" cy="37690"/>
+          </a:xfrm>
+          <a:prstGeom prst="straightConnector1">
+            <a:avLst/>
+          </a:prstGeom>
+          <a:ln w="57150">
+            <a:tailEnd type="triangle"/>
+          </a:ln>
+        </p:spPr>
+        <p:style>
+          <a:lnRef idx="1">
+            <a:schemeClr val="accent1"/>
+          </a:lnRef>
+          <a:fillRef idx="0">
+            <a:schemeClr val="accent1"/>
+          </a:fillRef>
+          <a:effectRef idx="0">
+            <a:schemeClr val="accent1"/>
+          </a:effectRef>
+          <a:fontRef idx="minor">
+            <a:schemeClr val="tx1"/>
+          </a:fontRef>
+        </p:style>
+      </p:cxnSp>
+      <p:cxnSp>
+        <p:nvCxnSpPr>
+          <p:cNvPr id="8" name="Straight Arrow Connector 7"/>
+          <p:cNvCxnSpPr/>
+          <p:nvPr/>
+        </p:nvCxnSpPr>
+        <p:spPr>
+          <a:xfrm flipH="1" flipV="1">
+            <a:off x="2514600" y="625643"/>
+            <a:ext cx="43912" cy="5382673"/>
+          </a:xfrm>
+          <a:prstGeom prst="straightConnector1">
+            <a:avLst/>
+          </a:prstGeom>
+          <a:ln w="57150">
+            <a:tailEnd type="triangle"/>
+          </a:ln>
+        </p:spPr>
+        <p:style>
+          <a:lnRef idx="1">
+            <a:schemeClr val="accent1"/>
+          </a:lnRef>
+          <a:fillRef idx="0">
+            <a:schemeClr val="accent1"/>
+          </a:fillRef>
+          <a:effectRef idx="0">
+            <a:schemeClr val="accent1"/>
+          </a:effectRef>
+          <a:fontRef idx="minor">
+            <a:schemeClr val="tx1"/>
+          </a:fontRef>
+        </p:style>
+      </p:cxnSp>
+      <p:sp>
+        <p:nvSpPr>
+          <p:cNvPr id="13" name="TextBox 12"/>
+          <p:cNvSpPr txBox="1"/>
+          <p:nvPr/>
+        </p:nvSpPr>
+        <p:spPr>
+          <a:xfrm>
+            <a:off x="8776077" y="6077177"/>
+            <a:ext cx="1720312" cy="523220"/>
+          </a:xfrm>
+          <a:prstGeom prst="rect">
+            <a:avLst/>
+          </a:prstGeom>
+          <a:noFill/>
+        </p:spPr>
+        <p:txBody>
+          <a:bodyPr wrap="square" rtlCol="0">
+            <a:spAutoFit/>
+          </a:bodyPr>
+          <a:lstStyle/>
+          <a:p>
+            <a:r>
+              <a:rPr lang="en-US" sz="2800" b="1" dirty="0" smtClean="0">
+                <a:solidFill>
+                  <a:srgbClr val="0070C0"/>
+                </a:solidFill>
+              </a:rPr>
+              <a:t>Numeric</a:t>
+            </a:r>
+            <a:endParaRPr lang="en-US" sz="2800" b="1" dirty="0">
+              <a:solidFill>
+                <a:srgbClr val="0070C0"/>
+              </a:solidFill>
+            </a:endParaRPr>
+          </a:p>
+        </p:txBody>
+      </p:sp>
+      <p:sp>
+        <p:nvSpPr>
+          <p:cNvPr id="14" name="TextBox 13"/>
+          <p:cNvSpPr txBox="1"/>
+          <p:nvPr/>
+        </p:nvSpPr>
+        <p:spPr>
+          <a:xfrm>
+            <a:off x="118941" y="4331436"/>
+            <a:ext cx="2398362" cy="523220"/>
+          </a:xfrm>
+          <a:prstGeom prst="rect">
+            <a:avLst/>
+          </a:prstGeom>
+          <a:noFill/>
+        </p:spPr>
+        <p:txBody>
+          <a:bodyPr wrap="square" rtlCol="0">
+            <a:spAutoFit/>
+          </a:bodyPr>
+          <a:lstStyle/>
+          <a:p>
+            <a:pPr algn="r"/>
+            <a:r>
+              <a:rPr lang="en-US" sz="2800" b="1" dirty="0" smtClean="0">
+                <a:solidFill>
+                  <a:srgbClr val="0070C0"/>
+                </a:solidFill>
+              </a:rPr>
+              <a:t>Unsupervised</a:t>
+            </a:r>
+            <a:endParaRPr lang="en-US" sz="2800" b="1" dirty="0">
+              <a:solidFill>
+                <a:srgbClr val="0070C0"/>
+              </a:solidFill>
+            </a:endParaRPr>
+          </a:p>
+        </p:txBody>
+      </p:sp>
+      <p:sp>
+        <p:nvSpPr>
+          <p:cNvPr id="15" name="TextBox 14"/>
+          <p:cNvSpPr txBox="1"/>
+          <p:nvPr/>
+        </p:nvSpPr>
+        <p:spPr>
+          <a:xfrm>
+            <a:off x="0" y="1842973"/>
+            <a:ext cx="2514600" cy="523220"/>
+          </a:xfrm>
+          <a:prstGeom prst="rect">
+            <a:avLst/>
+          </a:prstGeom>
+          <a:noFill/>
+        </p:spPr>
+        <p:txBody>
+          <a:bodyPr wrap="square" rtlCol="0">
+            <a:spAutoFit/>
+          </a:bodyPr>
+          <a:lstStyle/>
+          <a:p>
+            <a:pPr algn="r"/>
+            <a:r>
+              <a:rPr lang="en-US" sz="2800" b="1" dirty="0">
+                <a:solidFill>
+                  <a:srgbClr val="0070C0"/>
+                </a:solidFill>
+              </a:rPr>
+              <a:t>S</a:t>
+            </a:r>
+            <a:r>
+              <a:rPr lang="en-US" sz="2800" b="1" dirty="0" smtClean="0">
+                <a:solidFill>
+                  <a:srgbClr val="0070C0"/>
+                </a:solidFill>
+              </a:rPr>
+              <a:t>upervised</a:t>
+            </a:r>
+            <a:endParaRPr lang="en-US" sz="2800" b="1" dirty="0">
+              <a:solidFill>
+                <a:srgbClr val="0070C0"/>
+              </a:solidFill>
+            </a:endParaRPr>
+          </a:p>
+        </p:txBody>
+      </p:sp>
+      <p:sp>
+        <p:nvSpPr>
+          <p:cNvPr id="9" name="TextBox 8"/>
+          <p:cNvSpPr txBox="1"/>
+          <p:nvPr/>
+        </p:nvSpPr>
+        <p:spPr>
+          <a:xfrm>
+            <a:off x="4318861" y="6099068"/>
+            <a:ext cx="2000573" cy="523220"/>
+          </a:xfrm>
+          <a:prstGeom prst="rect">
+            <a:avLst/>
+          </a:prstGeom>
+          <a:noFill/>
+        </p:spPr>
+        <p:txBody>
+          <a:bodyPr wrap="square" rtlCol="0">
+            <a:spAutoFit/>
+          </a:bodyPr>
+          <a:lstStyle/>
+          <a:p>
+            <a:r>
+              <a:rPr lang="en-US" sz="2800" b="1" dirty="0" smtClean="0">
+                <a:solidFill>
+                  <a:srgbClr val="0070C0"/>
+                </a:solidFill>
+              </a:rPr>
+              <a:t>Categorical</a:t>
+            </a:r>
+            <a:endParaRPr lang="en-US" sz="2800" b="1" dirty="0">
+              <a:solidFill>
+                <a:srgbClr val="0070C0"/>
+              </a:solidFill>
+            </a:endParaRPr>
+          </a:p>
+        </p:txBody>
+      </p:sp>
+    </p:spTree>
+    <p:extLst>
+      <p:ext uri="{BB962C8B-B14F-4D97-AF65-F5344CB8AC3E}">
+        <p14:creationId xmlns:p14="http://schemas.microsoft.com/office/powerpoint/2010/main" val="1434274707"/>
+      </p:ext>
+    </p:extLst>
+  </p:cSld>
+  <p:clrMapOvr>
+    <a:masterClrMapping/>
+  </p:clrMapOvr>
+  <p:timing>
+    <p:tnLst>
+      <p:par>
+        <p:cTn id="1" dur="indefinite" restart="never" nodeType="tmRoot"/>
+      </p:par>
+    </p:tnLst>
+  </p:timing>
+</p:sld>
+</file>
+
+<file path=ppt/slides/slide15.xml><?xml version="1.0" encoding="utf-8"?>
+<p:sld xmlns:a="http://schemas.openxmlformats.org/drawingml/2006/main" xmlns:r="http://schemas.openxmlformats.org/officeDocument/2006/relationships" xmlns:p="http://schemas.openxmlformats.org/presentationml/2006/main">
+  <p:cSld>
+    <p:spTree>
+      <p:nvGrpSpPr>
+        <p:cNvPr id="1" name=""/>
+        <p:cNvGrpSpPr/>
+        <p:nvPr/>
+      </p:nvGrpSpPr>
+      <p:grpSpPr>
+        <a:xfrm>
+          <a:off x="0" y="0"/>
+          <a:ext cx="0" cy="0"/>
+          <a:chOff x="0" y="0"/>
+          <a:chExt cx="0" cy="0"/>
+        </a:xfrm>
+      </p:grpSpPr>
+      <p:sp>
+        <p:nvSpPr>
+          <p:cNvPr id="2" name="Title 1"/>
+          <p:cNvSpPr>
+            <a:spLocks noGrp="1"/>
+          </p:cNvSpPr>
+          <p:nvPr>
+            <p:ph type="title"/>
+          </p:nvPr>
+        </p:nvSpPr>
+        <p:spPr>
+          <a:xfrm>
+            <a:off x="0" y="0"/>
+            <a:ext cx="12321153" cy="852407"/>
+          </a:xfrm>
+        </p:spPr>
+        <p:txBody>
+          <a:bodyPr>
+            <a:normAutofit/>
+          </a:bodyPr>
+          <a:lstStyle/>
+          <a:p>
+            <a:pPr lvl="0"/>
+            <a:r>
+              <a:rPr lang="en-US" sz="3900" dirty="0"/>
+              <a:t>Booz Allen Hamilton's (BAH's) </a:t>
+            </a:r>
+            <a:r>
+              <a:rPr lang="en-US" sz="3900" dirty="0">
+                <a:hlinkClick r:id="rId3"/>
+              </a:rPr>
+              <a:t>Field Guide to Data </a:t>
+            </a:r>
+            <a:r>
+              <a:rPr lang="en-US" sz="3900" dirty="0" smtClean="0">
+                <a:hlinkClick r:id="rId3"/>
+              </a:rPr>
+              <a:t>Science</a:t>
+            </a:r>
+            <a:endParaRPr lang="en-US" sz="3900" dirty="0"/>
+          </a:p>
+        </p:txBody>
+      </p:sp>
+      <p:pic>
+        <p:nvPicPr>
+          <p:cNvPr id="5" name="Picture 4"/>
+          <p:cNvPicPr>
+            <a:picLocks noChangeAspect="1"/>
+          </p:cNvPicPr>
+          <p:nvPr/>
+        </p:nvPicPr>
+        <p:blipFill>
+          <a:blip r:embed="rId4">
+            <a:extLst>
+              <a:ext uri="{28A0092B-C50C-407E-A947-70E740481C1C}">
+                <a14:useLocalDpi xmlns:a14="http://schemas.microsoft.com/office/drawing/2010/main" val="0"/>
+              </a:ext>
+            </a:extLst>
+          </a:blip>
+          <a:stretch>
+            <a:fillRect/>
+          </a:stretch>
+        </p:blipFill>
+        <p:spPr>
+          <a:xfrm>
+            <a:off x="2910130" y="657876"/>
+            <a:ext cx="9089502" cy="6171718"/>
+          </a:xfrm>
+          <a:prstGeom prst="rect">
+            <a:avLst/>
+          </a:prstGeom>
+        </p:spPr>
+      </p:pic>
+      <p:sp>
+        <p:nvSpPr>
+          <p:cNvPr id="3" name="Content Placeholder 2"/>
+          <p:cNvSpPr>
+            <a:spLocks noGrp="1"/>
+          </p:cNvSpPr>
+          <p:nvPr>
+            <p:ph idx="1"/>
+          </p:nvPr>
+        </p:nvSpPr>
+        <p:spPr>
+          <a:xfrm>
+            <a:off x="152400" y="1181100"/>
+            <a:ext cx="2867025" cy="2505075"/>
+          </a:xfrm>
+        </p:spPr>
+        <p:txBody>
+          <a:bodyPr>
+            <a:normAutofit fontScale="92500" lnSpcReduction="20000"/>
+          </a:bodyPr>
+          <a:lstStyle/>
+          <a:p>
+            <a:pPr marL="0" lvl="0" indent="0">
+              <a:buNone/>
+            </a:pPr>
+            <a:r>
+              <a:rPr lang="en-US" dirty="0" smtClean="0"/>
+              <a:t>Where are you?</a:t>
+            </a:r>
+          </a:p>
+          <a:p>
+            <a:pPr lvl="0"/>
+            <a:r>
+              <a:rPr lang="en-US" dirty="0" smtClean="0"/>
+              <a:t>Individual</a:t>
+            </a:r>
+          </a:p>
+          <a:p>
+            <a:pPr lvl="0"/>
+            <a:r>
+              <a:rPr lang="en-US" dirty="0" smtClean="0"/>
+              <a:t>Organization</a:t>
+            </a:r>
+          </a:p>
+          <a:p>
+            <a:pPr lvl="0"/>
+            <a:r>
+              <a:rPr lang="en-US" dirty="0" smtClean="0"/>
+              <a:t>Per Project</a:t>
+            </a:r>
+          </a:p>
+          <a:p>
+            <a:pPr lvl="1"/>
+            <a:endParaRPr lang="en-US" dirty="0" smtClean="0"/>
+          </a:p>
+          <a:p>
+            <a:pPr marL="0" indent="0">
+              <a:buNone/>
+            </a:pPr>
+            <a:r>
+              <a:rPr lang="en-US" dirty="0" smtClean="0"/>
+              <a:t> </a:t>
+            </a:r>
+          </a:p>
+        </p:txBody>
+      </p:sp>
+    </p:spTree>
+    <p:extLst>
+      <p:ext uri="{BB962C8B-B14F-4D97-AF65-F5344CB8AC3E}">
+        <p14:creationId xmlns:p14="http://schemas.microsoft.com/office/powerpoint/2010/main" val="252585997"/>
+      </p:ext>
+    </p:extLst>
+  </p:cSld>
+  <p:clrMapOvr>
+    <a:masterClrMapping/>
+  </p:clrMapOvr>
+  <p:timing>
+    <p:tnLst>
+      <p:par>
+        <p:cTn id="1" dur="indefinite" restart="never" nodeType="tmRoot"/>
+      </p:par>
+    </p:tnLst>
+  </p:timing>
+</p:sld>
+</file>
+
+<file path=ppt/slides/slide16.xml><?xml version="1.0" encoding="utf-8"?>
+<p:sld xmlns:a="http://schemas.openxmlformats.org/drawingml/2006/main" xmlns:r="http://schemas.openxmlformats.org/officeDocument/2006/relationships" xmlns:p="http://schemas.openxmlformats.org/presentationml/2006/main">
+  <p:cSld>
+    <p:spTree>
+      <p:nvGrpSpPr>
+        <p:cNvPr id="1" name=""/>
+        <p:cNvGrpSpPr/>
+        <p:nvPr/>
+      </p:nvGrpSpPr>
+      <p:grpSpPr>
+        <a:xfrm>
+          <a:off x="0" y="0"/>
+          <a:ext cx="0" cy="0"/>
+          <a:chOff x="0" y="0"/>
+          <a:chExt cx="0" cy="0"/>
+        </a:xfrm>
+      </p:grpSpPr>
+      <p:sp>
+        <p:nvSpPr>
+          <p:cNvPr id="2" name="Title 1"/>
+          <p:cNvSpPr>
+            <a:spLocks noGrp="1"/>
+          </p:cNvSpPr>
+          <p:nvPr>
+            <p:ph type="title"/>
+          </p:nvPr>
+        </p:nvSpPr>
+        <p:spPr>
+          <a:xfrm>
+            <a:off x="0" y="0"/>
+            <a:ext cx="12321153" cy="852407"/>
+          </a:xfrm>
+        </p:spPr>
+        <p:txBody>
+          <a:bodyPr>
+            <a:normAutofit/>
+          </a:bodyPr>
+          <a:lstStyle/>
+          <a:p>
+            <a:pPr lvl="0"/>
+            <a:r>
+              <a:rPr lang="en-US" sz="3900" dirty="0"/>
+              <a:t>Booz Allen Hamilton's (BAH's) </a:t>
+            </a:r>
+            <a:r>
+              <a:rPr lang="en-US" sz="3900" dirty="0">
+                <a:hlinkClick r:id="rId3"/>
+              </a:rPr>
+              <a:t>Field Guide to Data </a:t>
+            </a:r>
+            <a:r>
+              <a:rPr lang="en-US" sz="3900" dirty="0" smtClean="0">
+                <a:hlinkClick r:id="rId3"/>
+              </a:rPr>
+              <a:t>Science</a:t>
+            </a:r>
+            <a:endParaRPr lang="en-US" sz="3900" dirty="0"/>
+          </a:p>
+        </p:txBody>
+      </p:sp>
+      <p:pic>
+        <p:nvPicPr>
+          <p:cNvPr id="5" name="Picture 4"/>
+          <p:cNvPicPr>
+            <a:picLocks noChangeAspect="1"/>
+          </p:cNvPicPr>
+          <p:nvPr/>
+        </p:nvPicPr>
+        <p:blipFill>
+          <a:blip r:embed="rId4">
+            <a:extLst>
+              <a:ext uri="{28A0092B-C50C-407E-A947-70E740481C1C}">
+                <a14:useLocalDpi xmlns:a14="http://schemas.microsoft.com/office/drawing/2010/main" val="0"/>
+              </a:ext>
+            </a:extLst>
+          </a:blip>
+          <a:stretch>
+            <a:fillRect/>
+          </a:stretch>
+        </p:blipFill>
+        <p:spPr>
+          <a:xfrm>
+            <a:off x="2910130" y="657876"/>
+            <a:ext cx="9089502" cy="6171718"/>
+          </a:xfrm>
+          <a:prstGeom prst="rect">
+            <a:avLst/>
+          </a:prstGeom>
+        </p:spPr>
+      </p:pic>
+      <p:sp>
+        <p:nvSpPr>
+          <p:cNvPr id="3" name="Content Placeholder 2"/>
+          <p:cNvSpPr>
+            <a:spLocks noGrp="1"/>
+          </p:cNvSpPr>
+          <p:nvPr>
+            <p:ph idx="1"/>
+          </p:nvPr>
+        </p:nvSpPr>
+        <p:spPr>
+          <a:xfrm>
+            <a:off x="152400" y="1181100"/>
+            <a:ext cx="2867025" cy="2505075"/>
+          </a:xfrm>
+        </p:spPr>
+        <p:txBody>
+          <a:bodyPr>
+            <a:normAutofit fontScale="92500" lnSpcReduction="20000"/>
+          </a:bodyPr>
+          <a:lstStyle/>
+          <a:p>
+            <a:pPr marL="0" lvl="0" indent="0">
+              <a:buNone/>
+            </a:pPr>
+            <a:r>
+              <a:rPr lang="en-US" dirty="0" smtClean="0"/>
+              <a:t>Where are you?</a:t>
+            </a:r>
+          </a:p>
+          <a:p>
+            <a:pPr lvl="0"/>
+            <a:r>
+              <a:rPr lang="en-US" dirty="0" smtClean="0"/>
+              <a:t>Individual</a:t>
+            </a:r>
+          </a:p>
+          <a:p>
+            <a:pPr lvl="0"/>
+            <a:r>
+              <a:rPr lang="en-US" dirty="0" smtClean="0"/>
+              <a:t>Organization</a:t>
+            </a:r>
+          </a:p>
+          <a:p>
+            <a:pPr lvl="0"/>
+            <a:r>
+              <a:rPr lang="en-US" dirty="0" smtClean="0"/>
+              <a:t>Per Project</a:t>
+            </a:r>
+          </a:p>
+          <a:p>
+            <a:pPr lvl="1"/>
+            <a:endParaRPr lang="en-US" dirty="0" smtClean="0"/>
+          </a:p>
+          <a:p>
+            <a:pPr marL="0" indent="0">
+              <a:buNone/>
+            </a:pPr>
+            <a:r>
+              <a:rPr lang="en-US" dirty="0" smtClean="0"/>
+              <a:t>Goal: </a:t>
+            </a:r>
+            <a:r>
+              <a:rPr lang="en-US" dirty="0" smtClean="0">
+                <a:solidFill>
+                  <a:srgbClr val="00B050"/>
+                </a:solidFill>
+              </a:rPr>
+              <a:t>Advice</a:t>
+            </a:r>
+          </a:p>
+        </p:txBody>
+      </p:sp>
+      <p:pic>
+        <p:nvPicPr>
+          <p:cNvPr id="6" name="Picture 5"/>
+          <p:cNvPicPr>
+            <a:picLocks noChangeAspect="1"/>
+          </p:cNvPicPr>
+          <p:nvPr/>
+        </p:nvPicPr>
+        <p:blipFill>
+          <a:blip r:embed="rId5">
+            <a:extLst>
+              <a:ext uri="{28A0092B-C50C-407E-A947-70E740481C1C}">
+                <a14:useLocalDpi xmlns:a14="http://schemas.microsoft.com/office/drawing/2010/main" val="0"/>
+              </a:ext>
+            </a:extLst>
+          </a:blip>
+          <a:stretch>
+            <a:fillRect/>
+          </a:stretch>
+        </p:blipFill>
+        <p:spPr>
+          <a:xfrm>
+            <a:off x="83274" y="3686175"/>
+            <a:ext cx="2743583" cy="2743583"/>
+          </a:xfrm>
+          <a:prstGeom prst="rect">
+            <a:avLst/>
+          </a:prstGeom>
+        </p:spPr>
+      </p:pic>
+      <p:sp>
+        <p:nvSpPr>
+          <p:cNvPr id="4" name="Oval 3"/>
+          <p:cNvSpPr/>
+          <p:nvPr/>
+        </p:nvSpPr>
+        <p:spPr>
+          <a:xfrm>
+            <a:off x="10210800" y="1334395"/>
+            <a:ext cx="1552575" cy="1075429"/>
+          </a:xfrm>
+          <a:prstGeom prst="ellipse">
+            <a:avLst/>
+          </a:prstGeom>
+          <a:noFill/>
+          <a:ln w="28575">
+            <a:solidFill>
+              <a:srgbClr val="00B050"/>
+            </a:solidFill>
+          </a:ln>
+        </p:spPr>
+        <p:style>
+          <a:lnRef idx="2">
+            <a:schemeClr val="accent1">
+              <a:shade val="50000"/>
+            </a:schemeClr>
+          </a:lnRef>
+          <a:fillRef idx="1">
+            <a:schemeClr val="accent1"/>
+          </a:fillRef>
+          <a:effectRef idx="0">
+            <a:schemeClr val="accent1"/>
+          </a:effectRef>
+          <a:fontRef idx="minor">
+            <a:schemeClr val="lt1"/>
+          </a:fontRef>
+        </p:style>
+        <p:txBody>
+          <a:bodyPr rtlCol="0" anchor="ctr"/>
+          <a:lstStyle/>
+          <a:p>
+            <a:pPr algn="ctr"/>
+            <a:endParaRPr lang="en-US"/>
+          </a:p>
+        </p:txBody>
+      </p:sp>
+    </p:spTree>
+    <p:extLst>
+      <p:ext uri="{BB962C8B-B14F-4D97-AF65-F5344CB8AC3E}">
+        <p14:creationId xmlns:p14="http://schemas.microsoft.com/office/powerpoint/2010/main" val="3679970942"/>
+      </p:ext>
+    </p:extLst>
+  </p:cSld>
+  <p:clrMapOvr>
+    <a:masterClrMapping/>
+  </p:clrMapOvr>
+  <p:timing>
+    <p:tnLst>
+      <p:par>
+        <p:cTn id="1" dur="indefinite" restart="never" nodeType="tmRoot"/>
+      </p:par>
+    </p:tnLst>
+  </p:timing>
+</p:sld>
+</file>
+
+<file path=ppt/slides/slide17.xml><?xml version="1.0" encoding="utf-8"?>
+<p:sld xmlns:a="http://schemas.openxmlformats.org/drawingml/2006/main" xmlns:r="http://schemas.openxmlformats.org/officeDocument/2006/relationships" xmlns:p="http://schemas.openxmlformats.org/presentationml/2006/main">
+  <p:cSld>
+    <p:spTree>
+      <p:nvGrpSpPr>
+        <p:cNvPr id="1" name=""/>
+        <p:cNvGrpSpPr/>
+        <p:nvPr/>
+      </p:nvGrpSpPr>
+      <p:grpSpPr>
+        <a:xfrm>
+          <a:off x="0" y="0"/>
+          <a:ext cx="0" cy="0"/>
+          <a:chOff x="0" y="0"/>
+          <a:chExt cx="0" cy="0"/>
+        </a:xfrm>
+      </p:grpSpPr>
+      <p:sp>
+        <p:nvSpPr>
+          <p:cNvPr id="2" name="Title 1"/>
+          <p:cNvSpPr>
+            <a:spLocks noGrp="1"/>
+          </p:cNvSpPr>
+          <p:nvPr>
+            <p:ph type="title"/>
+          </p:nvPr>
+        </p:nvSpPr>
+        <p:spPr>
+          <a:xfrm>
+            <a:off x="0" y="0"/>
+            <a:ext cx="12321153" cy="852407"/>
+          </a:xfrm>
+        </p:spPr>
+        <p:txBody>
+          <a:bodyPr>
+            <a:normAutofit/>
+          </a:bodyPr>
+          <a:lstStyle/>
+          <a:p>
+            <a:pPr lvl="0"/>
+            <a:r>
+              <a:rPr lang="en-US" sz="3900" dirty="0"/>
+              <a:t>Booz Allen Hamilton's (BAH's) </a:t>
+            </a:r>
+            <a:r>
+              <a:rPr lang="en-US" sz="3900" dirty="0">
+                <a:hlinkClick r:id="rId3"/>
+              </a:rPr>
+              <a:t>Field Guide to Data </a:t>
+            </a:r>
+            <a:r>
+              <a:rPr lang="en-US" sz="3900" dirty="0" smtClean="0">
+                <a:hlinkClick r:id="rId3"/>
+              </a:rPr>
+              <a:t>Science</a:t>
+            </a:r>
+            <a:endParaRPr lang="en-US" sz="3900" dirty="0"/>
+          </a:p>
+        </p:txBody>
+      </p:sp>
+      <p:pic>
+        <p:nvPicPr>
+          <p:cNvPr id="5" name="Picture 4"/>
+          <p:cNvPicPr>
+            <a:picLocks noChangeAspect="1"/>
+          </p:cNvPicPr>
+          <p:nvPr/>
+        </p:nvPicPr>
+        <p:blipFill>
+          <a:blip r:embed="rId4">
+            <a:extLst>
+              <a:ext uri="{28A0092B-C50C-407E-A947-70E740481C1C}">
+                <a14:useLocalDpi xmlns:a14="http://schemas.microsoft.com/office/drawing/2010/main" val="0"/>
+              </a:ext>
+            </a:extLst>
+          </a:blip>
+          <a:stretch>
+            <a:fillRect/>
+          </a:stretch>
+        </p:blipFill>
+        <p:spPr>
+          <a:xfrm>
+            <a:off x="2910130" y="657876"/>
+            <a:ext cx="9089502" cy="6171718"/>
+          </a:xfrm>
+          <a:prstGeom prst="rect">
+            <a:avLst/>
+          </a:prstGeom>
+        </p:spPr>
+      </p:pic>
+      <p:sp>
+        <p:nvSpPr>
+          <p:cNvPr id="3" name="Content Placeholder 2"/>
+          <p:cNvSpPr>
+            <a:spLocks noGrp="1"/>
+          </p:cNvSpPr>
+          <p:nvPr>
+            <p:ph idx="1"/>
+          </p:nvPr>
+        </p:nvSpPr>
+        <p:spPr>
+          <a:xfrm>
+            <a:off x="152400" y="1181100"/>
+            <a:ext cx="2867025" cy="2505075"/>
+          </a:xfrm>
+        </p:spPr>
+        <p:txBody>
+          <a:bodyPr>
+            <a:normAutofit fontScale="92500" lnSpcReduction="20000"/>
+          </a:bodyPr>
+          <a:lstStyle/>
+          <a:p>
+            <a:pPr marL="0" lvl="0" indent="0">
+              <a:buNone/>
+            </a:pPr>
+            <a:r>
+              <a:rPr lang="en-US" dirty="0" smtClean="0"/>
+              <a:t>Where are you?</a:t>
+            </a:r>
+          </a:p>
+          <a:p>
+            <a:pPr lvl="0"/>
+            <a:r>
+              <a:rPr lang="en-US" dirty="0" smtClean="0"/>
+              <a:t>Individual</a:t>
+            </a:r>
+          </a:p>
+          <a:p>
+            <a:pPr lvl="0"/>
+            <a:r>
+              <a:rPr lang="en-US" dirty="0" smtClean="0"/>
+              <a:t>Organization</a:t>
+            </a:r>
+          </a:p>
+          <a:p>
+            <a:pPr lvl="0"/>
+            <a:r>
+              <a:rPr lang="en-US" dirty="0" smtClean="0"/>
+              <a:t>Per Project</a:t>
+            </a:r>
+          </a:p>
+          <a:p>
+            <a:pPr lvl="1"/>
+            <a:endParaRPr lang="en-US" dirty="0" smtClean="0"/>
+          </a:p>
+          <a:p>
+            <a:pPr marL="0" indent="0">
+              <a:buNone/>
+            </a:pPr>
+            <a:r>
+              <a:rPr lang="en-US" dirty="0" smtClean="0"/>
+              <a:t>Goal: </a:t>
+            </a:r>
+            <a:r>
+              <a:rPr lang="en-US" dirty="0" smtClean="0">
+                <a:solidFill>
+                  <a:srgbClr val="00B050"/>
+                </a:solidFill>
+              </a:rPr>
+              <a:t>Advice</a:t>
+            </a:r>
+          </a:p>
+        </p:txBody>
+      </p:sp>
+      <p:pic>
+        <p:nvPicPr>
+          <p:cNvPr id="6" name="Picture 5"/>
+          <p:cNvPicPr>
+            <a:picLocks noChangeAspect="1"/>
+          </p:cNvPicPr>
+          <p:nvPr/>
+        </p:nvPicPr>
+        <p:blipFill>
+          <a:blip r:embed="rId5">
+            <a:extLst>
+              <a:ext uri="{28A0092B-C50C-407E-A947-70E740481C1C}">
+                <a14:useLocalDpi xmlns:a14="http://schemas.microsoft.com/office/drawing/2010/main" val="0"/>
+              </a:ext>
+            </a:extLst>
+          </a:blip>
+          <a:stretch>
+            <a:fillRect/>
+          </a:stretch>
+        </p:blipFill>
+        <p:spPr>
+          <a:xfrm>
+            <a:off x="83274" y="3686175"/>
+            <a:ext cx="2743583" cy="2743583"/>
+          </a:xfrm>
+          <a:prstGeom prst="rect">
+            <a:avLst/>
+          </a:prstGeom>
+        </p:spPr>
+      </p:pic>
+      <p:sp>
+        <p:nvSpPr>
+          <p:cNvPr id="4" name="Oval 3"/>
+          <p:cNvSpPr/>
+          <p:nvPr/>
+        </p:nvSpPr>
+        <p:spPr>
+          <a:xfrm>
+            <a:off x="10210800" y="1334395"/>
+            <a:ext cx="1552575" cy="1075429"/>
+          </a:xfrm>
+          <a:prstGeom prst="ellipse">
+            <a:avLst/>
+          </a:prstGeom>
+          <a:noFill/>
+          <a:ln w="28575">
+            <a:solidFill>
+              <a:srgbClr val="00B050"/>
+            </a:solidFill>
+          </a:ln>
+        </p:spPr>
+        <p:style>
+          <a:lnRef idx="2">
+            <a:schemeClr val="accent1">
+              <a:shade val="50000"/>
+            </a:schemeClr>
+          </a:lnRef>
+          <a:fillRef idx="1">
+            <a:schemeClr val="accent1"/>
+          </a:fillRef>
+          <a:effectRef idx="0">
+            <a:schemeClr val="accent1"/>
+          </a:effectRef>
+          <a:fontRef idx="minor">
+            <a:schemeClr val="lt1"/>
+          </a:fontRef>
+        </p:style>
+        <p:txBody>
+          <a:bodyPr rtlCol="0" anchor="ctr"/>
+          <a:lstStyle/>
+          <a:p>
+            <a:pPr algn="ctr"/>
+            <a:endParaRPr lang="en-US"/>
+          </a:p>
+        </p:txBody>
+      </p:sp>
+      <p:sp>
+        <p:nvSpPr>
+          <p:cNvPr id="7" name="Oval 6"/>
+          <p:cNvSpPr/>
+          <p:nvPr/>
+        </p:nvSpPr>
+        <p:spPr>
+          <a:xfrm>
+            <a:off x="4277360" y="1334394"/>
+            <a:ext cx="873760" cy="5095363"/>
+          </a:xfrm>
+          <a:prstGeom prst="ellipse">
+            <a:avLst/>
+          </a:prstGeom>
+          <a:noFill/>
+          <a:ln w="28575">
+            <a:solidFill>
+              <a:srgbClr val="00B050"/>
+            </a:solidFill>
+          </a:ln>
+        </p:spPr>
+        <p:style>
+          <a:lnRef idx="2">
+            <a:schemeClr val="accent1">
+              <a:shade val="50000"/>
+            </a:schemeClr>
+          </a:lnRef>
+          <a:fillRef idx="1">
+            <a:schemeClr val="accent1"/>
+          </a:fillRef>
+          <a:effectRef idx="0">
+            <a:schemeClr val="accent1"/>
+          </a:effectRef>
+          <a:fontRef idx="minor">
+            <a:schemeClr val="lt1"/>
+          </a:fontRef>
+        </p:style>
+        <p:txBody>
+          <a:bodyPr rtlCol="0" anchor="ctr"/>
+          <a:lstStyle/>
+          <a:p>
+            <a:pPr algn="ctr"/>
+            <a:endParaRPr lang="en-US"/>
+          </a:p>
+        </p:txBody>
+      </p:sp>
+    </p:spTree>
+    <p:extLst>
+      <p:ext uri="{BB962C8B-B14F-4D97-AF65-F5344CB8AC3E}">
+        <p14:creationId xmlns:p14="http://schemas.microsoft.com/office/powerpoint/2010/main" val="1306573025"/>
+      </p:ext>
+    </p:extLst>
+  </p:cSld>
+  <p:clrMapOvr>
+    <a:masterClrMapping/>
+  </p:clrMapOvr>
+  <p:timing>
+    <p:tnLst>
+      <p:par>
+        <p:cTn id="1" dur="indefinite" restart="never" nodeType="tmRoot"/>
+      </p:par>
+    </p:tnLst>
+  </p:timing>
+</p:sld>
+</file>
+
+<file path=ppt/slides/slide18.xml><?xml version="1.0" encoding="utf-8"?>
+<p:sld xmlns:a="http://schemas.openxmlformats.org/drawingml/2006/main" xmlns:r="http://schemas.openxmlformats.org/officeDocument/2006/relationships" xmlns:p="http://schemas.openxmlformats.org/presentationml/2006/main">
+  <p:cSld>
+    <p:spTree>
+      <p:nvGrpSpPr>
+        <p:cNvPr id="1" name=""/>
+        <p:cNvGrpSpPr/>
+        <p:nvPr/>
+      </p:nvGrpSpPr>
+      <p:grpSpPr>
+        <a:xfrm>
+          <a:off x="0" y="0"/>
+          <a:ext cx="0" cy="0"/>
+          <a:chOff x="0" y="0"/>
+          <a:chExt cx="0" cy="0"/>
+        </a:xfrm>
+      </p:grpSpPr>
+      <p:sp>
+        <p:nvSpPr>
+          <p:cNvPr id="2" name="Title 1"/>
+          <p:cNvSpPr>
+            <a:spLocks noGrp="1"/>
+          </p:cNvSpPr>
+          <p:nvPr>
+            <p:ph type="title"/>
+          </p:nvPr>
+        </p:nvSpPr>
+        <p:spPr>
+          <a:xfrm>
+            <a:off x="0" y="0"/>
+            <a:ext cx="12321153" cy="852407"/>
+          </a:xfrm>
+        </p:spPr>
+        <p:txBody>
+          <a:bodyPr>
+            <a:normAutofit/>
+          </a:bodyPr>
+          <a:lstStyle/>
+          <a:p>
+            <a:pPr lvl="0"/>
+            <a:r>
+              <a:rPr lang="en-US" sz="3900" dirty="0"/>
+              <a:t>Booz Allen Hamilton's (BAH's) </a:t>
+            </a:r>
+            <a:r>
+              <a:rPr lang="en-US" sz="3900" dirty="0">
+                <a:hlinkClick r:id="rId3"/>
+              </a:rPr>
+              <a:t>Field Guide to Data </a:t>
+            </a:r>
+            <a:r>
+              <a:rPr lang="en-US" sz="3900" dirty="0" smtClean="0">
+                <a:hlinkClick r:id="rId3"/>
+              </a:rPr>
+              <a:t>Science</a:t>
+            </a:r>
+            <a:endParaRPr lang="en-US" sz="3900" dirty="0"/>
+          </a:p>
+        </p:txBody>
+      </p:sp>
+      <p:pic>
+        <p:nvPicPr>
+          <p:cNvPr id="5" name="Picture 4"/>
+          <p:cNvPicPr>
+            <a:picLocks noChangeAspect="1"/>
+          </p:cNvPicPr>
+          <p:nvPr/>
+        </p:nvPicPr>
+        <p:blipFill>
+          <a:blip r:embed="rId4">
+            <a:extLst>
+              <a:ext uri="{28A0092B-C50C-407E-A947-70E740481C1C}">
+                <a14:useLocalDpi xmlns:a14="http://schemas.microsoft.com/office/drawing/2010/main" val="0"/>
+              </a:ext>
+            </a:extLst>
+          </a:blip>
+          <a:stretch>
+            <a:fillRect/>
+          </a:stretch>
+        </p:blipFill>
+        <p:spPr>
+          <a:xfrm>
+            <a:off x="2910130" y="686282"/>
+            <a:ext cx="9089502" cy="6171718"/>
+          </a:xfrm>
+          <a:prstGeom prst="rect">
+            <a:avLst/>
+          </a:prstGeom>
+        </p:spPr>
+      </p:pic>
+      <p:sp>
+        <p:nvSpPr>
+          <p:cNvPr id="3" name="Content Placeholder 2"/>
+          <p:cNvSpPr>
+            <a:spLocks noGrp="1"/>
+          </p:cNvSpPr>
+          <p:nvPr>
+            <p:ph idx="1"/>
+          </p:nvPr>
+        </p:nvSpPr>
+        <p:spPr>
+          <a:xfrm>
+            <a:off x="152400" y="1181100"/>
+            <a:ext cx="2867025" cy="2505075"/>
+          </a:xfrm>
+        </p:spPr>
+        <p:txBody>
+          <a:bodyPr>
+            <a:normAutofit fontScale="92500" lnSpcReduction="20000"/>
+          </a:bodyPr>
+          <a:lstStyle/>
+          <a:p>
+            <a:pPr marL="0" lvl="0" indent="0">
+              <a:buNone/>
+            </a:pPr>
+            <a:r>
+              <a:rPr lang="en-US" dirty="0" smtClean="0"/>
+              <a:t>Where are you?</a:t>
+            </a:r>
+          </a:p>
+          <a:p>
+            <a:pPr lvl="0"/>
+            <a:r>
+              <a:rPr lang="en-US" dirty="0" smtClean="0"/>
+              <a:t>Individual</a:t>
+            </a:r>
+          </a:p>
+          <a:p>
+            <a:pPr lvl="0"/>
+            <a:r>
+              <a:rPr lang="en-US" dirty="0" smtClean="0"/>
+              <a:t>Organization</a:t>
+            </a:r>
+          </a:p>
+          <a:p>
+            <a:pPr lvl="0"/>
+            <a:r>
+              <a:rPr lang="en-US" dirty="0" smtClean="0"/>
+              <a:t>Per Project</a:t>
+            </a:r>
+          </a:p>
+          <a:p>
+            <a:pPr lvl="1"/>
+            <a:endParaRPr lang="en-US" dirty="0" smtClean="0"/>
+          </a:p>
+          <a:p>
+            <a:pPr marL="0" indent="0">
+              <a:buNone/>
+            </a:pPr>
+            <a:r>
+              <a:rPr lang="en-US" dirty="0" smtClean="0"/>
+              <a:t>Goal: </a:t>
+            </a:r>
+            <a:r>
+              <a:rPr lang="en-US" dirty="0" smtClean="0">
+                <a:solidFill>
+                  <a:srgbClr val="00B050"/>
+                </a:solidFill>
+              </a:rPr>
+              <a:t>Advice</a:t>
+            </a:r>
+          </a:p>
+        </p:txBody>
+      </p:sp>
+      <p:pic>
+        <p:nvPicPr>
+          <p:cNvPr id="6" name="Picture 5"/>
+          <p:cNvPicPr>
+            <a:picLocks noChangeAspect="1"/>
+          </p:cNvPicPr>
+          <p:nvPr/>
+        </p:nvPicPr>
+        <p:blipFill>
+          <a:blip r:embed="rId5">
+            <a:extLst>
+              <a:ext uri="{28A0092B-C50C-407E-A947-70E740481C1C}">
+                <a14:useLocalDpi xmlns:a14="http://schemas.microsoft.com/office/drawing/2010/main" val="0"/>
+              </a:ext>
+            </a:extLst>
+          </a:blip>
+          <a:stretch>
+            <a:fillRect/>
+          </a:stretch>
+        </p:blipFill>
+        <p:spPr>
+          <a:xfrm>
+            <a:off x="83274" y="3686175"/>
+            <a:ext cx="2743583" cy="2743583"/>
+          </a:xfrm>
+          <a:prstGeom prst="rect">
+            <a:avLst/>
+          </a:prstGeom>
+        </p:spPr>
+      </p:pic>
+      <p:sp>
+        <p:nvSpPr>
+          <p:cNvPr id="4" name="Oval 3"/>
+          <p:cNvSpPr/>
+          <p:nvPr/>
+        </p:nvSpPr>
+        <p:spPr>
+          <a:xfrm>
+            <a:off x="10210800" y="1334395"/>
+            <a:ext cx="1552575" cy="1075429"/>
+          </a:xfrm>
+          <a:prstGeom prst="ellipse">
+            <a:avLst/>
+          </a:prstGeom>
+          <a:noFill/>
+          <a:ln w="28575">
+            <a:solidFill>
+              <a:srgbClr val="00B050"/>
+            </a:solidFill>
+          </a:ln>
+        </p:spPr>
+        <p:style>
+          <a:lnRef idx="2">
+            <a:schemeClr val="accent1">
+              <a:shade val="50000"/>
+            </a:schemeClr>
+          </a:lnRef>
+          <a:fillRef idx="1">
+            <a:schemeClr val="accent1"/>
+          </a:fillRef>
+          <a:effectRef idx="0">
+            <a:schemeClr val="accent1"/>
+          </a:effectRef>
+          <a:fontRef idx="minor">
+            <a:schemeClr val="lt1"/>
+          </a:fontRef>
+        </p:style>
+        <p:txBody>
+          <a:bodyPr rtlCol="0" anchor="ctr"/>
+          <a:lstStyle/>
+          <a:p>
+            <a:pPr algn="ctr"/>
+            <a:endParaRPr lang="en-US"/>
+          </a:p>
+        </p:txBody>
+      </p:sp>
+      <p:sp>
+        <p:nvSpPr>
+          <p:cNvPr id="7" name="Oval 6"/>
+          <p:cNvSpPr/>
+          <p:nvPr/>
+        </p:nvSpPr>
+        <p:spPr>
+          <a:xfrm>
+            <a:off x="4277360" y="1334394"/>
+            <a:ext cx="873760" cy="5095363"/>
+          </a:xfrm>
+          <a:prstGeom prst="ellipse">
+            <a:avLst/>
+          </a:prstGeom>
+          <a:noFill/>
+          <a:ln w="28575">
+            <a:solidFill>
+              <a:srgbClr val="00B050"/>
+            </a:solidFill>
+          </a:ln>
+        </p:spPr>
+        <p:style>
+          <a:lnRef idx="2">
+            <a:schemeClr val="accent1">
+              <a:shade val="50000"/>
+            </a:schemeClr>
+          </a:lnRef>
+          <a:fillRef idx="1">
+            <a:schemeClr val="accent1"/>
+          </a:fillRef>
+          <a:effectRef idx="0">
+            <a:schemeClr val="accent1"/>
+          </a:effectRef>
+          <a:fontRef idx="minor">
+            <a:schemeClr val="lt1"/>
+          </a:fontRef>
+        </p:style>
+        <p:txBody>
+          <a:bodyPr rtlCol="0" anchor="ctr"/>
+          <a:lstStyle/>
+          <a:p>
+            <a:pPr algn="ctr"/>
+            <a:endParaRPr lang="en-US"/>
+          </a:p>
+        </p:txBody>
+      </p:sp>
+      <p:sp>
+        <p:nvSpPr>
+          <p:cNvPr id="9" name="TextBox 8"/>
+          <p:cNvSpPr txBox="1"/>
+          <p:nvPr/>
+        </p:nvSpPr>
+        <p:spPr>
+          <a:xfrm>
+            <a:off x="1272857" y="5905668"/>
+            <a:ext cx="802168" cy="369332"/>
+          </a:xfrm>
+          <a:prstGeom prst="rect">
+            <a:avLst/>
+          </a:prstGeom>
+          <a:noFill/>
+        </p:spPr>
+        <p:txBody>
+          <a:bodyPr wrap="square" rtlCol="0">
+            <a:spAutoFit/>
+          </a:bodyPr>
+          <a:lstStyle/>
+          <a:p>
+            <a:r>
+              <a:rPr lang="en-US" dirty="0" smtClean="0">
+                <a:solidFill>
+                  <a:srgbClr val="00B050"/>
+                </a:solidFill>
+              </a:rPr>
+              <a:t>$</a:t>
+            </a:r>
+            <a:endParaRPr lang="en-US" dirty="0">
+              <a:solidFill>
+                <a:srgbClr val="00B050"/>
+              </a:solidFill>
+            </a:endParaRPr>
+          </a:p>
+        </p:txBody>
+      </p:sp>
+      <p:sp>
+        <p:nvSpPr>
+          <p:cNvPr id="10" name="TextBox 9"/>
+          <p:cNvSpPr txBox="1"/>
+          <p:nvPr/>
+        </p:nvSpPr>
+        <p:spPr>
+          <a:xfrm>
+            <a:off x="6723833" y="4696628"/>
+            <a:ext cx="802168" cy="276999"/>
+          </a:xfrm>
+          <a:prstGeom prst="rect">
+            <a:avLst/>
+          </a:prstGeom>
+          <a:noFill/>
+        </p:spPr>
+        <p:txBody>
+          <a:bodyPr wrap="square" rtlCol="0">
+            <a:spAutoFit/>
+          </a:bodyPr>
+          <a:lstStyle/>
+          <a:p>
+            <a:r>
+              <a:rPr lang="en-US" sz="1200" dirty="0" smtClean="0">
+                <a:solidFill>
+                  <a:srgbClr val="00B050"/>
+                </a:solidFill>
+              </a:rPr>
+              <a:t>$</a:t>
+            </a:r>
+            <a:endParaRPr lang="en-US" sz="1200" dirty="0">
+              <a:solidFill>
+                <a:srgbClr val="00B050"/>
+              </a:solidFill>
+            </a:endParaRPr>
+          </a:p>
+        </p:txBody>
+      </p:sp>
+      <p:sp>
+        <p:nvSpPr>
+          <p:cNvPr id="11" name="TextBox 10"/>
+          <p:cNvSpPr txBox="1"/>
+          <p:nvPr/>
+        </p:nvSpPr>
+        <p:spPr>
+          <a:xfrm>
+            <a:off x="7660166" y="4005748"/>
+            <a:ext cx="802168" cy="369332"/>
+          </a:xfrm>
+          <a:prstGeom prst="rect">
+            <a:avLst/>
+          </a:prstGeom>
+          <a:noFill/>
+        </p:spPr>
+        <p:txBody>
+          <a:bodyPr wrap="square" rtlCol="0">
+            <a:spAutoFit/>
+          </a:bodyPr>
+          <a:lstStyle/>
+          <a:p>
+            <a:r>
+              <a:rPr lang="en-US" dirty="0" smtClean="0">
+                <a:solidFill>
+                  <a:srgbClr val="00B050"/>
+                </a:solidFill>
+              </a:rPr>
+              <a:t>$</a:t>
+            </a:r>
+            <a:endParaRPr lang="en-US" dirty="0">
+              <a:solidFill>
+                <a:srgbClr val="00B050"/>
+              </a:solidFill>
+            </a:endParaRPr>
+          </a:p>
+        </p:txBody>
+      </p:sp>
+      <p:sp>
+        <p:nvSpPr>
+          <p:cNvPr id="12" name="TextBox 11"/>
+          <p:cNvSpPr txBox="1"/>
+          <p:nvPr/>
+        </p:nvSpPr>
+        <p:spPr>
+          <a:xfrm>
+            <a:off x="8943657" y="3040548"/>
+            <a:ext cx="802168" cy="369332"/>
+          </a:xfrm>
+          <a:prstGeom prst="rect">
+            <a:avLst/>
+          </a:prstGeom>
+          <a:noFill/>
+        </p:spPr>
+        <p:txBody>
+          <a:bodyPr wrap="square" rtlCol="0">
+            <a:spAutoFit/>
+          </a:bodyPr>
+          <a:lstStyle/>
+          <a:p>
+            <a:r>
+              <a:rPr lang="en-US" b="1" dirty="0" smtClean="0">
+                <a:solidFill>
+                  <a:srgbClr val="00B050"/>
+                </a:solidFill>
+              </a:rPr>
+              <a:t>$$$</a:t>
+            </a:r>
+            <a:endParaRPr lang="en-US" b="1" dirty="0">
+              <a:solidFill>
+                <a:srgbClr val="00B050"/>
+              </a:solidFill>
+            </a:endParaRPr>
+          </a:p>
+        </p:txBody>
+      </p:sp>
+      <p:sp>
+        <p:nvSpPr>
+          <p:cNvPr id="13" name="TextBox 12"/>
+          <p:cNvSpPr txBox="1"/>
+          <p:nvPr/>
+        </p:nvSpPr>
+        <p:spPr>
+          <a:xfrm>
+            <a:off x="10447337" y="2029227"/>
+            <a:ext cx="802168" cy="369332"/>
+          </a:xfrm>
+          <a:prstGeom prst="rect">
+            <a:avLst/>
+          </a:prstGeom>
+          <a:noFill/>
+        </p:spPr>
+        <p:txBody>
+          <a:bodyPr wrap="square" rtlCol="0">
+            <a:spAutoFit/>
+          </a:bodyPr>
+          <a:lstStyle/>
+          <a:p>
+            <a:r>
+              <a:rPr lang="en-US" b="1" dirty="0" smtClean="0">
+                <a:solidFill>
+                  <a:srgbClr val="00B050"/>
+                </a:solidFill>
+              </a:rPr>
+              <a:t>$$$$</a:t>
+            </a:r>
+            <a:endParaRPr lang="en-US" b="1" dirty="0">
+              <a:solidFill>
+                <a:srgbClr val="00B050"/>
+              </a:solidFill>
+            </a:endParaRPr>
+          </a:p>
+        </p:txBody>
+      </p:sp>
+    </p:spTree>
+    <p:extLst>
+      <p:ext uri="{BB962C8B-B14F-4D97-AF65-F5344CB8AC3E}">
+        <p14:creationId xmlns:p14="http://schemas.microsoft.com/office/powerpoint/2010/main" val="4009897594"/>
+      </p:ext>
+    </p:extLst>
+  </p:cSld>
+  <p:clrMapOvr>
+    <a:masterClrMapping/>
+  </p:clrMapOvr>
+  <p:timing>
+    <p:tnLst>
+      <p:par>
+        <p:cTn id="1" dur="indefinite" restart="never" nodeType="tmRoot"/>
+      </p:par>
+    </p:tnLst>
+  </p:timing>
+</p:sld>
+</file>
+
+<file path=ppt/slides/slide19.xml><?xml version="1.0" encoding="utf-8"?>
+<p:sld xmlns:a="http://schemas.openxmlformats.org/drawingml/2006/main" xmlns:r="http://schemas.openxmlformats.org/officeDocument/2006/relationships" xmlns:p="http://schemas.openxmlformats.org/presentationml/2006/main">
+  <p:cSld>
+    <p:spTree>
+      <p:nvGrpSpPr>
+        <p:cNvPr id="1" name=""/>
+        <p:cNvGrpSpPr/>
+        <p:nvPr/>
+      </p:nvGrpSpPr>
+      <p:grpSpPr>
+        <a:xfrm>
+          <a:off x="0" y="0"/>
+          <a:ext cx="0" cy="0"/>
+          <a:chOff x="0" y="0"/>
+          <a:chExt cx="0" cy="0"/>
+        </a:xfrm>
+      </p:grpSpPr>
+      <p:sp>
+        <p:nvSpPr>
+          <p:cNvPr id="2" name="Title 1"/>
+          <p:cNvSpPr>
+            <a:spLocks noGrp="1"/>
+          </p:cNvSpPr>
+          <p:nvPr>
+            <p:ph type="title"/>
+          </p:nvPr>
+        </p:nvSpPr>
         <p:spPr/>
         <p:txBody>
           <a:bodyPr>
@@ -10399,7 +12679,131 @@
 </p:sld>
 </file>
 
-<file path=ppt/slides/slide15.xml><?xml version="1.0" encoding="utf-8"?>
+<file path=ppt/slides/slide2.xml><?xml version="1.0" encoding="utf-8"?>
+<p:sld xmlns:a="http://schemas.openxmlformats.org/drawingml/2006/main" xmlns:r="http://schemas.openxmlformats.org/officeDocument/2006/relationships" xmlns:p="http://schemas.openxmlformats.org/presentationml/2006/main">
+  <p:cSld>
+    <p:spTree>
+      <p:nvGrpSpPr>
+        <p:cNvPr id="1" name=""/>
+        <p:cNvGrpSpPr/>
+        <p:nvPr/>
+      </p:nvGrpSpPr>
+      <p:grpSpPr>
+        <a:xfrm>
+          <a:off x="0" y="0"/>
+          <a:ext cx="0" cy="0"/>
+          <a:chOff x="0" y="0"/>
+          <a:chExt cx="0" cy="0"/>
+        </a:xfrm>
+      </p:grpSpPr>
+      <p:sp>
+        <p:nvSpPr>
+          <p:cNvPr id="2" name="Title 1"/>
+          <p:cNvSpPr>
+            <a:spLocks noGrp="1"/>
+          </p:cNvSpPr>
+          <p:nvPr>
+            <p:ph type="title"/>
+          </p:nvPr>
+        </p:nvSpPr>
+        <p:spPr/>
+        <p:txBody>
+          <a:bodyPr/>
+          <a:lstStyle/>
+          <a:p>
+            <a:pPr lvl="0"/>
+            <a:r>
+              <a:rPr lang="en-US" dirty="0" smtClean="0"/>
+              <a:t>Is</a:t>
+            </a:r>
+            <a:r>
+              <a:rPr lang="en-US" baseline="0" dirty="0" smtClean="0"/>
+              <a:t> it possible to know all of Data Science?</a:t>
+            </a:r>
+            <a:endParaRPr lang="en-US" dirty="0"/>
+          </a:p>
+        </p:txBody>
+      </p:sp>
+      <p:sp>
+        <p:nvSpPr>
+          <p:cNvPr id="3" name="Content Placeholder 2"/>
+          <p:cNvSpPr>
+            <a:spLocks noGrp="1"/>
+          </p:cNvSpPr>
+          <p:nvPr>
+            <p:ph idx="1"/>
+          </p:nvPr>
+        </p:nvSpPr>
+        <p:spPr>
+          <a:xfrm>
+            <a:off x="838200" y="1825625"/>
+            <a:ext cx="10515600" cy="4854144"/>
+          </a:xfrm>
+        </p:spPr>
+        <p:txBody>
+          <a:bodyPr>
+            <a:normAutofit/>
+          </a:bodyPr>
+          <a:lstStyle/>
+          <a:p>
+            <a:pPr marL="0" indent="0">
+              <a:buNone/>
+            </a:pPr>
+            <a:r>
+              <a:rPr lang="en-US" sz="4000" dirty="0" smtClean="0"/>
+              <a:t>In minutes?</a:t>
+            </a:r>
+          </a:p>
+          <a:p>
+            <a:r>
+              <a:rPr lang="en-US" sz="4000" dirty="0" smtClean="0"/>
+              <a:t>What?</a:t>
+            </a:r>
+          </a:p>
+          <a:p>
+            <a:r>
+              <a:rPr lang="en-US" sz="4000" dirty="0" smtClean="0"/>
+              <a:t>How?</a:t>
+            </a:r>
+          </a:p>
+          <a:p>
+            <a:r>
+              <a:rPr lang="en-US" sz="4000" dirty="0" smtClean="0"/>
+              <a:t>Why?</a:t>
+            </a:r>
+          </a:p>
+          <a:p>
+            <a:pPr marL="0" indent="0">
+              <a:buNone/>
+            </a:pPr>
+            <a:r>
+              <a:rPr lang="en-US" sz="4000" dirty="0" smtClean="0"/>
+              <a:t>Wide – not deep.</a:t>
+            </a:r>
+          </a:p>
+        </p:txBody>
+      </p:sp>
+    </p:spTree>
+    <p:extLst>
+      <p:ext uri="{BB962C8B-B14F-4D97-AF65-F5344CB8AC3E}">
+        <p14:creationId xmlns:p14="http://schemas.microsoft.com/office/powerpoint/2010/main" val="4005404877"/>
+      </p:ext>
+    </p:extLst>
+  </p:cSld>
+  <p:clrMapOvr>
+    <a:masterClrMapping/>
+  </p:clrMapOvr>
+  <p:timing>
+    <p:tnLst>
+      <p:par>
+        <p:cTn id="1" dur="indefinite" restart="never" nodeType="tmRoot"/>
+      </p:par>
+    </p:tnLst>
+  </p:timing>
+</p:sld>
+</file>
+
+<file path=ppt/slides/slide20.xml><?xml version="1.0" encoding="utf-8"?>
 <p:sld xmlns:a="http://schemas.openxmlformats.org/drawingml/2006/main" xmlns:r="http://schemas.openxmlformats.org/officeDocument/2006/relationships" xmlns:p="http://schemas.openxmlformats.org/presentationml/2006/main">
   <p:cSld>
     <p:spTree>
@@ -10646,8 +13050,8 @@
         </p:nvSpPr>
         <p:spPr>
           <a:xfrm rot="16200000">
-            <a:off x="-576989" y="1551606"/>
-            <a:ext cx="1720312" cy="523220"/>
+            <a:off x="-537475" y="1512092"/>
+            <a:ext cx="1641284" cy="523220"/>
           </a:xfrm>
           <a:prstGeom prst="rect">
             <a:avLst/>
@@ -10666,13 +13070,8 @@
                   <a:srgbClr val="0070C0"/>
                 </a:solidFill>
               </a:rPr>
-              <a:t>Maturity</a:t>
-            </a:r>
-            <a:endParaRPr lang="en-US" sz="2800" b="1" dirty="0">
-              <a:solidFill>
-                <a:srgbClr val="0070C0"/>
-              </a:solidFill>
-            </a:endParaRPr>
+              <a:t>Effort</a:t>
+            </a:r>
           </a:p>
         </p:txBody>
       </p:sp>
@@ -10704,7 +13103,7 @@
                   <a:srgbClr val="0070C0"/>
                 </a:solidFill>
               </a:rPr>
-              <a:t>Effort</a:t>
+              <a:t>Maturity</a:t>
             </a:r>
             <a:endParaRPr lang="en-US" sz="2800" b="1" dirty="0">
               <a:solidFill>
@@ -10764,7 +13163,7 @@
 </p:sld>
 </file>
 
-<file path=ppt/slides/slide16.xml><?xml version="1.0" encoding="utf-8"?>
+<file path=ppt/slides/slide21.xml><?xml version="1.0" encoding="utf-8"?>
 <p:sld xmlns:a="http://schemas.openxmlformats.org/drawingml/2006/main" xmlns:r="http://schemas.openxmlformats.org/officeDocument/2006/relationships" xmlns:p="http://schemas.openxmlformats.org/presentationml/2006/main">
   <p:cSld>
     <p:spTree>
@@ -10865,7 +13264,7 @@
 </p:sld>
 </file>
 
-<file path=ppt/slides/slide17.xml><?xml version="1.0" encoding="utf-8"?>
+<file path=ppt/slides/slide22.xml><?xml version="1.0" encoding="utf-8"?>
 <p:sld xmlns:a="http://schemas.openxmlformats.org/drawingml/2006/main" xmlns:r="http://schemas.openxmlformats.org/officeDocument/2006/relationships" xmlns:p="http://schemas.openxmlformats.org/presentationml/2006/main">
   <p:cSld>
     <p:spTree>
@@ -11009,7 +13408,7 @@
 </p:sld>
 </file>
 
-<file path=ppt/slides/slide18.xml><?xml version="1.0" encoding="utf-8"?>
+<file path=ppt/slides/slide23.xml><?xml version="1.0" encoding="utf-8"?>
 <p:sld xmlns:a="http://schemas.openxmlformats.org/drawingml/2006/main" xmlns:r="http://schemas.openxmlformats.org/officeDocument/2006/relationships" xmlns:p="http://schemas.openxmlformats.org/presentationml/2006/main">
   <p:cSld>
     <p:spTree>
@@ -11026,47 +13425,22 @@
           <a:chExt cx="0" cy="0"/>
         </a:xfrm>
       </p:grpSpPr>
-      <p:pic>
-        <p:nvPicPr>
-          <p:cNvPr id="19" name="Picture 18"/>
-          <p:cNvPicPr>
-            <a:picLocks noChangeAspect="1"/>
-          </p:cNvPicPr>
-          <p:nvPr/>
-        </p:nvPicPr>
-        <p:blipFill>
-          <a:blip r:embed="rId3" cstate="print">
-            <a:extLst>
-              <a:ext uri="{28A0092B-C50C-407E-A947-70E740481C1C}">
-                <a14:useLocalDpi xmlns:a14="http://schemas.microsoft.com/office/drawing/2010/main" val="0"/>
-              </a:ext>
-            </a:extLst>
-          </a:blip>
-          <a:stretch>
-            <a:fillRect/>
-          </a:stretch>
-        </p:blipFill>
+      <p:sp>
+        <p:nvSpPr>
+          <p:cNvPr id="2" name="Title 1"/>
+          <p:cNvSpPr>
+            <a:spLocks noGrp="1"/>
+          </p:cNvSpPr>
+          <p:nvPr>
+            <p:ph type="title"/>
+          </p:nvPr>
+        </p:nvSpPr>
         <p:spPr>
           <a:xfrm>
-            <a:off x="4767264" y="4745831"/>
-            <a:ext cx="995363" cy="995363"/>
+            <a:off x="834269" y="-34131"/>
+            <a:ext cx="10515600" cy="1325563"/>
           </a:xfrm>
-          <a:prstGeom prst="rect">
-            <a:avLst/>
-          </a:prstGeom>
         </p:spPr>
-      </p:pic>
-      <p:sp>
-        <p:nvSpPr>
-          <p:cNvPr id="2" name="Title 1"/>
-          <p:cNvSpPr>
-            <a:spLocks noGrp="1"/>
-          </p:cNvSpPr>
-          <p:nvPr>
-            <p:ph type="title"/>
-          </p:nvPr>
-        </p:nvSpPr>
-        <p:spPr/>
         <p:txBody>
           <a:bodyPr/>
           <a:lstStyle/>
@@ -11100,7 +13474,7 @@
         </p:xfrm>
         <a:graphic>
           <a:graphicData uri="http://schemas.openxmlformats.org/drawingml/2006/diagram">
-            <dgm:relIds xmlns:dgm="http://schemas.openxmlformats.org/drawingml/2006/diagram" xmlns:r="http://schemas.openxmlformats.org/officeDocument/2006/relationships" r:dm="rId4" r:lo="rId5" r:qs="rId6" r:cs="rId7"/>
+            <dgm:relIds xmlns:dgm="http://schemas.openxmlformats.org/drawingml/2006/diagram" xmlns:r="http://schemas.openxmlformats.org/officeDocument/2006/relationships" r:dm="rId3" r:lo="rId4" r:qs="rId5" r:cs="rId6"/>
           </a:graphicData>
         </a:graphic>
       </p:graphicFrame>
@@ -11213,23 +13587,36 @@
           <a:p>
             <a:pPr lvl="1"/>
             <a:r>
+              <a:rPr lang="en-US" dirty="0" smtClean="0"/>
+              <a:t>DS provides </a:t>
+            </a:r>
+            <a:r>
               <a:rPr lang="en-US" dirty="0" smtClean="0">
                 <a:solidFill>
                   <a:srgbClr val="FF0000"/>
                 </a:solidFill>
               </a:rPr>
-              <a:t>Data</a:t>
+              <a:t>justification</a:t>
             </a:r>
             <a:r>
               <a:rPr lang="en-US" dirty="0" smtClean="0"/>
-              <a:t> constrains being</a:t>
-            </a:r>
+              <a:t> to constrain being</a:t>
+            </a:r>
+            <a:endParaRPr lang="en-US" dirty="0" smtClean="0"/>
           </a:p>
           <a:p>
             <a:pPr lvl="1"/>
             <a:r>
               <a:rPr lang="en-US" dirty="0"/>
-              <a:t>Data determines where </a:t>
+              <a:t>Data </a:t>
+            </a:r>
+            <a:r>
+              <a:rPr lang="en-US" dirty="0" smtClean="0"/>
+              <a:t>limits </a:t>
+            </a:r>
+            <a:r>
+              <a:rPr lang="en-US" dirty="0"/>
+              <a:t>where </a:t>
             </a:r>
             <a:r>
               <a:rPr lang="en-US" dirty="0" smtClean="0"/>
@@ -11270,7 +13657,7 @@
         <p:spPr>
           <a:xfrm>
             <a:off x="3009901" y="3848100"/>
-            <a:ext cx="1876423" cy="1109523"/>
+            <a:ext cx="2087879" cy="1193006"/>
           </a:xfrm>
           <a:prstGeom prst="line">
             <a:avLst/>
@@ -11369,6 +13756,157 @@
           </a:p>
         </p:txBody>
       </p:sp>
+      <p:pic>
+        <p:nvPicPr>
+          <p:cNvPr id="3" name="Picture 2"/>
+          <p:cNvPicPr>
+            <a:picLocks noChangeAspect="1"/>
+          </p:cNvPicPr>
+          <p:nvPr/>
+        </p:nvPicPr>
+        <p:blipFill>
+          <a:blip r:embed="rId8" cstate="print">
+            <a:clrChange>
+              <a:clrFrom>
+                <a:srgbClr val="A349A4"/>
+              </a:clrFrom>
+              <a:clrTo>
+                <a:srgbClr val="A349A4">
+                  <a:alpha val="0"/>
+                </a:srgbClr>
+              </a:clrTo>
+            </a:clrChange>
+            <a:extLst>
+              <a:ext uri="{28A0092B-C50C-407E-A947-70E740481C1C}">
+                <a14:useLocalDpi xmlns:a14="http://schemas.microsoft.com/office/drawing/2010/main" val="0"/>
+              </a:ext>
+            </a:extLst>
+          </a:blip>
+          <a:stretch>
+            <a:fillRect/>
+          </a:stretch>
+        </p:blipFill>
+        <p:spPr>
+          <a:xfrm>
+            <a:off x="2490873" y="3358441"/>
+            <a:ext cx="1038056" cy="1038056"/>
+          </a:xfrm>
+          <a:prstGeom prst="rect">
+            <a:avLst/>
+          </a:prstGeom>
+        </p:spPr>
+      </p:pic>
+      <p:sp>
+        <p:nvSpPr>
+          <p:cNvPr id="14" name="TextBox 13"/>
+          <p:cNvSpPr txBox="1"/>
+          <p:nvPr/>
+        </p:nvSpPr>
+        <p:spPr>
+          <a:xfrm>
+            <a:off x="4361637" y="5041106"/>
+            <a:ext cx="1962963" cy="523220"/>
+          </a:xfrm>
+          <a:prstGeom prst="rect">
+            <a:avLst/>
+          </a:prstGeom>
+          <a:noFill/>
+        </p:spPr>
+        <p:txBody>
+          <a:bodyPr wrap="square" rtlCol="0">
+            <a:spAutoFit/>
+          </a:bodyPr>
+          <a:lstStyle/>
+          <a:p>
+            <a:r>
+              <a:rPr lang="en-US" sz="2800" b="1" dirty="0" smtClean="0">
+                <a:solidFill>
+                  <a:srgbClr val="FF0000"/>
+                </a:solidFill>
+              </a:rPr>
+              <a:t>Justification</a:t>
+            </a:r>
+            <a:endParaRPr lang="en-US" sz="2800" b="1" dirty="0">
+              <a:solidFill>
+                <a:srgbClr val="FF0000"/>
+              </a:solidFill>
+            </a:endParaRPr>
+          </a:p>
+        </p:txBody>
+      </p:sp>
+      <p:cxnSp>
+        <p:nvCxnSpPr>
+          <p:cNvPr id="16" name="Straight Connector 15"/>
+          <p:cNvCxnSpPr/>
+          <p:nvPr/>
+        </p:nvCxnSpPr>
+        <p:spPr>
+          <a:xfrm flipH="1" flipV="1">
+            <a:off x="804863" y="4712494"/>
+            <a:ext cx="144934" cy="233798"/>
+          </a:xfrm>
+          <a:prstGeom prst="line">
+            <a:avLst/>
+          </a:prstGeom>
+          <a:ln w="47625">
+            <a:solidFill>
+              <a:srgbClr val="00B050"/>
+            </a:solidFill>
+            <a:headEnd type="none"/>
+            <a:tailEnd type="stealth" w="lg" len="lg"/>
+          </a:ln>
+        </p:spPr>
+        <p:style>
+          <a:lnRef idx="1">
+            <a:schemeClr val="accent1"/>
+          </a:lnRef>
+          <a:fillRef idx="0">
+            <a:schemeClr val="accent1"/>
+          </a:fillRef>
+          <a:effectRef idx="0">
+            <a:schemeClr val="accent1"/>
+          </a:effectRef>
+          <a:fontRef idx="minor">
+            <a:schemeClr val="tx1"/>
+          </a:fontRef>
+        </p:style>
+      </p:cxnSp>
+      <p:cxnSp>
+        <p:nvCxnSpPr>
+          <p:cNvPr id="17" name="Straight Connector 16"/>
+          <p:cNvCxnSpPr/>
+          <p:nvPr/>
+        </p:nvCxnSpPr>
+        <p:spPr>
+          <a:xfrm flipV="1">
+            <a:off x="5097780" y="4712494"/>
+            <a:ext cx="145733" cy="245130"/>
+          </a:xfrm>
+          <a:prstGeom prst="line">
+            <a:avLst/>
+          </a:prstGeom>
+          <a:ln w="47625">
+            <a:solidFill>
+              <a:srgbClr val="FF0000"/>
+            </a:solidFill>
+            <a:tailEnd type="stealth" w="lg" len="lg"/>
+          </a:ln>
+        </p:spPr>
+        <p:style>
+          <a:lnRef idx="1">
+            <a:schemeClr val="accent1"/>
+          </a:lnRef>
+          <a:fillRef idx="0">
+            <a:schemeClr val="accent1"/>
+          </a:fillRef>
+          <a:effectRef idx="0">
+            <a:schemeClr val="accent1"/>
+          </a:effectRef>
+          <a:fontRef idx="minor">
+            <a:schemeClr val="tx1"/>
+          </a:fontRef>
+        </p:style>
+      </p:cxnSp>
     </p:spTree>
     <p:extLst>
       <p:ext uri="{BB962C8B-B14F-4D97-AF65-F5344CB8AC3E}">
@@ -11389,7 +13927,7 @@
 </p:sld>
 </file>
 
-<file path=ppt/slides/slide19.xml><?xml version="1.0" encoding="utf-8"?>
+<file path=ppt/slides/slide24.xml><?xml version="1.0" encoding="utf-8"?>
 <p:sld xmlns:a="http://schemas.openxmlformats.org/drawingml/2006/main" xmlns:r="http://schemas.openxmlformats.org/officeDocument/2006/relationships" xmlns:p="http://schemas.openxmlformats.org/presentationml/2006/main">
   <p:cSld>
     <p:spTree>
@@ -11550,130 +14088,6 @@
     <p:extLst>
       <p:ext uri="{BB962C8B-B14F-4D97-AF65-F5344CB8AC3E}">
         <p14:creationId xmlns:p14="http://schemas.microsoft.com/office/powerpoint/2010/main" val="1863212953"/>
-      </p:ext>
-    </p:extLst>
-  </p:cSld>
-  <p:clrMapOvr>
-    <a:masterClrMapping/>
-  </p:clrMapOvr>
-  <p:timing>
-    <p:tnLst>
-      <p:par>
-        <p:cTn id="1" dur="indefinite" restart="never" nodeType="tmRoot"/>
-      </p:par>
-    </p:tnLst>
-  </p:timing>
-</p:sld>
-</file>
-
-<file path=ppt/slides/slide2.xml><?xml version="1.0" encoding="utf-8"?>
-<p:sld xmlns:a="http://schemas.openxmlformats.org/drawingml/2006/main" xmlns:r="http://schemas.openxmlformats.org/officeDocument/2006/relationships" xmlns:p="http://schemas.openxmlformats.org/presentationml/2006/main">
-  <p:cSld>
-    <p:spTree>
-      <p:nvGrpSpPr>
-        <p:cNvPr id="1" name=""/>
-        <p:cNvGrpSpPr/>
-        <p:nvPr/>
-      </p:nvGrpSpPr>
-      <p:grpSpPr>
-        <a:xfrm>
-          <a:off x="0" y="0"/>
-          <a:ext cx="0" cy="0"/>
-          <a:chOff x="0" y="0"/>
-          <a:chExt cx="0" cy="0"/>
-        </a:xfrm>
-      </p:grpSpPr>
-      <p:sp>
-        <p:nvSpPr>
-          <p:cNvPr id="2" name="Title 1"/>
-          <p:cNvSpPr>
-            <a:spLocks noGrp="1"/>
-          </p:cNvSpPr>
-          <p:nvPr>
-            <p:ph type="title"/>
-          </p:nvPr>
-        </p:nvSpPr>
-        <p:spPr/>
-        <p:txBody>
-          <a:bodyPr/>
-          <a:lstStyle/>
-          <a:p>
-            <a:pPr lvl="0"/>
-            <a:r>
-              <a:rPr lang="en-US" dirty="0" smtClean="0"/>
-              <a:t>Is</a:t>
-            </a:r>
-            <a:r>
-              <a:rPr lang="en-US" baseline="0" dirty="0" smtClean="0"/>
-              <a:t> it possible to know all of Data Science?</a:t>
-            </a:r>
-            <a:endParaRPr lang="en-US" dirty="0"/>
-          </a:p>
-        </p:txBody>
-      </p:sp>
-      <p:sp>
-        <p:nvSpPr>
-          <p:cNvPr id="3" name="Content Placeholder 2"/>
-          <p:cNvSpPr>
-            <a:spLocks noGrp="1"/>
-          </p:cNvSpPr>
-          <p:nvPr>
-            <p:ph idx="1"/>
-          </p:nvPr>
-        </p:nvSpPr>
-        <p:spPr>
-          <a:xfrm>
-            <a:off x="838200" y="1825625"/>
-            <a:ext cx="10515600" cy="4854144"/>
-          </a:xfrm>
-        </p:spPr>
-        <p:txBody>
-          <a:bodyPr>
-            <a:normAutofit/>
-          </a:bodyPr>
-          <a:lstStyle/>
-          <a:p>
-            <a:pPr marL="0" indent="0">
-              <a:buNone/>
-            </a:pPr>
-            <a:r>
-              <a:rPr lang="en-US" sz="4000" dirty="0" smtClean="0"/>
-              <a:t>In minutes?</a:t>
-            </a:r>
-          </a:p>
-          <a:p>
-            <a:r>
-              <a:rPr lang="en-US" sz="4000" dirty="0" smtClean="0"/>
-              <a:t>What?</a:t>
-            </a:r>
-          </a:p>
-          <a:p>
-            <a:r>
-              <a:rPr lang="en-US" sz="4000" dirty="0" smtClean="0"/>
-              <a:t>How?</a:t>
-            </a:r>
-          </a:p>
-          <a:p>
-            <a:r>
-              <a:rPr lang="en-US" sz="4000" dirty="0" smtClean="0"/>
-              <a:t>Why?</a:t>
-            </a:r>
-          </a:p>
-          <a:p>
-            <a:pPr marL="0" indent="0">
-              <a:buNone/>
-            </a:pPr>
-            <a:r>
-              <a:rPr lang="en-US" sz="4000" dirty="0" smtClean="0"/>
-              <a:t>Wide – not deep.</a:t>
-            </a:r>
-          </a:p>
-        </p:txBody>
-      </p:sp>
-    </p:spTree>
-    <p:extLst>
-      <p:ext uri="{BB962C8B-B14F-4D97-AF65-F5344CB8AC3E}">
-        <p14:creationId xmlns:p14="http://schemas.microsoft.com/office/powerpoint/2010/main" val="4005404877"/>
       </p:ext>
     </p:extLst>
   </p:cSld>
@@ -12164,7 +14578,7 @@
         <p:spPr/>
         <p:txBody>
           <a:bodyPr>
-            <a:normAutofit/>
+            <a:normAutofit fontScale="92500" lnSpcReduction="10000"/>
           </a:bodyPr>
           <a:lstStyle/>
           <a:p>
@@ -12198,14 +14612,33 @@
           </a:p>
           <a:p>
             <a:r>
+              <a:rPr lang="en-US" dirty="0" smtClean="0">
+                <a:solidFill>
+                  <a:srgbClr val="FF0000"/>
+                </a:solidFill>
+              </a:rPr>
+              <a:t>Data</a:t>
+            </a:r>
+            <a:r>
               <a:rPr lang="en-US" dirty="0" smtClean="0"/>
-              <a:t>Data =&gt; Information =&gt; Knowledge</a:t>
-            </a:r>
-          </a:p>
-          <a:p>
+              <a:t> =&gt; Information =&gt; Knowledge</a:t>
+            </a:r>
+          </a:p>
+          <a:p>
+            <a:r>
+              <a:rPr lang="en-US" dirty="0" smtClean="0">
+                <a:solidFill>
+                  <a:srgbClr val="FFC000"/>
+                </a:solidFill>
+              </a:rPr>
+              <a:t>Analysis</a:t>
+            </a:r>
+          </a:p>
+          <a:p>
+            <a:pPr lvl="1"/>
             <a:r>
               <a:rPr lang="en-US" dirty="0" smtClean="0"/>
-              <a:t>Analysis</a:t>
+              <a:t>Visualization</a:t>
             </a:r>
           </a:p>
           <a:p>
@@ -12217,7 +14650,11 @@
           </a:p>
           <a:p>
             <a:r>
-              <a:rPr lang="en-US" dirty="0" smtClean="0"/>
+              <a:rPr lang="en-US" dirty="0" smtClean="0">
+                <a:solidFill>
+                  <a:srgbClr val="00B050"/>
+                </a:solidFill>
+              </a:rPr>
               <a:t>Communication</a:t>
             </a:r>
           </a:p>
@@ -12227,7 +14664,21 @@
               <a:rPr lang="en-US" dirty="0" smtClean="0"/>
               <a:t>Advice</a:t>
             </a:r>
-            <a:endParaRPr lang="en-US" dirty="0"/>
+          </a:p>
+          <a:p>
+            <a:r>
+              <a:rPr lang="en-US" dirty="0" smtClean="0">
+                <a:solidFill>
+                  <a:srgbClr val="0070C0"/>
+                </a:solidFill>
+              </a:rPr>
+              <a:t>Repeat</a:t>
+            </a:r>
+            <a:endParaRPr lang="en-US" dirty="0">
+              <a:solidFill>
+                <a:srgbClr val="0070C0"/>
+              </a:solidFill>
+            </a:endParaRPr>
           </a:p>
         </p:txBody>
       </p:sp>
@@ -12655,65 +15106,28 @@
           <a:chExt cx="0" cy="0"/>
         </a:xfrm>
       </p:grpSpPr>
-      <p:sp>
-        <p:nvSpPr>
-          <p:cNvPr id="2" name="Title 1"/>
-          <p:cNvSpPr>
-            <a:spLocks noGrp="1"/>
-          </p:cNvSpPr>
-          <p:nvPr>
-            <p:ph type="title"/>
-          </p:nvPr>
-        </p:nvSpPr>
-        <p:spPr>
-          <a:xfrm>
-            <a:off x="0" y="-378794"/>
-            <a:ext cx="12192000" cy="1325563"/>
-          </a:xfrm>
-        </p:spPr>
-        <p:txBody>
-          <a:bodyPr/>
-          <a:lstStyle/>
-          <a:p>
-            <a:pPr lvl="0" rtl="0" eaLnBrk="1" latinLnBrk="0" hangingPunct="1"/>
-            <a:r>
-              <a:rPr lang="en-US" sz="2800" kern="1200" dirty="0" err="1" smtClean="0">
-                <a:solidFill>
-                  <a:schemeClr val="tx1"/>
-                </a:solidFill>
-                <a:effectLst/>
-                <a:latin typeface="+mn-lt"/>
-                <a:ea typeface="+mn-ea"/>
-                <a:cs typeface="+mn-cs"/>
-              </a:rPr>
-              <a:t>Scikit-learn’s</a:t>
-            </a:r>
-            <a:r>
-              <a:rPr lang="en-US" sz="2800" kern="1200" dirty="0" smtClean="0">
-                <a:solidFill>
-                  <a:schemeClr val="tx1"/>
-                </a:solidFill>
-                <a:effectLst/>
-                <a:latin typeface="+mn-lt"/>
-                <a:ea typeface="+mn-ea"/>
-                <a:cs typeface="+mn-cs"/>
-              </a:rPr>
-              <a:t> “butterfly map”</a:t>
-            </a:r>
-            <a:endParaRPr lang="en-US" dirty="0"/>
-          </a:p>
-        </p:txBody>
-      </p:sp>
       <p:pic>
         <p:nvPicPr>
-          <p:cNvPr id="4" name="Picture 3"/>
+          <p:cNvPr id="5" name="Content Placeholder 4"/>
           <p:cNvPicPr>
-            <a:picLocks noChangeAspect="1"/>
+            <a:picLocks noGrp="1" noChangeAspect="1"/>
           </p:cNvPicPr>
-          <p:nvPr/>
+          <p:nvPr>
+            <p:ph idx="1"/>
+          </p:nvPr>
         </p:nvPicPr>
         <p:blipFill>
           <a:blip r:embed="rId3">
+            <a:clrChange>
+              <a:clrFrom>
+                <a:srgbClr val="FEFEFE"/>
+              </a:clrFrom>
+              <a:clrTo>
+                <a:srgbClr val="FEFEFE">
+                  <a:alpha val="0"/>
+                </a:srgbClr>
+              </a:clrTo>
+            </a:clrChange>
             <a:extLst>
               <a:ext uri="{28A0092B-C50C-407E-A947-70E740481C1C}">
                 <a14:useLocalDpi xmlns:a14="http://schemas.microsoft.com/office/drawing/2010/main" val="0"/>
@@ -12726,18 +15140,96 @@
         </p:blipFill>
         <p:spPr>
           <a:xfrm>
-            <a:off x="2171377" y="613933"/>
-            <a:ext cx="10015050" cy="6244068"/>
+            <a:off x="574343" y="391886"/>
+            <a:ext cx="8758343" cy="6586275"/>
           </a:xfrm>
-          <a:prstGeom prst="rect">
-            <a:avLst/>
-          </a:prstGeom>
         </p:spPr>
       </p:pic>
+      <p:sp>
+        <p:nvSpPr>
+          <p:cNvPr id="4" name="Title 1"/>
+          <p:cNvSpPr>
+            <a:spLocks noGrp="1"/>
+          </p:cNvSpPr>
+          <p:nvPr>
+            <p:ph type="title"/>
+          </p:nvPr>
+        </p:nvSpPr>
+        <p:spPr>
+          <a:xfrm>
+            <a:off x="0" y="0"/>
+            <a:ext cx="10515600" cy="566057"/>
+          </a:xfrm>
+        </p:spPr>
+        <p:txBody>
+          <a:bodyPr>
+            <a:normAutofit/>
+          </a:bodyPr>
+          <a:lstStyle/>
+          <a:p>
+            <a:pPr lvl="0"/>
+            <a:r>
+              <a:rPr lang="en-US" sz="2800" kern="1200" dirty="0" smtClean="0">
+                <a:solidFill>
+                  <a:schemeClr val="tx1"/>
+                </a:solidFill>
+                <a:effectLst/>
+                <a:latin typeface="+mn-lt"/>
+                <a:ea typeface="+mn-ea"/>
+                <a:cs typeface="+mn-cs"/>
+              </a:rPr>
+              <a:t>Method of Loci </a:t>
+            </a:r>
+            <a:r>
+              <a:rPr lang="en-US" sz="2800" dirty="0" smtClean="0">
+                <a:latin typeface="+mn-lt"/>
+                <a:ea typeface="+mn-ea"/>
+                <a:cs typeface="+mn-cs"/>
+              </a:rPr>
+              <a:t>Map</a:t>
+            </a:r>
+            <a:endParaRPr lang="en-US" dirty="0"/>
+          </a:p>
+        </p:txBody>
+      </p:sp>
+      <p:sp>
+        <p:nvSpPr>
+          <p:cNvPr id="6" name="Text Placeholder 5"/>
+          <p:cNvSpPr>
+            <a:spLocks noGrp="1"/>
+          </p:cNvSpPr>
+          <p:nvPr>
+            <p:ph type="body" idx="4294967295"/>
+          </p:nvPr>
+        </p:nvSpPr>
+        <p:spPr>
+          <a:xfrm>
+            <a:off x="9332686" y="957943"/>
+            <a:ext cx="2859314" cy="5219020"/>
+          </a:xfrm>
+        </p:spPr>
+        <p:txBody>
+          <a:bodyPr>
+            <a:normAutofit/>
+          </a:bodyPr>
+          <a:lstStyle/>
+          <a:p>
+            <a:pPr>
+              <a:buFont typeface="Wingdings" panose="05000000000000000000" pitchFamily="2" charset="2"/>
+              <a:buChar char="ü"/>
+            </a:pPr>
+            <a:r>
+              <a:rPr lang="en-US" sz="4400" dirty="0" smtClean="0"/>
+              <a:t>Drawing</a:t>
+            </a:r>
+            <a:endParaRPr lang="en-US" sz="4400" dirty="0"/>
+          </a:p>
+        </p:txBody>
+      </p:sp>
     </p:spTree>
     <p:extLst>
       <p:ext uri="{BB962C8B-B14F-4D97-AF65-F5344CB8AC3E}">
-        <p14:creationId xmlns:p14="http://schemas.microsoft.com/office/powerpoint/2010/main" val="1231330900"/>
+        <p14:creationId xmlns:p14="http://schemas.microsoft.com/office/powerpoint/2010/main" val="154498567"/>
       </p:ext>
     </p:extLst>
   </p:cSld>
@@ -12771,73 +15263,28 @@
           <a:chExt cx="0" cy="0"/>
         </a:xfrm>
       </p:grpSpPr>
-      <p:sp>
-        <p:nvSpPr>
-          <p:cNvPr id="2" name="Title 1"/>
-          <p:cNvSpPr>
-            <a:spLocks noGrp="1"/>
-          </p:cNvSpPr>
-          <p:nvPr>
-            <p:ph type="title"/>
-          </p:nvPr>
-        </p:nvSpPr>
-        <p:spPr>
-          <a:xfrm>
-            <a:off x="0" y="-378794"/>
-            <a:ext cx="12192000" cy="1325563"/>
-          </a:xfrm>
-        </p:spPr>
-        <p:txBody>
-          <a:bodyPr/>
-          <a:lstStyle/>
-          <a:p>
-            <a:pPr lvl="0" rtl="0" eaLnBrk="1" latinLnBrk="0" hangingPunct="1"/>
-            <a:r>
-              <a:rPr lang="en-US" sz="2800" kern="1200" dirty="0" err="1" smtClean="0">
-                <a:solidFill>
-                  <a:schemeClr val="tx1"/>
-                </a:solidFill>
-                <a:effectLst/>
-                <a:latin typeface="+mn-lt"/>
-                <a:ea typeface="+mn-ea"/>
-                <a:cs typeface="+mn-cs"/>
-              </a:rPr>
-              <a:t>Scikit-learn’s</a:t>
-            </a:r>
-            <a:r>
-              <a:rPr lang="en-US" sz="2800" kern="1200" dirty="0" smtClean="0">
-                <a:solidFill>
-                  <a:schemeClr val="tx1"/>
-                </a:solidFill>
-                <a:effectLst/>
-                <a:latin typeface="+mn-lt"/>
-                <a:ea typeface="+mn-ea"/>
-                <a:cs typeface="+mn-cs"/>
-              </a:rPr>
-              <a:t> “butterfly map” – with origin and ver</a:t>
-            </a:r>
-            <a:r>
-              <a:rPr lang="en-US" sz="2800" dirty="0" smtClean="0">
-                <a:latin typeface="+mn-lt"/>
-                <a:ea typeface="+mn-ea"/>
-                <a:cs typeface="+mn-cs"/>
-              </a:rPr>
-              <a:t>y loosely-defined basis</a:t>
-            </a:r>
-            <a:endParaRPr lang="en-US" dirty="0"/>
-          </a:p>
-        </p:txBody>
-      </p:sp>
       <p:pic>
         <p:nvPicPr>
-          <p:cNvPr id="4" name="Picture 3"/>
+          <p:cNvPr id="5" name="Content Placeholder 4"/>
           <p:cNvPicPr>
-            <a:picLocks noChangeAspect="1"/>
+            <a:picLocks noGrp="1" noChangeAspect="1"/>
           </p:cNvPicPr>
-          <p:nvPr/>
+          <p:nvPr>
+            <p:ph idx="1"/>
+          </p:nvPr>
         </p:nvPicPr>
         <p:blipFill>
           <a:blip r:embed="rId3">
+            <a:clrChange>
+              <a:clrFrom>
+                <a:srgbClr val="FEFEFE"/>
+              </a:clrFrom>
+              <a:clrTo>
+                <a:srgbClr val="FEFEFE">
+                  <a:alpha val="0"/>
+                </a:srgbClr>
+              </a:clrTo>
+            </a:clrChange>
             <a:extLst>
               <a:ext uri="{28A0092B-C50C-407E-A947-70E740481C1C}">
                 <a14:useLocalDpi xmlns:a14="http://schemas.microsoft.com/office/drawing/2010/main" val="0"/>
@@ -12850,30 +15297,208 @@
         </p:blipFill>
         <p:spPr>
           <a:xfrm>
-            <a:off x="2171377" y="613933"/>
-            <a:ext cx="10015050" cy="6244068"/>
+            <a:off x="574343" y="391886"/>
+            <a:ext cx="8758343" cy="6586275"/>
+          </a:xfrm>
+        </p:spPr>
+      </p:pic>
+      <p:sp>
+        <p:nvSpPr>
+          <p:cNvPr id="4" name="Title 1"/>
+          <p:cNvSpPr>
+            <a:spLocks noGrp="1"/>
+          </p:cNvSpPr>
+          <p:nvPr>
+            <p:ph type="title"/>
+          </p:nvPr>
+        </p:nvSpPr>
+        <p:spPr>
+          <a:xfrm>
+            <a:off x="0" y="0"/>
+            <a:ext cx="10515600" cy="566057"/>
+          </a:xfrm>
+        </p:spPr>
+        <p:txBody>
+          <a:bodyPr>
+            <a:normAutofit/>
+          </a:bodyPr>
+          <a:lstStyle/>
+          <a:p>
+            <a:pPr lvl="0"/>
+            <a:r>
+              <a:rPr lang="en-US" sz="2800" kern="1200" dirty="0" smtClean="0">
+                <a:solidFill>
+                  <a:schemeClr val="tx1"/>
+                </a:solidFill>
+                <a:effectLst/>
+                <a:latin typeface="+mn-lt"/>
+                <a:ea typeface="+mn-ea"/>
+                <a:cs typeface="+mn-cs"/>
+              </a:rPr>
+              <a:t>Method of Loci </a:t>
+            </a:r>
+            <a:r>
+              <a:rPr lang="en-US" sz="2800" dirty="0" smtClean="0">
+                <a:latin typeface="+mn-lt"/>
+                <a:ea typeface="+mn-ea"/>
+                <a:cs typeface="+mn-cs"/>
+              </a:rPr>
+              <a:t>Map</a:t>
+            </a:r>
+            <a:endParaRPr lang="en-US" dirty="0"/>
+          </a:p>
+        </p:txBody>
+      </p:sp>
+      <p:sp>
+        <p:nvSpPr>
+          <p:cNvPr id="6" name="Text Placeholder 5"/>
+          <p:cNvSpPr>
+            <a:spLocks noGrp="1"/>
+          </p:cNvSpPr>
+          <p:nvPr>
+            <p:ph type="body" idx="4294967295"/>
+          </p:nvPr>
+        </p:nvSpPr>
+        <p:spPr>
+          <a:xfrm>
+            <a:off x="9332686" y="957943"/>
+            <a:ext cx="2859314" cy="5219020"/>
+          </a:xfrm>
+        </p:spPr>
+        <p:txBody>
+          <a:bodyPr>
+            <a:normAutofit/>
+          </a:bodyPr>
+          <a:lstStyle/>
+          <a:p>
+            <a:pPr>
+              <a:buFont typeface="Wingdings" panose="05000000000000000000" pitchFamily="2" charset="2"/>
+              <a:buChar char="ü"/>
+            </a:pPr>
+            <a:r>
+              <a:rPr lang="en-US" sz="4400" dirty="0"/>
+              <a:t>Drawing</a:t>
+            </a:r>
+          </a:p>
+          <a:p>
+            <a:pPr>
+              <a:buFont typeface="Wingdings" panose="05000000000000000000" pitchFamily="2" charset="2"/>
+              <a:buChar char="ü"/>
+            </a:pPr>
+            <a:r>
+              <a:rPr lang="en-US" sz="4400" dirty="0" smtClean="0"/>
+              <a:t>Place</a:t>
+            </a:r>
+            <a:endParaRPr lang="en-US" sz="4400" dirty="0" smtClean="0"/>
+          </a:p>
+        </p:txBody>
+      </p:sp>
+      <p:pic>
+        <p:nvPicPr>
+          <p:cNvPr id="11" name="Picture 10"/>
+          <p:cNvPicPr>
+            <a:picLocks noChangeAspect="1"/>
+          </p:cNvPicPr>
+          <p:nvPr/>
+        </p:nvPicPr>
+        <p:blipFill>
+          <a:blip r:embed="rId4">
+            <a:clrChange>
+              <a:clrFrom>
+                <a:srgbClr val="FFFFFF"/>
+              </a:clrFrom>
+              <a:clrTo>
+                <a:srgbClr val="FFFFFF">
+                  <a:alpha val="0"/>
+                </a:srgbClr>
+              </a:clrTo>
+            </a:clrChange>
+            <a:extLst>
+              <a:ext uri="{28A0092B-C50C-407E-A947-70E740481C1C}">
+                <a14:useLocalDpi xmlns:a14="http://schemas.microsoft.com/office/drawing/2010/main" val="0"/>
+              </a:ext>
+            </a:extLst>
+          </a:blip>
+          <a:stretch>
+            <a:fillRect/>
+          </a:stretch>
+        </p:blipFill>
+        <p:spPr>
+          <a:xfrm>
+            <a:off x="7132645" y="4367104"/>
+            <a:ext cx="966091" cy="791321"/>
           </a:xfrm>
           <a:prstGeom prst="rect">
             <a:avLst/>
           </a:prstGeom>
         </p:spPr>
       </p:pic>
+      <p:sp>
+        <p:nvSpPr>
+          <p:cNvPr id="12" name="Oval 11"/>
+          <p:cNvSpPr/>
+          <p:nvPr/>
+        </p:nvSpPr>
+        <p:spPr>
+          <a:xfrm>
+            <a:off x="4051300" y="3751724"/>
+            <a:ext cx="1003300" cy="704280"/>
+          </a:xfrm>
+          <a:prstGeom prst="ellipse">
+            <a:avLst/>
+          </a:prstGeom>
+          <a:noFill/>
+          <a:ln w="28575">
+            <a:solidFill>
+              <a:srgbClr val="FF0000"/>
+            </a:solidFill>
+          </a:ln>
+        </p:spPr>
+        <p:style>
+          <a:lnRef idx="2">
+            <a:schemeClr val="accent1">
+              <a:shade val="50000"/>
+            </a:schemeClr>
+          </a:lnRef>
+          <a:fillRef idx="1">
+            <a:schemeClr val="accent1"/>
+          </a:fillRef>
+          <a:effectRef idx="0">
+            <a:schemeClr val="accent1"/>
+          </a:effectRef>
+          <a:fontRef idx="minor">
+            <a:schemeClr val="lt1"/>
+          </a:fontRef>
+        </p:style>
+        <p:txBody>
+          <a:bodyPr rtlCol="0" anchor="ctr"/>
+          <a:lstStyle/>
+          <a:p>
+            <a:pPr algn="ctr"/>
+            <a:endParaRPr lang="en-US"/>
+          </a:p>
+        </p:txBody>
+      </p:sp>
       <p:cxnSp>
         <p:nvCxnSpPr>
-          <p:cNvPr id="5" name="Straight Arrow Connector 4"/>
+          <p:cNvPr id="3" name="Straight Arrow Connector 2"/>
           <p:cNvCxnSpPr/>
           <p:nvPr/>
         </p:nvCxnSpPr>
         <p:spPr>
-          <a:xfrm flipV="1">
-            <a:off x="2536556" y="5982336"/>
-            <a:ext cx="9059321" cy="37690"/>
+          <a:xfrm flipH="1" flipV="1">
+            <a:off x="7604760" y="1478280"/>
+            <a:ext cx="30480" cy="2173840"/>
           </a:xfrm>
           <a:prstGeom prst="straightConnector1">
             <a:avLst/>
           </a:prstGeom>
-          <a:ln w="57150">
-            <a:tailEnd type="triangle"/>
+          <a:ln w="101600">
+            <a:solidFill>
+              <a:srgbClr val="00B050"/>
+            </a:solidFill>
+            <a:headEnd type="triangle" w="med" len="med"/>
+            <a:tailEnd type="triangle" w="med" len="med"/>
           </a:ln>
         </p:spPr>
         <p:style>
@@ -12893,20 +15518,24 @@
       </p:cxnSp>
       <p:cxnSp>
         <p:nvCxnSpPr>
-          <p:cNvPr id="8" name="Straight Arrow Connector 7"/>
+          <p:cNvPr id="15" name="Straight Arrow Connector 14"/>
           <p:cNvCxnSpPr/>
           <p:nvPr/>
         </p:nvCxnSpPr>
         <p:spPr>
           <a:xfrm flipH="1" flipV="1">
-            <a:off x="2514600" y="625643"/>
-            <a:ext cx="43912" cy="5382673"/>
+            <a:off x="6522720" y="2560320"/>
+            <a:ext cx="2087880" cy="1"/>
           </a:xfrm>
           <a:prstGeom prst="straightConnector1">
             <a:avLst/>
           </a:prstGeom>
-          <a:ln w="57150">
-            <a:tailEnd type="triangle"/>
+          <a:ln w="101600">
+            <a:solidFill>
+              <a:srgbClr val="00B050"/>
+            </a:solidFill>
+            <a:headEnd type="triangle" w="med" len="med"/>
+            <a:tailEnd type="triangle" w="med" len="med"/>
           </a:ln>
         </p:spPr>
         <p:style>
@@ -12924,172 +15553,10 @@
           </a:fontRef>
         </p:style>
       </p:cxnSp>
-      <p:sp>
-        <p:nvSpPr>
-          <p:cNvPr id="13" name="TextBox 12"/>
-          <p:cNvSpPr txBox="1"/>
-          <p:nvPr/>
-        </p:nvSpPr>
-        <p:spPr>
-          <a:xfrm>
-            <a:off x="8776077" y="6077177"/>
-            <a:ext cx="1720312" cy="523220"/>
-          </a:xfrm>
-          <a:prstGeom prst="rect">
-            <a:avLst/>
-          </a:prstGeom>
-          <a:noFill/>
-        </p:spPr>
-        <p:txBody>
-          <a:bodyPr wrap="square" rtlCol="0">
-            <a:spAutoFit/>
-          </a:bodyPr>
-          <a:lstStyle/>
-          <a:p>
-            <a:r>
-              <a:rPr lang="en-US" sz="2800" b="1" dirty="0" smtClean="0">
-                <a:solidFill>
-                  <a:srgbClr val="0070C0"/>
-                </a:solidFill>
-              </a:rPr>
-              <a:t>Numeric</a:t>
-            </a:r>
-            <a:endParaRPr lang="en-US" sz="2800" b="1" dirty="0">
-              <a:solidFill>
-                <a:srgbClr val="0070C0"/>
-              </a:solidFill>
-            </a:endParaRPr>
-          </a:p>
-        </p:txBody>
-      </p:sp>
-      <p:sp>
-        <p:nvSpPr>
-          <p:cNvPr id="14" name="TextBox 13"/>
-          <p:cNvSpPr txBox="1"/>
-          <p:nvPr/>
-        </p:nvSpPr>
-        <p:spPr>
-          <a:xfrm>
-            <a:off x="118941" y="4331436"/>
-            <a:ext cx="2398362" cy="523220"/>
-          </a:xfrm>
-          <a:prstGeom prst="rect">
-            <a:avLst/>
-          </a:prstGeom>
-          <a:noFill/>
-        </p:spPr>
-        <p:txBody>
-          <a:bodyPr wrap="square" rtlCol="0">
-            <a:spAutoFit/>
-          </a:bodyPr>
-          <a:lstStyle/>
-          <a:p>
-            <a:pPr algn="r"/>
-            <a:r>
-              <a:rPr lang="en-US" sz="2800" b="1" dirty="0" smtClean="0">
-                <a:solidFill>
-                  <a:srgbClr val="0070C0"/>
-                </a:solidFill>
-              </a:rPr>
-              <a:t>Unsupervised</a:t>
-            </a:r>
-            <a:endParaRPr lang="en-US" sz="2800" b="1" dirty="0">
-              <a:solidFill>
-                <a:srgbClr val="0070C0"/>
-              </a:solidFill>
-            </a:endParaRPr>
-          </a:p>
-        </p:txBody>
-      </p:sp>
-      <p:sp>
-        <p:nvSpPr>
-          <p:cNvPr id="15" name="TextBox 14"/>
-          <p:cNvSpPr txBox="1"/>
-          <p:nvPr/>
-        </p:nvSpPr>
-        <p:spPr>
-          <a:xfrm>
-            <a:off x="0" y="1842973"/>
-            <a:ext cx="2514600" cy="523220"/>
-          </a:xfrm>
-          <a:prstGeom prst="rect">
-            <a:avLst/>
-          </a:prstGeom>
-          <a:noFill/>
-        </p:spPr>
-        <p:txBody>
-          <a:bodyPr wrap="square" rtlCol="0">
-            <a:spAutoFit/>
-          </a:bodyPr>
-          <a:lstStyle/>
-          <a:p>
-            <a:pPr algn="r"/>
-            <a:r>
-              <a:rPr lang="en-US" sz="2800" b="1" dirty="0">
-                <a:solidFill>
-                  <a:srgbClr val="0070C0"/>
-                </a:solidFill>
-              </a:rPr>
-              <a:t>S</a:t>
-            </a:r>
-            <a:r>
-              <a:rPr lang="en-US" sz="2800" b="1" dirty="0" smtClean="0">
-                <a:solidFill>
-                  <a:srgbClr val="0070C0"/>
-                </a:solidFill>
-              </a:rPr>
-              <a:t>upervised</a:t>
-            </a:r>
-            <a:endParaRPr lang="en-US" sz="2800" b="1" dirty="0">
-              <a:solidFill>
-                <a:srgbClr val="0070C0"/>
-              </a:solidFill>
-            </a:endParaRPr>
-          </a:p>
-        </p:txBody>
-      </p:sp>
-      <p:sp>
-        <p:nvSpPr>
-          <p:cNvPr id="9" name="TextBox 8"/>
-          <p:cNvSpPr txBox="1"/>
-          <p:nvPr/>
-        </p:nvSpPr>
-        <p:spPr>
-          <a:xfrm>
-            <a:off x="4318861" y="6099068"/>
-            <a:ext cx="2000573" cy="523220"/>
-          </a:xfrm>
-          <a:prstGeom prst="rect">
-            <a:avLst/>
-          </a:prstGeom>
-          <a:noFill/>
-        </p:spPr>
-        <p:txBody>
-          <a:bodyPr wrap="square" rtlCol="0">
-            <a:spAutoFit/>
-          </a:bodyPr>
-          <a:lstStyle/>
-          <a:p>
-            <a:r>
-              <a:rPr lang="en-US" sz="2800" b="1" dirty="0" smtClean="0">
-                <a:solidFill>
-                  <a:srgbClr val="0070C0"/>
-                </a:solidFill>
-              </a:rPr>
-              <a:t>Categorical</a:t>
-            </a:r>
-            <a:endParaRPr lang="en-US" sz="2800" b="1" dirty="0">
-              <a:solidFill>
-                <a:srgbClr val="0070C0"/>
-              </a:solidFill>
-            </a:endParaRPr>
-          </a:p>
-        </p:txBody>
-      </p:sp>
     </p:spTree>
     <p:extLst>
       <p:ext uri="{BB962C8B-B14F-4D97-AF65-F5344CB8AC3E}">
-        <p14:creationId xmlns:p14="http://schemas.microsoft.com/office/powerpoint/2010/main" val="1434274707"/>
+        <p14:creationId xmlns:p14="http://schemas.microsoft.com/office/powerpoint/2010/main" val="2964251980"/>
       </p:ext>
     </p:extLst>
   </p:cSld>

--- a/dm1/minitalks/ron/knowing_ds/know_ds_rn.pptx
+++ b/dm1/minitalks/ron/knowing_ds/know_ds_rn.pptx
@@ -15,11 +15,11 @@
     <p:sldId id="268" r:id="rId6"/>
     <p:sldId id="269" r:id="rId7"/>
     <p:sldId id="261" r:id="rId8"/>
-    <p:sldId id="281" r:id="rId9"/>
-    <p:sldId id="285" r:id="rId10"/>
-    <p:sldId id="284" r:id="rId11"/>
-    <p:sldId id="283" r:id="rId12"/>
-    <p:sldId id="282" r:id="rId13"/>
+    <p:sldId id="286" r:id="rId9"/>
+    <p:sldId id="288" r:id="rId10"/>
+    <p:sldId id="287" r:id="rId11"/>
+    <p:sldId id="285" r:id="rId12"/>
+    <p:sldId id="283" r:id="rId13"/>
     <p:sldId id="276" r:id="rId14"/>
     <p:sldId id="266" r:id="rId15"/>
     <p:sldId id="259" r:id="rId16"/>
@@ -34,7 +34,7 @@
     <p:sldId id="275" r:id="rId25"/>
   </p:sldIdLst>
   <p:sldSz cx="12192000" cy="6858000"/>
-  <p:notesSz cx="6858000" cy="9144000"/>
+  <p:notesSz cx="7315200" cy="9601200"/>
   <p:defaultTextStyle>
     <a:defPPr>
       <a:defRPr lang="en-US"/>
@@ -900,10 +900,9 @@
         <a:lstStyle/>
         <a:p>
           <a:r>
-            <a:rPr lang="en-US" dirty="0" smtClean="0"/>
+            <a:rPr lang="en-US" dirty="0"/>
             <a:t>Do</a:t>
           </a:r>
-          <a:endParaRPr lang="en-US" dirty="0"/>
         </a:p>
       </dgm:t>
     </dgm:pt>
@@ -937,10 +936,9 @@
         <a:lstStyle/>
         <a:p>
           <a:r>
-            <a:rPr lang="en-US" dirty="0" smtClean="0"/>
+            <a:rPr lang="en-US" dirty="0"/>
             <a:t>Have</a:t>
           </a:r>
-          <a:endParaRPr lang="en-US" dirty="0"/>
         </a:p>
       </dgm:t>
     </dgm:pt>
@@ -974,10 +972,9 @@
         <a:lstStyle/>
         <a:p>
           <a:r>
-            <a:rPr lang="en-US" dirty="0" smtClean="0"/>
+            <a:rPr lang="en-US" dirty="0"/>
             <a:t>Be</a:t>
           </a:r>
-          <a:endParaRPr lang="en-US" dirty="0"/>
         </a:p>
       </dgm:t>
     </dgm:pt>
@@ -1016,13 +1013,6 @@
     <dgm:pt modelId="{5AD8CAFE-8930-455A-841F-62B13D4AB06A}" type="pres">
       <dgm:prSet presAssocID="{6987B0A4-918A-4683-BE19-0165C7A40E0C}" presName="wedge1" presStyleLbl="node1" presStyleIdx="0" presStyleCnt="3"/>
       <dgm:spPr/>
-      <dgm:t>
-        <a:bodyPr/>
-        <a:lstStyle/>
-        <a:p>
-          <a:endParaRPr lang="en-US"/>
-        </a:p>
-      </dgm:t>
     </dgm:pt>
     <dgm:pt modelId="{E9CFDC91-B708-469B-A6E0-A1D8C63DB87D}" type="pres">
       <dgm:prSet presAssocID="{6987B0A4-918A-4683-BE19-0165C7A40E0C}" presName="dummy1a" presStyleCnt="0"/>
@@ -1041,24 +1031,10 @@
         </dgm:presLayoutVars>
       </dgm:prSet>
       <dgm:spPr/>
-      <dgm:t>
-        <a:bodyPr/>
-        <a:lstStyle/>
-        <a:p>
-          <a:endParaRPr lang="en-US"/>
-        </a:p>
-      </dgm:t>
     </dgm:pt>
     <dgm:pt modelId="{1B60EB72-443F-4AA4-942E-7BD137AAA030}" type="pres">
       <dgm:prSet presAssocID="{6987B0A4-918A-4683-BE19-0165C7A40E0C}" presName="wedge2" presStyleLbl="node1" presStyleIdx="1" presStyleCnt="3"/>
       <dgm:spPr/>
-      <dgm:t>
-        <a:bodyPr/>
-        <a:lstStyle/>
-        <a:p>
-          <a:endParaRPr lang="en-US"/>
-        </a:p>
-      </dgm:t>
     </dgm:pt>
     <dgm:pt modelId="{BC9277E9-D66B-4AB4-AC45-D20B14227E49}" type="pres">
       <dgm:prSet presAssocID="{6987B0A4-918A-4683-BE19-0165C7A40E0C}" presName="dummy2a" presStyleCnt="0"/>
@@ -1077,24 +1053,10 @@
         </dgm:presLayoutVars>
       </dgm:prSet>
       <dgm:spPr/>
-      <dgm:t>
-        <a:bodyPr/>
-        <a:lstStyle/>
-        <a:p>
-          <a:endParaRPr lang="en-US"/>
-        </a:p>
-      </dgm:t>
     </dgm:pt>
     <dgm:pt modelId="{D62FDD3E-80F2-4B61-B7C6-3F1D5582DA66}" type="pres">
       <dgm:prSet presAssocID="{6987B0A4-918A-4683-BE19-0165C7A40E0C}" presName="wedge3" presStyleLbl="node1" presStyleIdx="2" presStyleCnt="3"/>
       <dgm:spPr/>
-      <dgm:t>
-        <a:bodyPr/>
-        <a:lstStyle/>
-        <a:p>
-          <a:endParaRPr lang="en-US"/>
-        </a:p>
-      </dgm:t>
     </dgm:pt>
     <dgm:pt modelId="{CBCF68D2-7703-46C9-8A9C-08BB1057D8C6}" type="pres">
       <dgm:prSet presAssocID="{6987B0A4-918A-4683-BE19-0165C7A40E0C}" presName="dummy3a" presStyleCnt="0"/>
@@ -1113,13 +1075,6 @@
         </dgm:presLayoutVars>
       </dgm:prSet>
       <dgm:spPr/>
-      <dgm:t>
-        <a:bodyPr/>
-        <a:lstStyle/>
-        <a:p>
-          <a:endParaRPr lang="en-US"/>
-        </a:p>
-      </dgm:t>
     </dgm:pt>
     <dgm:pt modelId="{9C9BDD4E-2F11-40D8-B564-39678649F1EB}" type="pres">
       <dgm:prSet presAssocID="{7274D2C7-4F79-47F5-92BF-FA70223CBD08}" presName="arrowWedge1" presStyleLbl="fgSibTrans2D1" presStyleIdx="0" presStyleCnt="3"/>
@@ -1135,16 +1090,16 @@
     </dgm:pt>
   </dgm:ptLst>
   <dgm:cxnLst>
-    <dgm:cxn modelId="{F691EDEB-0F85-45A1-BE6A-F6EC3639E8D0}" type="presOf" srcId="{3D1955FB-63E4-4692-9E6F-B24212C0737B}" destId="{F7113920-16E2-41FF-A583-1DA8FA9CAE38}" srcOrd="1" destOrd="0" presId="urn:microsoft.com/office/officeart/2005/8/layout/cycle8"/>
-    <dgm:cxn modelId="{2437DAD4-E9AA-48EA-A71E-620139D58AE8}" srcId="{6987B0A4-918A-4683-BE19-0165C7A40E0C}" destId="{C20D2E13-2BA3-4253-A1A4-2EE65D927917}" srcOrd="1" destOrd="0" parTransId="{618551F1-5299-4F3B-B702-F9B2722A9316}" sibTransId="{76BEF13E-8338-4E87-8FFD-F7F55161A462}"/>
-    <dgm:cxn modelId="{7627B0F9-A184-4570-BAB7-563CB35C220C}" type="presOf" srcId="{C20D2E13-2BA3-4253-A1A4-2EE65D927917}" destId="{1B60EB72-443F-4AA4-942E-7BD137AAA030}" srcOrd="0" destOrd="0" presId="urn:microsoft.com/office/officeart/2005/8/layout/cycle8"/>
-    <dgm:cxn modelId="{B53F88EC-A7EC-4B88-9B0B-11EE36F44162}" type="presOf" srcId="{6987B0A4-918A-4683-BE19-0165C7A40E0C}" destId="{5A91F801-7462-436C-88F8-5C8D32D5C3C1}" srcOrd="0" destOrd="0" presId="urn:microsoft.com/office/officeart/2005/8/layout/cycle8"/>
+    <dgm:cxn modelId="{05B47110-EC5D-491E-8D9F-8DA6E7989A6E}" type="presOf" srcId="{3D1955FB-63E4-4692-9E6F-B24212C0737B}" destId="{D62FDD3E-80F2-4B61-B7C6-3F1D5582DA66}" srcOrd="0" destOrd="0" presId="urn:microsoft.com/office/officeart/2005/8/layout/cycle8"/>
     <dgm:cxn modelId="{B1718B12-9F03-4789-8A0F-AF831AFA3605}" srcId="{6987B0A4-918A-4683-BE19-0165C7A40E0C}" destId="{3B291B58-8543-4920-8A08-8E94E9077C6E}" srcOrd="0" destOrd="0" parTransId="{59DA763A-C49A-4D5A-A42B-2C707DFDD8C2}" sibTransId="{7274D2C7-4F79-47F5-92BF-FA70223CBD08}"/>
-    <dgm:cxn modelId="{327744FF-6B8F-4E66-8C5D-5A3985D4940A}" type="presOf" srcId="{3B291B58-8543-4920-8A08-8E94E9077C6E}" destId="{65D4B9DF-5B1F-4301-925A-9631A5294869}" srcOrd="1" destOrd="0" presId="urn:microsoft.com/office/officeart/2005/8/layout/cycle8"/>
     <dgm:cxn modelId="{8A109322-52E9-4ECE-9906-5F383857A1BA}" type="presOf" srcId="{3B291B58-8543-4920-8A08-8E94E9077C6E}" destId="{5AD8CAFE-8930-455A-841F-62B13D4AB06A}" srcOrd="0" destOrd="0" presId="urn:microsoft.com/office/officeart/2005/8/layout/cycle8"/>
     <dgm:cxn modelId="{73BD643A-068D-4930-B936-38E6E7D020D8}" srcId="{6987B0A4-918A-4683-BE19-0165C7A40E0C}" destId="{3D1955FB-63E4-4692-9E6F-B24212C0737B}" srcOrd="2" destOrd="0" parTransId="{CCC5272B-2CA5-4BE6-9995-86AF46C4D971}" sibTransId="{0B25A567-6F89-4B3E-BE4B-3818F25C5FAA}"/>
-    <dgm:cxn modelId="{05B47110-EC5D-491E-8D9F-8DA6E7989A6E}" type="presOf" srcId="{3D1955FB-63E4-4692-9E6F-B24212C0737B}" destId="{D62FDD3E-80F2-4B61-B7C6-3F1D5582DA66}" srcOrd="0" destOrd="0" presId="urn:microsoft.com/office/officeart/2005/8/layout/cycle8"/>
     <dgm:cxn modelId="{92694FAE-C424-41BA-8555-617E3C4FD033}" type="presOf" srcId="{C20D2E13-2BA3-4253-A1A4-2EE65D927917}" destId="{08BFC4E1-2062-4F61-A280-E8A9A4979DC9}" srcOrd="1" destOrd="0" presId="urn:microsoft.com/office/officeart/2005/8/layout/cycle8"/>
+    <dgm:cxn modelId="{2437DAD4-E9AA-48EA-A71E-620139D58AE8}" srcId="{6987B0A4-918A-4683-BE19-0165C7A40E0C}" destId="{C20D2E13-2BA3-4253-A1A4-2EE65D927917}" srcOrd="1" destOrd="0" parTransId="{618551F1-5299-4F3B-B702-F9B2722A9316}" sibTransId="{76BEF13E-8338-4E87-8FFD-F7F55161A462}"/>
+    <dgm:cxn modelId="{F691EDEB-0F85-45A1-BE6A-F6EC3639E8D0}" type="presOf" srcId="{3D1955FB-63E4-4692-9E6F-B24212C0737B}" destId="{F7113920-16E2-41FF-A583-1DA8FA9CAE38}" srcOrd="1" destOrd="0" presId="urn:microsoft.com/office/officeart/2005/8/layout/cycle8"/>
+    <dgm:cxn modelId="{B53F88EC-A7EC-4B88-9B0B-11EE36F44162}" type="presOf" srcId="{6987B0A4-918A-4683-BE19-0165C7A40E0C}" destId="{5A91F801-7462-436C-88F8-5C8D32D5C3C1}" srcOrd="0" destOrd="0" presId="urn:microsoft.com/office/officeart/2005/8/layout/cycle8"/>
+    <dgm:cxn modelId="{7627B0F9-A184-4570-BAB7-563CB35C220C}" type="presOf" srcId="{C20D2E13-2BA3-4253-A1A4-2EE65D927917}" destId="{1B60EB72-443F-4AA4-942E-7BD137AAA030}" srcOrd="0" destOrd="0" presId="urn:microsoft.com/office/officeart/2005/8/layout/cycle8"/>
+    <dgm:cxn modelId="{327744FF-6B8F-4E66-8C5D-5A3985D4940A}" type="presOf" srcId="{3B291B58-8543-4920-8A08-8E94E9077C6E}" destId="{65D4B9DF-5B1F-4301-925A-9631A5294869}" srcOrd="1" destOrd="0" presId="urn:microsoft.com/office/officeart/2005/8/layout/cycle8"/>
     <dgm:cxn modelId="{01A533AE-13EA-4144-AE7A-6E1FE6142D42}" type="presParOf" srcId="{5A91F801-7462-436C-88F8-5C8D32D5C3C1}" destId="{5AD8CAFE-8930-455A-841F-62B13D4AB06A}" srcOrd="0" destOrd="0" presId="urn:microsoft.com/office/officeart/2005/8/layout/cycle8"/>
     <dgm:cxn modelId="{34F97093-A9E3-4EBA-B6C3-900FABE54DF3}" type="presParOf" srcId="{5A91F801-7462-436C-88F8-5C8D32D5C3C1}" destId="{E9CFDC91-B708-469B-A6E0-A1D8C63DB87D}" srcOrd="1" destOrd="0" presId="urn:microsoft.com/office/officeart/2005/8/layout/cycle8"/>
     <dgm:cxn modelId="{260C6C48-B981-4E9F-B030-3C7D1995A696}" type="presParOf" srcId="{5A91F801-7462-436C-88F8-5C8D32D5C3C1}" destId="{5A5EB19D-9D30-404E-9767-7559A54D304B}" srcOrd="2" destOrd="0" presId="urn:microsoft.com/office/officeart/2005/8/layout/cycle8"/>
@@ -1237,7 +1192,7 @@
         </a:bodyPr>
         <a:lstStyle/>
         <a:p>
-          <a:pPr lvl="0" algn="ctr" defTabSz="2578100">
+          <a:pPr marL="0" lvl="0" indent="0" algn="ctr" defTabSz="2578100">
             <a:lnSpc>
               <a:spcPct val="90000"/>
             </a:lnSpc>
@@ -1247,12 +1202,12 @@
             <a:spcAft>
               <a:spcPct val="35000"/>
             </a:spcAft>
+            <a:buNone/>
           </a:pPr>
           <a:r>
-            <a:rPr lang="en-US" sz="5800" kern="1200" dirty="0" smtClean="0"/>
+            <a:rPr lang="en-US" sz="5800" kern="1200" dirty="0"/>
             <a:t>Do</a:t>
           </a:r>
-          <a:endParaRPr lang="en-US" sz="5800" kern="1200" dirty="0"/>
         </a:p>
       </dsp:txBody>
       <dsp:txXfrm>
@@ -1318,7 +1273,7 @@
         </a:bodyPr>
         <a:lstStyle/>
         <a:p>
-          <a:pPr lvl="0" algn="ctr" defTabSz="2578100">
+          <a:pPr marL="0" lvl="0" indent="0" algn="ctr" defTabSz="2578100">
             <a:lnSpc>
               <a:spcPct val="90000"/>
             </a:lnSpc>
@@ -1328,12 +1283,12 @@
             <a:spcAft>
               <a:spcPct val="35000"/>
             </a:spcAft>
+            <a:buNone/>
           </a:pPr>
           <a:r>
-            <a:rPr lang="en-US" sz="5800" kern="1200" dirty="0" smtClean="0"/>
+            <a:rPr lang="en-US" sz="5800" kern="1200" dirty="0"/>
             <a:t>Have</a:t>
           </a:r>
-          <a:endParaRPr lang="en-US" sz="5800" kern="1200" dirty="0"/>
         </a:p>
       </dsp:txBody>
       <dsp:txXfrm>
@@ -1399,7 +1354,7 @@
         </a:bodyPr>
         <a:lstStyle/>
         <a:p>
-          <a:pPr lvl="0" algn="ctr" defTabSz="2578100">
+          <a:pPr marL="0" lvl="0" indent="0" algn="ctr" defTabSz="2578100">
             <a:lnSpc>
               <a:spcPct val="90000"/>
             </a:lnSpc>
@@ -1409,12 +1364,12 @@
             <a:spcAft>
               <a:spcPct val="35000"/>
             </a:spcAft>
+            <a:buNone/>
           </a:pPr>
           <a:r>
-            <a:rPr lang="en-US" sz="5800" kern="1200" dirty="0" smtClean="0"/>
+            <a:rPr lang="en-US" sz="5800" kern="1200" dirty="0"/>
             <a:t>Be</a:t>
           </a:r>
-          <a:endParaRPr lang="en-US" sz="5800" kern="1200" dirty="0"/>
         </a:p>
       </dsp:txBody>
       <dsp:txXfrm>
@@ -4399,17 +4354,17 @@
         <p:spPr>
           <a:xfrm>
             <a:off x="0" y="0"/>
-            <a:ext cx="2971800" cy="458788"/>
+            <a:ext cx="3169920" cy="481727"/>
           </a:xfrm>
           <a:prstGeom prst="rect">
             <a:avLst/>
           </a:prstGeom>
         </p:spPr>
         <p:txBody>
-          <a:bodyPr vert="horz" lIns="91440" tIns="45720" rIns="91440" bIns="45720" rtlCol="0"/>
+          <a:bodyPr vert="horz" lIns="96661" tIns="48331" rIns="96661" bIns="48331" rtlCol="0"/>
           <a:lstStyle>
             <a:lvl1pPr algn="l">
-              <a:defRPr sz="1200"/>
+              <a:defRPr sz="1300"/>
             </a:lvl1pPr>
           </a:lstStyle>
           <a:p>
@@ -4429,18 +4384,18 @@
         </p:nvSpPr>
         <p:spPr>
           <a:xfrm>
-            <a:off x="3884613" y="0"/>
-            <a:ext cx="2971800" cy="458788"/>
+            <a:off x="4143587" y="0"/>
+            <a:ext cx="3169920" cy="481727"/>
           </a:xfrm>
           <a:prstGeom prst="rect">
             <a:avLst/>
           </a:prstGeom>
         </p:spPr>
         <p:txBody>
-          <a:bodyPr vert="horz" lIns="91440" tIns="45720" rIns="91440" bIns="45720" rtlCol="0"/>
+          <a:bodyPr vert="horz" lIns="96661" tIns="48331" rIns="96661" bIns="48331" rtlCol="0"/>
           <a:lstStyle>
             <a:lvl1pPr algn="r">
-              <a:defRPr sz="1200"/>
+              <a:defRPr sz="1300"/>
             </a:lvl1pPr>
           </a:lstStyle>
           <a:p>
@@ -4464,8 +4419,8 @@
         </p:nvSpPr>
         <p:spPr>
           <a:xfrm>
-            <a:off x="685800" y="1143000"/>
-            <a:ext cx="5486400" cy="3086100"/>
+            <a:off x="777875" y="1200150"/>
+            <a:ext cx="5759450" cy="3240088"/>
           </a:xfrm>
           <a:prstGeom prst="rect">
             <a:avLst/>
@@ -4478,7 +4433,7 @@
           </a:ln>
         </p:spPr>
         <p:txBody>
-          <a:bodyPr vert="horz" lIns="91440" tIns="45720" rIns="91440" bIns="45720" rtlCol="0" anchor="ctr"/>
+          <a:bodyPr vert="horz" lIns="96661" tIns="48331" rIns="96661" bIns="48331" rtlCol="0" anchor="ctr"/>
           <a:lstStyle/>
           <a:p>
             <a:endParaRPr lang="en-US"/>
@@ -4497,51 +4452,50 @@
         </p:nvSpPr>
         <p:spPr>
           <a:xfrm>
-            <a:off x="685800" y="4400550"/>
-            <a:ext cx="5486400" cy="3600450"/>
+            <a:off x="731520" y="4620577"/>
+            <a:ext cx="5852160" cy="3780473"/>
           </a:xfrm>
           <a:prstGeom prst="rect">
             <a:avLst/>
           </a:prstGeom>
         </p:spPr>
         <p:txBody>
-          <a:bodyPr vert="horz" lIns="91440" tIns="45720" rIns="91440" bIns="45720" rtlCol="0"/>
+          <a:bodyPr vert="horz" lIns="96661" tIns="48331" rIns="96661" bIns="48331" rtlCol="0"/>
           <a:lstStyle/>
           <a:p>
             <a:pPr lvl="0"/>
             <a:r>
-              <a:rPr lang="en-US" smtClean="0"/>
+              <a:rPr lang="en-US"/>
               <a:t>Edit Master text styles</a:t>
             </a:r>
           </a:p>
           <a:p>
             <a:pPr lvl="1"/>
             <a:r>
-              <a:rPr lang="en-US" smtClean="0"/>
+              <a:rPr lang="en-US"/>
               <a:t>Second level</a:t>
             </a:r>
           </a:p>
           <a:p>
             <a:pPr lvl="2"/>
             <a:r>
-              <a:rPr lang="en-US" smtClean="0"/>
+              <a:rPr lang="en-US"/>
               <a:t>Third level</a:t>
             </a:r>
           </a:p>
           <a:p>
             <a:pPr lvl="3"/>
             <a:r>
-              <a:rPr lang="en-US" smtClean="0"/>
+              <a:rPr lang="en-US"/>
               <a:t>Fourth level</a:t>
             </a:r>
           </a:p>
           <a:p>
             <a:pPr lvl="4"/>
             <a:r>
-              <a:rPr lang="en-US" smtClean="0"/>
+              <a:rPr lang="en-US"/>
               <a:t>Fifth level</a:t>
             </a:r>
-            <a:endParaRPr lang="en-US"/>
           </a:p>
         </p:txBody>
       </p:sp>
@@ -4557,18 +4511,18 @@
         </p:nvSpPr>
         <p:spPr>
           <a:xfrm>
-            <a:off x="0" y="8685213"/>
-            <a:ext cx="2971800" cy="458787"/>
+            <a:off x="0" y="9119474"/>
+            <a:ext cx="3169920" cy="481726"/>
           </a:xfrm>
           <a:prstGeom prst="rect">
             <a:avLst/>
           </a:prstGeom>
         </p:spPr>
         <p:txBody>
-          <a:bodyPr vert="horz" lIns="91440" tIns="45720" rIns="91440" bIns="45720" rtlCol="0" anchor="b"/>
+          <a:bodyPr vert="horz" lIns="96661" tIns="48331" rIns="96661" bIns="48331" rtlCol="0" anchor="b"/>
           <a:lstStyle>
             <a:lvl1pPr algn="l">
-              <a:defRPr sz="1200"/>
+              <a:defRPr sz="1300"/>
             </a:lvl1pPr>
           </a:lstStyle>
           <a:p>
@@ -4588,18 +4542,18 @@
         </p:nvSpPr>
         <p:spPr>
           <a:xfrm>
-            <a:off x="3884613" y="8685213"/>
-            <a:ext cx="2971800" cy="458787"/>
+            <a:off x="4143587" y="9119474"/>
+            <a:ext cx="3169920" cy="481726"/>
           </a:xfrm>
           <a:prstGeom prst="rect">
             <a:avLst/>
           </a:prstGeom>
         </p:spPr>
         <p:txBody>
-          <a:bodyPr vert="horz" lIns="91440" tIns="45720" rIns="91440" bIns="45720" rtlCol="0" anchor="b"/>
+          <a:bodyPr vert="horz" lIns="96661" tIns="48331" rIns="96661" bIns="48331" rtlCol="0" anchor="b"/>
           <a:lstStyle>
             <a:lvl1pPr algn="r">
-              <a:defRPr sz="1200"/>
+              <a:defRPr sz="1300"/>
             </a:lvl1pPr>
           </a:lstStyle>
           <a:p>
@@ -4758,7 +4712,7 @@
           <a:bodyPr/>
           <a:lstStyle/>
           <a:p>
-            <a:endParaRPr lang="en-US"/>
+            <a:endParaRPr lang="en-US" dirty="0"/>
           </a:p>
         </p:txBody>
       </p:sp>
@@ -4872,7 +4826,7 @@
     </p:spTree>
     <p:extLst>
       <p:ext uri="{BB962C8B-B14F-4D97-AF65-F5344CB8AC3E}">
-        <p14:creationId xmlns:p14="http://schemas.microsoft.com/office/powerpoint/2010/main" val="1096800122"/>
+        <p14:creationId xmlns:p14="http://schemas.microsoft.com/office/powerpoint/2010/main" val="2335795528"/>
       </p:ext>
     </p:extLst>
   </p:cSld>
@@ -4927,7 +4881,7 @@
           <a:lstStyle/>
           <a:p>
             <a:r>
-              <a:rPr lang="en-US" baseline="0" dirty="0" smtClean="0"/>
+              <a:rPr lang="en-US" baseline="0" dirty="0"/>
               <a:t>Start point:</a:t>
             </a:r>
             <a:endParaRPr lang="en-US" dirty="0"/>
@@ -5015,19 +4969,19 @@
           <a:lstStyle/>
           <a:p>
             <a:r>
-              <a:rPr lang="en-US" baseline="0" dirty="0" smtClean="0"/>
+              <a:rPr lang="en-US" baseline="0" dirty="0"/>
               <a:t>Supervised: train from known outcomes</a:t>
             </a:r>
           </a:p>
           <a:p>
             <a:r>
-              <a:rPr lang="en-US" baseline="0" dirty="0" smtClean="0"/>
+              <a:rPr lang="en-US" baseline="0" dirty="0"/>
               <a:t>Unsupervised: learn and discover relationships in data</a:t>
             </a:r>
           </a:p>
           <a:p>
             <a:r>
-              <a:rPr lang="en-US" baseline="0" dirty="0" smtClean="0"/>
+              <a:rPr lang="en-US" baseline="0" dirty="0"/>
               <a:t>Loosely defined: can assign numbers to categories, can assign known labels to clusters</a:t>
             </a:r>
             <a:endParaRPr lang="en-US" dirty="0"/>
@@ -5115,11 +5069,11 @@
           <a:lstStyle/>
           <a:p>
             <a:r>
-              <a:rPr lang="en-US" dirty="0" smtClean="0"/>
+              <a:rPr lang="en-US" dirty="0"/>
               <a:t>What</a:t>
             </a:r>
             <a:r>
-              <a:rPr lang="en-US" baseline="0" dirty="0" smtClean="0"/>
+              <a:rPr lang="en-US" baseline="0" dirty="0"/>
               <a:t> are the origin and basis vectors?</a:t>
             </a:r>
             <a:endParaRPr lang="en-US" dirty="0"/>
@@ -5207,19 +5161,19 @@
           <a:lstStyle/>
           <a:p>
             <a:r>
-              <a:rPr lang="en-US" dirty="0" smtClean="0"/>
+              <a:rPr lang="en-US" dirty="0"/>
               <a:t>While advice</a:t>
             </a:r>
             <a:r>
-              <a:rPr lang="en-US" baseline="0" dirty="0" smtClean="0"/>
+              <a:rPr lang="en-US" baseline="0" dirty="0"/>
               <a:t> is the goal what proportion of effort constitutes it as a deliverable?  </a:t>
             </a:r>
             <a:r>
-              <a:rPr lang="en-US" dirty="0" smtClean="0"/>
+              <a:rPr lang="en-US" dirty="0"/>
               <a:t>How much space does advise take</a:t>
             </a:r>
             <a:r>
-              <a:rPr lang="en-US" baseline="0" dirty="0" smtClean="0"/>
+              <a:rPr lang="en-US" baseline="0" dirty="0"/>
               <a:t> up on the graph?</a:t>
             </a:r>
             <a:endParaRPr lang="en-US" dirty="0"/>
@@ -5307,19 +5261,19 @@
           <a:lstStyle/>
           <a:p>
             <a:r>
-              <a:rPr lang="en-US" dirty="0" smtClean="0"/>
+              <a:rPr lang="en-US" dirty="0"/>
               <a:t>While advice</a:t>
             </a:r>
             <a:r>
-              <a:rPr lang="en-US" baseline="0" dirty="0" smtClean="0"/>
+              <a:rPr lang="en-US" baseline="0" dirty="0"/>
               <a:t> is the goal what proportion of effort constitutes it as a deliverable?  </a:t>
             </a:r>
             <a:r>
-              <a:rPr lang="en-US" dirty="0" smtClean="0"/>
+              <a:rPr lang="en-US" dirty="0"/>
               <a:t>How much space does advise take</a:t>
             </a:r>
             <a:r>
-              <a:rPr lang="en-US" baseline="0" dirty="0" smtClean="0"/>
+              <a:rPr lang="en-US" baseline="0" dirty="0"/>
               <a:t> up on the graph?</a:t>
             </a:r>
             <a:endParaRPr lang="en-US" dirty="0"/>
@@ -5407,19 +5361,19 @@
           <a:lstStyle/>
           <a:p>
             <a:r>
-              <a:rPr lang="en-US" dirty="0" smtClean="0"/>
+              <a:rPr lang="en-US" dirty="0"/>
               <a:t>While advice</a:t>
             </a:r>
             <a:r>
-              <a:rPr lang="en-US" baseline="0" dirty="0" smtClean="0"/>
+              <a:rPr lang="en-US" baseline="0" dirty="0"/>
               <a:t> is the goal what proportion of effort constitutes it as a deliverable?  </a:t>
             </a:r>
             <a:r>
-              <a:rPr lang="en-US" dirty="0" smtClean="0"/>
+              <a:rPr lang="en-US" dirty="0"/>
               <a:t>How much space does advise take</a:t>
             </a:r>
             <a:r>
-              <a:rPr lang="en-US" baseline="0" dirty="0" smtClean="0"/>
+              <a:rPr lang="en-US" baseline="0" dirty="0"/>
               <a:t> up on the graph?</a:t>
             </a:r>
             <a:endParaRPr lang="en-US" dirty="0"/>
@@ -5675,11 +5629,11 @@
           <a:lstStyle/>
           <a:p>
             <a:r>
-              <a:rPr lang="en-US" dirty="0" smtClean="0"/>
+              <a:rPr lang="en-US" dirty="0"/>
               <a:t>Clockwise: be,</a:t>
             </a:r>
             <a:r>
-              <a:rPr lang="en-US" baseline="0" dirty="0" smtClean="0"/>
+              <a:rPr lang="en-US" baseline="0" dirty="0"/>
               <a:t> do, have</a:t>
             </a:r>
             <a:endParaRPr lang="en-US" dirty="0"/>
@@ -6019,17 +5973,17 @@
           <a:lstStyle/>
           <a:p>
             <a:r>
-              <a:rPr lang="en-US" dirty="0" smtClean="0"/>
+              <a:rPr lang="en-US" dirty="0"/>
               <a:t>Banquet and collapsed temple.  Who was there?</a:t>
             </a:r>
           </a:p>
           <a:p>
             <a:r>
-              <a:rPr lang="en-US" dirty="0" smtClean="0"/>
+              <a:rPr lang="en-US" dirty="0"/>
               <a:t>Treasure map, end point, start point, and basis with</a:t>
             </a:r>
             <a:r>
-              <a:rPr lang="en-US" baseline="0" dirty="0" smtClean="0"/>
+              <a:rPr lang="en-US" baseline="0" dirty="0"/>
               <a:t> origin (North, South, East, West)</a:t>
             </a:r>
             <a:endParaRPr lang="en-US" dirty="0"/>
@@ -6146,7 +6100,7 @@
     </p:spTree>
     <p:extLst>
       <p:ext uri="{BB962C8B-B14F-4D97-AF65-F5344CB8AC3E}">
-        <p14:creationId xmlns:p14="http://schemas.microsoft.com/office/powerpoint/2010/main" val="1605024293"/>
+        <p14:creationId xmlns:p14="http://schemas.microsoft.com/office/powerpoint/2010/main" val="94134995"/>
       </p:ext>
     </p:extLst>
   </p:cSld>
@@ -6230,7 +6184,7 @@
     </p:spTree>
     <p:extLst>
       <p:ext uri="{BB962C8B-B14F-4D97-AF65-F5344CB8AC3E}">
-        <p14:creationId xmlns:p14="http://schemas.microsoft.com/office/powerpoint/2010/main" val="3418968630"/>
+        <p14:creationId xmlns:p14="http://schemas.microsoft.com/office/powerpoint/2010/main" val="1886200742"/>
       </p:ext>
     </p:extLst>
   </p:cSld>
@@ -6314,7 +6268,7 @@
     </p:spTree>
     <p:extLst>
       <p:ext uri="{BB962C8B-B14F-4D97-AF65-F5344CB8AC3E}">
-        <p14:creationId xmlns:p14="http://schemas.microsoft.com/office/powerpoint/2010/main" val="125828513"/>
+        <p14:creationId xmlns:p14="http://schemas.microsoft.com/office/powerpoint/2010/main" val="1503371041"/>
       </p:ext>
     </p:extLst>
   </p:cSld>
@@ -6398,7 +6352,7 @@
     </p:spTree>
     <p:extLst>
       <p:ext uri="{BB962C8B-B14F-4D97-AF65-F5344CB8AC3E}">
-        <p14:creationId xmlns:p14="http://schemas.microsoft.com/office/powerpoint/2010/main" val="4075168869"/>
+        <p14:creationId xmlns:p14="http://schemas.microsoft.com/office/powerpoint/2010/main" val="1160178117"/>
       </p:ext>
     </p:extLst>
   </p:cSld>
@@ -6450,10 +6404,9 @@
           </a:lstStyle>
           <a:p>
             <a:r>
-              <a:rPr lang="en-US" smtClean="0"/>
+              <a:rPr lang="en-US"/>
               <a:t>Click to edit Master title style</a:t>
             </a:r>
-            <a:endParaRPr lang="en-US"/>
           </a:p>
         </p:txBody>
       </p:sp>
@@ -6515,10 +6468,9 @@
           </a:lstStyle>
           <a:p>
             <a:r>
-              <a:rPr lang="en-US" smtClean="0"/>
+              <a:rPr lang="en-US"/>
               <a:t>Click to edit Master subtitle style</a:t>
             </a:r>
-            <a:endParaRPr lang="en-US"/>
           </a:p>
         </p:txBody>
       </p:sp>
@@ -6633,10 +6585,9 @@
           <a:lstStyle/>
           <a:p>
             <a:r>
-              <a:rPr lang="en-US" smtClean="0"/>
+              <a:rPr lang="en-US"/>
               <a:t>Click to edit Master title style</a:t>
             </a:r>
-            <a:endParaRPr lang="en-US"/>
           </a:p>
         </p:txBody>
       </p:sp>
@@ -6657,38 +6608,37 @@
           <a:p>
             <a:pPr lvl="0"/>
             <a:r>
-              <a:rPr lang="en-US" smtClean="0"/>
+              <a:rPr lang="en-US"/>
               <a:t>Edit Master text styles</a:t>
             </a:r>
           </a:p>
           <a:p>
             <a:pPr lvl="1"/>
             <a:r>
-              <a:rPr lang="en-US" smtClean="0"/>
+              <a:rPr lang="en-US"/>
               <a:t>Second level</a:t>
             </a:r>
           </a:p>
           <a:p>
             <a:pPr lvl="2"/>
             <a:r>
-              <a:rPr lang="en-US" smtClean="0"/>
+              <a:rPr lang="en-US"/>
               <a:t>Third level</a:t>
             </a:r>
           </a:p>
           <a:p>
             <a:pPr lvl="3"/>
             <a:r>
-              <a:rPr lang="en-US" smtClean="0"/>
+              <a:rPr lang="en-US"/>
               <a:t>Fourth level</a:t>
             </a:r>
           </a:p>
           <a:p>
             <a:pPr lvl="4"/>
             <a:r>
-              <a:rPr lang="en-US" smtClean="0"/>
+              <a:rPr lang="en-US"/>
               <a:t>Fifth level</a:t>
             </a:r>
-            <a:endParaRPr lang="en-US"/>
           </a:p>
         </p:txBody>
       </p:sp>
@@ -6808,10 +6758,9 @@
           <a:lstStyle/>
           <a:p>
             <a:r>
-              <a:rPr lang="en-US" smtClean="0"/>
+              <a:rPr lang="en-US"/>
               <a:t>Click to edit Master title style</a:t>
             </a:r>
-            <a:endParaRPr lang="en-US"/>
           </a:p>
         </p:txBody>
       </p:sp>
@@ -6837,38 +6786,37 @@
           <a:p>
             <a:pPr lvl="0"/>
             <a:r>
-              <a:rPr lang="en-US" smtClean="0"/>
+              <a:rPr lang="en-US"/>
               <a:t>Edit Master text styles</a:t>
             </a:r>
           </a:p>
           <a:p>
             <a:pPr lvl="1"/>
             <a:r>
-              <a:rPr lang="en-US" smtClean="0"/>
+              <a:rPr lang="en-US"/>
               <a:t>Second level</a:t>
             </a:r>
           </a:p>
           <a:p>
             <a:pPr lvl="2"/>
             <a:r>
-              <a:rPr lang="en-US" smtClean="0"/>
+              <a:rPr lang="en-US"/>
               <a:t>Third level</a:t>
             </a:r>
           </a:p>
           <a:p>
             <a:pPr lvl="3"/>
             <a:r>
-              <a:rPr lang="en-US" smtClean="0"/>
+              <a:rPr lang="en-US"/>
               <a:t>Fourth level</a:t>
             </a:r>
           </a:p>
           <a:p>
             <a:pPr lvl="4"/>
             <a:r>
-              <a:rPr lang="en-US" smtClean="0"/>
+              <a:rPr lang="en-US"/>
               <a:t>Fifth level</a:t>
             </a:r>
-            <a:endParaRPr lang="en-US"/>
           </a:p>
         </p:txBody>
       </p:sp>
@@ -6983,10 +6931,9 @@
           <a:lstStyle/>
           <a:p>
             <a:r>
-              <a:rPr lang="en-US" smtClean="0"/>
+              <a:rPr lang="en-US"/>
               <a:t>Click to edit Master title style</a:t>
             </a:r>
-            <a:endParaRPr lang="en-US"/>
           </a:p>
         </p:txBody>
       </p:sp>
@@ -7007,38 +6954,37 @@
           <a:p>
             <a:pPr lvl="0"/>
             <a:r>
-              <a:rPr lang="en-US" smtClean="0"/>
+              <a:rPr lang="en-US"/>
               <a:t>Edit Master text styles</a:t>
             </a:r>
           </a:p>
           <a:p>
             <a:pPr lvl="1"/>
             <a:r>
-              <a:rPr lang="en-US" smtClean="0"/>
+              <a:rPr lang="en-US"/>
               <a:t>Second level</a:t>
             </a:r>
           </a:p>
           <a:p>
             <a:pPr lvl="2"/>
             <a:r>
-              <a:rPr lang="en-US" smtClean="0"/>
+              <a:rPr lang="en-US"/>
               <a:t>Third level</a:t>
             </a:r>
           </a:p>
           <a:p>
             <a:pPr lvl="3"/>
             <a:r>
-              <a:rPr lang="en-US" smtClean="0"/>
+              <a:rPr lang="en-US"/>
               <a:t>Fourth level</a:t>
             </a:r>
           </a:p>
           <a:p>
             <a:pPr lvl="4"/>
             <a:r>
-              <a:rPr lang="en-US" smtClean="0"/>
+              <a:rPr lang="en-US"/>
               <a:t>Fifth level</a:t>
             </a:r>
-            <a:endParaRPr lang="en-US"/>
           </a:p>
         </p:txBody>
       </p:sp>
@@ -7162,10 +7108,9 @@
           </a:lstStyle>
           <a:p>
             <a:r>
-              <a:rPr lang="en-US" smtClean="0"/>
+              <a:rPr lang="en-US"/>
               <a:t>Click to edit Master title style</a:t>
             </a:r>
-            <a:endParaRPr lang="en-US"/>
           </a:p>
         </p:txBody>
       </p:sp>
@@ -7282,7 +7227,7 @@
           <a:p>
             <a:pPr lvl="0"/>
             <a:r>
-              <a:rPr lang="en-US" smtClean="0"/>
+              <a:rPr lang="en-US"/>
               <a:t>Edit Master text styles</a:t>
             </a:r>
           </a:p>
@@ -7399,10 +7344,9 @@
           <a:lstStyle/>
           <a:p>
             <a:r>
-              <a:rPr lang="en-US" smtClean="0"/>
+              <a:rPr lang="en-US"/>
               <a:t>Click to edit Master title style</a:t>
             </a:r>
-            <a:endParaRPr lang="en-US"/>
           </a:p>
         </p:txBody>
       </p:sp>
@@ -7428,38 +7372,37 @@
           <a:p>
             <a:pPr lvl="0"/>
             <a:r>
-              <a:rPr lang="en-US" smtClean="0"/>
+              <a:rPr lang="en-US"/>
               <a:t>Edit Master text styles</a:t>
             </a:r>
           </a:p>
           <a:p>
             <a:pPr lvl="1"/>
             <a:r>
-              <a:rPr lang="en-US" smtClean="0"/>
+              <a:rPr lang="en-US"/>
               <a:t>Second level</a:t>
             </a:r>
           </a:p>
           <a:p>
             <a:pPr lvl="2"/>
             <a:r>
-              <a:rPr lang="en-US" smtClean="0"/>
+              <a:rPr lang="en-US"/>
               <a:t>Third level</a:t>
             </a:r>
           </a:p>
           <a:p>
             <a:pPr lvl="3"/>
             <a:r>
-              <a:rPr lang="en-US" smtClean="0"/>
+              <a:rPr lang="en-US"/>
               <a:t>Fourth level</a:t>
             </a:r>
           </a:p>
           <a:p>
             <a:pPr lvl="4"/>
             <a:r>
-              <a:rPr lang="en-US" smtClean="0"/>
+              <a:rPr lang="en-US"/>
               <a:t>Fifth level</a:t>
             </a:r>
-            <a:endParaRPr lang="en-US"/>
           </a:p>
         </p:txBody>
       </p:sp>
@@ -7485,38 +7428,37 @@
           <a:p>
             <a:pPr lvl="0"/>
             <a:r>
-              <a:rPr lang="en-US" smtClean="0"/>
+              <a:rPr lang="en-US"/>
               <a:t>Edit Master text styles</a:t>
             </a:r>
           </a:p>
           <a:p>
             <a:pPr lvl="1"/>
             <a:r>
-              <a:rPr lang="en-US" smtClean="0"/>
+              <a:rPr lang="en-US"/>
               <a:t>Second level</a:t>
             </a:r>
           </a:p>
           <a:p>
             <a:pPr lvl="2"/>
             <a:r>
-              <a:rPr lang="en-US" smtClean="0"/>
+              <a:rPr lang="en-US"/>
               <a:t>Third level</a:t>
             </a:r>
           </a:p>
           <a:p>
             <a:pPr lvl="3"/>
             <a:r>
-              <a:rPr lang="en-US" smtClean="0"/>
+              <a:rPr lang="en-US"/>
               <a:t>Fourth level</a:t>
             </a:r>
           </a:p>
           <a:p>
             <a:pPr lvl="4"/>
             <a:r>
-              <a:rPr lang="en-US" smtClean="0"/>
+              <a:rPr lang="en-US"/>
               <a:t>Fifth level</a:t>
             </a:r>
-            <a:endParaRPr lang="en-US"/>
           </a:p>
         </p:txBody>
       </p:sp>
@@ -7636,10 +7578,9 @@
           <a:lstStyle/>
           <a:p>
             <a:r>
-              <a:rPr lang="en-US" smtClean="0"/>
+              <a:rPr lang="en-US"/>
               <a:t>Click to edit Master title style</a:t>
             </a:r>
-            <a:endParaRPr lang="en-US"/>
           </a:p>
         </p:txBody>
       </p:sp>
@@ -7702,7 +7643,7 @@
           <a:p>
             <a:pPr lvl="0"/>
             <a:r>
-              <a:rPr lang="en-US" smtClean="0"/>
+              <a:rPr lang="en-US"/>
               <a:t>Edit Master text styles</a:t>
             </a:r>
           </a:p>
@@ -7730,38 +7671,37 @@
           <a:p>
             <a:pPr lvl="0"/>
             <a:r>
-              <a:rPr lang="en-US" smtClean="0"/>
+              <a:rPr lang="en-US"/>
               <a:t>Edit Master text styles</a:t>
             </a:r>
           </a:p>
           <a:p>
             <a:pPr lvl="1"/>
             <a:r>
-              <a:rPr lang="en-US" smtClean="0"/>
+              <a:rPr lang="en-US"/>
               <a:t>Second level</a:t>
             </a:r>
           </a:p>
           <a:p>
             <a:pPr lvl="2"/>
             <a:r>
-              <a:rPr lang="en-US" smtClean="0"/>
+              <a:rPr lang="en-US"/>
               <a:t>Third level</a:t>
             </a:r>
           </a:p>
           <a:p>
             <a:pPr lvl="3"/>
             <a:r>
-              <a:rPr lang="en-US" smtClean="0"/>
+              <a:rPr lang="en-US"/>
               <a:t>Fourth level</a:t>
             </a:r>
           </a:p>
           <a:p>
             <a:pPr lvl="4"/>
             <a:r>
-              <a:rPr lang="en-US" smtClean="0"/>
+              <a:rPr lang="en-US"/>
               <a:t>Fifth level</a:t>
             </a:r>
-            <a:endParaRPr lang="en-US"/>
           </a:p>
         </p:txBody>
       </p:sp>
@@ -7824,7 +7764,7 @@
           <a:p>
             <a:pPr lvl="0"/>
             <a:r>
-              <a:rPr lang="en-US" smtClean="0"/>
+              <a:rPr lang="en-US"/>
               <a:t>Edit Master text styles</a:t>
             </a:r>
           </a:p>
@@ -7852,38 +7792,37 @@
           <a:p>
             <a:pPr lvl="0"/>
             <a:r>
-              <a:rPr lang="en-US" smtClean="0"/>
+              <a:rPr lang="en-US"/>
               <a:t>Edit Master text styles</a:t>
             </a:r>
           </a:p>
           <a:p>
             <a:pPr lvl="1"/>
             <a:r>
-              <a:rPr lang="en-US" smtClean="0"/>
+              <a:rPr lang="en-US"/>
               <a:t>Second level</a:t>
             </a:r>
           </a:p>
           <a:p>
             <a:pPr lvl="2"/>
             <a:r>
-              <a:rPr lang="en-US" smtClean="0"/>
+              <a:rPr lang="en-US"/>
               <a:t>Third level</a:t>
             </a:r>
           </a:p>
           <a:p>
             <a:pPr lvl="3"/>
             <a:r>
-              <a:rPr lang="en-US" smtClean="0"/>
+              <a:rPr lang="en-US"/>
               <a:t>Fourth level</a:t>
             </a:r>
           </a:p>
           <a:p>
             <a:pPr lvl="4"/>
             <a:r>
-              <a:rPr lang="en-US" smtClean="0"/>
+              <a:rPr lang="en-US"/>
               <a:t>Fifth level</a:t>
             </a:r>
-            <a:endParaRPr lang="en-US"/>
           </a:p>
         </p:txBody>
       </p:sp>
@@ -7998,10 +7937,9 @@
           <a:lstStyle/>
           <a:p>
             <a:r>
-              <a:rPr lang="en-US" smtClean="0"/>
+              <a:rPr lang="en-US"/>
               <a:t>Click to edit Master title style</a:t>
             </a:r>
-            <a:endParaRPr lang="en-US"/>
           </a:p>
         </p:txBody>
       </p:sp>
@@ -8220,10 +8158,9 @@
           </a:lstStyle>
           <a:p>
             <a:r>
-              <a:rPr lang="en-US" smtClean="0"/>
+              <a:rPr lang="en-US"/>
               <a:t>Click to edit Master title style</a:t>
             </a:r>
-            <a:endParaRPr lang="en-US"/>
           </a:p>
         </p:txBody>
       </p:sp>
@@ -8277,38 +8214,37 @@
           <a:p>
             <a:pPr lvl="0"/>
             <a:r>
-              <a:rPr lang="en-US" smtClean="0"/>
+              <a:rPr lang="en-US"/>
               <a:t>Edit Master text styles</a:t>
             </a:r>
           </a:p>
           <a:p>
             <a:pPr lvl="1"/>
             <a:r>
-              <a:rPr lang="en-US" smtClean="0"/>
+              <a:rPr lang="en-US"/>
               <a:t>Second level</a:t>
             </a:r>
           </a:p>
           <a:p>
             <a:pPr lvl="2"/>
             <a:r>
-              <a:rPr lang="en-US" smtClean="0"/>
+              <a:rPr lang="en-US"/>
               <a:t>Third level</a:t>
             </a:r>
           </a:p>
           <a:p>
             <a:pPr lvl="3"/>
             <a:r>
-              <a:rPr lang="en-US" smtClean="0"/>
+              <a:rPr lang="en-US"/>
               <a:t>Fourth level</a:t>
             </a:r>
           </a:p>
           <a:p>
             <a:pPr lvl="4"/>
             <a:r>
-              <a:rPr lang="en-US" smtClean="0"/>
+              <a:rPr lang="en-US"/>
               <a:t>Fifth level</a:t>
             </a:r>
-            <a:endParaRPr lang="en-US"/>
           </a:p>
         </p:txBody>
       </p:sp>
@@ -8371,7 +8307,7 @@
           <a:p>
             <a:pPr lvl="0"/>
             <a:r>
-              <a:rPr lang="en-US" smtClean="0"/>
+              <a:rPr lang="en-US"/>
               <a:t>Edit Master text styles</a:t>
             </a:r>
           </a:p>
@@ -8497,10 +8433,9 @@
           </a:lstStyle>
           <a:p>
             <a:r>
-              <a:rPr lang="en-US" smtClean="0"/>
+              <a:rPr lang="en-US"/>
               <a:t>Click to edit Master title style</a:t>
             </a:r>
-            <a:endParaRPr lang="en-US"/>
           </a:p>
         </p:txBody>
       </p:sp>
@@ -8624,7 +8559,7 @@
           <a:p>
             <a:pPr lvl="0"/>
             <a:r>
-              <a:rPr lang="en-US" smtClean="0"/>
+              <a:rPr lang="en-US"/>
               <a:t>Edit Master text styles</a:t>
             </a:r>
           </a:p>
@@ -8756,10 +8691,9 @@
           <a:lstStyle/>
           <a:p>
             <a:r>
-              <a:rPr lang="en-US" smtClean="0"/>
+              <a:rPr lang="en-US"/>
               <a:t>Click to edit Master title style</a:t>
             </a:r>
-            <a:endParaRPr lang="en-US"/>
           </a:p>
         </p:txBody>
       </p:sp>
@@ -8790,38 +8724,37 @@
           <a:p>
             <a:pPr lvl="0"/>
             <a:r>
-              <a:rPr lang="en-US" smtClean="0"/>
+              <a:rPr lang="en-US"/>
               <a:t>Edit Master text styles</a:t>
             </a:r>
           </a:p>
           <a:p>
             <a:pPr lvl="1"/>
             <a:r>
-              <a:rPr lang="en-US" smtClean="0"/>
+              <a:rPr lang="en-US"/>
               <a:t>Second level</a:t>
             </a:r>
           </a:p>
           <a:p>
             <a:pPr lvl="2"/>
             <a:r>
-              <a:rPr lang="en-US" smtClean="0"/>
+              <a:rPr lang="en-US"/>
               <a:t>Third level</a:t>
             </a:r>
           </a:p>
           <a:p>
             <a:pPr lvl="3"/>
             <a:r>
-              <a:rPr lang="en-US" smtClean="0"/>
+              <a:rPr lang="en-US"/>
               <a:t>Fourth level</a:t>
             </a:r>
           </a:p>
           <a:p>
             <a:pPr lvl="4"/>
             <a:r>
-              <a:rPr lang="en-US" smtClean="0"/>
+              <a:rPr lang="en-US"/>
               <a:t>Fifth level</a:t>
             </a:r>
-            <a:endParaRPr lang="en-US"/>
           </a:p>
         </p:txBody>
       </p:sp>
@@ -9288,17 +9221,16 @@
           <a:lstStyle/>
           <a:p>
             <a:r>
-              <a:rPr lang="en-US" dirty="0" smtClean="0"/>
+              <a:rPr lang="en-US" dirty="0"/>
               <a:t>Knowing All Data Science:</a:t>
             </a:r>
             <a:br>
-              <a:rPr lang="en-US" dirty="0" smtClean="0"/>
+              <a:rPr lang="en-US" dirty="0"/>
             </a:br>
             <a:r>
-              <a:rPr lang="en-US" dirty="0" smtClean="0"/>
+              <a:rPr lang="en-US" dirty="0"/>
               <a:t>a minutes long tour of the limits of the space of data science</a:t>
             </a:r>
-            <a:endParaRPr lang="en-US" dirty="0"/>
           </a:p>
         </p:txBody>
       </p:sp>
@@ -9325,13 +9257,13 @@
           <a:lstStyle/>
           <a:p>
             <a:r>
-              <a:rPr lang="en-US" dirty="0" smtClean="0"/>
+              <a:rPr lang="en-US" dirty="0"/>
               <a:t>Ron Neely</a:t>
             </a:r>
           </a:p>
           <a:p>
             <a:r>
-              <a:rPr lang="en-US" dirty="0" smtClean="0"/>
+              <a:rPr lang="en-US" dirty="0"/>
               <a:t>2018.Oct.18</a:t>
             </a:r>
           </a:p>
@@ -9340,13 +9272,13 @@
           </a:p>
           <a:p>
             <a:r>
-              <a:rPr lang="en-US" dirty="0" smtClean="0">
+              <a:rPr lang="en-US" dirty="0">
                 <a:hlinkClick r:id="rId3"/>
               </a:rPr>
               <a:t>https://github.com/SpeedCoder5/notes</a:t>
             </a:r>
             <a:r>
-              <a:rPr lang="en-US" dirty="0" smtClean="0"/>
+              <a:rPr lang="en-US" dirty="0"/>
               <a:t> </a:t>
             </a:r>
           </a:p>
@@ -9362,13 +9294,6 @@
   <p:clrMapOvr>
     <a:masterClrMapping/>
   </p:clrMapOvr>
-  <p:timing>
-    <p:tnLst>
-      <p:par>
-        <p:cTn id="1" dur="indefinite" restart="never" nodeType="tmRoot"/>
-      </p:par>
-    </p:tnLst>
-  </p:timing>
 </p:sld>
 </file>
 
@@ -9391,7 +9316,13 @@
       </p:grpSpPr>
       <p:pic>
         <p:nvPicPr>
-          <p:cNvPr id="5" name="Content Placeholder 4"/>
+          <p:cNvPr id="16" name="Content Placeholder 15">
+            <a:extLst>
+              <a:ext uri="{FF2B5EF4-FFF2-40B4-BE49-F238E27FC236}">
+                <a16:creationId xmlns:a16="http://schemas.microsoft.com/office/drawing/2014/main" id="{D76E706E-DB9F-4F3F-849A-22A842B9D05A}"/>
+              </a:ext>
+            </a:extLst>
+          </p:cNvPr>
           <p:cNvPicPr>
             <a:picLocks noGrp="1" noChangeAspect="1"/>
           </p:cNvPicPr>
@@ -9401,16 +9332,6 @@
         </p:nvPicPr>
         <p:blipFill>
           <a:blip r:embed="rId3">
-            <a:clrChange>
-              <a:clrFrom>
-                <a:srgbClr val="FEFEFE"/>
-              </a:clrFrom>
-              <a:clrTo>
-                <a:srgbClr val="FEFEFE">
-                  <a:alpha val="0"/>
-                </a:srgbClr>
-              </a:clrTo>
-            </a:clrChange>
             <a:extLst>
               <a:ext uri="{28A0092B-C50C-407E-A947-70E740481C1C}">
                 <a14:useLocalDpi xmlns:a14="http://schemas.microsoft.com/office/drawing/2010/main" val="0"/>
@@ -9423,8 +9344,8 @@
         </p:blipFill>
         <p:spPr>
           <a:xfrm>
-            <a:off x="574343" y="391886"/>
-            <a:ext cx="8758343" cy="6586275"/>
+            <a:off x="673767" y="540638"/>
+            <a:ext cx="8629631" cy="6432862"/>
           </a:xfrm>
         </p:spPr>
       </p:pic>
@@ -9452,7 +9373,7 @@
           <a:p>
             <a:pPr lvl="0"/>
             <a:r>
-              <a:rPr lang="en-US" sz="2800" kern="1200" dirty="0" smtClean="0">
+              <a:rPr lang="en-US" sz="2800" kern="1200" dirty="0">
                 <a:solidFill>
                   <a:schemeClr val="tx1"/>
                 </a:solidFill>
@@ -9464,7 +9385,7 @@
               <a:t>Method of Loci </a:t>
             </a:r>
             <a:r>
-              <a:rPr lang="en-US" sz="2800" dirty="0" smtClean="0">
+              <a:rPr lang="en-US" sz="2800" dirty="0">
                 <a:latin typeface="+mn-lt"/>
                 <a:ea typeface="+mn-ea"/>
                 <a:cs typeface="+mn-cs"/>
@@ -9512,10 +9433,9 @@
               <a:buChar char="ü"/>
             </a:pPr>
             <a:r>
-              <a:rPr lang="en-US" sz="4400" dirty="0" smtClean="0"/>
+              <a:rPr lang="en-US" sz="4400" dirty="0"/>
               <a:t>Place</a:t>
             </a:r>
-            <a:endParaRPr lang="en-US" sz="4400" dirty="0" smtClean="0"/>
           </a:p>
           <a:p>
             <a:pPr>
@@ -9523,10 +9443,9 @@
               <a:buChar char="ü"/>
             </a:pPr>
             <a:r>
-              <a:rPr lang="en-US" sz="4400" dirty="0" smtClean="0"/>
+              <a:rPr lang="en-US" sz="4400" dirty="0"/>
               <a:t>Path</a:t>
             </a:r>
-            <a:endParaRPr lang="en-US" sz="4400" dirty="0" smtClean="0"/>
           </a:p>
         </p:txBody>
       </p:sp>
@@ -9767,20 +9686,13 @@
     </p:spTree>
     <p:extLst>
       <p:ext uri="{BB962C8B-B14F-4D97-AF65-F5344CB8AC3E}">
-        <p14:creationId xmlns:p14="http://schemas.microsoft.com/office/powerpoint/2010/main" val="300841261"/>
+        <p14:creationId xmlns:p14="http://schemas.microsoft.com/office/powerpoint/2010/main" val="3737031448"/>
       </p:ext>
     </p:extLst>
   </p:cSld>
   <p:clrMapOvr>
     <a:masterClrMapping/>
   </p:clrMapOvr>
-  <p:timing>
-    <p:tnLst>
-      <p:par>
-        <p:cTn id="1" dur="indefinite" restart="never" nodeType="tmRoot"/>
-      </p:par>
-    </p:tnLst>
-  </p:timing>
 </p:sld>
 </file>
 
@@ -9803,7 +9715,13 @@
       </p:grpSpPr>
       <p:pic>
         <p:nvPicPr>
-          <p:cNvPr id="5" name="Content Placeholder 4"/>
+          <p:cNvPr id="16" name="Content Placeholder 15">
+            <a:extLst>
+              <a:ext uri="{FF2B5EF4-FFF2-40B4-BE49-F238E27FC236}">
+                <a16:creationId xmlns:a16="http://schemas.microsoft.com/office/drawing/2014/main" id="{D76E706E-DB9F-4F3F-849A-22A842B9D05A}"/>
+              </a:ext>
+            </a:extLst>
+          </p:cNvPr>
           <p:cNvPicPr>
             <a:picLocks noGrp="1" noChangeAspect="1"/>
           </p:cNvPicPr>
@@ -9813,16 +9731,6 @@
         </p:nvPicPr>
         <p:blipFill>
           <a:blip r:embed="rId3">
-            <a:clrChange>
-              <a:clrFrom>
-                <a:srgbClr val="FEFEFE"/>
-              </a:clrFrom>
-              <a:clrTo>
-                <a:srgbClr val="FEFEFE">
-                  <a:alpha val="0"/>
-                </a:srgbClr>
-              </a:clrTo>
-            </a:clrChange>
             <a:extLst>
               <a:ext uri="{28A0092B-C50C-407E-A947-70E740481C1C}">
                 <a14:useLocalDpi xmlns:a14="http://schemas.microsoft.com/office/drawing/2010/main" val="0"/>
@@ -9835,8 +9743,8 @@
         </p:blipFill>
         <p:spPr>
           <a:xfrm>
-            <a:off x="574343" y="391886"/>
-            <a:ext cx="8758343" cy="6586275"/>
+            <a:off x="673767" y="540638"/>
+            <a:ext cx="8629631" cy="6432862"/>
           </a:xfrm>
         </p:spPr>
       </p:pic>
@@ -9864,7 +9772,7 @@
           <a:p>
             <a:pPr lvl="0"/>
             <a:r>
-              <a:rPr lang="en-US" sz="2800" kern="1200" dirty="0" smtClean="0">
+              <a:rPr lang="en-US" sz="2800" kern="1200" dirty="0">
                 <a:solidFill>
                   <a:schemeClr val="tx1"/>
                 </a:solidFill>
@@ -9876,7 +9784,7 @@
               <a:t>Method of Loci </a:t>
             </a:r>
             <a:r>
-              <a:rPr lang="en-US" sz="2800" dirty="0" smtClean="0">
+              <a:rPr lang="en-US" sz="2800" dirty="0">
                 <a:latin typeface="+mn-lt"/>
                 <a:ea typeface="+mn-ea"/>
                 <a:cs typeface="+mn-cs"/>
@@ -9924,10 +9832,9 @@
               <a:buChar char="ü"/>
             </a:pPr>
             <a:r>
-              <a:rPr lang="en-US" sz="4400" dirty="0" smtClean="0"/>
+              <a:rPr lang="en-US" sz="4400" dirty="0"/>
               <a:t>Place</a:t>
             </a:r>
-            <a:endParaRPr lang="en-US" sz="4400" dirty="0" smtClean="0"/>
           </a:p>
           <a:p>
             <a:pPr>
@@ -9935,7 +9842,7 @@
               <a:buChar char="ü"/>
             </a:pPr>
             <a:r>
-              <a:rPr lang="en-US" sz="4400" dirty="0" smtClean="0"/>
+              <a:rPr lang="en-US" sz="4400" dirty="0"/>
               <a:t>Path</a:t>
             </a:r>
           </a:p>
@@ -9945,7 +9852,7 @@
               <a:buChar char="ü"/>
             </a:pPr>
             <a:r>
-              <a:rPr lang="en-US" sz="4400" dirty="0" smtClean="0"/>
+              <a:rPr lang="en-US" sz="4400" dirty="0"/>
               <a:t>Location</a:t>
             </a:r>
           </a:p>
@@ -10149,7 +10056,7 @@
         </p:blipFill>
         <p:spPr>
           <a:xfrm>
-            <a:off x="4023178" y="3652120"/>
+            <a:off x="4023178" y="3621204"/>
             <a:ext cx="1059543" cy="903487"/>
           </a:xfrm>
           <a:prstGeom prst="rect">
@@ -10234,20 +10141,13 @@
     </p:spTree>
     <p:extLst>
       <p:ext uri="{BB962C8B-B14F-4D97-AF65-F5344CB8AC3E}">
-        <p14:creationId xmlns:p14="http://schemas.microsoft.com/office/powerpoint/2010/main" val="1764006904"/>
+        <p14:creationId xmlns:p14="http://schemas.microsoft.com/office/powerpoint/2010/main" val="2288289897"/>
       </p:ext>
     </p:extLst>
   </p:cSld>
   <p:clrMapOvr>
     <a:masterClrMapping/>
   </p:clrMapOvr>
-  <p:timing>
-    <p:tnLst>
-      <p:par>
-        <p:cTn id="1" dur="indefinite" restart="never" nodeType="tmRoot"/>
-      </p:par>
-    </p:tnLst>
-  </p:timing>
 </p:sld>
 </file>
 
@@ -10270,7 +10170,13 @@
       </p:grpSpPr>
       <p:pic>
         <p:nvPicPr>
-          <p:cNvPr id="5" name="Content Placeholder 4"/>
+          <p:cNvPr id="16" name="Content Placeholder 15">
+            <a:extLst>
+              <a:ext uri="{FF2B5EF4-FFF2-40B4-BE49-F238E27FC236}">
+                <a16:creationId xmlns:a16="http://schemas.microsoft.com/office/drawing/2014/main" id="{D76E706E-DB9F-4F3F-849A-22A842B9D05A}"/>
+              </a:ext>
+            </a:extLst>
+          </p:cNvPr>
           <p:cNvPicPr>
             <a:picLocks noGrp="1" noChangeAspect="1"/>
           </p:cNvPicPr>
@@ -10280,16 +10186,6 @@
         </p:nvPicPr>
         <p:blipFill>
           <a:blip r:embed="rId3">
-            <a:clrChange>
-              <a:clrFrom>
-                <a:srgbClr val="FEFEFE"/>
-              </a:clrFrom>
-              <a:clrTo>
-                <a:srgbClr val="FEFEFE">
-                  <a:alpha val="0"/>
-                </a:srgbClr>
-              </a:clrTo>
-            </a:clrChange>
             <a:extLst>
               <a:ext uri="{28A0092B-C50C-407E-A947-70E740481C1C}">
                 <a14:useLocalDpi xmlns:a14="http://schemas.microsoft.com/office/drawing/2010/main" val="0"/>
@@ -10302,8 +10198,8 @@
         </p:blipFill>
         <p:spPr>
           <a:xfrm>
-            <a:off x="574343" y="391886"/>
-            <a:ext cx="8758343" cy="6586275"/>
+            <a:off x="673767" y="540638"/>
+            <a:ext cx="8629631" cy="6432862"/>
           </a:xfrm>
         </p:spPr>
       </p:pic>
@@ -10331,7 +10227,7 @@
           <a:p>
             <a:pPr lvl="0"/>
             <a:r>
-              <a:rPr lang="en-US" sz="2800" kern="1200" dirty="0" smtClean="0">
+              <a:rPr lang="en-US" sz="2800" kern="1200" dirty="0">
                 <a:solidFill>
                   <a:schemeClr val="tx1"/>
                 </a:solidFill>
@@ -10343,7 +10239,7 @@
               <a:t>Method of Loci </a:t>
             </a:r>
             <a:r>
-              <a:rPr lang="en-US" sz="2800" dirty="0" smtClean="0">
+              <a:rPr lang="en-US" sz="2800" dirty="0">
                 <a:latin typeface="+mn-lt"/>
                 <a:ea typeface="+mn-ea"/>
                 <a:cs typeface="+mn-cs"/>
@@ -10391,10 +10287,9 @@
               <a:buChar char="ü"/>
             </a:pPr>
             <a:r>
-              <a:rPr lang="en-US" sz="4400" dirty="0" smtClean="0"/>
+              <a:rPr lang="en-US" sz="4400" dirty="0"/>
               <a:t>Place</a:t>
             </a:r>
-            <a:endParaRPr lang="en-US" sz="4400" dirty="0" smtClean="0"/>
           </a:p>
           <a:p>
             <a:pPr>
@@ -10402,7 +10297,7 @@
               <a:buChar char="ü"/>
             </a:pPr>
             <a:r>
-              <a:rPr lang="en-US" sz="4400" dirty="0" smtClean="0"/>
+              <a:rPr lang="en-US" sz="4400" dirty="0"/>
               <a:t>Path</a:t>
             </a:r>
           </a:p>
@@ -10412,7 +10307,7 @@
               <a:buChar char="ü"/>
             </a:pPr>
             <a:r>
-              <a:rPr lang="en-US" sz="4400" dirty="0" smtClean="0"/>
+              <a:rPr lang="en-US" sz="4400" dirty="0"/>
               <a:t>Location</a:t>
             </a:r>
           </a:p>
@@ -10422,7 +10317,7 @@
               <a:buChar char="ü"/>
             </a:pPr>
             <a:r>
-              <a:rPr lang="en-US" sz="4400" dirty="0" smtClean="0"/>
+              <a:rPr lang="en-US" sz="4400" dirty="0"/>
               <a:t>Placing</a:t>
             </a:r>
           </a:p>
@@ -10623,7 +10518,7 @@
         </p:blipFill>
         <p:spPr>
           <a:xfrm>
-            <a:off x="4023178" y="3652120"/>
+            <a:off x="4023178" y="3621204"/>
             <a:ext cx="1059543" cy="903487"/>
           </a:xfrm>
           <a:prstGeom prst="rect">
@@ -10653,7 +10548,7 @@
         </p:blipFill>
         <p:spPr>
           <a:xfrm>
-            <a:off x="3736295" y="3281269"/>
+            <a:off x="3736295" y="3236796"/>
             <a:ext cx="1318305" cy="1287896"/>
           </a:xfrm>
           <a:prstGeom prst="rect">
@@ -10742,20 +10637,13 @@
     </p:spTree>
     <p:extLst>
       <p:ext uri="{BB962C8B-B14F-4D97-AF65-F5344CB8AC3E}">
-        <p14:creationId xmlns:p14="http://schemas.microsoft.com/office/powerpoint/2010/main" val="2697983814"/>
+        <p14:creationId xmlns:p14="http://schemas.microsoft.com/office/powerpoint/2010/main" val="4190749181"/>
       </p:ext>
     </p:extLst>
   </p:cSld>
   <p:clrMapOvr>
     <a:masterClrMapping/>
   </p:clrMapOvr>
-  <p:timing>
-    <p:tnLst>
-      <p:par>
-        <p:cTn id="1" dur="indefinite" restart="never" nodeType="tmRoot"/>
-      </p:par>
-    </p:tnLst>
-  </p:timing>
 </p:sld>
 </file>
 
@@ -10798,7 +10686,7 @@
           <a:p>
             <a:pPr lvl="0" rtl="0" eaLnBrk="1" latinLnBrk="0" hangingPunct="1"/>
             <a:r>
-              <a:rPr lang="en-US" sz="2800" kern="1200" dirty="0" err="1" smtClean="0">
+              <a:rPr lang="en-US" sz="2800" kern="1200" dirty="0" err="1">
                 <a:solidFill>
                   <a:schemeClr val="tx1"/>
                 </a:solidFill>
@@ -10810,7 +10698,7 @@
               <a:t>Scikit-learn’s</a:t>
             </a:r>
             <a:r>
-              <a:rPr lang="en-US" sz="2800" kern="1200" dirty="0" smtClean="0">
+              <a:rPr lang="en-US" sz="2800" kern="1200" dirty="0">
                 <a:solidFill>
                   <a:schemeClr val="tx1"/>
                 </a:solidFill>
@@ -10865,13 +10753,6 @@
   <p:clrMapOvr>
     <a:masterClrMapping/>
   </p:clrMapOvr>
-  <p:timing>
-    <p:tnLst>
-      <p:par>
-        <p:cTn id="1" dur="indefinite" restart="never" nodeType="tmRoot"/>
-      </p:par>
-    </p:tnLst>
-  </p:timing>
 </p:sld>
 </file>
 
@@ -10914,7 +10795,7 @@
           <a:p>
             <a:pPr lvl="0" rtl="0" eaLnBrk="1" latinLnBrk="0" hangingPunct="1"/>
             <a:r>
-              <a:rPr lang="en-US" sz="2800" kern="1200" dirty="0" err="1" smtClean="0">
+              <a:rPr lang="en-US" sz="2800" kern="1200" dirty="0" err="1">
                 <a:solidFill>
                   <a:schemeClr val="tx1"/>
                 </a:solidFill>
@@ -10926,7 +10807,7 @@
               <a:t>Scikit-learn’s</a:t>
             </a:r>
             <a:r>
-              <a:rPr lang="en-US" sz="2800" kern="1200" dirty="0" smtClean="0">
+              <a:rPr lang="en-US" sz="2800" kern="1200" dirty="0">
                 <a:solidFill>
                   <a:schemeClr val="tx1"/>
                 </a:solidFill>
@@ -10938,7 +10819,7 @@
               <a:t> “butterfly map” – with origin and ver</a:t>
             </a:r>
             <a:r>
-              <a:rPr lang="en-US" sz="2800" dirty="0" smtClean="0">
+              <a:rPr lang="en-US" sz="2800" dirty="0">
                 <a:latin typeface="+mn-lt"/>
                 <a:ea typeface="+mn-ea"/>
                 <a:cs typeface="+mn-cs"/>
@@ -11068,18 +10949,13 @@
           <a:lstStyle/>
           <a:p>
             <a:r>
-              <a:rPr lang="en-US" sz="2800" b="1" dirty="0" smtClean="0">
+              <a:rPr lang="en-US" sz="2800" b="1" dirty="0">
                 <a:solidFill>
                   <a:srgbClr val="0070C0"/>
                 </a:solidFill>
               </a:rPr>
               <a:t>Numeric</a:t>
             </a:r>
-            <a:endParaRPr lang="en-US" sz="2800" b="1" dirty="0">
-              <a:solidFill>
-                <a:srgbClr val="0070C0"/>
-              </a:solidFill>
-            </a:endParaRPr>
           </a:p>
         </p:txBody>
       </p:sp>
@@ -11107,18 +10983,13 @@
           <a:p>
             <a:pPr algn="r"/>
             <a:r>
-              <a:rPr lang="en-US" sz="2800" b="1" dirty="0" smtClean="0">
+              <a:rPr lang="en-US" sz="2800" b="1" dirty="0">
                 <a:solidFill>
                   <a:srgbClr val="0070C0"/>
                 </a:solidFill>
               </a:rPr>
               <a:t>Unsupervised</a:t>
             </a:r>
-            <a:endParaRPr lang="en-US" sz="2800" b="1" dirty="0">
-              <a:solidFill>
-                <a:srgbClr val="0070C0"/>
-              </a:solidFill>
-            </a:endParaRPr>
           </a:p>
         </p:txBody>
       </p:sp>
@@ -11151,21 +11022,8 @@
                   <a:srgbClr val="0070C0"/>
                 </a:solidFill>
               </a:rPr>
-              <a:t>S</a:t>
-            </a:r>
-            <a:r>
-              <a:rPr lang="en-US" sz="2800" b="1" dirty="0" smtClean="0">
-                <a:solidFill>
-                  <a:srgbClr val="0070C0"/>
-                </a:solidFill>
-              </a:rPr>
-              <a:t>upervised</a:t>
-            </a:r>
-            <a:endParaRPr lang="en-US" sz="2800" b="1" dirty="0">
-              <a:solidFill>
-                <a:srgbClr val="0070C0"/>
-              </a:solidFill>
-            </a:endParaRPr>
+              <a:t>Supervised</a:t>
+            </a:r>
           </a:p>
         </p:txBody>
       </p:sp>
@@ -11192,18 +11050,13 @@
           <a:lstStyle/>
           <a:p>
             <a:r>
-              <a:rPr lang="en-US" sz="2800" b="1" dirty="0" smtClean="0">
+              <a:rPr lang="en-US" sz="2800" b="1" dirty="0">
                 <a:solidFill>
                   <a:srgbClr val="0070C0"/>
                 </a:solidFill>
               </a:rPr>
               <a:t>Categorical</a:t>
             </a:r>
-            <a:endParaRPr lang="en-US" sz="2800" b="1" dirty="0">
-              <a:solidFill>
-                <a:srgbClr val="0070C0"/>
-              </a:solidFill>
-            </a:endParaRPr>
           </a:p>
         </p:txBody>
       </p:sp>
@@ -11217,13 +11070,6 @@
   <p:clrMapOvr>
     <a:masterClrMapping/>
   </p:clrMapOvr>
-  <p:timing>
-    <p:tnLst>
-      <p:par>
-        <p:cTn id="1" dur="indefinite" restart="never" nodeType="tmRoot"/>
-      </p:par>
-    </p:tnLst>
-  </p:timing>
 </p:sld>
 </file>
 
@@ -11275,13 +11121,7 @@
               <a:rPr lang="en-US" sz="3900" dirty="0">
                 <a:hlinkClick r:id="rId3"/>
               </a:rPr>
-              <a:t>Field Guide to Data </a:t>
-            </a:r>
-            <a:r>
-              <a:rPr lang="en-US" sz="3900" dirty="0" smtClean="0">
-                <a:hlinkClick r:id="rId3"/>
-              </a:rPr>
-              <a:t>Science</a:t>
+              <a:t>Field Guide to Data Science</a:t>
             </a:r>
             <a:endParaRPr lang="en-US" sz="3900" dirty="0"/>
           </a:p>
@@ -11343,41 +11183,41 @@
               <a:buNone/>
             </a:pPr>
             <a:r>
-              <a:rPr lang="en-US" dirty="0" smtClean="0"/>
+              <a:rPr lang="en-US" dirty="0"/>
               <a:t>Where are you?</a:t>
             </a:r>
           </a:p>
           <a:p>
             <a:pPr lvl="0"/>
             <a:r>
-              <a:rPr lang="en-US" dirty="0" smtClean="0"/>
+              <a:rPr lang="en-US" dirty="0"/>
               <a:t>Individual</a:t>
             </a:r>
           </a:p>
           <a:p>
             <a:pPr lvl="0"/>
             <a:r>
-              <a:rPr lang="en-US" dirty="0" smtClean="0"/>
+              <a:rPr lang="en-US" dirty="0"/>
               <a:t>Organization</a:t>
             </a:r>
           </a:p>
           <a:p>
             <a:pPr lvl="0"/>
             <a:r>
-              <a:rPr lang="en-US" dirty="0" smtClean="0"/>
+              <a:rPr lang="en-US" dirty="0"/>
               <a:t>Per Project</a:t>
             </a:r>
           </a:p>
           <a:p>
             <a:pPr lvl="1"/>
-            <a:endParaRPr lang="en-US" dirty="0" smtClean="0"/>
+            <a:endParaRPr lang="en-US" dirty="0"/>
           </a:p>
           <a:p>
             <a:pPr marL="0" indent="0">
               <a:buNone/>
             </a:pPr>
             <a:r>
-              <a:rPr lang="en-US" dirty="0" smtClean="0"/>
+              <a:rPr lang="en-US" dirty="0"/>
               <a:t> </a:t>
             </a:r>
           </a:p>
@@ -11393,13 +11233,6 @@
   <p:clrMapOvr>
     <a:masterClrMapping/>
   </p:clrMapOvr>
-  <p:timing>
-    <p:tnLst>
-      <p:par>
-        <p:cTn id="1" dur="indefinite" restart="never" nodeType="tmRoot"/>
-      </p:par>
-    </p:tnLst>
-  </p:timing>
 </p:sld>
 </file>
 
@@ -11451,13 +11284,7 @@
               <a:rPr lang="en-US" sz="3900" dirty="0">
                 <a:hlinkClick r:id="rId3"/>
               </a:rPr>
-              <a:t>Field Guide to Data </a:t>
-            </a:r>
-            <a:r>
-              <a:rPr lang="en-US" sz="3900" dirty="0" smtClean="0">
-                <a:hlinkClick r:id="rId3"/>
-              </a:rPr>
-              <a:t>Science</a:t>
+              <a:t>Field Guide to Data Science</a:t>
             </a:r>
             <a:endParaRPr lang="en-US" sz="3900" dirty="0"/>
           </a:p>
@@ -11519,45 +11346,45 @@
               <a:buNone/>
             </a:pPr>
             <a:r>
-              <a:rPr lang="en-US" dirty="0" smtClean="0"/>
+              <a:rPr lang="en-US" dirty="0"/>
               <a:t>Where are you?</a:t>
             </a:r>
           </a:p>
           <a:p>
             <a:pPr lvl="0"/>
             <a:r>
-              <a:rPr lang="en-US" dirty="0" smtClean="0"/>
+              <a:rPr lang="en-US" dirty="0"/>
               <a:t>Individual</a:t>
             </a:r>
           </a:p>
           <a:p>
             <a:pPr lvl="0"/>
             <a:r>
-              <a:rPr lang="en-US" dirty="0" smtClean="0"/>
+              <a:rPr lang="en-US" dirty="0"/>
               <a:t>Organization</a:t>
             </a:r>
           </a:p>
           <a:p>
             <a:pPr lvl="0"/>
             <a:r>
-              <a:rPr lang="en-US" dirty="0" smtClean="0"/>
+              <a:rPr lang="en-US" dirty="0"/>
               <a:t>Per Project</a:t>
             </a:r>
           </a:p>
           <a:p>
             <a:pPr lvl="1"/>
-            <a:endParaRPr lang="en-US" dirty="0" smtClean="0"/>
+            <a:endParaRPr lang="en-US" dirty="0"/>
           </a:p>
           <a:p>
             <a:pPr marL="0" indent="0">
               <a:buNone/>
             </a:pPr>
             <a:r>
-              <a:rPr lang="en-US" dirty="0" smtClean="0"/>
+              <a:rPr lang="en-US" dirty="0"/>
               <a:t>Goal: </a:t>
             </a:r>
             <a:r>
-              <a:rPr lang="en-US" dirty="0" smtClean="0">
+              <a:rPr lang="en-US" dirty="0">
                 <a:solidFill>
                   <a:srgbClr val="00B050"/>
                 </a:solidFill>
@@ -11653,13 +11480,6 @@
   <p:clrMapOvr>
     <a:masterClrMapping/>
   </p:clrMapOvr>
-  <p:timing>
-    <p:tnLst>
-      <p:par>
-        <p:cTn id="1" dur="indefinite" restart="never" nodeType="tmRoot"/>
-      </p:par>
-    </p:tnLst>
-  </p:timing>
 </p:sld>
 </file>
 
@@ -11711,13 +11531,7 @@
               <a:rPr lang="en-US" sz="3900" dirty="0">
                 <a:hlinkClick r:id="rId3"/>
               </a:rPr>
-              <a:t>Field Guide to Data </a:t>
-            </a:r>
-            <a:r>
-              <a:rPr lang="en-US" sz="3900" dirty="0" smtClean="0">
-                <a:hlinkClick r:id="rId3"/>
-              </a:rPr>
-              <a:t>Science</a:t>
+              <a:t>Field Guide to Data Science</a:t>
             </a:r>
             <a:endParaRPr lang="en-US" sz="3900" dirty="0"/>
           </a:p>
@@ -11779,45 +11593,45 @@
               <a:buNone/>
             </a:pPr>
             <a:r>
-              <a:rPr lang="en-US" dirty="0" smtClean="0"/>
+              <a:rPr lang="en-US" dirty="0"/>
               <a:t>Where are you?</a:t>
             </a:r>
           </a:p>
           <a:p>
             <a:pPr lvl="0"/>
             <a:r>
-              <a:rPr lang="en-US" dirty="0" smtClean="0"/>
+              <a:rPr lang="en-US" dirty="0"/>
               <a:t>Individual</a:t>
             </a:r>
           </a:p>
           <a:p>
             <a:pPr lvl="0"/>
             <a:r>
-              <a:rPr lang="en-US" dirty="0" smtClean="0"/>
+              <a:rPr lang="en-US" dirty="0"/>
               <a:t>Organization</a:t>
             </a:r>
           </a:p>
           <a:p>
             <a:pPr lvl="0"/>
             <a:r>
-              <a:rPr lang="en-US" dirty="0" smtClean="0"/>
+              <a:rPr lang="en-US" dirty="0"/>
               <a:t>Per Project</a:t>
             </a:r>
           </a:p>
           <a:p>
             <a:pPr lvl="1"/>
-            <a:endParaRPr lang="en-US" dirty="0" smtClean="0"/>
+            <a:endParaRPr lang="en-US" dirty="0"/>
           </a:p>
           <a:p>
             <a:pPr marL="0" indent="0">
               <a:buNone/>
             </a:pPr>
             <a:r>
-              <a:rPr lang="en-US" dirty="0" smtClean="0"/>
+              <a:rPr lang="en-US" dirty="0"/>
               <a:t>Goal: </a:t>
             </a:r>
             <a:r>
-              <a:rPr lang="en-US" dirty="0" smtClean="0">
+              <a:rPr lang="en-US" dirty="0">
                 <a:solidFill>
                   <a:srgbClr val="00B050"/>
                 </a:solidFill>
@@ -11959,13 +11773,6 @@
   <p:clrMapOvr>
     <a:masterClrMapping/>
   </p:clrMapOvr>
-  <p:timing>
-    <p:tnLst>
-      <p:par>
-        <p:cTn id="1" dur="indefinite" restart="never" nodeType="tmRoot"/>
-      </p:par>
-    </p:tnLst>
-  </p:timing>
 </p:sld>
 </file>
 
@@ -12017,13 +11824,7 @@
               <a:rPr lang="en-US" sz="3900" dirty="0">
                 <a:hlinkClick r:id="rId3"/>
               </a:rPr>
-              <a:t>Field Guide to Data </a:t>
-            </a:r>
-            <a:r>
-              <a:rPr lang="en-US" sz="3900" dirty="0" smtClean="0">
-                <a:hlinkClick r:id="rId3"/>
-              </a:rPr>
-              <a:t>Science</a:t>
+              <a:t>Field Guide to Data Science</a:t>
             </a:r>
             <a:endParaRPr lang="en-US" sz="3900" dirty="0"/>
           </a:p>
@@ -12085,45 +11886,45 @@
               <a:buNone/>
             </a:pPr>
             <a:r>
-              <a:rPr lang="en-US" dirty="0" smtClean="0"/>
+              <a:rPr lang="en-US" dirty="0"/>
               <a:t>Where are you?</a:t>
             </a:r>
           </a:p>
           <a:p>
             <a:pPr lvl="0"/>
             <a:r>
-              <a:rPr lang="en-US" dirty="0" smtClean="0"/>
+              <a:rPr lang="en-US" dirty="0"/>
               <a:t>Individual</a:t>
             </a:r>
           </a:p>
           <a:p>
             <a:pPr lvl="0"/>
             <a:r>
-              <a:rPr lang="en-US" dirty="0" smtClean="0"/>
+              <a:rPr lang="en-US" dirty="0"/>
               <a:t>Organization</a:t>
             </a:r>
           </a:p>
           <a:p>
             <a:pPr lvl="0"/>
             <a:r>
-              <a:rPr lang="en-US" dirty="0" smtClean="0"/>
+              <a:rPr lang="en-US" dirty="0"/>
               <a:t>Per Project</a:t>
             </a:r>
           </a:p>
           <a:p>
             <a:pPr lvl="1"/>
-            <a:endParaRPr lang="en-US" dirty="0" smtClean="0"/>
+            <a:endParaRPr lang="en-US" dirty="0"/>
           </a:p>
           <a:p>
             <a:pPr marL="0" indent="0">
               <a:buNone/>
             </a:pPr>
             <a:r>
-              <a:rPr lang="en-US" dirty="0" smtClean="0"/>
+              <a:rPr lang="en-US" dirty="0"/>
               <a:t>Goal: </a:t>
             </a:r>
             <a:r>
-              <a:rPr lang="en-US" dirty="0" smtClean="0">
+              <a:rPr lang="en-US" dirty="0">
                 <a:solidFill>
                   <a:srgbClr val="00B050"/>
                 </a:solidFill>
@@ -12278,18 +12079,13 @@
           <a:lstStyle/>
           <a:p>
             <a:r>
-              <a:rPr lang="en-US" dirty="0" smtClean="0">
+              <a:rPr lang="en-US" dirty="0">
                 <a:solidFill>
                   <a:srgbClr val="00B050"/>
                 </a:solidFill>
               </a:rPr>
               <a:t>$</a:t>
             </a:r>
-            <a:endParaRPr lang="en-US" dirty="0">
-              <a:solidFill>
-                <a:srgbClr val="00B050"/>
-              </a:solidFill>
-            </a:endParaRPr>
           </a:p>
         </p:txBody>
       </p:sp>
@@ -12316,18 +12112,13 @@
           <a:lstStyle/>
           <a:p>
             <a:r>
-              <a:rPr lang="en-US" sz="1200" dirty="0" smtClean="0">
+              <a:rPr lang="en-US" sz="1200" dirty="0">
                 <a:solidFill>
                   <a:srgbClr val="00B050"/>
                 </a:solidFill>
               </a:rPr>
               <a:t>$</a:t>
             </a:r>
-            <a:endParaRPr lang="en-US" sz="1200" dirty="0">
-              <a:solidFill>
-                <a:srgbClr val="00B050"/>
-              </a:solidFill>
-            </a:endParaRPr>
           </a:p>
         </p:txBody>
       </p:sp>
@@ -12354,18 +12145,13 @@
           <a:lstStyle/>
           <a:p>
             <a:r>
-              <a:rPr lang="en-US" dirty="0" smtClean="0">
+              <a:rPr lang="en-US" dirty="0">
                 <a:solidFill>
                   <a:srgbClr val="00B050"/>
                 </a:solidFill>
               </a:rPr>
               <a:t>$</a:t>
             </a:r>
-            <a:endParaRPr lang="en-US" dirty="0">
-              <a:solidFill>
-                <a:srgbClr val="00B050"/>
-              </a:solidFill>
-            </a:endParaRPr>
           </a:p>
         </p:txBody>
       </p:sp>
@@ -12392,18 +12178,13 @@
           <a:lstStyle/>
           <a:p>
             <a:r>
-              <a:rPr lang="en-US" b="1" dirty="0" smtClean="0">
+              <a:rPr lang="en-US" b="1" dirty="0">
                 <a:solidFill>
                   <a:srgbClr val="00B050"/>
                 </a:solidFill>
               </a:rPr>
               <a:t>$$$</a:t>
             </a:r>
-            <a:endParaRPr lang="en-US" b="1" dirty="0">
-              <a:solidFill>
-                <a:srgbClr val="00B050"/>
-              </a:solidFill>
-            </a:endParaRPr>
           </a:p>
         </p:txBody>
       </p:sp>
@@ -12430,18 +12211,13 @@
           <a:lstStyle/>
           <a:p>
             <a:r>
-              <a:rPr lang="en-US" b="1" dirty="0" smtClean="0">
+              <a:rPr lang="en-US" b="1" dirty="0">
                 <a:solidFill>
                   <a:srgbClr val="00B050"/>
                 </a:solidFill>
               </a:rPr>
               <a:t>$$$$</a:t>
             </a:r>
-            <a:endParaRPr lang="en-US" b="1" dirty="0">
-              <a:solidFill>
-                <a:srgbClr val="00B050"/>
-              </a:solidFill>
-            </a:endParaRPr>
           </a:p>
         </p:txBody>
       </p:sp>
@@ -12455,13 +12231,6 @@
   <p:clrMapOvr>
     <a:masterClrMapping/>
   </p:clrMapOvr>
-  <p:timing>
-    <p:tnLst>
-      <p:par>
-        <p:cTn id="1" dur="indefinite" restart="never" nodeType="tmRoot"/>
-      </p:par>
-    </p:tnLst>
-  </p:timing>
 </p:sld>
 </file>
 
@@ -12501,17 +12270,16 @@
           <a:p>
             <a:pPr lvl="0"/>
             <a:r>
-              <a:rPr lang="en-US" dirty="0" smtClean="0"/>
+              <a:rPr lang="en-US" dirty="0"/>
               <a:t>BAH Field Guide: </a:t>
             </a:r>
             <a:br>
-              <a:rPr lang="en-US" dirty="0" smtClean="0"/>
+              <a:rPr lang="en-US" dirty="0"/>
             </a:br>
             <a:r>
-              <a:rPr lang="en-US" b="1" dirty="0" smtClean="0"/>
+              <a:rPr lang="en-US" b="1" dirty="0"/>
               <a:t>Data Science is the art of turning data into actions:</a:t>
             </a:r>
-            <a:endParaRPr lang="en-US" b="1" dirty="0"/>
           </a:p>
         </p:txBody>
       </p:sp>
@@ -12539,68 +12307,60 @@
           <a:p>
             <a:pPr lvl="0"/>
             <a:r>
-              <a:rPr lang="en-US" sz="3200" dirty="0" smtClean="0"/>
+              <a:rPr lang="en-US" sz="3200" dirty="0"/>
               <a:t>Tradecraft </a:t>
             </a:r>
             <a:r>
-              <a:rPr lang="en-US" sz="3200" i="1" dirty="0" smtClean="0"/>
+              <a:rPr lang="en-US" sz="3200" i="1" dirty="0"/>
               <a:t>creates </a:t>
             </a:r>
             <a:r>
-              <a:rPr lang="en-US" sz="3200" b="1" i="1" dirty="0" smtClean="0"/>
+              <a:rPr lang="en-US" sz="3200" b="1" i="1" dirty="0"/>
               <a:t>data products</a:t>
             </a:r>
-            <a:endParaRPr lang="en-US" sz="3200" b="1" dirty="0" smtClean="0"/>
+            <a:endParaRPr lang="en-US" sz="3200" b="1" dirty="0"/>
           </a:p>
           <a:p>
             <a:pPr lvl="1"/>
             <a:r>
-              <a:rPr lang="en-US" sz="3200" dirty="0" smtClean="0"/>
-              <a:t>Drive </a:t>
-            </a:r>
-            <a:r>
               <a:rPr lang="en-US" sz="3200" dirty="0"/>
-              <a:t>actions </a:t>
-            </a:r>
-            <a:r>
-              <a:rPr lang="en-US" sz="3200" dirty="0" smtClean="0"/>
-              <a:t>– </a:t>
-            </a:r>
-            <a:r>
-              <a:rPr lang="en-US" sz="3200" b="1" i="1" dirty="0" smtClean="0"/>
+              <a:t>Drive actions – </a:t>
+            </a:r>
+            <a:r>
+              <a:rPr lang="en-US" sz="3200" b="1" i="1" dirty="0"/>
               <a:t>advice</a:t>
             </a:r>
             <a:r>
-              <a:rPr lang="en-US" sz="3200" dirty="0" smtClean="0"/>
+              <a:rPr lang="en-US" sz="3200" dirty="0"/>
               <a:t> – possibility and danger</a:t>
             </a:r>
           </a:p>
           <a:p>
             <a:pPr lvl="0"/>
             <a:r>
-              <a:rPr lang="en-US" sz="3200" dirty="0" smtClean="0"/>
+              <a:rPr lang="en-US" sz="3200" dirty="0"/>
               <a:t>Supports and encourages shifting between:</a:t>
             </a:r>
           </a:p>
           <a:p>
             <a:pPr lvl="1"/>
             <a:r>
-              <a:rPr lang="en-US" sz="3200" b="1" dirty="0" smtClean="0"/>
+              <a:rPr lang="en-US" sz="3200" b="1" dirty="0"/>
               <a:t>Deductive</a:t>
             </a:r>
             <a:r>
-              <a:rPr lang="en-US" sz="3200" dirty="0" smtClean="0"/>
+              <a:rPr lang="en-US" sz="3200" dirty="0"/>
               <a:t> (hypothesis-based) reasoning</a:t>
             </a:r>
           </a:p>
           <a:p>
             <a:pPr lvl="1"/>
             <a:r>
-              <a:rPr lang="en-US" sz="3200" b="1" dirty="0" smtClean="0"/>
+              <a:rPr lang="en-US" sz="3200" b="1" dirty="0"/>
               <a:t>Inductive</a:t>
             </a:r>
             <a:r>
-              <a:rPr lang="en-US" sz="3200" dirty="0" smtClean="0"/>
+              <a:rPr lang="en-US" sz="3200" dirty="0"/>
               <a:t> (pattern-based) reasoning</a:t>
             </a:r>
           </a:p>
@@ -12608,54 +12368,49 @@
             <a:pPr lvl="0"/>
             <a:r>
               <a:rPr lang="en-US" sz="3200" dirty="0"/>
-              <a:t>N</a:t>
-            </a:r>
-            <a:r>
-              <a:rPr lang="en-US" sz="3200" dirty="0" smtClean="0"/>
-              <a:t>ecessary for companies to </a:t>
-            </a:r>
-            <a:r>
-              <a:rPr lang="en-US" sz="3200" b="1" dirty="0" smtClean="0"/>
+              <a:t>Necessary for companies to </a:t>
+            </a:r>
+            <a:r>
+              <a:rPr lang="en-US" sz="3200" b="1" dirty="0"/>
               <a:t>compete</a:t>
             </a:r>
           </a:p>
           <a:p>
             <a:pPr lvl="0"/>
             <a:r>
-              <a:rPr lang="en-US" sz="3200" dirty="0" smtClean="0"/>
+              <a:rPr lang="en-US" sz="3200" dirty="0"/>
               <a:t>Capabilities </a:t>
             </a:r>
             <a:r>
-              <a:rPr lang="en-US" sz="3200" b="1" dirty="0" smtClean="0"/>
+              <a:rPr lang="en-US" sz="3200" b="1" dirty="0"/>
               <a:t>can be built</a:t>
             </a:r>
             <a:r>
-              <a:rPr lang="en-US" sz="3200" dirty="0" smtClean="0"/>
+              <a:rPr lang="en-US" sz="3200" dirty="0"/>
               <a:t> over time</a:t>
             </a:r>
           </a:p>
           <a:p>
             <a:pPr lvl="0"/>
             <a:r>
-              <a:rPr lang="en-US" sz="3200" dirty="0" smtClean="0"/>
+              <a:rPr lang="en-US" sz="3200" dirty="0"/>
               <a:t>Different kind of team sport</a:t>
             </a:r>
           </a:p>
           <a:p>
             <a:pPr lvl="1"/>
             <a:r>
-              <a:rPr lang="en-US" sz="2800" dirty="0" smtClean="0"/>
+              <a:rPr lang="en-US" sz="2800" dirty="0"/>
               <a:t>Company-wide </a:t>
             </a:r>
             <a:r>
-              <a:rPr lang="en-US" sz="2800" i="1" dirty="0" smtClean="0"/>
+              <a:rPr lang="en-US" sz="2800" i="1" dirty="0"/>
               <a:t>open culture </a:t>
             </a:r>
             <a:r>
-              <a:rPr lang="en-US" sz="2800" dirty="0" smtClean="0"/>
+              <a:rPr lang="en-US" sz="2800" dirty="0"/>
               <a:t>– commitment to insights from data</a:t>
             </a:r>
-            <a:endParaRPr lang="en-US" sz="2800" dirty="0"/>
           </a:p>
         </p:txBody>
       </p:sp>
@@ -12669,13 +12424,6 @@
   <p:clrMapOvr>
     <a:masterClrMapping/>
   </p:clrMapOvr>
-  <p:timing>
-    <p:tnLst>
-      <p:par>
-        <p:cTn id="1" dur="indefinite" restart="never" nodeType="tmRoot"/>
-      </p:par>
-    </p:tnLst>
-  </p:timing>
 </p:sld>
 </file>
 
@@ -12713,11 +12461,11 @@
           <a:p>
             <a:pPr lvl="0"/>
             <a:r>
-              <a:rPr lang="en-US" dirty="0" smtClean="0"/>
+              <a:rPr lang="en-US" dirty="0"/>
               <a:t>Is</a:t>
             </a:r>
             <a:r>
-              <a:rPr lang="en-US" baseline="0" dirty="0" smtClean="0"/>
+              <a:rPr lang="en-US" baseline="0" dirty="0"/>
               <a:t> it possible to know all of Data Science?</a:t>
             </a:r>
             <a:endParaRPr lang="en-US" dirty="0"/>
@@ -12750,25 +12498,25 @@
               <a:buNone/>
             </a:pPr>
             <a:r>
-              <a:rPr lang="en-US" sz="4000" dirty="0" smtClean="0"/>
+              <a:rPr lang="en-US" sz="4000" dirty="0"/>
               <a:t>In minutes?</a:t>
             </a:r>
           </a:p>
           <a:p>
             <a:r>
-              <a:rPr lang="en-US" sz="4000" dirty="0" smtClean="0"/>
+              <a:rPr lang="en-US" sz="4000" dirty="0"/>
               <a:t>What?</a:t>
             </a:r>
           </a:p>
           <a:p>
             <a:r>
-              <a:rPr lang="en-US" sz="4000" dirty="0" smtClean="0"/>
+              <a:rPr lang="en-US" sz="4000" dirty="0"/>
               <a:t>How?</a:t>
             </a:r>
           </a:p>
           <a:p>
             <a:r>
-              <a:rPr lang="en-US" sz="4000" dirty="0" smtClean="0"/>
+              <a:rPr lang="en-US" sz="4000" dirty="0"/>
               <a:t>Why?</a:t>
             </a:r>
           </a:p>
@@ -12777,7 +12525,7 @@
               <a:buNone/>
             </a:pPr>
             <a:r>
-              <a:rPr lang="en-US" sz="4000" dirty="0" smtClean="0"/>
+              <a:rPr lang="en-US" sz="4000" dirty="0"/>
               <a:t>Wide – not deep.</a:t>
             </a:r>
           </a:p>
@@ -12793,13 +12541,6 @@
   <p:clrMapOvr>
     <a:masterClrMapping/>
   </p:clrMapOvr>
-  <p:timing>
-    <p:tnLst>
-      <p:par>
-        <p:cTn id="1" dur="indefinite" restart="never" nodeType="tmRoot"/>
-      </p:par>
-    </p:tnLst>
-  </p:timing>
 </p:sld>
 </file>
 
@@ -12843,18 +12584,17 @@
           <a:lstStyle/>
           <a:p>
             <a:r>
-              <a:rPr lang="en-US" sz="3800" dirty="0" smtClean="0"/>
+              <a:rPr lang="en-US" sz="3800" dirty="0"/>
               <a:t>Vs. DoD</a:t>
             </a:r>
             <a:r>
-              <a:rPr lang="en-US" sz="3800" baseline="0" dirty="0" smtClean="0"/>
+              <a:rPr lang="en-US" sz="3800" baseline="0" dirty="0"/>
               <a:t> Process </a:t>
             </a:r>
             <a:r>
-              <a:rPr lang="en-US" sz="3800" dirty="0" smtClean="0"/>
+              <a:rPr lang="en-US" sz="3800" dirty="0"/>
               <a:t>Capability Maturity Model (CMM) Levels?</a:t>
             </a:r>
-            <a:endParaRPr lang="en-US" sz="3800" dirty="0"/>
           </a:p>
         </p:txBody>
       </p:sp>
@@ -12905,40 +12645,36 @@
           <a:lstStyle/>
           <a:p>
             <a:r>
-              <a:rPr lang="en-US" baseline="0" dirty="0" smtClean="0"/>
+              <a:rPr lang="en-US" baseline="0" dirty="0"/>
               <a:t>Earned Value Management =</a:t>
             </a:r>
             <a:br>
-              <a:rPr lang="en-US" baseline="0" dirty="0" smtClean="0"/>
+              <a:rPr lang="en-US" baseline="0" dirty="0"/>
             </a:br>
             <a:r>
-              <a:rPr lang="en-US" baseline="0" dirty="0" smtClean="0"/>
+              <a:rPr lang="en-US" baseline="0" dirty="0"/>
               <a:t>value earned from work being done </a:t>
             </a:r>
             <a:r>
-              <a:rPr lang="en-US" baseline="0" dirty="0" smtClean="0">
+              <a:rPr lang="en-US" baseline="0" dirty="0">
                 <a:hlinkClick r:id="rId4"/>
               </a:rPr>
               <a:t>dau.mil</a:t>
             </a:r>
-            <a:r>
-              <a:rPr lang="en-US" baseline="0" dirty="0" smtClean="0"/>
-              <a:t/>
-            </a:r>
             <a:br>
-              <a:rPr lang="en-US" baseline="0" dirty="0" smtClean="0"/>
+              <a:rPr lang="en-US" baseline="0" dirty="0"/>
             </a:br>
-            <a:endParaRPr lang="en-US" baseline="0" dirty="0" smtClean="0"/>
-          </a:p>
-          <a:p>
-            <a:r>
-              <a:rPr lang="en-US" dirty="0" smtClean="0"/>
+            <a:endParaRPr lang="en-US" baseline="0" dirty="0"/>
+          </a:p>
+          <a:p>
+            <a:r>
+              <a:rPr lang="en-US" dirty="0"/>
               <a:t>Plan your work work your plan</a:t>
             </a:r>
             <a:br>
-              <a:rPr lang="en-US" dirty="0" smtClean="0"/>
+              <a:rPr lang="en-US" dirty="0"/>
             </a:br>
-            <a:endParaRPr lang="en-US" dirty="0" smtClean="0"/>
+            <a:endParaRPr lang="en-US" dirty="0"/>
           </a:p>
           <a:p>
             <a:endParaRPr lang="en-US" dirty="0"/>
@@ -12948,11 +12684,11 @@
               <a:buNone/>
             </a:pPr>
             <a:r>
-              <a:rPr lang="en-US" sz="1600" dirty="0" smtClean="0"/>
+              <a:rPr lang="en-US" sz="1600" dirty="0"/>
               <a:t>source: </a:t>
             </a:r>
             <a:r>
-              <a:rPr lang="en-US" sz="1600" dirty="0" err="1" smtClean="0">
+              <a:rPr lang="en-US" sz="1600" dirty="0" err="1">
                 <a:hlinkClick r:id="rId5"/>
               </a:rPr>
               <a:t>wikipedia</a:t>
@@ -13065,7 +12801,7 @@
           <a:lstStyle/>
           <a:p>
             <a:r>
-              <a:rPr lang="en-US" sz="2800" b="1" dirty="0" smtClean="0">
+              <a:rPr lang="en-US" sz="2800" b="1" dirty="0">
                 <a:solidFill>
                   <a:srgbClr val="0070C0"/>
                 </a:solidFill>
@@ -13098,18 +12834,13 @@
           <a:lstStyle/>
           <a:p>
             <a:r>
-              <a:rPr lang="en-US" sz="2800" b="1" dirty="0" smtClean="0">
+              <a:rPr lang="en-US" sz="2800" b="1" dirty="0">
                 <a:solidFill>
                   <a:srgbClr val="0070C0"/>
                 </a:solidFill>
               </a:rPr>
               <a:t>Maturity</a:t>
             </a:r>
-            <a:endParaRPr lang="en-US" sz="2800" b="1" dirty="0">
-              <a:solidFill>
-                <a:srgbClr val="0070C0"/>
-              </a:solidFill>
-            </a:endParaRPr>
           </a:p>
         </p:txBody>
       </p:sp>
@@ -13153,13 +12884,6 @@
   <p:clrMapOvr>
     <a:masterClrMapping/>
   </p:clrMapOvr>
-  <p:timing>
-    <p:tnLst>
-      <p:par>
-        <p:cTn id="1" dur="indefinite" restart="never" nodeType="tmRoot"/>
-      </p:par>
-    </p:tnLst>
-  </p:timing>
 </p:sld>
 </file>
 
@@ -13226,18 +12950,18 @@
           <a:p>
             <a:pPr algn="ctr"/>
             <a:r>
-              <a:rPr lang="en-US" dirty="0" smtClean="0"/>
+              <a:rPr lang="en-US" dirty="0"/>
               <a:t>BAH Data CMM and DOD Process CMM</a:t>
             </a:r>
             <a:br>
-              <a:rPr lang="en-US" dirty="0" smtClean="0"/>
+              <a:rPr lang="en-US" dirty="0"/>
             </a:br>
             <a:r>
-              <a:rPr lang="en-US" dirty="0" smtClean="0"/>
+              <a:rPr lang="en-US" dirty="0"/>
               <a:t>Complement Each</a:t>
             </a:r>
             <a:r>
-              <a:rPr lang="en-US" baseline="0" dirty="0" smtClean="0"/>
+              <a:rPr lang="en-US" baseline="0" dirty="0"/>
               <a:t> Other</a:t>
             </a:r>
             <a:endParaRPr lang="en-US" dirty="0"/>
@@ -13254,13 +12978,6 @@
   <p:clrMapOvr>
     <a:masterClrMapping/>
   </p:clrMapOvr>
-  <p:timing>
-    <p:tnLst>
-      <p:par>
-        <p:cTn id="1" dur="indefinite" restart="never" nodeType="tmRoot"/>
-      </p:par>
-    </p:tnLst>
-  </p:timing>
 </p:sld>
 </file>
 
@@ -13303,7 +13020,7 @@
           <a:p>
             <a:pPr lvl="0" rtl="0" eaLnBrk="1" latinLnBrk="0" hangingPunct="1"/>
             <a:r>
-              <a:rPr lang="en-US" sz="2800" kern="1200" dirty="0" smtClean="0">
+              <a:rPr lang="en-US" sz="2800" kern="1200" dirty="0">
                 <a:solidFill>
                   <a:schemeClr val="tx1"/>
                 </a:solidFill>
@@ -13315,7 +13032,7 @@
               <a:t>“Noun-</a:t>
             </a:r>
             <a:r>
-              <a:rPr lang="en-US" sz="2800" kern="1200" dirty="0" err="1" smtClean="0">
+              <a:rPr lang="en-US" sz="2800" kern="1200" dirty="0" err="1">
                 <a:solidFill>
                   <a:schemeClr val="tx1"/>
                 </a:solidFill>
@@ -13327,7 +13044,7 @@
               <a:t>ified</a:t>
             </a:r>
             <a:r>
-              <a:rPr lang="en-US" sz="2800" kern="1200" dirty="0" smtClean="0">
+              <a:rPr lang="en-US" sz="2800" kern="1200" dirty="0">
                 <a:solidFill>
                   <a:schemeClr val="tx1"/>
                 </a:solidFill>
@@ -13357,7 +13074,7 @@
           <a:bodyPr/>
           <a:lstStyle/>
           <a:p>
-            <a:endParaRPr lang="en-US" dirty="0" smtClean="0"/>
+            <a:endParaRPr lang="en-US" dirty="0"/>
           </a:p>
           <a:p>
             <a:endParaRPr lang="en-US" dirty="0"/>
@@ -13398,13 +13115,6 @@
   <p:clrMapOvr>
     <a:masterClrMapping/>
   </p:clrMapOvr>
-  <p:timing>
-    <p:tnLst>
-      <p:par>
-        <p:cTn id="1" dur="indefinite" restart="never" nodeType="tmRoot"/>
-      </p:par>
-    </p:tnLst>
-  </p:timing>
 </p:sld>
 </file>
 
@@ -13446,10 +13156,9 @@
           <a:lstStyle/>
           <a:p>
             <a:r>
-              <a:rPr lang="en-US" dirty="0" smtClean="0"/>
+              <a:rPr lang="en-US" dirty="0"/>
               <a:t>Limits of Data Science – States of Being</a:t>
             </a:r>
-            <a:endParaRPr lang="en-US" dirty="0"/>
           </a:p>
         </p:txBody>
       </p:sp>
@@ -13490,8 +13199,8 @@
         </p:nvSpPr>
         <p:spPr>
           <a:xfrm>
-            <a:off x="5762627" y="1642744"/>
-            <a:ext cx="6348093" cy="4819015"/>
+            <a:off x="5286293" y="1511166"/>
+            <a:ext cx="6905708" cy="4950593"/>
           </a:xfrm>
         </p:spPr>
         <p:txBody>
@@ -13501,97 +13210,67 @@
           <a:lstStyle/>
           <a:p>
             <a:r>
-              <a:rPr lang="en-US" dirty="0" smtClean="0"/>
+              <a:rPr lang="en-US" dirty="0"/>
               <a:t>Possibility - clockwise (Opportunity):</a:t>
             </a:r>
-            <a:endParaRPr lang="en-US" dirty="0"/>
           </a:p>
           <a:p>
             <a:pPr lvl="1"/>
             <a:r>
-              <a:rPr lang="en-US" dirty="0" smtClean="0"/>
-              <a:t>DS </a:t>
-            </a:r>
-            <a:r>
               <a:rPr lang="en-US" dirty="0"/>
-              <a:t>provides </a:t>
-            </a:r>
-            <a:r>
-              <a:rPr lang="en-US" dirty="0" smtClean="0"/>
-              <a:t>Clarity</a:t>
-            </a:r>
-            <a:r>
-              <a:rPr lang="en-US" dirty="0"/>
-              <a:t>, </a:t>
-            </a:r>
-            <a:r>
-              <a:rPr lang="en-US" dirty="0" smtClean="0"/>
-              <a:t>Predictions, </a:t>
-            </a:r>
-            <a:r>
-              <a:rPr lang="en-US" dirty="0" smtClean="0">
+              <a:t>DS provides Clarity, Predictions, </a:t>
+            </a:r>
+            <a:r>
+              <a:rPr lang="en-US" dirty="0">
                 <a:solidFill>
                   <a:srgbClr val="00B050"/>
                 </a:solidFill>
               </a:rPr>
               <a:t>Advice</a:t>
             </a:r>
-            <a:endParaRPr lang="en-US" dirty="0">
-              <a:solidFill>
-                <a:srgbClr val="00B050"/>
-              </a:solidFill>
-            </a:endParaRPr>
           </a:p>
           <a:p>
             <a:pPr lvl="1"/>
             <a:r>
-              <a:rPr lang="en-US" dirty="0" smtClean="0"/>
+              <a:rPr lang="en-US" dirty="0"/>
               <a:t>You declare where to go (what to be) next</a:t>
             </a:r>
           </a:p>
           <a:p>
             <a:pPr lvl="2"/>
             <a:r>
-              <a:rPr lang="en-US" dirty="0" smtClean="0"/>
+              <a:rPr lang="en-US" dirty="0"/>
               <a:t>Data is only a starting point</a:t>
             </a:r>
           </a:p>
           <a:p>
             <a:pPr lvl="1"/>
             <a:r>
-              <a:rPr lang="en-US" dirty="0" smtClean="0"/>
-              <a:t>Be </a:t>
-            </a:r>
-            <a:r>
               <a:rPr lang="en-US" dirty="0"/>
-              <a:t>-&gt; Do -&gt; </a:t>
-            </a:r>
-            <a:r>
-              <a:rPr lang="en-US" dirty="0" smtClean="0"/>
-              <a:t>Have</a:t>
+              <a:t>Be -&gt; Do -&gt; Have</a:t>
             </a:r>
           </a:p>
           <a:p>
             <a:pPr lvl="1"/>
             <a:r>
-              <a:rPr lang="en-US" dirty="0" smtClean="0"/>
+              <a:rPr lang="en-US" dirty="0"/>
               <a:t>Empowering</a:t>
             </a:r>
           </a:p>
           <a:p>
             <a:r>
-              <a:rPr lang="en-US" dirty="0" smtClean="0"/>
+              <a:rPr lang="en-US" dirty="0"/>
               <a:t>Danger - counterclockwise (Constraint):</a:t>
             </a:r>
           </a:p>
           <a:p>
             <a:pPr lvl="1"/>
             <a:r>
-              <a:rPr lang="en-US" dirty="0" smtClean="0"/>
+              <a:rPr lang="en-US" dirty="0"/>
               <a:t>DS provides </a:t>
             </a:r>
             <a:r>
-              <a:rPr lang="en-US" dirty="0" smtClean="0">
+              <a:rPr lang="en-US" dirty="0">
                 <a:solidFill>
                   <a:srgbClr val="FF0000"/>
                 </a:solidFill>
@@ -13599,52 +13278,37 @@
               <a:t>justification</a:t>
             </a:r>
             <a:r>
-              <a:rPr lang="en-US" dirty="0" smtClean="0"/>
-              <a:t> to constrain being</a:t>
-            </a:r>
-            <a:endParaRPr lang="en-US" dirty="0" smtClean="0"/>
+              <a:rPr lang="en-US" dirty="0"/>
+              <a:t> used to constrain being</a:t>
+            </a:r>
           </a:p>
           <a:p>
             <a:pPr lvl="1"/>
             <a:r>
               <a:rPr lang="en-US" dirty="0"/>
-              <a:t>Data </a:t>
-            </a:r>
-            <a:r>
-              <a:rPr lang="en-US" dirty="0" smtClean="0"/>
-              <a:t>limits </a:t>
-            </a:r>
+              <a:t>Data limits where you can go next</a:t>
+            </a:r>
+          </a:p>
+          <a:p>
+            <a:pPr lvl="2"/>
             <a:r>
               <a:rPr lang="en-US" dirty="0"/>
-              <a:t>where </a:t>
-            </a:r>
-            <a:r>
-              <a:rPr lang="en-US" dirty="0" smtClean="0"/>
-              <a:t>you can go next</a:t>
-            </a:r>
-          </a:p>
-          <a:p>
-            <a:pPr lvl="2"/>
-            <a:r>
-              <a:rPr lang="en-US" dirty="0" smtClean="0"/>
               <a:t>Data becomes beginning and ending</a:t>
             </a:r>
-            <a:endParaRPr lang="en-US" dirty="0"/>
           </a:p>
           <a:p>
             <a:pPr lvl="1"/>
             <a:r>
-              <a:rPr lang="en-US" dirty="0" smtClean="0"/>
+              <a:rPr lang="en-US" dirty="0"/>
               <a:t>Have -&gt; Do -&gt; Be</a:t>
             </a:r>
           </a:p>
           <a:p>
             <a:pPr lvl="1"/>
             <a:r>
-              <a:rPr lang="en-US" dirty="0" smtClean="0"/>
+              <a:rPr lang="en-US" dirty="0"/>
               <a:t>Limiting</a:t>
             </a:r>
-            <a:endParaRPr lang="en-US" dirty="0"/>
           </a:p>
         </p:txBody>
       </p:sp>
@@ -13741,18 +13405,13 @@
           <a:lstStyle/>
           <a:p>
             <a:r>
-              <a:rPr lang="en-US" sz="2800" b="1" dirty="0" smtClean="0">
+              <a:rPr lang="en-US" sz="2800" b="1" dirty="0">
                 <a:solidFill>
                   <a:srgbClr val="00B050"/>
                 </a:solidFill>
               </a:rPr>
               <a:t>Advice</a:t>
             </a:r>
-            <a:endParaRPr lang="en-US" sz="2800" b="1" dirty="0">
-              <a:solidFill>
-                <a:srgbClr val="00B050"/>
-              </a:solidFill>
-            </a:endParaRPr>
           </a:p>
         </p:txBody>
       </p:sp>
@@ -13819,18 +13478,13 @@
           <a:lstStyle/>
           <a:p>
             <a:r>
-              <a:rPr lang="en-US" sz="2800" b="1" dirty="0" smtClean="0">
+              <a:rPr lang="en-US" sz="2800" b="1" dirty="0">
                 <a:solidFill>
                   <a:srgbClr val="FF0000"/>
                 </a:solidFill>
               </a:rPr>
               <a:t>Justification</a:t>
             </a:r>
-            <a:endParaRPr lang="en-US" sz="2800" b="1" dirty="0">
-              <a:solidFill>
-                <a:srgbClr val="FF0000"/>
-              </a:solidFill>
-            </a:endParaRPr>
           </a:p>
         </p:txBody>
       </p:sp>
@@ -13917,13 +13571,6 @@
   <p:clrMapOvr>
     <a:masterClrMapping/>
   </p:clrMapOvr>
-  <p:timing>
-    <p:tnLst>
-      <p:par>
-        <p:cTn id="1" dur="indefinite" restart="never" nodeType="tmRoot"/>
-      </p:par>
-    </p:tnLst>
-  </p:timing>
 </p:sld>
 </file>
 
@@ -13967,10 +13614,9 @@
           <a:lstStyle/>
           <a:p>
             <a:r>
-              <a:rPr lang="en-US" dirty="0" smtClean="0"/>
+              <a:rPr lang="en-US" dirty="0"/>
               <a:t>Thank you</a:t>
             </a:r>
-            <a:endParaRPr lang="en-US" dirty="0"/>
           </a:p>
         </p:txBody>
       </p:sp>
@@ -14000,31 +13646,31 @@
               <a:buNone/>
             </a:pPr>
             <a:r>
-              <a:rPr lang="en-US" dirty="0" smtClean="0"/>
+              <a:rPr lang="en-US" dirty="0"/>
               <a:t>What we covered:</a:t>
             </a:r>
           </a:p>
           <a:p>
             <a:r>
-              <a:rPr lang="en-US" dirty="0" smtClean="0"/>
+              <a:rPr lang="en-US" dirty="0"/>
               <a:t>What</a:t>
             </a:r>
           </a:p>
           <a:p>
             <a:r>
-              <a:rPr lang="en-US" dirty="0" smtClean="0"/>
+              <a:rPr lang="en-US" dirty="0"/>
               <a:t>How</a:t>
             </a:r>
           </a:p>
           <a:p>
             <a:r>
-              <a:rPr lang="en-US" dirty="0" smtClean="0"/>
+              <a:rPr lang="en-US" dirty="0"/>
               <a:t>Why</a:t>
             </a:r>
           </a:p>
           <a:p>
             <a:r>
-              <a:rPr lang="en-US" dirty="0" smtClean="0"/>
+              <a:rPr lang="en-US" dirty="0"/>
               <a:t>Limits</a:t>
             </a:r>
           </a:p>
@@ -14033,11 +13679,11 @@
               <a:buNone/>
             </a:pPr>
             <a:r>
-              <a:rPr lang="en-US" dirty="0" smtClean="0"/>
+              <a:rPr lang="en-US" dirty="0"/>
               <a:t>of Data Science</a:t>
             </a:r>
             <a:br>
-              <a:rPr lang="en-US" dirty="0" smtClean="0"/>
+              <a:rPr lang="en-US" dirty="0"/>
             </a:br>
             <a:endParaRPr lang="en-US" dirty="0"/>
           </a:p>
@@ -14046,7 +13692,7 @@
               <a:buNone/>
             </a:pPr>
             <a:r>
-              <a:rPr lang="en-US" dirty="0" smtClean="0"/>
+              <a:rPr lang="en-US" dirty="0"/>
               <a:t>What did you learn?  Any questions?</a:t>
             </a:r>
           </a:p>
@@ -14094,13 +13740,6 @@
   <p:clrMapOvr>
     <a:masterClrMapping/>
   </p:clrMapOvr>
-  <p:timing>
-    <p:tnLst>
-      <p:par>
-        <p:cTn id="1" dur="indefinite" restart="never" nodeType="tmRoot"/>
-      </p:par>
-    </p:tnLst>
-  </p:timing>
 </p:sld>
 </file>
 
@@ -14143,10 +13782,9 @@
           <a:p>
             <a:pPr lvl="0"/>
             <a:r>
-              <a:rPr lang="en-US" dirty="0" smtClean="0"/>
+              <a:rPr lang="en-US" dirty="0"/>
               <a:t>Agenda: a perspective – open to suggestions</a:t>
             </a:r>
-            <a:endParaRPr lang="en-US" dirty="0"/>
           </a:p>
         </p:txBody>
       </p:sp>
@@ -14171,10 +13809,9 @@
           <a:lstStyle/>
           <a:p>
             <a:r>
-              <a:rPr lang="en-US" sz="3200" dirty="0" smtClean="0"/>
+              <a:rPr lang="en-US" sz="3200" dirty="0"/>
               <a:t>Covered</a:t>
             </a:r>
-            <a:endParaRPr lang="en-US" sz="3200" dirty="0"/>
           </a:p>
         </p:txBody>
       </p:sp>
@@ -14204,62 +13841,62 @@
               <a:buNone/>
             </a:pPr>
             <a:r>
-              <a:rPr lang="en-US" sz="4000" u="sng" dirty="0" smtClean="0"/>
+              <a:rPr lang="en-US" sz="4000" u="sng" dirty="0"/>
               <a:t>What is data science?</a:t>
             </a:r>
             <a:r>
-              <a:rPr lang="en-US" sz="4000" dirty="0" smtClean="0"/>
+              <a:rPr lang="en-US" sz="4000" dirty="0"/>
               <a:t>  </a:t>
             </a:r>
           </a:p>
           <a:p>
             <a:r>
-              <a:rPr lang="en-US" sz="4000" dirty="0" smtClean="0"/>
+              <a:rPr lang="en-US" sz="4000" dirty="0"/>
               <a:t>Learn: A method to learn fast and recall more</a:t>
             </a:r>
           </a:p>
           <a:p>
             <a:r>
-              <a:rPr lang="en-US" sz="4000" dirty="0" smtClean="0"/>
+              <a:rPr lang="en-US" sz="4000" dirty="0"/>
               <a:t>The space of </a:t>
             </a:r>
             <a:r>
-              <a:rPr lang="en-US" sz="4000" dirty="0" err="1" smtClean="0"/>
+              <a:rPr lang="en-US" sz="4000" dirty="0" err="1"/>
               <a:t>sci</a:t>
             </a:r>
             <a:r>
-              <a:rPr lang="en-US" sz="4000" dirty="0" smtClean="0"/>
+              <a:rPr lang="en-US" sz="4000" dirty="0"/>
               <a:t>-kit learn</a:t>
             </a:r>
           </a:p>
           <a:p>
             <a:r>
-              <a:rPr lang="en-US" sz="4000" dirty="0" smtClean="0"/>
+              <a:rPr lang="en-US" sz="4000" dirty="0"/>
               <a:t>A capability maturity model for data science</a:t>
             </a:r>
           </a:p>
           <a:p>
             <a:r>
-              <a:rPr lang="en-US" sz="4000" dirty="0" smtClean="0"/>
+              <a:rPr lang="en-US" sz="4000" dirty="0"/>
               <a:t>Deliverables</a:t>
             </a:r>
           </a:p>
           <a:p>
             <a:r>
-              <a:rPr lang="en-US" sz="4000" dirty="0" smtClean="0"/>
+              <a:rPr lang="en-US" sz="4000" dirty="0"/>
               <a:t>Limits</a:t>
             </a:r>
           </a:p>
           <a:p>
-            <a:endParaRPr lang="en-US" sz="4000" dirty="0" smtClean="0"/>
-          </a:p>
-          <a:p>
-            <a:r>
-              <a:rPr lang="en-US" sz="4000" u="sng" dirty="0" smtClean="0"/>
+            <a:endParaRPr lang="en-US" sz="4000" dirty="0"/>
+          </a:p>
+          <a:p>
+            <a:r>
+              <a:rPr lang="en-US" sz="4000" u="sng" dirty="0"/>
               <a:t>Arguably</a:t>
             </a:r>
             <a:r>
-              <a:rPr lang="en-US" sz="4000" dirty="0" smtClean="0"/>
+              <a:rPr lang="en-US" sz="4000" dirty="0"/>
               <a:t>: How NN, AI and ML fit it</a:t>
             </a:r>
           </a:p>
@@ -14288,10 +13925,9 @@
           <a:lstStyle/>
           <a:p>
             <a:r>
-              <a:rPr lang="en-US" sz="3200" dirty="0" smtClean="0"/>
+              <a:rPr lang="en-US" sz="3200" dirty="0"/>
               <a:t>Not Covered</a:t>
             </a:r>
-            <a:endParaRPr lang="en-US" sz="3200" dirty="0"/>
           </a:p>
         </p:txBody>
       </p:sp>
@@ -14319,36 +13955,35 @@
               <a:buNone/>
             </a:pPr>
             <a:r>
-              <a:rPr lang="en-US" u="sng" dirty="0" smtClean="0"/>
+              <a:rPr lang="en-US" u="sng" dirty="0"/>
               <a:t>Details of</a:t>
             </a:r>
           </a:p>
           <a:p>
             <a:r>
-              <a:rPr lang="en-US" dirty="0" smtClean="0"/>
+              <a:rPr lang="en-US" dirty="0"/>
               <a:t>Neural </a:t>
             </a:r>
             <a:r>
-              <a:rPr lang="en-US" sz="3100" dirty="0" smtClean="0"/>
+              <a:rPr lang="en-US" sz="3100" dirty="0"/>
               <a:t>Networks</a:t>
             </a:r>
             <a:r>
-              <a:rPr lang="en-US" dirty="0" smtClean="0"/>
+              <a:rPr lang="en-US" dirty="0"/>
               <a:t> (NN)</a:t>
             </a:r>
           </a:p>
           <a:p>
             <a:r>
-              <a:rPr lang="en-US" dirty="0" smtClean="0"/>
+              <a:rPr lang="en-US" dirty="0"/>
               <a:t>Artificial Intelligence (AI)</a:t>
             </a:r>
           </a:p>
           <a:p>
             <a:r>
-              <a:rPr lang="en-US" dirty="0" smtClean="0"/>
+              <a:rPr lang="en-US" dirty="0"/>
               <a:t>Machine Learning (ML)</a:t>
             </a:r>
-            <a:endParaRPr lang="en-US" dirty="0"/>
           </a:p>
         </p:txBody>
       </p:sp>
@@ -14362,13 +13997,6 @@
   <p:clrMapOvr>
     <a:masterClrMapping/>
   </p:clrMapOvr>
-  <p:timing>
-    <p:tnLst>
-      <p:par>
-        <p:cTn id="1" dur="indefinite" restart="never" nodeType="tmRoot"/>
-      </p:par>
-    </p:tnLst>
-  </p:timing>
 </p:sld>
 </file>
 
@@ -14406,7 +14034,7 @@
           <a:p>
             <a:pPr lvl="0" rtl="0" eaLnBrk="1" latinLnBrk="0" hangingPunct="1"/>
             <a:r>
-              <a:rPr lang="en-US" sz="2800" kern="1200" dirty="0" smtClean="0">
+              <a:rPr lang="en-US" sz="2800" kern="1200" dirty="0">
                 <a:solidFill>
                   <a:schemeClr val="tx1"/>
                 </a:solidFill>
@@ -14445,28 +14073,28 @@
               <a:buNone/>
             </a:pPr>
             <a:r>
-              <a:rPr lang="en-US" dirty="0" smtClean="0">
+              <a:rPr lang="en-US" dirty="0">
                 <a:hlinkClick r:id="rId2"/>
               </a:rPr>
               <a:t>Wikipedia</a:t>
             </a:r>
             <a:r>
-              <a:rPr lang="en-US" dirty="0" smtClean="0"/>
+              <a:rPr lang="en-US" dirty="0"/>
               <a:t>: </a:t>
             </a:r>
             <a:r>
-              <a:rPr lang="en-US" b="1" dirty="0" smtClean="0"/>
+              <a:rPr lang="en-US" b="1" dirty="0"/>
               <a:t>Data science</a:t>
             </a:r>
             <a:r>
-              <a:rPr lang="en-US" dirty="0" smtClean="0"/>
+              <a:rPr lang="en-US" dirty="0"/>
               <a:t> is an interdisciplinary field that uses scientific</a:t>
             </a:r>
             <a:br>
-              <a:rPr lang="en-US" dirty="0" smtClean="0"/>
+              <a:rPr lang="en-US" dirty="0"/>
             </a:br>
             <a:r>
-              <a:rPr lang="en-US" dirty="0" smtClean="0"/>
+              <a:rPr lang="en-US" dirty="0"/>
               <a:t>methods, processes, algorithms and systems to extract knowledge and insights from data in various forms, both structured and unstructured.</a:t>
             </a:r>
           </a:p>
@@ -14481,18 +14109,17 @@
               <a:buNone/>
             </a:pPr>
             <a:r>
-              <a:rPr lang="en-US" dirty="0" smtClean="0"/>
+              <a:rPr lang="en-US" dirty="0"/>
               <a:t>Anything </a:t>
             </a:r>
             <a:r>
-              <a:rPr lang="en-US" i="1" dirty="0" smtClean="0"/>
+              <a:rPr lang="en-US" i="1" dirty="0"/>
               <a:t>missing</a:t>
             </a:r>
             <a:r>
-              <a:rPr lang="en-US" dirty="0" smtClean="0"/>
+              <a:rPr lang="en-US" dirty="0"/>
               <a:t> from above definition?</a:t>
             </a:r>
-            <a:endParaRPr lang="en-US" dirty="0"/>
           </a:p>
         </p:txBody>
       </p:sp>
@@ -14506,13 +14133,6 @@
   <p:clrMapOvr>
     <a:masterClrMapping/>
   </p:clrMapOvr>
-  <p:timing>
-    <p:tnLst>
-      <p:par>
-        <p:cTn id="1" dur="indefinite" restart="never" nodeType="tmRoot"/>
-      </p:par>
-    </p:tnLst>
-  </p:timing>
 </p:sld>
 </file>
 
@@ -14550,7 +14170,7 @@
           <a:p>
             <a:pPr lvl="0" rtl="0" eaLnBrk="1" latinLnBrk="0" hangingPunct="1"/>
             <a:r>
-              <a:rPr lang="en-US" sz="2800" kern="1200" dirty="0" smtClean="0">
+              <a:rPr lang="en-US" sz="2800" kern="1200" dirty="0">
                 <a:solidFill>
                   <a:schemeClr val="tx1"/>
                 </a:solidFill>
@@ -14586,21 +14206,21 @@
               <a:buNone/>
             </a:pPr>
             <a:r>
-              <a:rPr lang="en-US" dirty="0" smtClean="0">
+              <a:rPr lang="en-US" dirty="0">
                 <a:hlinkClick r:id="rId3"/>
               </a:rPr>
               <a:t>Wikipedia</a:t>
             </a:r>
             <a:r>
-              <a:rPr lang="en-US" dirty="0" smtClean="0"/>
+              <a:rPr lang="en-US" dirty="0"/>
               <a:t>: </a:t>
             </a:r>
             <a:r>
-              <a:rPr lang="en-US" b="1" dirty="0" smtClean="0"/>
+              <a:rPr lang="en-US" b="1" dirty="0"/>
               <a:t>Data science</a:t>
             </a:r>
             <a:r>
-              <a:rPr lang="en-US" dirty="0" smtClean="0"/>
+              <a:rPr lang="en-US" dirty="0"/>
               <a:t> is an interdisciplinary field that uses scientific methods, processes, algorithms and systems to extract knowledge and insights from data in various forms, both structured and unstructured.</a:t>
             </a:r>
           </a:p>
@@ -14608,11 +14228,11 @@
             <a:pPr marL="0" indent="0">
               <a:buNone/>
             </a:pPr>
-            <a:endParaRPr lang="en-US" dirty="0" smtClean="0"/>
-          </a:p>
-          <a:p>
-            <a:r>
-              <a:rPr lang="en-US" dirty="0" smtClean="0">
+            <a:endParaRPr lang="en-US" dirty="0"/>
+          </a:p>
+          <a:p>
+            <a:r>
+              <a:rPr lang="en-US" dirty="0">
                 <a:solidFill>
                   <a:srgbClr val="FF0000"/>
                 </a:solidFill>
@@ -14620,13 +14240,13 @@
               <a:t>Data</a:t>
             </a:r>
             <a:r>
-              <a:rPr lang="en-US" dirty="0" smtClean="0"/>
+              <a:rPr lang="en-US" dirty="0"/>
               <a:t> =&gt; Information =&gt; Knowledge</a:t>
             </a:r>
           </a:p>
           <a:p>
             <a:r>
-              <a:rPr lang="en-US" dirty="0" smtClean="0">
+              <a:rPr lang="en-US" dirty="0">
                 <a:solidFill>
                   <a:srgbClr val="FFC000"/>
                 </a:solidFill>
@@ -14637,20 +14257,20 @@
           <a:p>
             <a:pPr lvl="1"/>
             <a:r>
-              <a:rPr lang="en-US" dirty="0" smtClean="0"/>
+              <a:rPr lang="en-US" dirty="0"/>
               <a:t>Visualization</a:t>
             </a:r>
           </a:p>
           <a:p>
             <a:pPr lvl="1"/>
             <a:r>
-              <a:rPr lang="en-US" dirty="0" smtClean="0"/>
+              <a:rPr lang="en-US" dirty="0"/>
               <a:t>Predictive Model</a:t>
             </a:r>
           </a:p>
           <a:p>
             <a:r>
-              <a:rPr lang="en-US" dirty="0" smtClean="0">
+              <a:rPr lang="en-US" dirty="0">
                 <a:solidFill>
                   <a:srgbClr val="00B050"/>
                 </a:solidFill>
@@ -14661,24 +14281,19 @@
           <a:p>
             <a:pPr lvl="1"/>
             <a:r>
-              <a:rPr lang="en-US" dirty="0" smtClean="0"/>
+              <a:rPr lang="en-US" dirty="0"/>
               <a:t>Advice</a:t>
             </a:r>
           </a:p>
           <a:p>
             <a:r>
-              <a:rPr lang="en-US" dirty="0" smtClean="0">
+              <a:rPr lang="en-US" dirty="0">
                 <a:solidFill>
                   <a:srgbClr val="0070C0"/>
                 </a:solidFill>
               </a:rPr>
               <a:t>Repeat</a:t>
             </a:r>
-            <a:endParaRPr lang="en-US" dirty="0">
-              <a:solidFill>
-                <a:srgbClr val="0070C0"/>
-              </a:solidFill>
-            </a:endParaRPr>
           </a:p>
         </p:txBody>
       </p:sp>
@@ -14735,18 +14350,13 @@
           <a:lstStyle/>
           <a:p>
             <a:r>
-              <a:rPr lang="en-US" sz="2800" b="1" dirty="0" smtClean="0">
+              <a:rPr lang="en-US" sz="2800" b="1" dirty="0">
                 <a:solidFill>
                   <a:srgbClr val="0070C0"/>
                 </a:solidFill>
               </a:rPr>
               <a:t>Data Science Wheel</a:t>
             </a:r>
-            <a:endParaRPr lang="en-US" sz="2800" b="1" dirty="0">
-              <a:solidFill>
-                <a:srgbClr val="0070C0"/>
-              </a:solidFill>
-            </a:endParaRPr>
           </a:p>
         </p:txBody>
       </p:sp>
@@ -14760,13 +14370,6 @@
   <p:clrMapOvr>
     <a:masterClrMapping/>
   </p:clrMapOvr>
-  <p:timing>
-    <p:tnLst>
-      <p:par>
-        <p:cTn id="1" dur="indefinite" restart="never" nodeType="tmRoot"/>
-      </p:par>
-    </p:tnLst>
-  </p:timing>
 </p:sld>
 </file>
 
@@ -14811,7 +14414,7 @@
           <a:p>
             <a:pPr lvl="0"/>
             <a:r>
-              <a:rPr lang="en-US" sz="2800" dirty="0" smtClean="0">
+              <a:rPr lang="en-US" sz="2800" dirty="0">
                 <a:latin typeface="+mn-lt"/>
                 <a:ea typeface="+mn-ea"/>
                 <a:cs typeface="+mn-cs"/>
@@ -14832,13 +14435,6 @@
   <p:clrMapOvr>
     <a:masterClrMapping/>
   </p:clrMapOvr>
-  <p:timing>
-    <p:tnLst>
-      <p:par>
-        <p:cTn id="1" dur="indefinite" restart="never" nodeType="tmRoot"/>
-      </p:par>
-    </p:tnLst>
-  </p:timing>
 </p:sld>
 </file>
 
@@ -14883,7 +14479,7 @@
           <a:p>
             <a:pPr lvl="0"/>
             <a:r>
-              <a:rPr lang="en-US" sz="2800" kern="1200" dirty="0" smtClean="0">
+              <a:rPr lang="en-US" sz="2800" kern="1200" dirty="0">
                 <a:solidFill>
                   <a:schemeClr val="tx1"/>
                 </a:solidFill>
@@ -14900,15 +14496,7 @@
                 <a:ea typeface="+mn-ea"/>
                 <a:cs typeface="+mn-cs"/>
               </a:rPr>
-              <a:t>Recall </a:t>
-            </a:r>
-            <a:r>
-              <a:rPr lang="en-US" sz="2800" dirty="0" smtClean="0">
-                <a:latin typeface="+mn-lt"/>
-                <a:ea typeface="+mn-ea"/>
-                <a:cs typeface="+mn-cs"/>
-              </a:rPr>
-              <a:t>more</a:t>
+              <a:t>Recall more</a:t>
             </a:r>
             <a:endParaRPr lang="en-US" dirty="0"/>
           </a:p>
@@ -14938,51 +14526,47 @@
           <a:p>
             <a:pPr lvl="0"/>
             <a:r>
-              <a:rPr lang="en-US" dirty="0" smtClean="0"/>
-              <a:t>Who</a:t>
-            </a:r>
-            <a:r>
               <a:rPr lang="en-US" dirty="0"/>
-              <a:t>? Ancient Greek poet: Simonides of </a:t>
+              <a:t>Who? Ancient Greek poet: Simonides of </a:t>
             </a:r>
             <a:r>
               <a:rPr lang="en-US" dirty="0" err="1"/>
               <a:t>Creos</a:t>
             </a:r>
-            <a:endParaRPr lang="en-US" dirty="0" smtClean="0"/>
+            <a:endParaRPr lang="en-US" dirty="0"/>
           </a:p>
           <a:p>
             <a:pPr lvl="0"/>
             <a:r>
-              <a:rPr lang="en-US" dirty="0" smtClean="0"/>
+              <a:rPr lang="en-US" dirty="0"/>
               <a:t>Are we losing geo-spatial capability?</a:t>
             </a:r>
           </a:p>
           <a:p>
             <a:pPr lvl="0"/>
             <a:r>
-              <a:rPr lang="en-US" dirty="0" smtClean="0"/>
+              <a:rPr lang="en-US" dirty="0"/>
               <a:t>Use mental “maps” to get to data:</a:t>
             </a:r>
             <a:br>
-              <a:rPr lang="en-US" dirty="0" smtClean="0"/>
+              <a:rPr lang="en-US" dirty="0"/>
             </a:br>
             <a:r>
-              <a:rPr lang="en-US" dirty="0" smtClean="0"/>
+              <a:rPr lang="en-US" dirty="0"/>
               <a:t>Getting to a desired destination requires both:</a:t>
             </a:r>
           </a:p>
           <a:p>
             <a:pPr lvl="1"/>
             <a:r>
-              <a:rPr lang="en-US" dirty="0" smtClean="0"/>
+              <a:rPr lang="en-US" dirty="0"/>
               <a:t>start point </a:t>
             </a:r>
           </a:p>
           <a:p>
             <a:pPr lvl="1"/>
             <a:r>
-              <a:rPr lang="en-US" dirty="0" smtClean="0"/>
+              <a:rPr lang="en-US" dirty="0"/>
               <a:t>AND basis with origin </a:t>
             </a:r>
           </a:p>
@@ -14994,16 +14578,10 @@
               <a:rPr lang="en-US" sz="1800" dirty="0">
                 <a:hlinkClick r:id="rId3"/>
               </a:rPr>
-              <a:t>http://</a:t>
-            </a:r>
-            <a:r>
-              <a:rPr lang="en-US" sz="1800" dirty="0" smtClean="0">
-                <a:hlinkClick r:id="rId3"/>
-              </a:rPr>
-              <a:t>advertisementfeature.cnn.com/think-brilliant/memory-palace.html</a:t>
-            </a:r>
-            <a:r>
-              <a:rPr lang="en-US" sz="1800" dirty="0" smtClean="0"/>
+              <a:t>http://advertisementfeature.cnn.com/think-brilliant/memory-palace.html</a:t>
+            </a:r>
+            <a:r>
+              <a:rPr lang="en-US" sz="1800" dirty="0"/>
               <a:t> </a:t>
             </a:r>
           </a:p>
@@ -15079,13 +14657,6 @@
   <p:clrMapOvr>
     <a:masterClrMapping/>
   </p:clrMapOvr>
-  <p:timing>
-    <p:tnLst>
-      <p:par>
-        <p:cTn id="1" dur="indefinite" restart="never" nodeType="tmRoot"/>
-      </p:par>
-    </p:tnLst>
-  </p:timing>
 </p:sld>
 </file>
 
@@ -15108,7 +14679,13 @@
       </p:grpSpPr>
       <p:pic>
         <p:nvPicPr>
-          <p:cNvPr id="5" name="Content Placeholder 4"/>
+          <p:cNvPr id="16" name="Content Placeholder 15">
+            <a:extLst>
+              <a:ext uri="{FF2B5EF4-FFF2-40B4-BE49-F238E27FC236}">
+                <a16:creationId xmlns:a16="http://schemas.microsoft.com/office/drawing/2014/main" id="{D76E706E-DB9F-4F3F-849A-22A842B9D05A}"/>
+              </a:ext>
+            </a:extLst>
+          </p:cNvPr>
           <p:cNvPicPr>
             <a:picLocks noGrp="1" noChangeAspect="1"/>
           </p:cNvPicPr>
@@ -15118,16 +14695,6 @@
         </p:nvPicPr>
         <p:blipFill>
           <a:blip r:embed="rId3">
-            <a:clrChange>
-              <a:clrFrom>
-                <a:srgbClr val="FEFEFE"/>
-              </a:clrFrom>
-              <a:clrTo>
-                <a:srgbClr val="FEFEFE">
-                  <a:alpha val="0"/>
-                </a:srgbClr>
-              </a:clrTo>
-            </a:clrChange>
             <a:extLst>
               <a:ext uri="{28A0092B-C50C-407E-A947-70E740481C1C}">
                 <a14:useLocalDpi xmlns:a14="http://schemas.microsoft.com/office/drawing/2010/main" val="0"/>
@@ -15140,8 +14707,8 @@
         </p:blipFill>
         <p:spPr>
           <a:xfrm>
-            <a:off x="574343" y="391886"/>
-            <a:ext cx="8758343" cy="6586275"/>
+            <a:off x="673767" y="540638"/>
+            <a:ext cx="8629631" cy="6432862"/>
           </a:xfrm>
         </p:spPr>
       </p:pic>
@@ -15169,7 +14736,7 @@
           <a:p>
             <a:pPr lvl="0"/>
             <a:r>
-              <a:rPr lang="en-US" sz="2800" kern="1200" dirty="0" smtClean="0">
+              <a:rPr lang="en-US" sz="2800" kern="1200" dirty="0">
                 <a:solidFill>
                   <a:schemeClr val="tx1"/>
                 </a:solidFill>
@@ -15181,7 +14748,7 @@
               <a:t>Method of Loci </a:t>
             </a:r>
             <a:r>
-              <a:rPr lang="en-US" sz="2800" dirty="0" smtClean="0">
+              <a:rPr lang="en-US" sz="2800" dirty="0">
                 <a:latin typeface="+mn-lt"/>
                 <a:ea typeface="+mn-ea"/>
                 <a:cs typeface="+mn-cs"/>
@@ -15219,30 +14786,22 @@
               <a:buChar char="ü"/>
             </a:pPr>
             <a:r>
-              <a:rPr lang="en-US" sz="4400" dirty="0" smtClean="0"/>
+              <a:rPr lang="en-US" sz="4400" dirty="0"/>
               <a:t>Drawing</a:t>
             </a:r>
-            <a:endParaRPr lang="en-US" sz="4400" dirty="0"/>
           </a:p>
         </p:txBody>
       </p:sp>
     </p:spTree>
     <p:extLst>
       <p:ext uri="{BB962C8B-B14F-4D97-AF65-F5344CB8AC3E}">
-        <p14:creationId xmlns:p14="http://schemas.microsoft.com/office/powerpoint/2010/main" val="154498567"/>
+        <p14:creationId xmlns:p14="http://schemas.microsoft.com/office/powerpoint/2010/main" val="3930163349"/>
       </p:ext>
     </p:extLst>
   </p:cSld>
   <p:clrMapOvr>
     <a:masterClrMapping/>
   </p:clrMapOvr>
-  <p:timing>
-    <p:tnLst>
-      <p:par>
-        <p:cTn id="1" dur="indefinite" restart="never" nodeType="tmRoot"/>
-      </p:par>
-    </p:tnLst>
-  </p:timing>
 </p:sld>
 </file>
 
@@ -15265,7 +14824,13 @@
       </p:grpSpPr>
       <p:pic>
         <p:nvPicPr>
-          <p:cNvPr id="5" name="Content Placeholder 4"/>
+          <p:cNvPr id="16" name="Content Placeholder 15">
+            <a:extLst>
+              <a:ext uri="{FF2B5EF4-FFF2-40B4-BE49-F238E27FC236}">
+                <a16:creationId xmlns:a16="http://schemas.microsoft.com/office/drawing/2014/main" id="{D76E706E-DB9F-4F3F-849A-22A842B9D05A}"/>
+              </a:ext>
+            </a:extLst>
+          </p:cNvPr>
           <p:cNvPicPr>
             <a:picLocks noGrp="1" noChangeAspect="1"/>
           </p:cNvPicPr>
@@ -15275,16 +14840,6 @@
         </p:nvPicPr>
         <p:blipFill>
           <a:blip r:embed="rId3">
-            <a:clrChange>
-              <a:clrFrom>
-                <a:srgbClr val="FEFEFE"/>
-              </a:clrFrom>
-              <a:clrTo>
-                <a:srgbClr val="FEFEFE">
-                  <a:alpha val="0"/>
-                </a:srgbClr>
-              </a:clrTo>
-            </a:clrChange>
             <a:extLst>
               <a:ext uri="{28A0092B-C50C-407E-A947-70E740481C1C}">
                 <a14:useLocalDpi xmlns:a14="http://schemas.microsoft.com/office/drawing/2010/main" val="0"/>
@@ -15297,8 +14852,8 @@
         </p:blipFill>
         <p:spPr>
           <a:xfrm>
-            <a:off x="574343" y="391886"/>
-            <a:ext cx="8758343" cy="6586275"/>
+            <a:off x="673767" y="540638"/>
+            <a:ext cx="8629631" cy="6432862"/>
           </a:xfrm>
         </p:spPr>
       </p:pic>
@@ -15326,7 +14881,7 @@
           <a:p>
             <a:pPr lvl="0"/>
             <a:r>
-              <a:rPr lang="en-US" sz="2800" kern="1200" dirty="0" smtClean="0">
+              <a:rPr lang="en-US" sz="2800" kern="1200" dirty="0">
                 <a:solidFill>
                   <a:schemeClr val="tx1"/>
                 </a:solidFill>
@@ -15338,7 +14893,7 @@
               <a:t>Method of Loci </a:t>
             </a:r>
             <a:r>
-              <a:rPr lang="en-US" sz="2800" dirty="0" smtClean="0">
+              <a:rPr lang="en-US" sz="2800" dirty="0">
                 <a:latin typeface="+mn-lt"/>
                 <a:ea typeface="+mn-ea"/>
                 <a:cs typeface="+mn-cs"/>
@@ -15386,10 +14941,9 @@
               <a:buChar char="ü"/>
             </a:pPr>
             <a:r>
-              <a:rPr lang="en-US" sz="4400" dirty="0" smtClean="0"/>
+              <a:rPr lang="en-US" sz="4400" dirty="0"/>
               <a:t>Place</a:t>
             </a:r>
-            <a:endParaRPr lang="en-US" sz="4400" dirty="0" smtClean="0"/>
           </a:p>
         </p:txBody>
       </p:sp>
@@ -15556,20 +15110,13 @@
     </p:spTree>
     <p:extLst>
       <p:ext uri="{BB962C8B-B14F-4D97-AF65-F5344CB8AC3E}">
-        <p14:creationId xmlns:p14="http://schemas.microsoft.com/office/powerpoint/2010/main" val="2964251980"/>
+        <p14:creationId xmlns:p14="http://schemas.microsoft.com/office/powerpoint/2010/main" val="2175379442"/>
       </p:ext>
     </p:extLst>
   </p:cSld>
   <p:clrMapOvr>
     <a:masterClrMapping/>
   </p:clrMapOvr>
-  <p:timing>
-    <p:tnLst>
-      <p:par>
-        <p:cTn id="1" dur="indefinite" restart="never" nodeType="tmRoot"/>
-      </p:par>
-    </p:tnLst>
-  </p:timing>
 </p:sld>
 </file>
 

--- a/dm1/minitalks/ron/knowing_ds/know_ds_rn.pptx
+++ b/dm1/minitalks/ron/knowing_ds/know_ds_rn.pptx
@@ -5,33 +5,34 @@
     <p:sldMasterId id="2147483648" r:id="rId1"/>
   </p:sldMasterIdLst>
   <p:notesMasterIdLst>
-    <p:notesMasterId r:id="rId26"/>
+    <p:notesMasterId r:id="rId27"/>
   </p:notesMasterIdLst>
   <p:sldIdLst>
     <p:sldId id="256" r:id="rId2"/>
-    <p:sldId id="272" r:id="rId3"/>
-    <p:sldId id="257" r:id="rId4"/>
-    <p:sldId id="262" r:id="rId5"/>
-    <p:sldId id="268" r:id="rId6"/>
-    <p:sldId id="269" r:id="rId7"/>
-    <p:sldId id="261" r:id="rId8"/>
-    <p:sldId id="281" r:id="rId9"/>
-    <p:sldId id="285" r:id="rId10"/>
-    <p:sldId id="284" r:id="rId11"/>
-    <p:sldId id="283" r:id="rId12"/>
-    <p:sldId id="282" r:id="rId13"/>
-    <p:sldId id="276" r:id="rId14"/>
-    <p:sldId id="266" r:id="rId15"/>
-    <p:sldId id="259" r:id="rId16"/>
-    <p:sldId id="270" r:id="rId17"/>
-    <p:sldId id="278" r:id="rId18"/>
-    <p:sldId id="279" r:id="rId19"/>
-    <p:sldId id="267" r:id="rId20"/>
-    <p:sldId id="264" r:id="rId21"/>
-    <p:sldId id="265" r:id="rId22"/>
-    <p:sldId id="258" r:id="rId23"/>
-    <p:sldId id="274" r:id="rId24"/>
-    <p:sldId id="275" r:id="rId25"/>
+    <p:sldId id="286" r:id="rId3"/>
+    <p:sldId id="272" r:id="rId4"/>
+    <p:sldId id="257" r:id="rId5"/>
+    <p:sldId id="262" r:id="rId6"/>
+    <p:sldId id="268" r:id="rId7"/>
+    <p:sldId id="269" r:id="rId8"/>
+    <p:sldId id="261" r:id="rId9"/>
+    <p:sldId id="281" r:id="rId10"/>
+    <p:sldId id="285" r:id="rId11"/>
+    <p:sldId id="284" r:id="rId12"/>
+    <p:sldId id="283" r:id="rId13"/>
+    <p:sldId id="282" r:id="rId14"/>
+    <p:sldId id="276" r:id="rId15"/>
+    <p:sldId id="266" r:id="rId16"/>
+    <p:sldId id="259" r:id="rId17"/>
+    <p:sldId id="270" r:id="rId18"/>
+    <p:sldId id="278" r:id="rId19"/>
+    <p:sldId id="279" r:id="rId20"/>
+    <p:sldId id="267" r:id="rId21"/>
+    <p:sldId id="264" r:id="rId22"/>
+    <p:sldId id="265" r:id="rId23"/>
+    <p:sldId id="258" r:id="rId24"/>
+    <p:sldId id="274" r:id="rId25"/>
+    <p:sldId id="275" r:id="rId26"/>
   </p:sldIdLst>
   <p:sldSz cx="12192000" cy="6858000"/>
   <p:notesSz cx="6858000" cy="9144000"/>
@@ -4446,7 +4447,7 @@
           <a:p>
             <a:fld id="{3FF724DD-C013-4DED-9F53-18D16E116C32}" type="datetimeFigureOut">
               <a:rPr lang="en-US" smtClean="0"/>
-              <a:t>10/19/2018</a:t>
+              <a:t>10/22/2018</a:t>
             </a:fld>
             <a:endParaRPr lang="en-US"/>
           </a:p>
@@ -4863,7 +4864,7 @@
           <a:p>
             <a:fld id="{37D0CA89-0B36-463A-B501-CC109FC43DD6}" type="slidenum">
               <a:rPr lang="en-US" smtClean="0"/>
-              <a:t>12</a:t>
+              <a:t>13</a:t>
             </a:fld>
             <a:endParaRPr lang="en-US"/>
           </a:p>
@@ -4951,7 +4952,7 @@
           <a:p>
             <a:fld id="{37D0CA89-0B36-463A-B501-CC109FC43DD6}" type="slidenum">
               <a:rPr lang="en-US" smtClean="0"/>
-              <a:t>13</a:t>
+              <a:t>14</a:t>
             </a:fld>
             <a:endParaRPr lang="en-US"/>
           </a:p>
@@ -5051,7 +5052,7 @@
           <a:p>
             <a:fld id="{37D0CA89-0B36-463A-B501-CC109FC43DD6}" type="slidenum">
               <a:rPr lang="en-US" smtClean="0"/>
-              <a:t>14</a:t>
+              <a:t>15</a:t>
             </a:fld>
             <a:endParaRPr lang="en-US"/>
           </a:p>
@@ -5143,7 +5144,7 @@
           <a:p>
             <a:fld id="{37D0CA89-0B36-463A-B501-CC109FC43DD6}" type="slidenum">
               <a:rPr lang="en-US" smtClean="0"/>
-              <a:t>15</a:t>
+              <a:t>16</a:t>
             </a:fld>
             <a:endParaRPr lang="en-US"/>
           </a:p>
@@ -5243,7 +5244,7 @@
           <a:p>
             <a:fld id="{37D0CA89-0B36-463A-B501-CC109FC43DD6}" type="slidenum">
               <a:rPr lang="en-US" smtClean="0"/>
-              <a:t>16</a:t>
+              <a:t>17</a:t>
             </a:fld>
             <a:endParaRPr lang="en-US"/>
           </a:p>
@@ -5343,7 +5344,7 @@
           <a:p>
             <a:fld id="{37D0CA89-0B36-463A-B501-CC109FC43DD6}" type="slidenum">
               <a:rPr lang="en-US" smtClean="0"/>
-              <a:t>17</a:t>
+              <a:t>18</a:t>
             </a:fld>
             <a:endParaRPr lang="en-US"/>
           </a:p>
@@ -5443,7 +5444,7 @@
           <a:p>
             <a:fld id="{37D0CA89-0B36-463A-B501-CC109FC43DD6}" type="slidenum">
               <a:rPr lang="en-US" smtClean="0"/>
-              <a:t>18</a:t>
+              <a:t>19</a:t>
             </a:fld>
             <a:endParaRPr lang="en-US"/>
           </a:p>
@@ -5527,7 +5528,7 @@
           <a:p>
             <a:fld id="{37D0CA89-0B36-463A-B501-CC109FC43DD6}" type="slidenum">
               <a:rPr lang="en-US" smtClean="0"/>
-              <a:t>20</a:t>
+              <a:t>21</a:t>
             </a:fld>
             <a:endParaRPr lang="en-US"/>
           </a:p>
@@ -5611,7 +5612,7 @@
           <a:p>
             <a:fld id="{37D0CA89-0B36-463A-B501-CC109FC43DD6}" type="slidenum">
               <a:rPr lang="en-US" smtClean="0"/>
-              <a:t>22</a:t>
+              <a:t>23</a:t>
             </a:fld>
             <a:endParaRPr lang="en-US"/>
           </a:p>
@@ -5703,7 +5704,7 @@
           <a:p>
             <a:fld id="{37D0CA89-0B36-463A-B501-CC109FC43DD6}" type="slidenum">
               <a:rPr lang="en-US" smtClean="0"/>
-              <a:t>23</a:t>
+              <a:t>24</a:t>
             </a:fld>
             <a:endParaRPr lang="en-US"/>
           </a:p>
@@ -5787,7 +5788,7 @@
           <a:p>
             <a:fld id="{37D0CA89-0B36-463A-B501-CC109FC43DD6}" type="slidenum">
               <a:rPr lang="en-US" smtClean="0"/>
-              <a:t>3</a:t>
+              <a:t>4</a:t>
             </a:fld>
             <a:endParaRPr lang="en-US"/>
           </a:p>
@@ -5871,7 +5872,7 @@
           <a:p>
             <a:fld id="{37D0CA89-0B36-463A-B501-CC109FC43DD6}" type="slidenum">
               <a:rPr lang="en-US" smtClean="0"/>
-              <a:t>5</a:t>
+              <a:t>6</a:t>
             </a:fld>
             <a:endParaRPr lang="en-US"/>
           </a:p>
@@ -5955,7 +5956,7 @@
           <a:p>
             <a:fld id="{37D0CA89-0B36-463A-B501-CC109FC43DD6}" type="slidenum">
               <a:rPr lang="en-US" smtClean="0"/>
-              <a:t>6</a:t>
+              <a:t>7</a:t>
             </a:fld>
             <a:endParaRPr lang="en-US"/>
           </a:p>
@@ -6053,7 +6054,7 @@
           <a:p>
             <a:fld id="{37D0CA89-0B36-463A-B501-CC109FC43DD6}" type="slidenum">
               <a:rPr lang="en-US" smtClean="0"/>
-              <a:t>7</a:t>
+              <a:t>8</a:t>
             </a:fld>
             <a:endParaRPr lang="en-US"/>
           </a:p>
@@ -6137,7 +6138,7 @@
           <a:p>
             <a:fld id="{37D0CA89-0B36-463A-B501-CC109FC43DD6}" type="slidenum">
               <a:rPr lang="en-US" smtClean="0"/>
-              <a:t>8</a:t>
+              <a:t>9</a:t>
             </a:fld>
             <a:endParaRPr lang="en-US"/>
           </a:p>
@@ -6221,7 +6222,7 @@
           <a:p>
             <a:fld id="{37D0CA89-0B36-463A-B501-CC109FC43DD6}" type="slidenum">
               <a:rPr lang="en-US" smtClean="0"/>
-              <a:t>9</a:t>
+              <a:t>10</a:t>
             </a:fld>
             <a:endParaRPr lang="en-US"/>
           </a:p>
@@ -6305,7 +6306,7 @@
           <a:p>
             <a:fld id="{37D0CA89-0B36-463A-B501-CC109FC43DD6}" type="slidenum">
               <a:rPr lang="en-US" smtClean="0"/>
-              <a:t>10</a:t>
+              <a:t>11</a:t>
             </a:fld>
             <a:endParaRPr lang="en-US"/>
           </a:p>
@@ -6389,7 +6390,7 @@
           <a:p>
             <a:fld id="{37D0CA89-0B36-463A-B501-CC109FC43DD6}" type="slidenum">
               <a:rPr lang="en-US" smtClean="0"/>
-              <a:t>11</a:t>
+              <a:t>12</a:t>
             </a:fld>
             <a:endParaRPr lang="en-US"/>
           </a:p>
@@ -6539,7 +6540,7 @@
           <a:p>
             <a:fld id="{B9231216-36D3-43A5-A9F7-6E5DCCF6D363}" type="datetimeFigureOut">
               <a:rPr lang="en-US" smtClean="0"/>
-              <a:t>10/19/2018</a:t>
+              <a:t>10/22/2018</a:t>
             </a:fld>
             <a:endParaRPr lang="en-US"/>
           </a:p>
@@ -6709,7 +6710,7 @@
           <a:p>
             <a:fld id="{B9231216-36D3-43A5-A9F7-6E5DCCF6D363}" type="datetimeFigureOut">
               <a:rPr lang="en-US" smtClean="0"/>
-              <a:t>10/19/2018</a:t>
+              <a:t>10/22/2018</a:t>
             </a:fld>
             <a:endParaRPr lang="en-US"/>
           </a:p>
@@ -6889,7 +6890,7 @@
           <a:p>
             <a:fld id="{B9231216-36D3-43A5-A9F7-6E5DCCF6D363}" type="datetimeFigureOut">
               <a:rPr lang="en-US" smtClean="0"/>
-              <a:t>10/19/2018</a:t>
+              <a:t>10/22/2018</a:t>
             </a:fld>
             <a:endParaRPr lang="en-US"/>
           </a:p>
@@ -7059,7 +7060,7 @@
           <a:p>
             <a:fld id="{B9231216-36D3-43A5-A9F7-6E5DCCF6D363}" type="datetimeFigureOut">
               <a:rPr lang="en-US" smtClean="0"/>
-              <a:t>10/19/2018</a:t>
+              <a:t>10/22/2018</a:t>
             </a:fld>
             <a:endParaRPr lang="en-US"/>
           </a:p>
@@ -7305,7 +7306,7 @@
           <a:p>
             <a:fld id="{B9231216-36D3-43A5-A9F7-6E5DCCF6D363}" type="datetimeFigureOut">
               <a:rPr lang="en-US" smtClean="0"/>
-              <a:t>10/19/2018</a:t>
+              <a:t>10/22/2018</a:t>
             </a:fld>
             <a:endParaRPr lang="en-US"/>
           </a:p>
@@ -7537,7 +7538,7 @@
           <a:p>
             <a:fld id="{B9231216-36D3-43A5-A9F7-6E5DCCF6D363}" type="datetimeFigureOut">
               <a:rPr lang="en-US" smtClean="0"/>
-              <a:t>10/19/2018</a:t>
+              <a:t>10/22/2018</a:t>
             </a:fld>
             <a:endParaRPr lang="en-US"/>
           </a:p>
@@ -7904,7 +7905,7 @@
           <a:p>
             <a:fld id="{B9231216-36D3-43A5-A9F7-6E5DCCF6D363}" type="datetimeFigureOut">
               <a:rPr lang="en-US" smtClean="0"/>
-              <a:t>10/19/2018</a:t>
+              <a:t>10/22/2018</a:t>
             </a:fld>
             <a:endParaRPr lang="en-US"/>
           </a:p>
@@ -8022,7 +8023,7 @@
           <a:p>
             <a:fld id="{B9231216-36D3-43A5-A9F7-6E5DCCF6D363}" type="datetimeFigureOut">
               <a:rPr lang="en-US" smtClean="0"/>
-              <a:t>10/19/2018</a:t>
+              <a:t>10/22/2018</a:t>
             </a:fld>
             <a:endParaRPr lang="en-US"/>
           </a:p>
@@ -8117,7 +8118,7 @@
           <a:p>
             <a:fld id="{B9231216-36D3-43A5-A9F7-6E5DCCF6D363}" type="datetimeFigureOut">
               <a:rPr lang="en-US" smtClean="0"/>
-              <a:t>10/19/2018</a:t>
+              <a:t>10/22/2018</a:t>
             </a:fld>
             <a:endParaRPr lang="en-US"/>
           </a:p>
@@ -8394,7 +8395,7 @@
           <a:p>
             <a:fld id="{B9231216-36D3-43A5-A9F7-6E5DCCF6D363}" type="datetimeFigureOut">
               <a:rPr lang="en-US" smtClean="0"/>
-              <a:t>10/19/2018</a:t>
+              <a:t>10/22/2018</a:t>
             </a:fld>
             <a:endParaRPr lang="en-US"/>
           </a:p>
@@ -8647,7 +8648,7 @@
           <a:p>
             <a:fld id="{B9231216-36D3-43A5-A9F7-6E5DCCF6D363}" type="datetimeFigureOut">
               <a:rPr lang="en-US" smtClean="0"/>
-              <a:t>10/19/2018</a:t>
+              <a:t>10/22/2018</a:t>
             </a:fld>
             <a:endParaRPr lang="en-US"/>
           </a:p>
@@ -8860,7 +8861,7 @@
           <a:p>
             <a:fld id="{B9231216-36D3-43A5-A9F7-6E5DCCF6D363}" type="datetimeFigureOut">
               <a:rPr lang="en-US" smtClean="0"/>
-              <a:t>10/19/2018</a:t>
+              <a:t>10/22/2018</a:t>
             </a:fld>
             <a:endParaRPr lang="en-US"/>
           </a:p>
@@ -9515,18 +9516,342 @@
               <a:rPr lang="en-US" sz="4400" dirty="0" smtClean="0"/>
               <a:t>Place</a:t>
             </a:r>
-            <a:endParaRPr lang="en-US" sz="4400" dirty="0" smtClean="0"/>
-          </a:p>
+          </a:p>
+        </p:txBody>
+      </p:sp>
+      <p:pic>
+        <p:nvPicPr>
+          <p:cNvPr id="11" name="Picture 10"/>
+          <p:cNvPicPr>
+            <a:picLocks noChangeAspect="1"/>
+          </p:cNvPicPr>
+          <p:nvPr/>
+        </p:nvPicPr>
+        <p:blipFill>
+          <a:blip r:embed="rId4">
+            <a:clrChange>
+              <a:clrFrom>
+                <a:srgbClr val="FFFFFF"/>
+              </a:clrFrom>
+              <a:clrTo>
+                <a:srgbClr val="FFFFFF">
+                  <a:alpha val="0"/>
+                </a:srgbClr>
+              </a:clrTo>
+            </a:clrChange>
+            <a:extLst>
+              <a:ext uri="{28A0092B-C50C-407E-A947-70E740481C1C}">
+                <a14:useLocalDpi xmlns:a14="http://schemas.microsoft.com/office/drawing/2010/main" val="0"/>
+              </a:ext>
+            </a:extLst>
+          </a:blip>
+          <a:stretch>
+            <a:fillRect/>
+          </a:stretch>
+        </p:blipFill>
+        <p:spPr>
+          <a:xfrm>
+            <a:off x="7132645" y="4367104"/>
+            <a:ext cx="966091" cy="791321"/>
+          </a:xfrm>
+          <a:prstGeom prst="rect">
+            <a:avLst/>
+          </a:prstGeom>
+        </p:spPr>
+      </p:pic>
+      <p:sp>
+        <p:nvSpPr>
+          <p:cNvPr id="12" name="Oval 11"/>
+          <p:cNvSpPr/>
+          <p:nvPr/>
+        </p:nvSpPr>
+        <p:spPr>
+          <a:xfrm>
+            <a:off x="4051300" y="3751724"/>
+            <a:ext cx="1003300" cy="704280"/>
+          </a:xfrm>
+          <a:prstGeom prst="ellipse">
+            <a:avLst/>
+          </a:prstGeom>
+          <a:noFill/>
+          <a:ln w="28575">
+            <a:solidFill>
+              <a:srgbClr val="FF0000"/>
+            </a:solidFill>
+          </a:ln>
+        </p:spPr>
+        <p:style>
+          <a:lnRef idx="2">
+            <a:schemeClr val="accent1">
+              <a:shade val="50000"/>
+            </a:schemeClr>
+          </a:lnRef>
+          <a:fillRef idx="1">
+            <a:schemeClr val="accent1"/>
+          </a:fillRef>
+          <a:effectRef idx="0">
+            <a:schemeClr val="accent1"/>
+          </a:effectRef>
+          <a:fontRef idx="minor">
+            <a:schemeClr val="lt1"/>
+          </a:fontRef>
+        </p:style>
+        <p:txBody>
+          <a:bodyPr rtlCol="0" anchor="ctr"/>
+          <a:lstStyle/>
+          <a:p>
+            <a:pPr algn="ctr"/>
+            <a:endParaRPr lang="en-US"/>
+          </a:p>
+        </p:txBody>
+      </p:sp>
+      <p:cxnSp>
+        <p:nvCxnSpPr>
+          <p:cNvPr id="3" name="Straight Arrow Connector 2"/>
+          <p:cNvCxnSpPr/>
+          <p:nvPr/>
+        </p:nvCxnSpPr>
+        <p:spPr>
+          <a:xfrm flipH="1" flipV="1">
+            <a:off x="7604760" y="1478280"/>
+            <a:ext cx="30480" cy="2173840"/>
+          </a:xfrm>
+          <a:prstGeom prst="straightConnector1">
+            <a:avLst/>
+          </a:prstGeom>
+          <a:ln w="101600">
+            <a:solidFill>
+              <a:srgbClr val="00B050"/>
+            </a:solidFill>
+            <a:headEnd type="triangle" w="med" len="med"/>
+            <a:tailEnd type="triangle" w="med" len="med"/>
+          </a:ln>
+        </p:spPr>
+        <p:style>
+          <a:lnRef idx="1">
+            <a:schemeClr val="accent1"/>
+          </a:lnRef>
+          <a:fillRef idx="0">
+            <a:schemeClr val="accent1"/>
+          </a:fillRef>
+          <a:effectRef idx="0">
+            <a:schemeClr val="accent1"/>
+          </a:effectRef>
+          <a:fontRef idx="minor">
+            <a:schemeClr val="tx1"/>
+          </a:fontRef>
+        </p:style>
+      </p:cxnSp>
+      <p:cxnSp>
+        <p:nvCxnSpPr>
+          <p:cNvPr id="15" name="Straight Arrow Connector 14"/>
+          <p:cNvCxnSpPr/>
+          <p:nvPr/>
+        </p:nvCxnSpPr>
+        <p:spPr>
+          <a:xfrm flipH="1" flipV="1">
+            <a:off x="6522720" y="2560320"/>
+            <a:ext cx="2087880" cy="1"/>
+          </a:xfrm>
+          <a:prstGeom prst="straightConnector1">
+            <a:avLst/>
+          </a:prstGeom>
+          <a:ln w="101600">
+            <a:solidFill>
+              <a:srgbClr val="00B050"/>
+            </a:solidFill>
+            <a:headEnd type="triangle" w="med" len="med"/>
+            <a:tailEnd type="triangle" w="med" len="med"/>
+          </a:ln>
+        </p:spPr>
+        <p:style>
+          <a:lnRef idx="1">
+            <a:schemeClr val="accent1"/>
+          </a:lnRef>
+          <a:fillRef idx="0">
+            <a:schemeClr val="accent1"/>
+          </a:fillRef>
+          <a:effectRef idx="0">
+            <a:schemeClr val="accent1"/>
+          </a:effectRef>
+          <a:fontRef idx="minor">
+            <a:schemeClr val="tx1"/>
+          </a:fontRef>
+        </p:style>
+      </p:cxnSp>
+    </p:spTree>
+    <p:extLst>
+      <p:ext uri="{BB962C8B-B14F-4D97-AF65-F5344CB8AC3E}">
+        <p14:creationId xmlns:p14="http://schemas.microsoft.com/office/powerpoint/2010/main" val="2964251980"/>
+      </p:ext>
+    </p:extLst>
+  </p:cSld>
+  <p:clrMapOvr>
+    <a:masterClrMapping/>
+  </p:clrMapOvr>
+  <p:timing>
+    <p:tnLst>
+      <p:par>
+        <p:cTn id="1" dur="indefinite" restart="never" nodeType="tmRoot"/>
+      </p:par>
+    </p:tnLst>
+  </p:timing>
+</p:sld>
+</file>
+
+<file path=ppt/slides/slide11.xml><?xml version="1.0" encoding="utf-8"?>
+<p:sld xmlns:a="http://schemas.openxmlformats.org/drawingml/2006/main" xmlns:r="http://schemas.openxmlformats.org/officeDocument/2006/relationships" xmlns:p="http://schemas.openxmlformats.org/presentationml/2006/main">
+  <p:cSld>
+    <p:spTree>
+      <p:nvGrpSpPr>
+        <p:cNvPr id="1" name=""/>
+        <p:cNvGrpSpPr/>
+        <p:nvPr/>
+      </p:nvGrpSpPr>
+      <p:grpSpPr>
+        <a:xfrm>
+          <a:off x="0" y="0"/>
+          <a:ext cx="0" cy="0"/>
+          <a:chOff x="0" y="0"/>
+          <a:chExt cx="0" cy="0"/>
+        </a:xfrm>
+      </p:grpSpPr>
+      <p:pic>
+        <p:nvPicPr>
+          <p:cNvPr id="5" name="Content Placeholder 4"/>
+          <p:cNvPicPr>
+            <a:picLocks noGrp="1" noChangeAspect="1"/>
+          </p:cNvPicPr>
+          <p:nvPr>
+            <p:ph idx="1"/>
+          </p:nvPr>
+        </p:nvPicPr>
+        <p:blipFill>
+          <a:blip r:embed="rId3">
+            <a:clrChange>
+              <a:clrFrom>
+                <a:srgbClr val="FEFEFE"/>
+              </a:clrFrom>
+              <a:clrTo>
+                <a:srgbClr val="FEFEFE">
+                  <a:alpha val="0"/>
+                </a:srgbClr>
+              </a:clrTo>
+            </a:clrChange>
+            <a:extLst>
+              <a:ext uri="{28A0092B-C50C-407E-A947-70E740481C1C}">
+                <a14:useLocalDpi xmlns:a14="http://schemas.microsoft.com/office/drawing/2010/main" val="0"/>
+              </a:ext>
+            </a:extLst>
+          </a:blip>
+          <a:stretch>
+            <a:fillRect/>
+          </a:stretch>
+        </p:blipFill>
+        <p:spPr>
+          <a:xfrm>
+            <a:off x="574343" y="391886"/>
+            <a:ext cx="8758343" cy="6586275"/>
+          </a:xfrm>
+        </p:spPr>
+      </p:pic>
+      <p:sp>
+        <p:nvSpPr>
+          <p:cNvPr id="4" name="Title 1"/>
+          <p:cNvSpPr>
+            <a:spLocks noGrp="1"/>
+          </p:cNvSpPr>
+          <p:nvPr>
+            <p:ph type="title"/>
+          </p:nvPr>
+        </p:nvSpPr>
+        <p:spPr>
+          <a:xfrm>
+            <a:off x="0" y="0"/>
+            <a:ext cx="10515600" cy="566057"/>
+          </a:xfrm>
+        </p:spPr>
+        <p:txBody>
+          <a:bodyPr>
+            <a:normAutofit/>
+          </a:bodyPr>
+          <a:lstStyle/>
+          <a:p>
+            <a:pPr lvl="0"/>
+            <a:r>
+              <a:rPr lang="en-US" sz="2800" kern="1200" dirty="0" smtClean="0">
+                <a:solidFill>
+                  <a:schemeClr val="tx1"/>
+                </a:solidFill>
+                <a:effectLst/>
+                <a:latin typeface="+mn-lt"/>
+                <a:ea typeface="+mn-ea"/>
+                <a:cs typeface="+mn-cs"/>
+              </a:rPr>
+              <a:t>Method of Loci </a:t>
+            </a:r>
+            <a:r>
+              <a:rPr lang="en-US" sz="2800" dirty="0" smtClean="0">
+                <a:latin typeface="+mn-lt"/>
+                <a:ea typeface="+mn-ea"/>
+                <a:cs typeface="+mn-cs"/>
+              </a:rPr>
+              <a:t>Map</a:t>
+            </a:r>
+            <a:endParaRPr lang="en-US" dirty="0"/>
+          </a:p>
+        </p:txBody>
+      </p:sp>
+      <p:sp>
+        <p:nvSpPr>
+          <p:cNvPr id="6" name="Text Placeholder 5"/>
+          <p:cNvSpPr>
+            <a:spLocks noGrp="1"/>
+          </p:cNvSpPr>
+          <p:nvPr>
+            <p:ph type="body" idx="4294967295"/>
+          </p:nvPr>
+        </p:nvSpPr>
+        <p:spPr>
+          <a:xfrm>
+            <a:off x="9332686" y="957943"/>
+            <a:ext cx="2859314" cy="5219020"/>
+          </a:xfrm>
+        </p:spPr>
+        <p:txBody>
+          <a:bodyPr>
+            <a:normAutofit/>
+          </a:bodyPr>
+          <a:lstStyle/>
           <a:p>
             <a:pPr>
               <a:buFont typeface="Wingdings" panose="05000000000000000000" pitchFamily="2" charset="2"/>
               <a:buChar char="ü"/>
             </a:pPr>
             <a:r>
+              <a:rPr lang="en-US" sz="4400" dirty="0"/>
+              <a:t>Drawing</a:t>
+            </a:r>
+          </a:p>
+          <a:p>
+            <a:pPr>
+              <a:buFont typeface="Wingdings" panose="05000000000000000000" pitchFamily="2" charset="2"/>
+              <a:buChar char="ü"/>
+            </a:pPr>
+            <a:r>
+              <a:rPr lang="en-US" sz="4400" dirty="0" smtClean="0"/>
+              <a:t>Place</a:t>
+            </a:r>
+          </a:p>
+          <a:p>
+            <a:pPr>
+              <a:buFont typeface="Wingdings" panose="05000000000000000000" pitchFamily="2" charset="2"/>
+              <a:buChar char="ü"/>
+            </a:pPr>
+            <a:r>
               <a:rPr lang="en-US" sz="4400" dirty="0" smtClean="0"/>
               <a:t>Path</a:t>
             </a:r>
-            <a:endParaRPr lang="en-US" sz="4400" dirty="0" smtClean="0"/>
           </a:p>
         </p:txBody>
       </p:sp>
@@ -9784,7 +10109,7 @@
 </p:sld>
 </file>
 
-<file path=ppt/slides/slide11.xml><?xml version="1.0" encoding="utf-8"?>
+<file path=ppt/slides/slide12.xml><?xml version="1.0" encoding="utf-8"?>
 <p:sld xmlns:a="http://schemas.openxmlformats.org/drawingml/2006/main" xmlns:r="http://schemas.openxmlformats.org/officeDocument/2006/relationships" xmlns:p="http://schemas.openxmlformats.org/presentationml/2006/main">
   <p:cSld>
     <p:spTree>
@@ -9927,7 +10252,6 @@
               <a:rPr lang="en-US" sz="4400" dirty="0" smtClean="0"/>
               <a:t>Place</a:t>
             </a:r>
-            <a:endParaRPr lang="en-US" sz="4400" dirty="0" smtClean="0"/>
           </a:p>
           <a:p>
             <a:pPr>
@@ -10251,7 +10575,7 @@
 </p:sld>
 </file>
 
-<file path=ppt/slides/slide12.xml><?xml version="1.0" encoding="utf-8"?>
+<file path=ppt/slides/slide13.xml><?xml version="1.0" encoding="utf-8"?>
 <p:sld xmlns:a="http://schemas.openxmlformats.org/drawingml/2006/main" xmlns:r="http://schemas.openxmlformats.org/officeDocument/2006/relationships" xmlns:p="http://schemas.openxmlformats.org/presentationml/2006/main">
   <p:cSld>
     <p:spTree>
@@ -10394,7 +10718,6 @@
               <a:rPr lang="en-US" sz="4400" dirty="0" smtClean="0"/>
               <a:t>Place</a:t>
             </a:r>
-            <a:endParaRPr lang="en-US" sz="4400" dirty="0" smtClean="0"/>
           </a:p>
           <a:p>
             <a:pPr>
@@ -10759,7 +11082,7 @@
 </p:sld>
 </file>
 
-<file path=ppt/slides/slide13.xml><?xml version="1.0" encoding="utf-8"?>
+<file path=ppt/slides/slide14.xml><?xml version="1.0" encoding="utf-8"?>
 <p:sld xmlns:a="http://schemas.openxmlformats.org/drawingml/2006/main" xmlns:r="http://schemas.openxmlformats.org/officeDocument/2006/relationships" xmlns:p="http://schemas.openxmlformats.org/presentationml/2006/main">
   <p:cSld>
     <p:spTree>
@@ -10875,7 +11198,7 @@
 </p:sld>
 </file>
 
-<file path=ppt/slides/slide14.xml><?xml version="1.0" encoding="utf-8"?>
+<file path=ppt/slides/slide15.xml><?xml version="1.0" encoding="utf-8"?>
 <p:sld xmlns:a="http://schemas.openxmlformats.org/drawingml/2006/main" xmlns:r="http://schemas.openxmlformats.org/officeDocument/2006/relationships" xmlns:p="http://schemas.openxmlformats.org/presentationml/2006/main">
   <p:cSld>
     <p:spTree>
@@ -11227,7 +11550,7 @@
 </p:sld>
 </file>
 
-<file path=ppt/slides/slide15.xml><?xml version="1.0" encoding="utf-8"?>
+<file path=ppt/slides/slide16.xml><?xml version="1.0" encoding="utf-8"?>
 <p:sld xmlns:a="http://schemas.openxmlformats.org/drawingml/2006/main" xmlns:r="http://schemas.openxmlformats.org/officeDocument/2006/relationships" xmlns:p="http://schemas.openxmlformats.org/presentationml/2006/main">
   <p:cSld>
     <p:spTree>
@@ -11387,266 +11710,6 @@
     <p:extLst>
       <p:ext uri="{BB962C8B-B14F-4D97-AF65-F5344CB8AC3E}">
         <p14:creationId xmlns:p14="http://schemas.microsoft.com/office/powerpoint/2010/main" val="252585997"/>
-      </p:ext>
-    </p:extLst>
-  </p:cSld>
-  <p:clrMapOvr>
-    <a:masterClrMapping/>
-  </p:clrMapOvr>
-  <p:timing>
-    <p:tnLst>
-      <p:par>
-        <p:cTn id="1" dur="indefinite" restart="never" nodeType="tmRoot"/>
-      </p:par>
-    </p:tnLst>
-  </p:timing>
-</p:sld>
-</file>
-
-<file path=ppt/slides/slide16.xml><?xml version="1.0" encoding="utf-8"?>
-<p:sld xmlns:a="http://schemas.openxmlformats.org/drawingml/2006/main" xmlns:r="http://schemas.openxmlformats.org/officeDocument/2006/relationships" xmlns:p="http://schemas.openxmlformats.org/presentationml/2006/main">
-  <p:cSld>
-    <p:spTree>
-      <p:nvGrpSpPr>
-        <p:cNvPr id="1" name=""/>
-        <p:cNvGrpSpPr/>
-        <p:nvPr/>
-      </p:nvGrpSpPr>
-      <p:grpSpPr>
-        <a:xfrm>
-          <a:off x="0" y="0"/>
-          <a:ext cx="0" cy="0"/>
-          <a:chOff x="0" y="0"/>
-          <a:chExt cx="0" cy="0"/>
-        </a:xfrm>
-      </p:grpSpPr>
-      <p:sp>
-        <p:nvSpPr>
-          <p:cNvPr id="2" name="Title 1"/>
-          <p:cNvSpPr>
-            <a:spLocks noGrp="1"/>
-          </p:cNvSpPr>
-          <p:nvPr>
-            <p:ph type="title"/>
-          </p:nvPr>
-        </p:nvSpPr>
-        <p:spPr>
-          <a:xfrm>
-            <a:off x="0" y="0"/>
-            <a:ext cx="12321153" cy="852407"/>
-          </a:xfrm>
-        </p:spPr>
-        <p:txBody>
-          <a:bodyPr>
-            <a:normAutofit/>
-          </a:bodyPr>
-          <a:lstStyle/>
-          <a:p>
-            <a:pPr lvl="0"/>
-            <a:r>
-              <a:rPr lang="en-US" sz="3900" dirty="0"/>
-              <a:t>Booz Allen Hamilton's (BAH's) </a:t>
-            </a:r>
-            <a:r>
-              <a:rPr lang="en-US" sz="3900" dirty="0">
-                <a:hlinkClick r:id="rId3"/>
-              </a:rPr>
-              <a:t>Field Guide to Data </a:t>
-            </a:r>
-            <a:r>
-              <a:rPr lang="en-US" sz="3900" dirty="0" smtClean="0">
-                <a:hlinkClick r:id="rId3"/>
-              </a:rPr>
-              <a:t>Science</a:t>
-            </a:r>
-            <a:endParaRPr lang="en-US" sz="3900" dirty="0"/>
-          </a:p>
-        </p:txBody>
-      </p:sp>
-      <p:pic>
-        <p:nvPicPr>
-          <p:cNvPr id="5" name="Picture 4"/>
-          <p:cNvPicPr>
-            <a:picLocks noChangeAspect="1"/>
-          </p:cNvPicPr>
-          <p:nvPr/>
-        </p:nvPicPr>
-        <p:blipFill>
-          <a:blip r:embed="rId4">
-            <a:extLst>
-              <a:ext uri="{28A0092B-C50C-407E-A947-70E740481C1C}">
-                <a14:useLocalDpi xmlns:a14="http://schemas.microsoft.com/office/drawing/2010/main" val="0"/>
-              </a:ext>
-            </a:extLst>
-          </a:blip>
-          <a:stretch>
-            <a:fillRect/>
-          </a:stretch>
-        </p:blipFill>
-        <p:spPr>
-          <a:xfrm>
-            <a:off x="2910130" y="657876"/>
-            <a:ext cx="9089502" cy="6171718"/>
-          </a:xfrm>
-          <a:prstGeom prst="rect">
-            <a:avLst/>
-          </a:prstGeom>
-        </p:spPr>
-      </p:pic>
-      <p:sp>
-        <p:nvSpPr>
-          <p:cNvPr id="3" name="Content Placeholder 2"/>
-          <p:cNvSpPr>
-            <a:spLocks noGrp="1"/>
-          </p:cNvSpPr>
-          <p:nvPr>
-            <p:ph idx="1"/>
-          </p:nvPr>
-        </p:nvSpPr>
-        <p:spPr>
-          <a:xfrm>
-            <a:off x="152400" y="1181100"/>
-            <a:ext cx="2867025" cy="2505075"/>
-          </a:xfrm>
-        </p:spPr>
-        <p:txBody>
-          <a:bodyPr>
-            <a:normAutofit fontScale="92500" lnSpcReduction="20000"/>
-          </a:bodyPr>
-          <a:lstStyle/>
-          <a:p>
-            <a:pPr marL="0" lvl="0" indent="0">
-              <a:buNone/>
-            </a:pPr>
-            <a:r>
-              <a:rPr lang="en-US" dirty="0" smtClean="0"/>
-              <a:t>Where are you?</a:t>
-            </a:r>
-          </a:p>
-          <a:p>
-            <a:pPr lvl="0"/>
-            <a:r>
-              <a:rPr lang="en-US" dirty="0" smtClean="0"/>
-              <a:t>Individual</a:t>
-            </a:r>
-          </a:p>
-          <a:p>
-            <a:pPr lvl="0"/>
-            <a:r>
-              <a:rPr lang="en-US" dirty="0" smtClean="0"/>
-              <a:t>Organization</a:t>
-            </a:r>
-          </a:p>
-          <a:p>
-            <a:pPr lvl="0"/>
-            <a:r>
-              <a:rPr lang="en-US" dirty="0" smtClean="0"/>
-              <a:t>Per Project</a:t>
-            </a:r>
-          </a:p>
-          <a:p>
-            <a:pPr lvl="1"/>
-            <a:endParaRPr lang="en-US" dirty="0" smtClean="0"/>
-          </a:p>
-          <a:p>
-            <a:pPr marL="0" indent="0">
-              <a:buNone/>
-            </a:pPr>
-            <a:r>
-              <a:rPr lang="en-US" dirty="0" smtClean="0"/>
-              <a:t>Goal: </a:t>
-            </a:r>
-            <a:r>
-              <a:rPr lang="en-US" dirty="0" smtClean="0">
-                <a:solidFill>
-                  <a:srgbClr val="00B050"/>
-                </a:solidFill>
-              </a:rPr>
-              <a:t>Advice</a:t>
-            </a:r>
-          </a:p>
-        </p:txBody>
-      </p:sp>
-      <p:pic>
-        <p:nvPicPr>
-          <p:cNvPr id="6" name="Picture 5"/>
-          <p:cNvPicPr>
-            <a:picLocks noChangeAspect="1"/>
-          </p:cNvPicPr>
-          <p:nvPr/>
-        </p:nvPicPr>
-        <p:blipFill>
-          <a:blip r:embed="rId5">
-            <a:extLst>
-              <a:ext uri="{28A0092B-C50C-407E-A947-70E740481C1C}">
-                <a14:useLocalDpi xmlns:a14="http://schemas.microsoft.com/office/drawing/2010/main" val="0"/>
-              </a:ext>
-            </a:extLst>
-          </a:blip>
-          <a:stretch>
-            <a:fillRect/>
-          </a:stretch>
-        </p:blipFill>
-        <p:spPr>
-          <a:xfrm>
-            <a:off x="83274" y="3686175"/>
-            <a:ext cx="2743583" cy="2743583"/>
-          </a:xfrm>
-          <a:prstGeom prst="rect">
-            <a:avLst/>
-          </a:prstGeom>
-        </p:spPr>
-      </p:pic>
-      <p:sp>
-        <p:nvSpPr>
-          <p:cNvPr id="4" name="Oval 3"/>
-          <p:cNvSpPr/>
-          <p:nvPr/>
-        </p:nvSpPr>
-        <p:spPr>
-          <a:xfrm>
-            <a:off x="10210800" y="1334395"/>
-            <a:ext cx="1552575" cy="1075429"/>
-          </a:xfrm>
-          <a:prstGeom prst="ellipse">
-            <a:avLst/>
-          </a:prstGeom>
-          <a:noFill/>
-          <a:ln w="28575">
-            <a:solidFill>
-              <a:srgbClr val="00B050"/>
-            </a:solidFill>
-          </a:ln>
-        </p:spPr>
-        <p:style>
-          <a:lnRef idx="2">
-            <a:schemeClr val="accent1">
-              <a:shade val="50000"/>
-            </a:schemeClr>
-          </a:lnRef>
-          <a:fillRef idx="1">
-            <a:schemeClr val="accent1"/>
-          </a:fillRef>
-          <a:effectRef idx="0">
-            <a:schemeClr val="accent1"/>
-          </a:effectRef>
-          <a:fontRef idx="minor">
-            <a:schemeClr val="lt1"/>
-          </a:fontRef>
-        </p:style>
-        <p:txBody>
-          <a:bodyPr rtlCol="0" anchor="ctr"/>
-          <a:lstStyle/>
-          <a:p>
-            <a:pPr algn="ctr"/>
-            <a:endParaRPr lang="en-US"/>
-          </a:p>
-        </p:txBody>
-      </p:sp>
-    </p:spTree>
-    <p:extLst>
-      <p:ext uri="{BB962C8B-B14F-4D97-AF65-F5344CB8AC3E}">
-        <p14:creationId xmlns:p14="http://schemas.microsoft.com/office/powerpoint/2010/main" val="3679970942"/>
       </p:ext>
     </p:extLst>
   </p:cSld>
@@ -11903,56 +11966,10 @@
           </a:p>
         </p:txBody>
       </p:sp>
-      <p:sp>
-        <p:nvSpPr>
-          <p:cNvPr id="7" name="Oval 6"/>
-          <p:cNvSpPr/>
-          <p:nvPr/>
-        </p:nvSpPr>
-        <p:spPr>
-          <a:xfrm>
-            <a:off x="4277360" y="1334394"/>
-            <a:ext cx="873760" cy="5095363"/>
-          </a:xfrm>
-          <a:prstGeom prst="ellipse">
-            <a:avLst/>
-          </a:prstGeom>
-          <a:noFill/>
-          <a:ln w="28575">
-            <a:solidFill>
-              <a:srgbClr val="00B050"/>
-            </a:solidFill>
-          </a:ln>
-        </p:spPr>
-        <p:style>
-          <a:lnRef idx="2">
-            <a:schemeClr val="accent1">
-              <a:shade val="50000"/>
-            </a:schemeClr>
-          </a:lnRef>
-          <a:fillRef idx="1">
-            <a:schemeClr val="accent1"/>
-          </a:fillRef>
-          <a:effectRef idx="0">
-            <a:schemeClr val="accent1"/>
-          </a:effectRef>
-          <a:fontRef idx="minor">
-            <a:schemeClr val="lt1"/>
-          </a:fontRef>
-        </p:style>
-        <p:txBody>
-          <a:bodyPr rtlCol="0" anchor="ctr"/>
-          <a:lstStyle/>
-          <a:p>
-            <a:pPr algn="ctr"/>
-            <a:endParaRPr lang="en-US"/>
-          </a:p>
-        </p:txBody>
-      </p:sp>
     </p:spTree>
     <p:extLst>
       <p:ext uri="{BB962C8B-B14F-4D97-AF65-F5344CB8AC3E}">
-        <p14:creationId xmlns:p14="http://schemas.microsoft.com/office/powerpoint/2010/main" val="1306573025"/>
+        <p14:creationId xmlns:p14="http://schemas.microsoft.com/office/powerpoint/2010/main" val="3679970942"/>
       </p:ext>
     </p:extLst>
   </p:cSld>
@@ -12051,7 +12068,7 @@
         </p:blipFill>
         <p:spPr>
           <a:xfrm>
-            <a:off x="2910130" y="686282"/>
+            <a:off x="2910130" y="657876"/>
             <a:ext cx="9089502" cy="6171718"/>
           </a:xfrm>
           <a:prstGeom prst="rect">
@@ -12255,200 +12272,10 @@
           </a:p>
         </p:txBody>
       </p:sp>
-      <p:sp>
-        <p:nvSpPr>
-          <p:cNvPr id="9" name="TextBox 8"/>
-          <p:cNvSpPr txBox="1"/>
-          <p:nvPr/>
-        </p:nvSpPr>
-        <p:spPr>
-          <a:xfrm>
-            <a:off x="1272857" y="5905668"/>
-            <a:ext cx="802168" cy="369332"/>
-          </a:xfrm>
-          <a:prstGeom prst="rect">
-            <a:avLst/>
-          </a:prstGeom>
-          <a:noFill/>
-        </p:spPr>
-        <p:txBody>
-          <a:bodyPr wrap="square" rtlCol="0">
-            <a:spAutoFit/>
-          </a:bodyPr>
-          <a:lstStyle/>
-          <a:p>
-            <a:r>
-              <a:rPr lang="en-US" dirty="0" smtClean="0">
-                <a:solidFill>
-                  <a:srgbClr val="00B050"/>
-                </a:solidFill>
-              </a:rPr>
-              <a:t>$</a:t>
-            </a:r>
-            <a:endParaRPr lang="en-US" dirty="0">
-              <a:solidFill>
-                <a:srgbClr val="00B050"/>
-              </a:solidFill>
-            </a:endParaRPr>
-          </a:p>
-        </p:txBody>
-      </p:sp>
-      <p:sp>
-        <p:nvSpPr>
-          <p:cNvPr id="10" name="TextBox 9"/>
-          <p:cNvSpPr txBox="1"/>
-          <p:nvPr/>
-        </p:nvSpPr>
-        <p:spPr>
-          <a:xfrm>
-            <a:off x="6723833" y="4696628"/>
-            <a:ext cx="802168" cy="276999"/>
-          </a:xfrm>
-          <a:prstGeom prst="rect">
-            <a:avLst/>
-          </a:prstGeom>
-          <a:noFill/>
-        </p:spPr>
-        <p:txBody>
-          <a:bodyPr wrap="square" rtlCol="0">
-            <a:spAutoFit/>
-          </a:bodyPr>
-          <a:lstStyle/>
-          <a:p>
-            <a:r>
-              <a:rPr lang="en-US" sz="1200" dirty="0" smtClean="0">
-                <a:solidFill>
-                  <a:srgbClr val="00B050"/>
-                </a:solidFill>
-              </a:rPr>
-              <a:t>$</a:t>
-            </a:r>
-            <a:endParaRPr lang="en-US" sz="1200" dirty="0">
-              <a:solidFill>
-                <a:srgbClr val="00B050"/>
-              </a:solidFill>
-            </a:endParaRPr>
-          </a:p>
-        </p:txBody>
-      </p:sp>
-      <p:sp>
-        <p:nvSpPr>
-          <p:cNvPr id="11" name="TextBox 10"/>
-          <p:cNvSpPr txBox="1"/>
-          <p:nvPr/>
-        </p:nvSpPr>
-        <p:spPr>
-          <a:xfrm>
-            <a:off x="7660166" y="4005748"/>
-            <a:ext cx="802168" cy="369332"/>
-          </a:xfrm>
-          <a:prstGeom prst="rect">
-            <a:avLst/>
-          </a:prstGeom>
-          <a:noFill/>
-        </p:spPr>
-        <p:txBody>
-          <a:bodyPr wrap="square" rtlCol="0">
-            <a:spAutoFit/>
-          </a:bodyPr>
-          <a:lstStyle/>
-          <a:p>
-            <a:r>
-              <a:rPr lang="en-US" dirty="0" smtClean="0">
-                <a:solidFill>
-                  <a:srgbClr val="00B050"/>
-                </a:solidFill>
-              </a:rPr>
-              <a:t>$</a:t>
-            </a:r>
-            <a:endParaRPr lang="en-US" dirty="0">
-              <a:solidFill>
-                <a:srgbClr val="00B050"/>
-              </a:solidFill>
-            </a:endParaRPr>
-          </a:p>
-        </p:txBody>
-      </p:sp>
-      <p:sp>
-        <p:nvSpPr>
-          <p:cNvPr id="12" name="TextBox 11"/>
-          <p:cNvSpPr txBox="1"/>
-          <p:nvPr/>
-        </p:nvSpPr>
-        <p:spPr>
-          <a:xfrm>
-            <a:off x="8943657" y="3040548"/>
-            <a:ext cx="802168" cy="369332"/>
-          </a:xfrm>
-          <a:prstGeom prst="rect">
-            <a:avLst/>
-          </a:prstGeom>
-          <a:noFill/>
-        </p:spPr>
-        <p:txBody>
-          <a:bodyPr wrap="square" rtlCol="0">
-            <a:spAutoFit/>
-          </a:bodyPr>
-          <a:lstStyle/>
-          <a:p>
-            <a:r>
-              <a:rPr lang="en-US" b="1" dirty="0" smtClean="0">
-                <a:solidFill>
-                  <a:srgbClr val="00B050"/>
-                </a:solidFill>
-              </a:rPr>
-              <a:t>$$$</a:t>
-            </a:r>
-            <a:endParaRPr lang="en-US" b="1" dirty="0">
-              <a:solidFill>
-                <a:srgbClr val="00B050"/>
-              </a:solidFill>
-            </a:endParaRPr>
-          </a:p>
-        </p:txBody>
-      </p:sp>
-      <p:sp>
-        <p:nvSpPr>
-          <p:cNvPr id="13" name="TextBox 12"/>
-          <p:cNvSpPr txBox="1"/>
-          <p:nvPr/>
-        </p:nvSpPr>
-        <p:spPr>
-          <a:xfrm>
-            <a:off x="10447337" y="2029227"/>
-            <a:ext cx="802168" cy="369332"/>
-          </a:xfrm>
-          <a:prstGeom prst="rect">
-            <a:avLst/>
-          </a:prstGeom>
-          <a:noFill/>
-        </p:spPr>
-        <p:txBody>
-          <a:bodyPr wrap="square" rtlCol="0">
-            <a:spAutoFit/>
-          </a:bodyPr>
-          <a:lstStyle/>
-          <a:p>
-            <a:r>
-              <a:rPr lang="en-US" b="1" dirty="0" smtClean="0">
-                <a:solidFill>
-                  <a:srgbClr val="00B050"/>
-                </a:solidFill>
-              </a:rPr>
-              <a:t>$$$$</a:t>
-            </a:r>
-            <a:endParaRPr lang="en-US" b="1" dirty="0">
-              <a:solidFill>
-                <a:srgbClr val="00B050"/>
-              </a:solidFill>
-            </a:endParaRPr>
-          </a:p>
-        </p:txBody>
-      </p:sp>
     </p:spTree>
     <p:extLst>
       <p:ext uri="{BB962C8B-B14F-4D97-AF65-F5344CB8AC3E}">
-        <p14:creationId xmlns:p14="http://schemas.microsoft.com/office/powerpoint/2010/main" val="4009897594"/>
+        <p14:creationId xmlns:p14="http://schemas.microsoft.com/office/powerpoint/2010/main" val="1306573025"/>
       </p:ext>
     </p:extLst>
   </p:cSld>
@@ -12492,43 +12319,10 @@
             <p:ph type="title"/>
           </p:nvPr>
         </p:nvSpPr>
-        <p:spPr/>
-        <p:txBody>
-          <a:bodyPr>
-            <a:normAutofit fontScale="90000"/>
-          </a:bodyPr>
-          <a:lstStyle/>
-          <a:p>
-            <a:pPr lvl="0"/>
-            <a:r>
-              <a:rPr lang="en-US" dirty="0" smtClean="0"/>
-              <a:t>BAH Field Guide: </a:t>
-            </a:r>
-            <a:br>
-              <a:rPr lang="en-US" dirty="0" smtClean="0"/>
-            </a:br>
-            <a:r>
-              <a:rPr lang="en-US" b="1" dirty="0" smtClean="0"/>
-              <a:t>Data Science is the art of turning data into actions:</a:t>
-            </a:r>
-            <a:endParaRPr lang="en-US" b="1" dirty="0"/>
-          </a:p>
-        </p:txBody>
-      </p:sp>
-      <p:sp>
-        <p:nvSpPr>
-          <p:cNvPr id="3" name="Content Placeholder 2"/>
-          <p:cNvSpPr>
-            <a:spLocks noGrp="1"/>
-          </p:cNvSpPr>
-          <p:nvPr>
-            <p:ph idx="1"/>
-          </p:nvPr>
-        </p:nvSpPr>
         <p:spPr>
           <a:xfrm>
-            <a:off x="838200" y="1825625"/>
-            <a:ext cx="10515600" cy="4832350"/>
+            <a:off x="0" y="0"/>
+            <a:ext cx="12321153" cy="852407"/>
           </a:xfrm>
         </p:spPr>
         <p:txBody>
@@ -12539,130 +12333,445 @@
           <a:p>
             <a:pPr lvl="0"/>
             <a:r>
-              <a:rPr lang="en-US" sz="3200" dirty="0" smtClean="0"/>
-              <a:t>Tradecraft </a:t>
-            </a:r>
-            <a:r>
-              <a:rPr lang="en-US" sz="3200" i="1" dirty="0" smtClean="0"/>
-              <a:t>creates </a:t>
-            </a:r>
-            <a:r>
-              <a:rPr lang="en-US" sz="3200" b="1" i="1" dirty="0" smtClean="0"/>
-              <a:t>data products</a:t>
-            </a:r>
-            <a:endParaRPr lang="en-US" sz="3200" b="1" dirty="0" smtClean="0"/>
+              <a:rPr lang="en-US" sz="3900" dirty="0"/>
+              <a:t>Booz Allen Hamilton's (BAH's) </a:t>
+            </a:r>
+            <a:r>
+              <a:rPr lang="en-US" sz="3900" dirty="0">
+                <a:hlinkClick r:id="rId3"/>
+              </a:rPr>
+              <a:t>Field Guide to Data </a:t>
+            </a:r>
+            <a:r>
+              <a:rPr lang="en-US" sz="3900" dirty="0" smtClean="0">
+                <a:hlinkClick r:id="rId3"/>
+              </a:rPr>
+              <a:t>Science</a:t>
+            </a:r>
+            <a:endParaRPr lang="en-US" sz="3900" dirty="0"/>
+          </a:p>
+        </p:txBody>
+      </p:sp>
+      <p:pic>
+        <p:nvPicPr>
+          <p:cNvPr id="5" name="Picture 4"/>
+          <p:cNvPicPr>
+            <a:picLocks noChangeAspect="1"/>
+          </p:cNvPicPr>
+          <p:nvPr/>
+        </p:nvPicPr>
+        <p:blipFill>
+          <a:blip r:embed="rId4">
+            <a:extLst>
+              <a:ext uri="{28A0092B-C50C-407E-A947-70E740481C1C}">
+                <a14:useLocalDpi xmlns:a14="http://schemas.microsoft.com/office/drawing/2010/main" val="0"/>
+              </a:ext>
+            </a:extLst>
+          </a:blip>
+          <a:stretch>
+            <a:fillRect/>
+          </a:stretch>
+        </p:blipFill>
+        <p:spPr>
+          <a:xfrm>
+            <a:off x="2910130" y="686282"/>
+            <a:ext cx="9089502" cy="6171718"/>
+          </a:xfrm>
+          <a:prstGeom prst="rect">
+            <a:avLst/>
+          </a:prstGeom>
+        </p:spPr>
+      </p:pic>
+      <p:sp>
+        <p:nvSpPr>
+          <p:cNvPr id="3" name="Content Placeholder 2"/>
+          <p:cNvSpPr>
+            <a:spLocks noGrp="1"/>
+          </p:cNvSpPr>
+          <p:nvPr>
+            <p:ph idx="1"/>
+          </p:nvPr>
+        </p:nvSpPr>
+        <p:spPr>
+          <a:xfrm>
+            <a:off x="152400" y="1181100"/>
+            <a:ext cx="2867025" cy="2505075"/>
+          </a:xfrm>
+        </p:spPr>
+        <p:txBody>
+          <a:bodyPr>
+            <a:normAutofit fontScale="92500" lnSpcReduction="20000"/>
+          </a:bodyPr>
+          <a:lstStyle/>
+          <a:p>
+            <a:pPr marL="0" lvl="0" indent="0">
+              <a:buNone/>
+            </a:pPr>
+            <a:r>
+              <a:rPr lang="en-US" dirty="0" smtClean="0"/>
+              <a:t>Where are you?</a:t>
+            </a:r>
+          </a:p>
+          <a:p>
+            <a:pPr lvl="0"/>
+            <a:r>
+              <a:rPr lang="en-US" dirty="0" smtClean="0"/>
+              <a:t>Individual</a:t>
+            </a:r>
+          </a:p>
+          <a:p>
+            <a:pPr lvl="0"/>
+            <a:r>
+              <a:rPr lang="en-US" dirty="0" smtClean="0"/>
+              <a:t>Organization</a:t>
+            </a:r>
+          </a:p>
+          <a:p>
+            <a:pPr lvl="0"/>
+            <a:r>
+              <a:rPr lang="en-US" dirty="0" smtClean="0"/>
+              <a:t>Per Project</a:t>
+            </a:r>
           </a:p>
           <a:p>
             <a:pPr lvl="1"/>
-            <a:r>
-              <a:rPr lang="en-US" sz="3200" dirty="0" smtClean="0"/>
-              <a:t>Drive </a:t>
-            </a:r>
-            <a:r>
-              <a:rPr lang="en-US" sz="3200" dirty="0"/>
-              <a:t>actions </a:t>
-            </a:r>
-            <a:r>
-              <a:rPr lang="en-US" sz="3200" dirty="0" smtClean="0"/>
-              <a:t>– </a:t>
-            </a:r>
-            <a:r>
-              <a:rPr lang="en-US" sz="3200" b="1" i="1" dirty="0" smtClean="0"/>
-              <a:t>advice</a:t>
-            </a:r>
-            <a:r>
-              <a:rPr lang="en-US" sz="3200" dirty="0" smtClean="0"/>
-              <a:t> – possibility and danger</a:t>
-            </a:r>
-          </a:p>
-          <a:p>
-            <a:pPr lvl="0"/>
-            <a:r>
-              <a:rPr lang="en-US" sz="3200" dirty="0" smtClean="0"/>
-              <a:t>Supports and encourages shifting between:</a:t>
-            </a:r>
-          </a:p>
-          <a:p>
-            <a:pPr lvl="1"/>
-            <a:r>
-              <a:rPr lang="en-US" sz="3200" b="1" dirty="0" smtClean="0"/>
-              <a:t>Deductive</a:t>
-            </a:r>
-            <a:r>
-              <a:rPr lang="en-US" sz="3200" dirty="0" smtClean="0"/>
-              <a:t> (hypothesis-based) reasoning</a:t>
-            </a:r>
-          </a:p>
-          <a:p>
-            <a:pPr lvl="1"/>
-            <a:r>
-              <a:rPr lang="en-US" sz="3200" b="1" dirty="0" smtClean="0"/>
-              <a:t>Inductive</a:t>
-            </a:r>
-            <a:r>
-              <a:rPr lang="en-US" sz="3200" dirty="0" smtClean="0"/>
-              <a:t> (pattern-based) reasoning</a:t>
-            </a:r>
-          </a:p>
-          <a:p>
-            <a:pPr lvl="0"/>
-            <a:r>
-              <a:rPr lang="en-US" sz="3200" dirty="0"/>
-              <a:t>N</a:t>
-            </a:r>
-            <a:r>
-              <a:rPr lang="en-US" sz="3200" dirty="0" smtClean="0"/>
-              <a:t>ecessary for companies to </a:t>
-            </a:r>
-            <a:r>
-              <a:rPr lang="en-US" sz="3200" b="1" dirty="0" smtClean="0"/>
-              <a:t>compete</a:t>
-            </a:r>
-          </a:p>
-          <a:p>
-            <a:pPr lvl="0"/>
-            <a:r>
-              <a:rPr lang="en-US" sz="3200" dirty="0" smtClean="0"/>
-              <a:t>Capabilities </a:t>
-            </a:r>
-            <a:r>
-              <a:rPr lang="en-US" sz="3200" b="1" dirty="0" smtClean="0"/>
-              <a:t>can be built</a:t>
-            </a:r>
-            <a:r>
-              <a:rPr lang="en-US" sz="3200" dirty="0" smtClean="0"/>
-              <a:t> over time</a:t>
-            </a:r>
-          </a:p>
-          <a:p>
-            <a:pPr lvl="0"/>
-            <a:r>
-              <a:rPr lang="en-US" sz="3200" dirty="0" smtClean="0"/>
-              <a:t>Different kind of team sport</a:t>
-            </a:r>
-          </a:p>
-          <a:p>
-            <a:pPr lvl="1"/>
-            <a:r>
-              <a:rPr lang="en-US" sz="2800" dirty="0" smtClean="0"/>
-              <a:t>Company-wide </a:t>
-            </a:r>
-            <a:r>
-              <a:rPr lang="en-US" sz="2800" i="1" dirty="0" smtClean="0"/>
-              <a:t>open culture </a:t>
-            </a:r>
-            <a:r>
-              <a:rPr lang="en-US" sz="2800" dirty="0" smtClean="0"/>
-              <a:t>– commitment to insights from data</a:t>
-            </a:r>
-            <a:endParaRPr lang="en-US" sz="2800" dirty="0"/>
+            <a:endParaRPr lang="en-US" dirty="0" smtClean="0"/>
+          </a:p>
+          <a:p>
+            <a:pPr marL="0" indent="0">
+              <a:buNone/>
+            </a:pPr>
+            <a:r>
+              <a:rPr lang="en-US" dirty="0" smtClean="0"/>
+              <a:t>Goal: </a:t>
+            </a:r>
+            <a:r>
+              <a:rPr lang="en-US" dirty="0" smtClean="0">
+                <a:solidFill>
+                  <a:srgbClr val="00B050"/>
+                </a:solidFill>
+              </a:rPr>
+              <a:t>Advice</a:t>
+            </a:r>
+          </a:p>
+        </p:txBody>
+      </p:sp>
+      <p:pic>
+        <p:nvPicPr>
+          <p:cNvPr id="6" name="Picture 5"/>
+          <p:cNvPicPr>
+            <a:picLocks noChangeAspect="1"/>
+          </p:cNvPicPr>
+          <p:nvPr/>
+        </p:nvPicPr>
+        <p:blipFill>
+          <a:blip r:embed="rId5">
+            <a:extLst>
+              <a:ext uri="{28A0092B-C50C-407E-A947-70E740481C1C}">
+                <a14:useLocalDpi xmlns:a14="http://schemas.microsoft.com/office/drawing/2010/main" val="0"/>
+              </a:ext>
+            </a:extLst>
+          </a:blip>
+          <a:stretch>
+            <a:fillRect/>
+          </a:stretch>
+        </p:blipFill>
+        <p:spPr>
+          <a:xfrm>
+            <a:off x="83274" y="3686175"/>
+            <a:ext cx="2743583" cy="2743583"/>
+          </a:xfrm>
+          <a:prstGeom prst="rect">
+            <a:avLst/>
+          </a:prstGeom>
+        </p:spPr>
+      </p:pic>
+      <p:sp>
+        <p:nvSpPr>
+          <p:cNvPr id="4" name="Oval 3"/>
+          <p:cNvSpPr/>
+          <p:nvPr/>
+        </p:nvSpPr>
+        <p:spPr>
+          <a:xfrm>
+            <a:off x="10210800" y="1334395"/>
+            <a:ext cx="1552575" cy="1075429"/>
+          </a:xfrm>
+          <a:prstGeom prst="ellipse">
+            <a:avLst/>
+          </a:prstGeom>
+          <a:noFill/>
+          <a:ln w="28575">
+            <a:solidFill>
+              <a:srgbClr val="00B050"/>
+            </a:solidFill>
+          </a:ln>
+        </p:spPr>
+        <p:style>
+          <a:lnRef idx="2">
+            <a:schemeClr val="accent1">
+              <a:shade val="50000"/>
+            </a:schemeClr>
+          </a:lnRef>
+          <a:fillRef idx="1">
+            <a:schemeClr val="accent1"/>
+          </a:fillRef>
+          <a:effectRef idx="0">
+            <a:schemeClr val="accent1"/>
+          </a:effectRef>
+          <a:fontRef idx="minor">
+            <a:schemeClr val="lt1"/>
+          </a:fontRef>
+        </p:style>
+        <p:txBody>
+          <a:bodyPr rtlCol="0" anchor="ctr"/>
+          <a:lstStyle/>
+          <a:p>
+            <a:pPr algn="ctr"/>
+            <a:endParaRPr lang="en-US"/>
+          </a:p>
+        </p:txBody>
+      </p:sp>
+      <p:sp>
+        <p:nvSpPr>
+          <p:cNvPr id="7" name="Oval 6"/>
+          <p:cNvSpPr/>
+          <p:nvPr/>
+        </p:nvSpPr>
+        <p:spPr>
+          <a:xfrm>
+            <a:off x="4277360" y="1334394"/>
+            <a:ext cx="873760" cy="5095363"/>
+          </a:xfrm>
+          <a:prstGeom prst="ellipse">
+            <a:avLst/>
+          </a:prstGeom>
+          <a:noFill/>
+          <a:ln w="28575">
+            <a:solidFill>
+              <a:srgbClr val="00B050"/>
+            </a:solidFill>
+          </a:ln>
+        </p:spPr>
+        <p:style>
+          <a:lnRef idx="2">
+            <a:schemeClr val="accent1">
+              <a:shade val="50000"/>
+            </a:schemeClr>
+          </a:lnRef>
+          <a:fillRef idx="1">
+            <a:schemeClr val="accent1"/>
+          </a:fillRef>
+          <a:effectRef idx="0">
+            <a:schemeClr val="accent1"/>
+          </a:effectRef>
+          <a:fontRef idx="minor">
+            <a:schemeClr val="lt1"/>
+          </a:fontRef>
+        </p:style>
+        <p:txBody>
+          <a:bodyPr rtlCol="0" anchor="ctr"/>
+          <a:lstStyle/>
+          <a:p>
+            <a:pPr algn="ctr"/>
+            <a:endParaRPr lang="en-US"/>
+          </a:p>
+        </p:txBody>
+      </p:sp>
+      <p:sp>
+        <p:nvSpPr>
+          <p:cNvPr id="9" name="TextBox 8"/>
+          <p:cNvSpPr txBox="1"/>
+          <p:nvPr/>
+        </p:nvSpPr>
+        <p:spPr>
+          <a:xfrm>
+            <a:off x="1272857" y="5905668"/>
+            <a:ext cx="802168" cy="369332"/>
+          </a:xfrm>
+          <a:prstGeom prst="rect">
+            <a:avLst/>
+          </a:prstGeom>
+          <a:noFill/>
+        </p:spPr>
+        <p:txBody>
+          <a:bodyPr wrap="square" rtlCol="0">
+            <a:spAutoFit/>
+          </a:bodyPr>
+          <a:lstStyle/>
+          <a:p>
+            <a:r>
+              <a:rPr lang="en-US" dirty="0" smtClean="0">
+                <a:solidFill>
+                  <a:srgbClr val="00B050"/>
+                </a:solidFill>
+              </a:rPr>
+              <a:t>$</a:t>
+            </a:r>
+            <a:endParaRPr lang="en-US" dirty="0">
+              <a:solidFill>
+                <a:srgbClr val="00B050"/>
+              </a:solidFill>
+            </a:endParaRPr>
+          </a:p>
+        </p:txBody>
+      </p:sp>
+      <p:sp>
+        <p:nvSpPr>
+          <p:cNvPr id="10" name="TextBox 9"/>
+          <p:cNvSpPr txBox="1"/>
+          <p:nvPr/>
+        </p:nvSpPr>
+        <p:spPr>
+          <a:xfrm>
+            <a:off x="6723833" y="4696628"/>
+            <a:ext cx="802168" cy="276999"/>
+          </a:xfrm>
+          <a:prstGeom prst="rect">
+            <a:avLst/>
+          </a:prstGeom>
+          <a:noFill/>
+        </p:spPr>
+        <p:txBody>
+          <a:bodyPr wrap="square" rtlCol="0">
+            <a:spAutoFit/>
+          </a:bodyPr>
+          <a:lstStyle/>
+          <a:p>
+            <a:r>
+              <a:rPr lang="en-US" sz="1200" dirty="0" smtClean="0">
+                <a:solidFill>
+                  <a:srgbClr val="00B050"/>
+                </a:solidFill>
+              </a:rPr>
+              <a:t>$</a:t>
+            </a:r>
+            <a:endParaRPr lang="en-US" sz="1200" dirty="0">
+              <a:solidFill>
+                <a:srgbClr val="00B050"/>
+              </a:solidFill>
+            </a:endParaRPr>
+          </a:p>
+        </p:txBody>
+      </p:sp>
+      <p:sp>
+        <p:nvSpPr>
+          <p:cNvPr id="11" name="TextBox 10"/>
+          <p:cNvSpPr txBox="1"/>
+          <p:nvPr/>
+        </p:nvSpPr>
+        <p:spPr>
+          <a:xfrm>
+            <a:off x="7660166" y="4005748"/>
+            <a:ext cx="802168" cy="369332"/>
+          </a:xfrm>
+          <a:prstGeom prst="rect">
+            <a:avLst/>
+          </a:prstGeom>
+          <a:noFill/>
+        </p:spPr>
+        <p:txBody>
+          <a:bodyPr wrap="square" rtlCol="0">
+            <a:spAutoFit/>
+          </a:bodyPr>
+          <a:lstStyle/>
+          <a:p>
+            <a:r>
+              <a:rPr lang="en-US" dirty="0" smtClean="0">
+                <a:solidFill>
+                  <a:srgbClr val="00B050"/>
+                </a:solidFill>
+              </a:rPr>
+              <a:t>$</a:t>
+            </a:r>
+            <a:endParaRPr lang="en-US" dirty="0">
+              <a:solidFill>
+                <a:srgbClr val="00B050"/>
+              </a:solidFill>
+            </a:endParaRPr>
+          </a:p>
+        </p:txBody>
+      </p:sp>
+      <p:sp>
+        <p:nvSpPr>
+          <p:cNvPr id="12" name="TextBox 11"/>
+          <p:cNvSpPr txBox="1"/>
+          <p:nvPr/>
+        </p:nvSpPr>
+        <p:spPr>
+          <a:xfrm>
+            <a:off x="8943657" y="3040548"/>
+            <a:ext cx="802168" cy="369332"/>
+          </a:xfrm>
+          <a:prstGeom prst="rect">
+            <a:avLst/>
+          </a:prstGeom>
+          <a:noFill/>
+        </p:spPr>
+        <p:txBody>
+          <a:bodyPr wrap="square" rtlCol="0">
+            <a:spAutoFit/>
+          </a:bodyPr>
+          <a:lstStyle/>
+          <a:p>
+            <a:r>
+              <a:rPr lang="en-US" b="1" dirty="0" smtClean="0">
+                <a:solidFill>
+                  <a:srgbClr val="00B050"/>
+                </a:solidFill>
+              </a:rPr>
+              <a:t>$$$</a:t>
+            </a:r>
+            <a:endParaRPr lang="en-US" b="1" dirty="0">
+              <a:solidFill>
+                <a:srgbClr val="00B050"/>
+              </a:solidFill>
+            </a:endParaRPr>
+          </a:p>
+        </p:txBody>
+      </p:sp>
+      <p:sp>
+        <p:nvSpPr>
+          <p:cNvPr id="13" name="TextBox 12"/>
+          <p:cNvSpPr txBox="1"/>
+          <p:nvPr/>
+        </p:nvSpPr>
+        <p:spPr>
+          <a:xfrm>
+            <a:off x="10447337" y="2029227"/>
+            <a:ext cx="802168" cy="369332"/>
+          </a:xfrm>
+          <a:prstGeom prst="rect">
+            <a:avLst/>
+          </a:prstGeom>
+          <a:noFill/>
+        </p:spPr>
+        <p:txBody>
+          <a:bodyPr wrap="square" rtlCol="0">
+            <a:spAutoFit/>
+          </a:bodyPr>
+          <a:lstStyle/>
+          <a:p>
+            <a:r>
+              <a:rPr lang="en-US" b="1" dirty="0" smtClean="0">
+                <a:solidFill>
+                  <a:srgbClr val="00B050"/>
+                </a:solidFill>
+              </a:rPr>
+              <a:t>$$$$</a:t>
+            </a:r>
+            <a:endParaRPr lang="en-US" b="1" dirty="0">
+              <a:solidFill>
+                <a:srgbClr val="00B050"/>
+              </a:solidFill>
+            </a:endParaRPr>
           </a:p>
         </p:txBody>
       </p:sp>
     </p:spTree>
     <p:extLst>
       <p:ext uri="{BB962C8B-B14F-4D97-AF65-F5344CB8AC3E}">
-        <p14:creationId xmlns:p14="http://schemas.microsoft.com/office/powerpoint/2010/main" val="1356862054"/>
+        <p14:creationId xmlns:p14="http://schemas.microsoft.com/office/powerpoint/2010/main" val="4009897594"/>
       </p:ext>
     </p:extLst>
   </p:cSld>
@@ -12711,16 +12820,89 @@
           <a:bodyPr/>
           <a:lstStyle/>
           <a:p>
+            <a:endParaRPr lang="en-US"/>
+          </a:p>
+        </p:txBody>
+      </p:sp>
+      <p:sp>
+        <p:nvSpPr>
+          <p:cNvPr id="3" name="Content Placeholder 2"/>
+          <p:cNvSpPr>
+            <a:spLocks noGrp="1"/>
+          </p:cNvSpPr>
+          <p:nvPr>
+            <p:ph idx="1"/>
+          </p:nvPr>
+        </p:nvSpPr>
+        <p:spPr/>
+        <p:txBody>
+          <a:bodyPr/>
+          <a:lstStyle/>
+          <a:p>
+            <a:endParaRPr lang="en-US"/>
+          </a:p>
+        </p:txBody>
+      </p:sp>
+    </p:spTree>
+    <p:extLst>
+      <p:ext uri="{BB962C8B-B14F-4D97-AF65-F5344CB8AC3E}">
+        <p14:creationId xmlns:p14="http://schemas.microsoft.com/office/powerpoint/2010/main" val="4241698205"/>
+      </p:ext>
+    </p:extLst>
+  </p:cSld>
+  <p:clrMapOvr>
+    <a:masterClrMapping/>
+  </p:clrMapOvr>
+</p:sld>
+</file>
+
+<file path=ppt/slides/slide20.xml><?xml version="1.0" encoding="utf-8"?>
+<p:sld xmlns:a="http://schemas.openxmlformats.org/drawingml/2006/main" xmlns:r="http://schemas.openxmlformats.org/officeDocument/2006/relationships" xmlns:p="http://schemas.openxmlformats.org/presentationml/2006/main">
+  <p:cSld>
+    <p:spTree>
+      <p:nvGrpSpPr>
+        <p:cNvPr id="1" name=""/>
+        <p:cNvGrpSpPr/>
+        <p:nvPr/>
+      </p:nvGrpSpPr>
+      <p:grpSpPr>
+        <a:xfrm>
+          <a:off x="0" y="0"/>
+          <a:ext cx="0" cy="0"/>
+          <a:chOff x="0" y="0"/>
+          <a:chExt cx="0" cy="0"/>
+        </a:xfrm>
+      </p:grpSpPr>
+      <p:sp>
+        <p:nvSpPr>
+          <p:cNvPr id="2" name="Title 1"/>
+          <p:cNvSpPr>
+            <a:spLocks noGrp="1"/>
+          </p:cNvSpPr>
+          <p:nvPr>
+            <p:ph type="title"/>
+          </p:nvPr>
+        </p:nvSpPr>
+        <p:spPr/>
+        <p:txBody>
+          <a:bodyPr>
+            <a:normAutofit fontScale="90000"/>
+          </a:bodyPr>
+          <a:lstStyle/>
+          <a:p>
             <a:pPr lvl="0"/>
             <a:r>
               <a:rPr lang="en-US" dirty="0" smtClean="0"/>
-              <a:t>Is</a:t>
-            </a:r>
-            <a:r>
-              <a:rPr lang="en-US" baseline="0" dirty="0" smtClean="0"/>
-              <a:t> it possible to know all of Data Science?</a:t>
-            </a:r>
-            <a:endParaRPr lang="en-US" dirty="0"/>
+              <a:t>BAH Field Guide: </a:t>
+            </a:r>
+            <a:br>
+              <a:rPr lang="en-US" dirty="0" smtClean="0"/>
+            </a:br>
+            <a:r>
+              <a:rPr lang="en-US" b="1" dirty="0" smtClean="0"/>
+              <a:t>Data Science is the art of turning data into actions:</a:t>
+            </a:r>
+            <a:endParaRPr lang="en-US" b="1" dirty="0"/>
           </a:p>
         </p:txBody>
       </p:sp>
@@ -12737,7 +12919,7 @@
         <p:spPr>
           <a:xfrm>
             <a:off x="838200" y="1825625"/>
-            <a:ext cx="10515600" cy="4854144"/>
+            <a:ext cx="10515600" cy="4832350"/>
           </a:xfrm>
         </p:spPr>
         <p:txBody>
@@ -12746,47 +12928,132 @@
           </a:bodyPr>
           <a:lstStyle/>
           <a:p>
-            <a:pPr marL="0" indent="0">
-              <a:buNone/>
-            </a:pPr>
-            <a:r>
-              <a:rPr lang="en-US" sz="4000" dirty="0" smtClean="0"/>
-              <a:t>In minutes?</a:t>
-            </a:r>
-          </a:p>
-          <a:p>
-            <a:r>
-              <a:rPr lang="en-US" sz="4000" dirty="0" smtClean="0"/>
-              <a:t>What?</a:t>
-            </a:r>
-          </a:p>
-          <a:p>
-            <a:r>
-              <a:rPr lang="en-US" sz="4000" dirty="0" smtClean="0"/>
-              <a:t>How?</a:t>
-            </a:r>
-          </a:p>
-          <a:p>
-            <a:r>
-              <a:rPr lang="en-US" sz="4000" dirty="0" smtClean="0"/>
-              <a:t>Why?</a:t>
-            </a:r>
-          </a:p>
-          <a:p>
-            <a:pPr marL="0" indent="0">
-              <a:buNone/>
-            </a:pPr>
-            <a:r>
-              <a:rPr lang="en-US" sz="4000" dirty="0" smtClean="0"/>
-              <a:t>Wide – not deep.</a:t>
-            </a:r>
+            <a:pPr lvl="0"/>
+            <a:r>
+              <a:rPr lang="en-US" sz="3200" dirty="0" smtClean="0"/>
+              <a:t>Tradecraft </a:t>
+            </a:r>
+            <a:r>
+              <a:rPr lang="en-US" sz="3200" i="1" dirty="0" smtClean="0"/>
+              <a:t>creates </a:t>
+            </a:r>
+            <a:r>
+              <a:rPr lang="en-US" sz="3200" b="1" i="1" dirty="0" smtClean="0"/>
+              <a:t>data products</a:t>
+            </a:r>
+            <a:endParaRPr lang="en-US" sz="3200" b="1" dirty="0" smtClean="0"/>
+          </a:p>
+          <a:p>
+            <a:pPr lvl="1"/>
+            <a:r>
+              <a:rPr lang="en-US" sz="3200" dirty="0" smtClean="0"/>
+              <a:t>Drive </a:t>
+            </a:r>
+            <a:r>
+              <a:rPr lang="en-US" sz="3200" dirty="0"/>
+              <a:t>actions </a:t>
+            </a:r>
+            <a:r>
+              <a:rPr lang="en-US" sz="3200" dirty="0" smtClean="0"/>
+              <a:t>– </a:t>
+            </a:r>
+            <a:r>
+              <a:rPr lang="en-US" sz="3200" b="1" i="1" dirty="0" smtClean="0"/>
+              <a:t>advice</a:t>
+            </a:r>
+            <a:r>
+              <a:rPr lang="en-US" sz="3200" dirty="0" smtClean="0"/>
+              <a:t> – possibility and danger</a:t>
+            </a:r>
+          </a:p>
+          <a:p>
+            <a:pPr lvl="0"/>
+            <a:r>
+              <a:rPr lang="en-US" sz="3200" dirty="0" smtClean="0"/>
+              <a:t>Supports and encourages shifting between:</a:t>
+            </a:r>
+          </a:p>
+          <a:p>
+            <a:pPr lvl="1"/>
+            <a:r>
+              <a:rPr lang="en-US" sz="3200" b="1" dirty="0" smtClean="0"/>
+              <a:t>Deductive</a:t>
+            </a:r>
+            <a:r>
+              <a:rPr lang="en-US" sz="3200" dirty="0" smtClean="0"/>
+              <a:t> (hypothesis-based) reasoning</a:t>
+            </a:r>
+          </a:p>
+          <a:p>
+            <a:pPr lvl="1"/>
+            <a:r>
+              <a:rPr lang="en-US" sz="3200" b="1" dirty="0" smtClean="0"/>
+              <a:t>Inductive</a:t>
+            </a:r>
+            <a:r>
+              <a:rPr lang="en-US" sz="3200" dirty="0" smtClean="0"/>
+              <a:t> (pattern-based) reasoning</a:t>
+            </a:r>
+          </a:p>
+          <a:p>
+            <a:pPr lvl="0"/>
+            <a:r>
+              <a:rPr lang="en-US" sz="3200" dirty="0"/>
+              <a:t>N</a:t>
+            </a:r>
+            <a:r>
+              <a:rPr lang="en-US" sz="3200" dirty="0" smtClean="0"/>
+              <a:t>ecessary for companies to </a:t>
+            </a:r>
+            <a:r>
+              <a:rPr lang="en-US" sz="3200" b="1" dirty="0" smtClean="0"/>
+              <a:t>compete</a:t>
+            </a:r>
+          </a:p>
+          <a:p>
+            <a:pPr lvl="0"/>
+            <a:r>
+              <a:rPr lang="en-US" sz="3200" dirty="0" smtClean="0"/>
+              <a:t>Capabilities </a:t>
+            </a:r>
+            <a:r>
+              <a:rPr lang="en-US" sz="3200" b="1" dirty="0" smtClean="0"/>
+              <a:t>can be built</a:t>
+            </a:r>
+            <a:r>
+              <a:rPr lang="en-US" sz="3200" dirty="0" smtClean="0"/>
+              <a:t> over time</a:t>
+            </a:r>
+          </a:p>
+          <a:p>
+            <a:pPr lvl="0"/>
+            <a:r>
+              <a:rPr lang="en-US" sz="3200" dirty="0" smtClean="0"/>
+              <a:t>Different kind of team sport</a:t>
+            </a:r>
+          </a:p>
+          <a:p>
+            <a:pPr lvl="1"/>
+            <a:r>
+              <a:rPr lang="en-US" sz="2800" dirty="0" smtClean="0"/>
+              <a:t>Company-wide </a:t>
+            </a:r>
+            <a:r>
+              <a:rPr lang="en-US" sz="2800" i="1" dirty="0" smtClean="0"/>
+              <a:t>open culture </a:t>
+            </a:r>
+            <a:r>
+              <a:rPr lang="en-US" sz="2800" dirty="0" smtClean="0"/>
+              <a:t>– commitment to insights from data</a:t>
+            </a:r>
+            <a:endParaRPr lang="en-US" sz="2800" dirty="0"/>
           </a:p>
         </p:txBody>
       </p:sp>
     </p:spTree>
     <p:extLst>
       <p:ext uri="{BB962C8B-B14F-4D97-AF65-F5344CB8AC3E}">
-        <p14:creationId xmlns:p14="http://schemas.microsoft.com/office/powerpoint/2010/main" val="4005404877"/>
+        <p14:creationId xmlns:p14="http://schemas.microsoft.com/office/powerpoint/2010/main" val="1356862054"/>
       </p:ext>
     </p:extLst>
   </p:cSld>
@@ -12803,7 +13070,7 @@
 </p:sld>
 </file>
 
-<file path=ppt/slides/slide20.xml><?xml version="1.0" encoding="utf-8"?>
+<file path=ppt/slides/slide21.xml><?xml version="1.0" encoding="utf-8"?>
 <p:sld xmlns:a="http://schemas.openxmlformats.org/drawingml/2006/main" xmlns:r="http://schemas.openxmlformats.org/officeDocument/2006/relationships" xmlns:p="http://schemas.openxmlformats.org/presentationml/2006/main">
   <p:cSld>
     <p:spTree>
@@ -13163,7 +13430,7 @@
 </p:sld>
 </file>
 
-<file path=ppt/slides/slide21.xml><?xml version="1.0" encoding="utf-8"?>
+<file path=ppt/slides/slide22.xml><?xml version="1.0" encoding="utf-8"?>
 <p:sld xmlns:a="http://schemas.openxmlformats.org/drawingml/2006/main" xmlns:r="http://schemas.openxmlformats.org/officeDocument/2006/relationships" xmlns:p="http://schemas.openxmlformats.org/presentationml/2006/main">
   <p:cSld>
     <p:spTree>
@@ -13264,7 +13531,7 @@
 </p:sld>
 </file>
 
-<file path=ppt/slides/slide22.xml><?xml version="1.0" encoding="utf-8"?>
+<file path=ppt/slides/slide23.xml><?xml version="1.0" encoding="utf-8"?>
 <p:sld xmlns:a="http://schemas.openxmlformats.org/drawingml/2006/main" xmlns:r="http://schemas.openxmlformats.org/officeDocument/2006/relationships" xmlns:p="http://schemas.openxmlformats.org/presentationml/2006/main">
   <p:cSld>
     <p:spTree>
@@ -13408,7 +13675,7 @@
 </p:sld>
 </file>
 
-<file path=ppt/slides/slide23.xml><?xml version="1.0" encoding="utf-8"?>
+<file path=ppt/slides/slide24.xml><?xml version="1.0" encoding="utf-8"?>
 <p:sld xmlns:a="http://schemas.openxmlformats.org/drawingml/2006/main" xmlns:r="http://schemas.openxmlformats.org/officeDocument/2006/relationships" xmlns:p="http://schemas.openxmlformats.org/presentationml/2006/main">
   <p:cSld>
     <p:spTree>
@@ -13602,7 +13869,6 @@
               <a:rPr lang="en-US" dirty="0" smtClean="0"/>
               <a:t> to constrain being</a:t>
             </a:r>
-            <a:endParaRPr lang="en-US" dirty="0" smtClean="0"/>
           </a:p>
           <a:p>
             <a:pPr lvl="1"/>
@@ -13927,7 +14193,7 @@
 </p:sld>
 </file>
 
-<file path=ppt/slides/slide24.xml><?xml version="1.0" encoding="utf-8"?>
+<file path=ppt/slides/slide25.xml><?xml version="1.0" encoding="utf-8"?>
 <p:sld xmlns:a="http://schemas.openxmlformats.org/drawingml/2006/main" xmlns:r="http://schemas.openxmlformats.org/officeDocument/2006/relationships" xmlns:p="http://schemas.openxmlformats.org/presentationml/2006/main">
   <p:cSld>
     <p:spTree>
@@ -14131,12 +14397,7 @@
             <p:ph type="title"/>
           </p:nvPr>
         </p:nvSpPr>
-        <p:spPr>
-          <a:xfrm>
-            <a:off x="839788" y="71438"/>
-            <a:ext cx="10515600" cy="1325563"/>
-          </a:xfrm>
-        </p:spPr>
+        <p:spPr/>
         <p:txBody>
           <a:bodyPr/>
           <a:lstStyle/>
@@ -14144,7 +14405,11 @@
             <a:pPr lvl="0"/>
             <a:r>
               <a:rPr lang="en-US" dirty="0" smtClean="0"/>
-              <a:t>Agenda: a perspective – open to suggestions</a:t>
+              <a:t>Is</a:t>
+            </a:r>
+            <a:r>
+              <a:rPr lang="en-US" baseline="0" dirty="0" smtClean="0"/>
+              <a:t> it possible to know all of Data Science?</a:t>
             </a:r>
             <a:endParaRPr lang="en-US" dirty="0"/>
           </a:p>
@@ -14152,210 +14417,111 @@
       </p:sp>
       <p:sp>
         <p:nvSpPr>
-          <p:cNvPr id="6" name="Text Placeholder 5"/>
+          <p:cNvPr id="3" name="Content Placeholder 2"/>
           <p:cNvSpPr>
             <a:spLocks noGrp="1"/>
           </p:cNvSpPr>
           <p:nvPr>
-            <p:ph type="body" idx="1"/>
-          </p:nvPr>
-        </p:nvSpPr>
-        <p:spPr>
-          <a:xfrm>
-            <a:off x="315913" y="1062038"/>
-            <a:ext cx="6018212" cy="719138"/>
-          </a:xfrm>
-        </p:spPr>
-        <p:txBody>
-          <a:bodyPr/>
-          <a:lstStyle/>
-          <a:p>
-            <a:r>
-              <a:rPr lang="en-US" sz="3200" dirty="0" smtClean="0"/>
-              <a:t>Covered</a:t>
-            </a:r>
-            <a:endParaRPr lang="en-US" sz="3200" dirty="0"/>
-          </a:p>
-        </p:txBody>
-      </p:sp>
-      <p:sp>
-        <p:nvSpPr>
-          <p:cNvPr id="3" name="Content Placeholder 2"/>
-          <p:cNvSpPr>
-            <a:spLocks noGrp="1"/>
-          </p:cNvSpPr>
-          <p:nvPr>
-            <p:ph sz="half" idx="2"/>
-          </p:nvPr>
-        </p:nvSpPr>
-        <p:spPr>
-          <a:xfrm>
-            <a:off x="315913" y="1885950"/>
-            <a:ext cx="6018212" cy="4362450"/>
-          </a:xfrm>
-        </p:spPr>
-        <p:txBody>
-          <a:bodyPr>
-            <a:normAutofit fontScale="77500" lnSpcReduction="20000"/>
-          </a:bodyPr>
-          <a:lstStyle/>
-          <a:p>
-            <a:pPr marL="0" indent="0">
-              <a:buNone/>
-            </a:pPr>
-            <a:r>
-              <a:rPr lang="en-US" sz="4000" u="sng" dirty="0" smtClean="0"/>
-              <a:t>What is data science?</a:t>
-            </a:r>
-            <a:r>
-              <a:rPr lang="en-US" sz="4000" dirty="0" smtClean="0"/>
-              <a:t>  </a:t>
-            </a:r>
-          </a:p>
-          <a:p>
-            <a:r>
-              <a:rPr lang="en-US" sz="4000" dirty="0" smtClean="0"/>
-              <a:t>Learn: A method to learn fast and recall more</a:t>
-            </a:r>
-          </a:p>
-          <a:p>
-            <a:r>
-              <a:rPr lang="en-US" sz="4000" dirty="0" smtClean="0"/>
-              <a:t>The space of </a:t>
-            </a:r>
-            <a:r>
-              <a:rPr lang="en-US" sz="4000" dirty="0" err="1" smtClean="0"/>
-              <a:t>sci</a:t>
-            </a:r>
-            <a:r>
-              <a:rPr lang="en-US" sz="4000" dirty="0" smtClean="0"/>
-              <a:t>-kit learn</a:t>
-            </a:r>
-          </a:p>
-          <a:p>
-            <a:r>
-              <a:rPr lang="en-US" sz="4000" dirty="0" smtClean="0"/>
-              <a:t>A capability maturity model for data science</a:t>
-            </a:r>
-          </a:p>
-          <a:p>
-            <a:r>
-              <a:rPr lang="en-US" sz="4000" dirty="0" smtClean="0"/>
-              <a:t>Deliverables</a:t>
-            </a:r>
-          </a:p>
-          <a:p>
-            <a:r>
-              <a:rPr lang="en-US" sz="4000" dirty="0" smtClean="0"/>
-              <a:t>Limits</a:t>
-            </a:r>
-          </a:p>
-          <a:p>
-            <a:endParaRPr lang="en-US" sz="4000" dirty="0" smtClean="0"/>
-          </a:p>
-          <a:p>
-            <a:r>
-              <a:rPr lang="en-US" sz="4000" u="sng" dirty="0" smtClean="0"/>
-              <a:t>Arguably</a:t>
-            </a:r>
-            <a:r>
-              <a:rPr lang="en-US" sz="4000" dirty="0" smtClean="0"/>
-              <a:t>: How NN, AI and ML fit it</a:t>
-            </a:r>
-          </a:p>
-        </p:txBody>
-      </p:sp>
-      <p:sp>
-        <p:nvSpPr>
-          <p:cNvPr id="7" name="Text Placeholder 6"/>
-          <p:cNvSpPr>
-            <a:spLocks noGrp="1"/>
-          </p:cNvSpPr>
-          <p:nvPr>
-            <p:ph type="body" sz="quarter" idx="3"/>
-          </p:nvPr>
-        </p:nvSpPr>
-        <p:spPr>
-          <a:xfrm>
-            <a:off x="6334124" y="1173782"/>
-            <a:ext cx="5183188" cy="607394"/>
-          </a:xfrm>
-        </p:spPr>
+            <p:ph sz="half" idx="1"/>
+          </p:nvPr>
+        </p:nvSpPr>
+        <p:spPr/>
         <p:txBody>
           <a:bodyPr>
             <a:normAutofit/>
           </a:bodyPr>
           <a:lstStyle/>
           <a:p>
-            <a:r>
-              <a:rPr lang="en-US" sz="3200" dirty="0" smtClean="0"/>
-              <a:t>Not Covered</a:t>
-            </a:r>
-            <a:endParaRPr lang="en-US" sz="3200" dirty="0"/>
-          </a:p>
-        </p:txBody>
-      </p:sp>
-      <p:sp>
-        <p:nvSpPr>
-          <p:cNvPr id="8" name="Content Placeholder 7"/>
-          <p:cNvSpPr>
-            <a:spLocks noGrp="1"/>
-          </p:cNvSpPr>
-          <p:nvPr>
-            <p:ph sz="quarter" idx="4"/>
-          </p:nvPr>
-        </p:nvSpPr>
-        <p:spPr>
-          <a:xfrm>
-            <a:off x="6334124" y="1885950"/>
-            <a:ext cx="5857875" cy="4057650"/>
-          </a:xfrm>
-        </p:spPr>
-        <p:txBody>
-          <a:bodyPr/>
-          <a:lstStyle/>
-          <a:p>
             <a:pPr marL="0" indent="0">
               <a:buNone/>
             </a:pPr>
             <a:r>
-              <a:rPr lang="en-US" u="sng" dirty="0" smtClean="0"/>
-              <a:t>Details of</a:t>
-            </a:r>
-          </a:p>
-          <a:p>
-            <a:r>
-              <a:rPr lang="en-US" dirty="0" smtClean="0"/>
-              <a:t>Neural </a:t>
-            </a:r>
-            <a:r>
-              <a:rPr lang="en-US" sz="3100" dirty="0" smtClean="0"/>
-              <a:t>Networks</a:t>
-            </a:r>
-            <a:r>
-              <a:rPr lang="en-US" dirty="0" smtClean="0"/>
-              <a:t> (NN)</a:t>
-            </a:r>
-          </a:p>
-          <a:p>
-            <a:r>
-              <a:rPr lang="en-US" dirty="0" smtClean="0"/>
-              <a:t>Artificial Intelligence (AI)</a:t>
-            </a:r>
-          </a:p>
-          <a:p>
-            <a:r>
-              <a:rPr lang="en-US" dirty="0" smtClean="0"/>
-              <a:t>Machine Learning (ML)</a:t>
-            </a:r>
-            <a:endParaRPr lang="en-US" dirty="0"/>
+              <a:rPr lang="en-US" sz="4000" dirty="0" smtClean="0"/>
+              <a:t>In minutes?</a:t>
+            </a:r>
+          </a:p>
+          <a:p>
+            <a:r>
+              <a:rPr lang="en-US" sz="4000" dirty="0" smtClean="0"/>
+              <a:t>What?</a:t>
+            </a:r>
+          </a:p>
+          <a:p>
+            <a:r>
+              <a:rPr lang="en-US" sz="4000" dirty="0" smtClean="0"/>
+              <a:t>How?</a:t>
+            </a:r>
+          </a:p>
+          <a:p>
+            <a:r>
+              <a:rPr lang="en-US" sz="4000" dirty="0" smtClean="0"/>
+              <a:t>Why?</a:t>
+            </a:r>
+          </a:p>
+          <a:p>
+            <a:pPr marL="0" indent="0">
+              <a:buNone/>
+            </a:pPr>
+            <a:r>
+              <a:rPr lang="en-US" sz="4000" dirty="0" smtClean="0"/>
+              <a:t>Wide – not deep.</a:t>
+            </a:r>
+          </a:p>
+        </p:txBody>
+      </p:sp>
+      <p:sp>
+        <p:nvSpPr>
+          <p:cNvPr id="4" name="Content Placeholder 3"/>
+          <p:cNvSpPr>
+            <a:spLocks noGrp="1"/>
+          </p:cNvSpPr>
+          <p:nvPr>
+            <p:ph sz="half" idx="2"/>
+          </p:nvPr>
+        </p:nvSpPr>
+        <p:spPr/>
+        <p:txBody>
+          <a:bodyPr>
+            <a:normAutofit/>
+          </a:bodyPr>
+          <a:lstStyle/>
+          <a:p>
+            <a:pPr marL="0" indent="0">
+              <a:buNone/>
+            </a:pPr>
+            <a:r>
+              <a:rPr lang="en-US" sz="4000" dirty="0" smtClean="0"/>
+              <a:t>For whom?</a:t>
+            </a:r>
+          </a:p>
+          <a:p>
+            <a:r>
+              <a:rPr lang="en-US" sz="4000" smtClean="0"/>
+              <a:t>Seasoned DS</a:t>
+            </a:r>
+            <a:endParaRPr lang="en-US" sz="4000" dirty="0" smtClean="0"/>
+          </a:p>
+          <a:p>
+            <a:r>
+              <a:rPr lang="en-US" sz="4000" dirty="0" smtClean="0"/>
+              <a:t>Business Folks - $</a:t>
+            </a:r>
+          </a:p>
+          <a:p>
+            <a:r>
+              <a:rPr lang="en-US" sz="4000" dirty="0" smtClean="0"/>
+              <a:t>New to DS</a:t>
+            </a:r>
+          </a:p>
+          <a:p>
+            <a:endParaRPr lang="en-US" sz="4000" dirty="0" smtClean="0"/>
           </a:p>
         </p:txBody>
       </p:sp>
     </p:spTree>
     <p:extLst>
       <p:ext uri="{BB962C8B-B14F-4D97-AF65-F5344CB8AC3E}">
-        <p14:creationId xmlns:p14="http://schemas.microsoft.com/office/powerpoint/2010/main" val="3713348462"/>
+        <p14:creationId xmlns:p14="http://schemas.microsoft.com/office/powerpoint/2010/main" val="4005404877"/>
       </p:ext>
     </p:extLst>
   </p:cSld>
@@ -14399,23 +14565,20 @@
             <p:ph type="title"/>
           </p:nvPr>
         </p:nvSpPr>
-        <p:spPr/>
+        <p:spPr>
+          <a:xfrm>
+            <a:off x="839788" y="71438"/>
+            <a:ext cx="10515600" cy="1325563"/>
+          </a:xfrm>
+        </p:spPr>
         <p:txBody>
           <a:bodyPr/>
           <a:lstStyle/>
           <a:p>
-            <a:pPr lvl="0" rtl="0" eaLnBrk="1" latinLnBrk="0" hangingPunct="1"/>
-            <a:r>
-              <a:rPr lang="en-US" sz="2800" kern="1200" dirty="0" smtClean="0">
-                <a:solidFill>
-                  <a:schemeClr val="tx1"/>
-                </a:solidFill>
-                <a:effectLst/>
-                <a:latin typeface="+mn-lt"/>
-                <a:ea typeface="+mn-ea"/>
-                <a:cs typeface="+mn-cs"/>
-              </a:rPr>
-              <a:t>What is data science?  Is there anything new?  Has it all been done before?</a:t>
+            <a:pPr lvl="0"/>
+            <a:r>
+              <a:rPr lang="en-US" dirty="0" smtClean="0"/>
+              <a:t>Agenda: a perspective – open to suggestions</a:t>
             </a:r>
             <a:endParaRPr lang="en-US" dirty="0"/>
           </a:p>
@@ -14423,74 +14586,201 @@
       </p:sp>
       <p:sp>
         <p:nvSpPr>
-          <p:cNvPr id="3" name="Content Placeholder 2"/>
+          <p:cNvPr id="6" name="Text Placeholder 5"/>
           <p:cNvSpPr>
             <a:spLocks noGrp="1"/>
           </p:cNvSpPr>
           <p:nvPr>
-            <p:ph idx="1"/>
+            <p:ph type="body" idx="1"/>
           </p:nvPr>
         </p:nvSpPr>
         <p:spPr>
           <a:xfrm>
-            <a:off x="838200" y="1781175"/>
-            <a:ext cx="10515600" cy="4395788"/>
+            <a:off x="315913" y="1062038"/>
+            <a:ext cx="6018212" cy="719138"/>
           </a:xfrm>
         </p:spPr>
         <p:txBody>
           <a:bodyPr/>
+          <a:lstStyle/>
+          <a:p>
+            <a:r>
+              <a:rPr lang="en-US" sz="3200" dirty="0" smtClean="0"/>
+              <a:t>Covered</a:t>
+            </a:r>
+            <a:endParaRPr lang="en-US" sz="3200" dirty="0"/>
+          </a:p>
+        </p:txBody>
+      </p:sp>
+      <p:sp>
+        <p:nvSpPr>
+          <p:cNvPr id="3" name="Content Placeholder 2"/>
+          <p:cNvSpPr>
+            <a:spLocks noGrp="1"/>
+          </p:cNvSpPr>
+          <p:nvPr>
+            <p:ph sz="half" idx="2"/>
+          </p:nvPr>
+        </p:nvSpPr>
+        <p:spPr>
+          <a:xfrm>
+            <a:off x="315913" y="1885950"/>
+            <a:ext cx="6018212" cy="4362450"/>
+          </a:xfrm>
+        </p:spPr>
+        <p:txBody>
+          <a:bodyPr>
+            <a:normAutofit fontScale="77500" lnSpcReduction="20000"/>
+          </a:bodyPr>
           <a:lstStyle/>
           <a:p>
             <a:pPr marL="0" indent="0">
               <a:buNone/>
             </a:pPr>
             <a:r>
-              <a:rPr lang="en-US" dirty="0" smtClean="0">
-                <a:hlinkClick r:id="rId2"/>
-              </a:rPr>
-              <a:t>Wikipedia</a:t>
-            </a:r>
-            <a:r>
-              <a:rPr lang="en-US" dirty="0" smtClean="0"/>
-              <a:t>: </a:t>
-            </a:r>
-            <a:r>
-              <a:rPr lang="en-US" b="1" dirty="0" smtClean="0"/>
-              <a:t>Data science</a:t>
-            </a:r>
-            <a:r>
-              <a:rPr lang="en-US" dirty="0" smtClean="0"/>
-              <a:t> is an interdisciplinary field that uses scientific</a:t>
-            </a:r>
-            <a:br>
-              <a:rPr lang="en-US" dirty="0" smtClean="0"/>
-            </a:br>
-            <a:r>
-              <a:rPr lang="en-US" dirty="0" smtClean="0"/>
-              <a:t>methods, processes, algorithms and systems to extract knowledge and insights from data in various forms, both structured and unstructured.</a:t>
-            </a:r>
-          </a:p>
+              <a:rPr lang="en-US" sz="4000" u="sng" dirty="0" smtClean="0"/>
+              <a:t>What is data science?</a:t>
+            </a:r>
+            <a:r>
+              <a:rPr lang="en-US" sz="4000" dirty="0" smtClean="0"/>
+              <a:t>  </a:t>
+            </a:r>
+          </a:p>
+          <a:p>
+            <a:r>
+              <a:rPr lang="en-US" sz="4000" dirty="0" smtClean="0"/>
+              <a:t>Learn: A method to learn fast and recall more</a:t>
+            </a:r>
+          </a:p>
+          <a:p>
+            <a:r>
+              <a:rPr lang="en-US" sz="4000" dirty="0" smtClean="0"/>
+              <a:t>The space of </a:t>
+            </a:r>
+            <a:r>
+              <a:rPr lang="en-US" sz="4000" dirty="0" err="1" smtClean="0"/>
+              <a:t>sci</a:t>
+            </a:r>
+            <a:r>
+              <a:rPr lang="en-US" sz="4000" dirty="0" smtClean="0"/>
+              <a:t>-kit learn</a:t>
+            </a:r>
+          </a:p>
+          <a:p>
+            <a:r>
+              <a:rPr lang="en-US" sz="4000" dirty="0" smtClean="0"/>
+              <a:t>A capability maturity model for data science</a:t>
+            </a:r>
+          </a:p>
+          <a:p>
+            <a:r>
+              <a:rPr lang="en-US" sz="4000" dirty="0" smtClean="0"/>
+              <a:t>Deliverables</a:t>
+            </a:r>
+          </a:p>
+          <a:p>
+            <a:r>
+              <a:rPr lang="en-US" sz="4000" dirty="0" smtClean="0"/>
+              <a:t>Limits</a:t>
+            </a:r>
+          </a:p>
+          <a:p>
+            <a:endParaRPr lang="en-US" sz="4000" dirty="0" smtClean="0"/>
+          </a:p>
+          <a:p>
+            <a:r>
+              <a:rPr lang="en-US" sz="4000" u="sng" dirty="0" smtClean="0"/>
+              <a:t>Arguably</a:t>
+            </a:r>
+            <a:r>
+              <a:rPr lang="en-US" sz="4000" dirty="0" smtClean="0"/>
+              <a:t>: How NN, AI and ML fit it</a:t>
+            </a:r>
+          </a:p>
+        </p:txBody>
+      </p:sp>
+      <p:sp>
+        <p:nvSpPr>
+          <p:cNvPr id="7" name="Text Placeholder 6"/>
+          <p:cNvSpPr>
+            <a:spLocks noGrp="1"/>
+          </p:cNvSpPr>
+          <p:nvPr>
+            <p:ph type="body" sz="quarter" idx="3"/>
+          </p:nvPr>
+        </p:nvSpPr>
+        <p:spPr>
+          <a:xfrm>
+            <a:off x="6334124" y="1173782"/>
+            <a:ext cx="5183188" cy="607394"/>
+          </a:xfrm>
+        </p:spPr>
+        <p:txBody>
+          <a:bodyPr>
+            <a:normAutofit/>
+          </a:bodyPr>
+          <a:lstStyle/>
+          <a:p>
+            <a:r>
+              <a:rPr lang="en-US" sz="3200" dirty="0" smtClean="0"/>
+              <a:t>Not Covered</a:t>
+            </a:r>
+            <a:endParaRPr lang="en-US" sz="3200" dirty="0"/>
+          </a:p>
+        </p:txBody>
+      </p:sp>
+      <p:sp>
+        <p:nvSpPr>
+          <p:cNvPr id="8" name="Content Placeholder 7"/>
+          <p:cNvSpPr>
+            <a:spLocks noGrp="1"/>
+          </p:cNvSpPr>
+          <p:nvPr>
+            <p:ph sz="quarter" idx="4"/>
+          </p:nvPr>
+        </p:nvSpPr>
+        <p:spPr>
+          <a:xfrm>
+            <a:off x="6334124" y="1885950"/>
+            <a:ext cx="5857875" cy="4057650"/>
+          </a:xfrm>
+        </p:spPr>
+        <p:txBody>
+          <a:bodyPr/>
+          <a:lstStyle/>
           <a:p>
             <a:pPr marL="0" indent="0">
               <a:buNone/>
             </a:pPr>
-            <a:endParaRPr lang="en-US" dirty="0"/>
-          </a:p>
-          <a:p>
-            <a:pPr marL="0" indent="0" algn="ctr">
-              <a:buNone/>
-            </a:pPr>
+            <a:r>
+              <a:rPr lang="en-US" u="sng" dirty="0" smtClean="0"/>
+              <a:t>Details of</a:t>
+            </a:r>
+          </a:p>
+          <a:p>
             <a:r>
               <a:rPr lang="en-US" dirty="0" smtClean="0"/>
-              <a:t>Anything </a:t>
-            </a:r>
-            <a:r>
-              <a:rPr lang="en-US" i="1" dirty="0" smtClean="0"/>
-              <a:t>missing</a:t>
+              <a:t>Neural </a:t>
+            </a:r>
+            <a:r>
+              <a:rPr lang="en-US" sz="3100" dirty="0" smtClean="0"/>
+              <a:t>Networks</a:t>
             </a:r>
             <a:r>
               <a:rPr lang="en-US" dirty="0" smtClean="0"/>
-              <a:t> from above definition?</a:t>
+              <a:t> (NN)</a:t>
+            </a:r>
+          </a:p>
+          <a:p>
+            <a:r>
+              <a:rPr lang="en-US" dirty="0" smtClean="0"/>
+              <a:t>Artificial Intelligence (AI)</a:t>
+            </a:r>
+          </a:p>
+          <a:p>
+            <a:r>
+              <a:rPr lang="en-US" dirty="0" smtClean="0"/>
+              <a:t>Machine Learning (ML)</a:t>
             </a:r>
             <a:endParaRPr lang="en-US" dirty="0"/>
           </a:p>
@@ -14499,7 +14789,7 @@
     </p:spTree>
     <p:extLst>
       <p:ext uri="{BB962C8B-B14F-4D97-AF65-F5344CB8AC3E}">
-        <p14:creationId xmlns:p14="http://schemas.microsoft.com/office/powerpoint/2010/main" val="2145555639"/>
+        <p14:creationId xmlns:p14="http://schemas.microsoft.com/office/powerpoint/2010/main" val="3713348462"/>
       </p:ext>
     </p:extLst>
   </p:cSld>
@@ -14575,11 +14865,14 @@
             <p:ph idx="1"/>
           </p:nvPr>
         </p:nvSpPr>
-        <p:spPr/>
-        <p:txBody>
-          <a:bodyPr>
-            <a:normAutofit fontScale="92500" lnSpcReduction="10000"/>
-          </a:bodyPr>
+        <p:spPr>
+          <a:xfrm>
+            <a:off x="838200" y="1781175"/>
+            <a:ext cx="10515600" cy="4395788"/>
+          </a:xfrm>
+        </p:spPr>
+        <p:txBody>
+          <a:bodyPr/>
           <a:lstStyle/>
           <a:p>
             <a:pPr marL="0" indent="0">
@@ -14587,7 +14880,7 @@
             </a:pPr>
             <a:r>
               <a:rPr lang="en-US" dirty="0" smtClean="0">
-                <a:hlinkClick r:id="rId3"/>
+                <a:hlinkClick r:id="rId2"/>
               </a:rPr>
               <a:t>Wikipedia</a:t>
             </a:r>
@@ -14601,159 +14894,46 @@
             </a:r>
             <a:r>
               <a:rPr lang="en-US" dirty="0" smtClean="0"/>
-              <a:t> is an interdisciplinary field that uses scientific methods, processes, algorithms and systems to extract knowledge and insights from data in various forms, both structured and unstructured.</a:t>
+              <a:t> is an interdisciplinary field that uses scientific</a:t>
+            </a:r>
+            <a:br>
+              <a:rPr lang="en-US" dirty="0" smtClean="0"/>
+            </a:br>
+            <a:r>
+              <a:rPr lang="en-US" dirty="0" smtClean="0"/>
+              <a:t>methods, processes, algorithms and systems to extract knowledge and insights from data in various forms, both structured and unstructured.</a:t>
             </a:r>
           </a:p>
           <a:p>
             <a:pPr marL="0" indent="0">
               <a:buNone/>
             </a:pPr>
-            <a:endParaRPr lang="en-US" dirty="0" smtClean="0"/>
-          </a:p>
-          <a:p>
-            <a:r>
-              <a:rPr lang="en-US" dirty="0" smtClean="0">
-                <a:solidFill>
-                  <a:srgbClr val="FF0000"/>
-                </a:solidFill>
-              </a:rPr>
-              <a:t>Data</a:t>
-            </a:r>
+            <a:endParaRPr lang="en-US" dirty="0"/>
+          </a:p>
+          <a:p>
+            <a:pPr marL="0" indent="0" algn="ctr">
+              <a:buNone/>
+            </a:pPr>
             <a:r>
               <a:rPr lang="en-US" dirty="0" smtClean="0"/>
-              <a:t> =&gt; Information =&gt; Knowledge</a:t>
-            </a:r>
-          </a:p>
-          <a:p>
-            <a:r>
-              <a:rPr lang="en-US" dirty="0" smtClean="0">
-                <a:solidFill>
-                  <a:srgbClr val="FFC000"/>
-                </a:solidFill>
-              </a:rPr>
-              <a:t>Analysis</a:t>
-            </a:r>
-          </a:p>
-          <a:p>
-            <a:pPr lvl="1"/>
+              <a:t>Anything </a:t>
+            </a:r>
+            <a:r>
+              <a:rPr lang="en-US" i="1" dirty="0" smtClean="0"/>
+              <a:t>missing</a:t>
+            </a:r>
             <a:r>
               <a:rPr lang="en-US" dirty="0" smtClean="0"/>
-              <a:t>Visualization</a:t>
-            </a:r>
-          </a:p>
-          <a:p>
-            <a:pPr lvl="1"/>
-            <a:r>
-              <a:rPr lang="en-US" dirty="0" smtClean="0"/>
-              <a:t>Predictive Model</a:t>
-            </a:r>
-          </a:p>
-          <a:p>
-            <a:r>
-              <a:rPr lang="en-US" dirty="0" smtClean="0">
-                <a:solidFill>
-                  <a:srgbClr val="00B050"/>
-                </a:solidFill>
-              </a:rPr>
-              <a:t>Communication</a:t>
-            </a:r>
-          </a:p>
-          <a:p>
-            <a:pPr lvl="1"/>
-            <a:r>
-              <a:rPr lang="en-US" dirty="0" smtClean="0"/>
-              <a:t>Advice</a:t>
-            </a:r>
-          </a:p>
-          <a:p>
-            <a:r>
-              <a:rPr lang="en-US" dirty="0" smtClean="0">
-                <a:solidFill>
-                  <a:srgbClr val="0070C0"/>
-                </a:solidFill>
-              </a:rPr>
-              <a:t>Repeat</a:t>
-            </a:r>
-            <a:endParaRPr lang="en-US" dirty="0">
-              <a:solidFill>
-                <a:srgbClr val="0070C0"/>
-              </a:solidFill>
-            </a:endParaRPr>
-          </a:p>
-        </p:txBody>
-      </p:sp>
-      <p:pic>
-        <p:nvPicPr>
-          <p:cNvPr id="4" name="Picture 3"/>
-          <p:cNvPicPr>
-            <a:picLocks noChangeAspect="1"/>
-          </p:cNvPicPr>
-          <p:nvPr/>
-        </p:nvPicPr>
-        <p:blipFill>
-          <a:blip r:embed="rId4">
-            <a:extLst>
-              <a:ext uri="{28A0092B-C50C-407E-A947-70E740481C1C}">
-                <a14:useLocalDpi xmlns:a14="http://schemas.microsoft.com/office/drawing/2010/main" val="0"/>
-              </a:ext>
-            </a:extLst>
-          </a:blip>
-          <a:stretch>
-            <a:fillRect/>
-          </a:stretch>
-        </p:blipFill>
-        <p:spPr>
-          <a:xfrm>
-            <a:off x="7534083" y="3604830"/>
-            <a:ext cx="2743583" cy="2743583"/>
-          </a:xfrm>
-          <a:prstGeom prst="rect">
-            <a:avLst/>
-          </a:prstGeom>
-        </p:spPr>
-      </p:pic>
-      <p:sp>
-        <p:nvSpPr>
-          <p:cNvPr id="5" name="TextBox 4"/>
-          <p:cNvSpPr txBox="1"/>
-          <p:nvPr/>
-        </p:nvSpPr>
-        <p:spPr>
-          <a:xfrm>
-            <a:off x="7312454" y="3014142"/>
-            <a:ext cx="3186840" cy="523220"/>
-          </a:xfrm>
-          <a:prstGeom prst="rect">
-            <a:avLst/>
-          </a:prstGeom>
-          <a:noFill/>
-        </p:spPr>
-        <p:txBody>
-          <a:bodyPr wrap="square" rtlCol="0">
-            <a:spAutoFit/>
-          </a:bodyPr>
-          <a:lstStyle/>
-          <a:p>
-            <a:r>
-              <a:rPr lang="en-US" sz="2800" b="1" dirty="0" smtClean="0">
-                <a:solidFill>
-                  <a:srgbClr val="0070C0"/>
-                </a:solidFill>
-              </a:rPr>
-              <a:t>Data Science Wheel</a:t>
-            </a:r>
-            <a:endParaRPr lang="en-US" sz="2800" b="1" dirty="0">
-              <a:solidFill>
-                <a:srgbClr val="0070C0"/>
-              </a:solidFill>
-            </a:endParaRPr>
+              <a:t> from above definition?</a:t>
+            </a:r>
+            <a:endParaRPr lang="en-US" dirty="0"/>
           </a:p>
         </p:txBody>
       </p:sp>
     </p:spTree>
     <p:extLst>
       <p:ext uri="{BB962C8B-B14F-4D97-AF65-F5344CB8AC3E}">
-        <p14:creationId xmlns:p14="http://schemas.microsoft.com/office/powerpoint/2010/main" val="4080320285"/>
+        <p14:creationId xmlns:p14="http://schemas.microsoft.com/office/powerpoint/2010/main" val="2145555639"/>
       </p:ext>
     </p:extLst>
   </p:cSld>
@@ -14797,6 +14977,260 @@
             <p:ph type="title"/>
           </p:nvPr>
         </p:nvSpPr>
+        <p:spPr/>
+        <p:txBody>
+          <a:bodyPr/>
+          <a:lstStyle/>
+          <a:p>
+            <a:pPr lvl="0" rtl="0" eaLnBrk="1" latinLnBrk="0" hangingPunct="1"/>
+            <a:r>
+              <a:rPr lang="en-US" sz="2800" kern="1200" dirty="0" smtClean="0">
+                <a:solidFill>
+                  <a:schemeClr val="tx1"/>
+                </a:solidFill>
+                <a:effectLst/>
+                <a:latin typeface="+mn-lt"/>
+                <a:ea typeface="+mn-ea"/>
+                <a:cs typeface="+mn-cs"/>
+              </a:rPr>
+              <a:t>What is data science?  Is there anything new?  Has it all been done before?</a:t>
+            </a:r>
+            <a:endParaRPr lang="en-US" dirty="0"/>
+          </a:p>
+        </p:txBody>
+      </p:sp>
+      <p:sp>
+        <p:nvSpPr>
+          <p:cNvPr id="3" name="Content Placeholder 2"/>
+          <p:cNvSpPr>
+            <a:spLocks noGrp="1"/>
+          </p:cNvSpPr>
+          <p:nvPr>
+            <p:ph idx="1"/>
+          </p:nvPr>
+        </p:nvSpPr>
+        <p:spPr/>
+        <p:txBody>
+          <a:bodyPr>
+            <a:normAutofit fontScale="92500" lnSpcReduction="10000"/>
+          </a:bodyPr>
+          <a:lstStyle/>
+          <a:p>
+            <a:pPr marL="0" indent="0">
+              <a:buNone/>
+            </a:pPr>
+            <a:r>
+              <a:rPr lang="en-US" dirty="0" smtClean="0">
+                <a:hlinkClick r:id="rId3"/>
+              </a:rPr>
+              <a:t>Wikipedia</a:t>
+            </a:r>
+            <a:r>
+              <a:rPr lang="en-US" dirty="0" smtClean="0"/>
+              <a:t>: </a:t>
+            </a:r>
+            <a:r>
+              <a:rPr lang="en-US" b="1" dirty="0" smtClean="0"/>
+              <a:t>Data science</a:t>
+            </a:r>
+            <a:r>
+              <a:rPr lang="en-US" dirty="0" smtClean="0"/>
+              <a:t> is an interdisciplinary field that uses scientific methods, processes, algorithms and systems to extract knowledge and insights from data in various forms, both structured and unstructured.</a:t>
+            </a:r>
+          </a:p>
+          <a:p>
+            <a:pPr marL="0" indent="0">
+              <a:buNone/>
+            </a:pPr>
+            <a:endParaRPr lang="en-US" dirty="0" smtClean="0"/>
+          </a:p>
+          <a:p>
+            <a:r>
+              <a:rPr lang="en-US" dirty="0" smtClean="0">
+                <a:solidFill>
+                  <a:srgbClr val="FF0000"/>
+                </a:solidFill>
+              </a:rPr>
+              <a:t>Data</a:t>
+            </a:r>
+            <a:r>
+              <a:rPr lang="en-US" dirty="0" smtClean="0"/>
+              <a:t> =&gt; Information =&gt; Knowledge</a:t>
+            </a:r>
+          </a:p>
+          <a:p>
+            <a:r>
+              <a:rPr lang="en-US" dirty="0" smtClean="0">
+                <a:solidFill>
+                  <a:srgbClr val="FFC000"/>
+                </a:solidFill>
+              </a:rPr>
+              <a:t>Analysis</a:t>
+            </a:r>
+          </a:p>
+          <a:p>
+            <a:pPr lvl="1"/>
+            <a:r>
+              <a:rPr lang="en-US" dirty="0" smtClean="0"/>
+              <a:t>Visualization</a:t>
+            </a:r>
+          </a:p>
+          <a:p>
+            <a:pPr lvl="1"/>
+            <a:r>
+              <a:rPr lang="en-US" dirty="0" smtClean="0"/>
+              <a:t>Predictive Model</a:t>
+            </a:r>
+          </a:p>
+          <a:p>
+            <a:r>
+              <a:rPr lang="en-US" dirty="0" smtClean="0">
+                <a:solidFill>
+                  <a:srgbClr val="00B050"/>
+                </a:solidFill>
+              </a:rPr>
+              <a:t>Communication</a:t>
+            </a:r>
+          </a:p>
+          <a:p>
+            <a:pPr lvl="1"/>
+            <a:r>
+              <a:rPr lang="en-US" dirty="0" smtClean="0"/>
+              <a:t>Advice</a:t>
+            </a:r>
+          </a:p>
+          <a:p>
+            <a:r>
+              <a:rPr lang="en-US" dirty="0" smtClean="0">
+                <a:solidFill>
+                  <a:srgbClr val="0070C0"/>
+                </a:solidFill>
+              </a:rPr>
+              <a:t>Repeat</a:t>
+            </a:r>
+            <a:endParaRPr lang="en-US" dirty="0">
+              <a:solidFill>
+                <a:srgbClr val="0070C0"/>
+              </a:solidFill>
+            </a:endParaRPr>
+          </a:p>
+        </p:txBody>
+      </p:sp>
+      <p:pic>
+        <p:nvPicPr>
+          <p:cNvPr id="4" name="Picture 3"/>
+          <p:cNvPicPr>
+            <a:picLocks noChangeAspect="1"/>
+          </p:cNvPicPr>
+          <p:nvPr/>
+        </p:nvPicPr>
+        <p:blipFill>
+          <a:blip r:embed="rId4">
+            <a:extLst>
+              <a:ext uri="{28A0092B-C50C-407E-A947-70E740481C1C}">
+                <a14:useLocalDpi xmlns:a14="http://schemas.microsoft.com/office/drawing/2010/main" val="0"/>
+              </a:ext>
+            </a:extLst>
+          </a:blip>
+          <a:stretch>
+            <a:fillRect/>
+          </a:stretch>
+        </p:blipFill>
+        <p:spPr>
+          <a:xfrm>
+            <a:off x="7534083" y="3604830"/>
+            <a:ext cx="2743583" cy="2743583"/>
+          </a:xfrm>
+          <a:prstGeom prst="rect">
+            <a:avLst/>
+          </a:prstGeom>
+        </p:spPr>
+      </p:pic>
+      <p:sp>
+        <p:nvSpPr>
+          <p:cNvPr id="5" name="TextBox 4"/>
+          <p:cNvSpPr txBox="1"/>
+          <p:nvPr/>
+        </p:nvSpPr>
+        <p:spPr>
+          <a:xfrm>
+            <a:off x="7312454" y="3014142"/>
+            <a:ext cx="3186840" cy="523220"/>
+          </a:xfrm>
+          <a:prstGeom prst="rect">
+            <a:avLst/>
+          </a:prstGeom>
+          <a:noFill/>
+        </p:spPr>
+        <p:txBody>
+          <a:bodyPr wrap="square" rtlCol="0">
+            <a:spAutoFit/>
+          </a:bodyPr>
+          <a:lstStyle/>
+          <a:p>
+            <a:r>
+              <a:rPr lang="en-US" sz="2800" b="1" dirty="0" smtClean="0">
+                <a:solidFill>
+                  <a:srgbClr val="0070C0"/>
+                </a:solidFill>
+              </a:rPr>
+              <a:t>Data Science Wheel</a:t>
+            </a:r>
+            <a:endParaRPr lang="en-US" sz="2800" b="1" dirty="0">
+              <a:solidFill>
+                <a:srgbClr val="0070C0"/>
+              </a:solidFill>
+            </a:endParaRPr>
+          </a:p>
+        </p:txBody>
+      </p:sp>
+    </p:spTree>
+    <p:extLst>
+      <p:ext uri="{BB962C8B-B14F-4D97-AF65-F5344CB8AC3E}">
+        <p14:creationId xmlns:p14="http://schemas.microsoft.com/office/powerpoint/2010/main" val="4080320285"/>
+      </p:ext>
+    </p:extLst>
+  </p:cSld>
+  <p:clrMapOvr>
+    <a:masterClrMapping/>
+  </p:clrMapOvr>
+  <p:timing>
+    <p:tnLst>
+      <p:par>
+        <p:cTn id="1" dur="indefinite" restart="never" nodeType="tmRoot"/>
+      </p:par>
+    </p:tnLst>
+  </p:timing>
+</p:sld>
+</file>
+
+<file path=ppt/slides/slide7.xml><?xml version="1.0" encoding="utf-8"?>
+<p:sld xmlns:a="http://schemas.openxmlformats.org/drawingml/2006/main" xmlns:r="http://schemas.openxmlformats.org/officeDocument/2006/relationships" xmlns:p="http://schemas.openxmlformats.org/presentationml/2006/main">
+  <p:cSld>
+    <p:spTree>
+      <p:nvGrpSpPr>
+        <p:cNvPr id="1" name=""/>
+        <p:cNvGrpSpPr/>
+        <p:nvPr/>
+      </p:nvGrpSpPr>
+      <p:grpSpPr>
+        <a:xfrm>
+          <a:off x="0" y="0"/>
+          <a:ext cx="0" cy="0"/>
+          <a:chOff x="0" y="0"/>
+          <a:chExt cx="0" cy="0"/>
+        </a:xfrm>
+      </p:grpSpPr>
+      <p:sp>
+        <p:nvSpPr>
+          <p:cNvPr id="2" name="Title 1"/>
+          <p:cNvSpPr>
+            <a:spLocks noGrp="1"/>
+          </p:cNvSpPr>
+          <p:nvPr>
+            <p:ph type="title"/>
+          </p:nvPr>
+        </p:nvSpPr>
         <p:spPr>
           <a:xfrm>
             <a:off x="0" y="0"/>
@@ -14842,7 +15276,7 @@
 </p:sld>
 </file>
 
-<file path=ppt/slides/slide7.xml><?xml version="1.0" encoding="utf-8"?>
+<file path=ppt/slides/slide8.xml><?xml version="1.0" encoding="utf-8"?>
 <p:sld xmlns:a="http://schemas.openxmlformats.org/drawingml/2006/main" xmlns:r="http://schemas.openxmlformats.org/officeDocument/2006/relationships" xmlns:p="http://schemas.openxmlformats.org/presentationml/2006/main">
   <p:cSld>
     <p:spTree>
@@ -15089,7 +15523,7 @@
 </p:sld>
 </file>
 
-<file path=ppt/slides/slide8.xml><?xml version="1.0" encoding="utf-8"?>
+<file path=ppt/slides/slide9.xml><?xml version="1.0" encoding="utf-8"?>
 <p:sld xmlns:a="http://schemas.openxmlformats.org/drawingml/2006/main" xmlns:r="http://schemas.openxmlformats.org/officeDocument/2006/relationships" xmlns:p="http://schemas.openxmlformats.org/presentationml/2006/main">
   <p:cSld>
     <p:spTree>
@@ -15230,333 +15664,6 @@
     <p:extLst>
       <p:ext uri="{BB962C8B-B14F-4D97-AF65-F5344CB8AC3E}">
         <p14:creationId xmlns:p14="http://schemas.microsoft.com/office/powerpoint/2010/main" val="154498567"/>
-      </p:ext>
-    </p:extLst>
-  </p:cSld>
-  <p:clrMapOvr>
-    <a:masterClrMapping/>
-  </p:clrMapOvr>
-  <p:timing>
-    <p:tnLst>
-      <p:par>
-        <p:cTn id="1" dur="indefinite" restart="never" nodeType="tmRoot"/>
-      </p:par>
-    </p:tnLst>
-  </p:timing>
-</p:sld>
-</file>
-
-<file path=ppt/slides/slide9.xml><?xml version="1.0" encoding="utf-8"?>
-<p:sld xmlns:a="http://schemas.openxmlformats.org/drawingml/2006/main" xmlns:r="http://schemas.openxmlformats.org/officeDocument/2006/relationships" xmlns:p="http://schemas.openxmlformats.org/presentationml/2006/main">
-  <p:cSld>
-    <p:spTree>
-      <p:nvGrpSpPr>
-        <p:cNvPr id="1" name=""/>
-        <p:cNvGrpSpPr/>
-        <p:nvPr/>
-      </p:nvGrpSpPr>
-      <p:grpSpPr>
-        <a:xfrm>
-          <a:off x="0" y="0"/>
-          <a:ext cx="0" cy="0"/>
-          <a:chOff x="0" y="0"/>
-          <a:chExt cx="0" cy="0"/>
-        </a:xfrm>
-      </p:grpSpPr>
-      <p:pic>
-        <p:nvPicPr>
-          <p:cNvPr id="5" name="Content Placeholder 4"/>
-          <p:cNvPicPr>
-            <a:picLocks noGrp="1" noChangeAspect="1"/>
-          </p:cNvPicPr>
-          <p:nvPr>
-            <p:ph idx="1"/>
-          </p:nvPr>
-        </p:nvPicPr>
-        <p:blipFill>
-          <a:blip r:embed="rId3">
-            <a:clrChange>
-              <a:clrFrom>
-                <a:srgbClr val="FEFEFE"/>
-              </a:clrFrom>
-              <a:clrTo>
-                <a:srgbClr val="FEFEFE">
-                  <a:alpha val="0"/>
-                </a:srgbClr>
-              </a:clrTo>
-            </a:clrChange>
-            <a:extLst>
-              <a:ext uri="{28A0092B-C50C-407E-A947-70E740481C1C}">
-                <a14:useLocalDpi xmlns:a14="http://schemas.microsoft.com/office/drawing/2010/main" val="0"/>
-              </a:ext>
-            </a:extLst>
-          </a:blip>
-          <a:stretch>
-            <a:fillRect/>
-          </a:stretch>
-        </p:blipFill>
-        <p:spPr>
-          <a:xfrm>
-            <a:off x="574343" y="391886"/>
-            <a:ext cx="8758343" cy="6586275"/>
-          </a:xfrm>
-        </p:spPr>
-      </p:pic>
-      <p:sp>
-        <p:nvSpPr>
-          <p:cNvPr id="4" name="Title 1"/>
-          <p:cNvSpPr>
-            <a:spLocks noGrp="1"/>
-          </p:cNvSpPr>
-          <p:nvPr>
-            <p:ph type="title"/>
-          </p:nvPr>
-        </p:nvSpPr>
-        <p:spPr>
-          <a:xfrm>
-            <a:off x="0" y="0"/>
-            <a:ext cx="10515600" cy="566057"/>
-          </a:xfrm>
-        </p:spPr>
-        <p:txBody>
-          <a:bodyPr>
-            <a:normAutofit/>
-          </a:bodyPr>
-          <a:lstStyle/>
-          <a:p>
-            <a:pPr lvl="0"/>
-            <a:r>
-              <a:rPr lang="en-US" sz="2800" kern="1200" dirty="0" smtClean="0">
-                <a:solidFill>
-                  <a:schemeClr val="tx1"/>
-                </a:solidFill>
-                <a:effectLst/>
-                <a:latin typeface="+mn-lt"/>
-                <a:ea typeface="+mn-ea"/>
-                <a:cs typeface="+mn-cs"/>
-              </a:rPr>
-              <a:t>Method of Loci </a:t>
-            </a:r>
-            <a:r>
-              <a:rPr lang="en-US" sz="2800" dirty="0" smtClean="0">
-                <a:latin typeface="+mn-lt"/>
-                <a:ea typeface="+mn-ea"/>
-                <a:cs typeface="+mn-cs"/>
-              </a:rPr>
-              <a:t>Map</a:t>
-            </a:r>
-            <a:endParaRPr lang="en-US" dirty="0"/>
-          </a:p>
-        </p:txBody>
-      </p:sp>
-      <p:sp>
-        <p:nvSpPr>
-          <p:cNvPr id="6" name="Text Placeholder 5"/>
-          <p:cNvSpPr>
-            <a:spLocks noGrp="1"/>
-          </p:cNvSpPr>
-          <p:nvPr>
-            <p:ph type="body" idx="4294967295"/>
-          </p:nvPr>
-        </p:nvSpPr>
-        <p:spPr>
-          <a:xfrm>
-            <a:off x="9332686" y="957943"/>
-            <a:ext cx="2859314" cy="5219020"/>
-          </a:xfrm>
-        </p:spPr>
-        <p:txBody>
-          <a:bodyPr>
-            <a:normAutofit/>
-          </a:bodyPr>
-          <a:lstStyle/>
-          <a:p>
-            <a:pPr>
-              <a:buFont typeface="Wingdings" panose="05000000000000000000" pitchFamily="2" charset="2"/>
-              <a:buChar char="ü"/>
-            </a:pPr>
-            <a:r>
-              <a:rPr lang="en-US" sz="4400" dirty="0"/>
-              <a:t>Drawing</a:t>
-            </a:r>
-          </a:p>
-          <a:p>
-            <a:pPr>
-              <a:buFont typeface="Wingdings" panose="05000000000000000000" pitchFamily="2" charset="2"/>
-              <a:buChar char="ü"/>
-            </a:pPr>
-            <a:r>
-              <a:rPr lang="en-US" sz="4400" dirty="0" smtClean="0"/>
-              <a:t>Place</a:t>
-            </a:r>
-            <a:endParaRPr lang="en-US" sz="4400" dirty="0" smtClean="0"/>
-          </a:p>
-        </p:txBody>
-      </p:sp>
-      <p:pic>
-        <p:nvPicPr>
-          <p:cNvPr id="11" name="Picture 10"/>
-          <p:cNvPicPr>
-            <a:picLocks noChangeAspect="1"/>
-          </p:cNvPicPr>
-          <p:nvPr/>
-        </p:nvPicPr>
-        <p:blipFill>
-          <a:blip r:embed="rId4">
-            <a:clrChange>
-              <a:clrFrom>
-                <a:srgbClr val="FFFFFF"/>
-              </a:clrFrom>
-              <a:clrTo>
-                <a:srgbClr val="FFFFFF">
-                  <a:alpha val="0"/>
-                </a:srgbClr>
-              </a:clrTo>
-            </a:clrChange>
-            <a:extLst>
-              <a:ext uri="{28A0092B-C50C-407E-A947-70E740481C1C}">
-                <a14:useLocalDpi xmlns:a14="http://schemas.microsoft.com/office/drawing/2010/main" val="0"/>
-              </a:ext>
-            </a:extLst>
-          </a:blip>
-          <a:stretch>
-            <a:fillRect/>
-          </a:stretch>
-        </p:blipFill>
-        <p:spPr>
-          <a:xfrm>
-            <a:off x="7132645" y="4367104"/>
-            <a:ext cx="966091" cy="791321"/>
-          </a:xfrm>
-          <a:prstGeom prst="rect">
-            <a:avLst/>
-          </a:prstGeom>
-        </p:spPr>
-      </p:pic>
-      <p:sp>
-        <p:nvSpPr>
-          <p:cNvPr id="12" name="Oval 11"/>
-          <p:cNvSpPr/>
-          <p:nvPr/>
-        </p:nvSpPr>
-        <p:spPr>
-          <a:xfrm>
-            <a:off x="4051300" y="3751724"/>
-            <a:ext cx="1003300" cy="704280"/>
-          </a:xfrm>
-          <a:prstGeom prst="ellipse">
-            <a:avLst/>
-          </a:prstGeom>
-          <a:noFill/>
-          <a:ln w="28575">
-            <a:solidFill>
-              <a:srgbClr val="FF0000"/>
-            </a:solidFill>
-          </a:ln>
-        </p:spPr>
-        <p:style>
-          <a:lnRef idx="2">
-            <a:schemeClr val="accent1">
-              <a:shade val="50000"/>
-            </a:schemeClr>
-          </a:lnRef>
-          <a:fillRef idx="1">
-            <a:schemeClr val="accent1"/>
-          </a:fillRef>
-          <a:effectRef idx="0">
-            <a:schemeClr val="accent1"/>
-          </a:effectRef>
-          <a:fontRef idx="minor">
-            <a:schemeClr val="lt1"/>
-          </a:fontRef>
-        </p:style>
-        <p:txBody>
-          <a:bodyPr rtlCol="0" anchor="ctr"/>
-          <a:lstStyle/>
-          <a:p>
-            <a:pPr algn="ctr"/>
-            <a:endParaRPr lang="en-US"/>
-          </a:p>
-        </p:txBody>
-      </p:sp>
-      <p:cxnSp>
-        <p:nvCxnSpPr>
-          <p:cNvPr id="3" name="Straight Arrow Connector 2"/>
-          <p:cNvCxnSpPr/>
-          <p:nvPr/>
-        </p:nvCxnSpPr>
-        <p:spPr>
-          <a:xfrm flipH="1" flipV="1">
-            <a:off x="7604760" y="1478280"/>
-            <a:ext cx="30480" cy="2173840"/>
-          </a:xfrm>
-          <a:prstGeom prst="straightConnector1">
-            <a:avLst/>
-          </a:prstGeom>
-          <a:ln w="101600">
-            <a:solidFill>
-              <a:srgbClr val="00B050"/>
-            </a:solidFill>
-            <a:headEnd type="triangle" w="med" len="med"/>
-            <a:tailEnd type="triangle" w="med" len="med"/>
-          </a:ln>
-        </p:spPr>
-        <p:style>
-          <a:lnRef idx="1">
-            <a:schemeClr val="accent1"/>
-          </a:lnRef>
-          <a:fillRef idx="0">
-            <a:schemeClr val="accent1"/>
-          </a:fillRef>
-          <a:effectRef idx="0">
-            <a:schemeClr val="accent1"/>
-          </a:effectRef>
-          <a:fontRef idx="minor">
-            <a:schemeClr val="tx1"/>
-          </a:fontRef>
-        </p:style>
-      </p:cxnSp>
-      <p:cxnSp>
-        <p:nvCxnSpPr>
-          <p:cNvPr id="15" name="Straight Arrow Connector 14"/>
-          <p:cNvCxnSpPr/>
-          <p:nvPr/>
-        </p:nvCxnSpPr>
-        <p:spPr>
-          <a:xfrm flipH="1" flipV="1">
-            <a:off x="6522720" y="2560320"/>
-            <a:ext cx="2087880" cy="1"/>
-          </a:xfrm>
-          <a:prstGeom prst="straightConnector1">
-            <a:avLst/>
-          </a:prstGeom>
-          <a:ln w="101600">
-            <a:solidFill>
-              <a:srgbClr val="00B050"/>
-            </a:solidFill>
-            <a:headEnd type="triangle" w="med" len="med"/>
-            <a:tailEnd type="triangle" w="med" len="med"/>
-          </a:ln>
-        </p:spPr>
-        <p:style>
-          <a:lnRef idx="1">
-            <a:schemeClr val="accent1"/>
-          </a:lnRef>
-          <a:fillRef idx="0">
-            <a:schemeClr val="accent1"/>
-          </a:fillRef>
-          <a:effectRef idx="0">
-            <a:schemeClr val="accent1"/>
-          </a:effectRef>
-          <a:fontRef idx="minor">
-            <a:schemeClr val="tx1"/>
-          </a:fontRef>
-        </p:style>
-      </p:cxnSp>
-    </p:spTree>
-    <p:extLst>
-      <p:ext uri="{BB962C8B-B14F-4D97-AF65-F5344CB8AC3E}">
-        <p14:creationId xmlns:p14="http://schemas.microsoft.com/office/powerpoint/2010/main" val="2964251980"/>
       </p:ext>
     </p:extLst>
   </p:cSld>

--- a/dm1/minitalks/ron/knowing_ds/know_ds_rn.pptx
+++ b/dm1/minitalks/ron/knowing_ds/know_ds_rn.pptx
@@ -5,7 +5,7 @@
     <p:sldMasterId id="2147483648" r:id="rId1"/>
   </p:sldMasterIdLst>
   <p:notesMasterIdLst>
-    <p:notesMasterId r:id="rId26"/>
+    <p:notesMasterId r:id="rId27"/>
   </p:notesMasterIdLst>
   <p:sldIdLst>
     <p:sldId id="256" r:id="rId2"/>
@@ -15,11 +15,11 @@
     <p:sldId id="268" r:id="rId6"/>
     <p:sldId id="269" r:id="rId7"/>
     <p:sldId id="261" r:id="rId8"/>
-    <p:sldId id="281" r:id="rId9"/>
-    <p:sldId id="285" r:id="rId10"/>
-    <p:sldId id="284" r:id="rId11"/>
-    <p:sldId id="283" r:id="rId12"/>
-    <p:sldId id="282" r:id="rId13"/>
+    <p:sldId id="285" r:id="rId9"/>
+    <p:sldId id="286" r:id="rId10"/>
+    <p:sldId id="282" r:id="rId11"/>
+    <p:sldId id="284" r:id="rId12"/>
+    <p:sldId id="283" r:id="rId13"/>
     <p:sldId id="276" r:id="rId14"/>
     <p:sldId id="266" r:id="rId15"/>
     <p:sldId id="259" r:id="rId16"/>
@@ -31,7 +31,8 @@
     <p:sldId id="265" r:id="rId22"/>
     <p:sldId id="258" r:id="rId23"/>
     <p:sldId id="274" r:id="rId24"/>
-    <p:sldId id="275" r:id="rId25"/>
+    <p:sldId id="287" r:id="rId25"/>
+    <p:sldId id="275" r:id="rId26"/>
   </p:sldIdLst>
   <p:sldSz cx="12192000" cy="6858000"/>
   <p:notesSz cx="6858000" cy="9144000"/>
@@ -900,10 +901,9 @@
         <a:lstStyle/>
         <a:p>
           <a:r>
-            <a:rPr lang="en-US" dirty="0" smtClean="0"/>
+            <a:rPr lang="en-US" dirty="0"/>
             <a:t>Do</a:t>
           </a:r>
-          <a:endParaRPr lang="en-US" dirty="0"/>
         </a:p>
       </dgm:t>
     </dgm:pt>
@@ -937,10 +937,9 @@
         <a:lstStyle/>
         <a:p>
           <a:r>
-            <a:rPr lang="en-US" dirty="0" smtClean="0"/>
+            <a:rPr lang="en-US" dirty="0"/>
             <a:t>Have</a:t>
           </a:r>
-          <a:endParaRPr lang="en-US" dirty="0"/>
         </a:p>
       </dgm:t>
     </dgm:pt>
@@ -974,10 +973,9 @@
         <a:lstStyle/>
         <a:p>
           <a:r>
-            <a:rPr lang="en-US" dirty="0" smtClean="0"/>
+            <a:rPr lang="en-US" dirty="0"/>
             <a:t>Be</a:t>
           </a:r>
-          <a:endParaRPr lang="en-US" dirty="0"/>
         </a:p>
       </dgm:t>
     </dgm:pt>
@@ -1016,13 +1014,6 @@
     <dgm:pt modelId="{5AD8CAFE-8930-455A-841F-62B13D4AB06A}" type="pres">
       <dgm:prSet presAssocID="{6987B0A4-918A-4683-BE19-0165C7A40E0C}" presName="wedge1" presStyleLbl="node1" presStyleIdx="0" presStyleCnt="3"/>
       <dgm:spPr/>
-      <dgm:t>
-        <a:bodyPr/>
-        <a:lstStyle/>
-        <a:p>
-          <a:endParaRPr lang="en-US"/>
-        </a:p>
-      </dgm:t>
     </dgm:pt>
     <dgm:pt modelId="{E9CFDC91-B708-469B-A6E0-A1D8C63DB87D}" type="pres">
       <dgm:prSet presAssocID="{6987B0A4-918A-4683-BE19-0165C7A40E0C}" presName="dummy1a" presStyleCnt="0"/>
@@ -1041,24 +1032,10 @@
         </dgm:presLayoutVars>
       </dgm:prSet>
       <dgm:spPr/>
-      <dgm:t>
-        <a:bodyPr/>
-        <a:lstStyle/>
-        <a:p>
-          <a:endParaRPr lang="en-US"/>
-        </a:p>
-      </dgm:t>
     </dgm:pt>
     <dgm:pt modelId="{1B60EB72-443F-4AA4-942E-7BD137AAA030}" type="pres">
       <dgm:prSet presAssocID="{6987B0A4-918A-4683-BE19-0165C7A40E0C}" presName="wedge2" presStyleLbl="node1" presStyleIdx="1" presStyleCnt="3"/>
       <dgm:spPr/>
-      <dgm:t>
-        <a:bodyPr/>
-        <a:lstStyle/>
-        <a:p>
-          <a:endParaRPr lang="en-US"/>
-        </a:p>
-      </dgm:t>
     </dgm:pt>
     <dgm:pt modelId="{BC9277E9-D66B-4AB4-AC45-D20B14227E49}" type="pres">
       <dgm:prSet presAssocID="{6987B0A4-918A-4683-BE19-0165C7A40E0C}" presName="dummy2a" presStyleCnt="0"/>
@@ -1077,24 +1054,10 @@
         </dgm:presLayoutVars>
       </dgm:prSet>
       <dgm:spPr/>
-      <dgm:t>
-        <a:bodyPr/>
-        <a:lstStyle/>
-        <a:p>
-          <a:endParaRPr lang="en-US"/>
-        </a:p>
-      </dgm:t>
     </dgm:pt>
     <dgm:pt modelId="{D62FDD3E-80F2-4B61-B7C6-3F1D5582DA66}" type="pres">
       <dgm:prSet presAssocID="{6987B0A4-918A-4683-BE19-0165C7A40E0C}" presName="wedge3" presStyleLbl="node1" presStyleIdx="2" presStyleCnt="3"/>
       <dgm:spPr/>
-      <dgm:t>
-        <a:bodyPr/>
-        <a:lstStyle/>
-        <a:p>
-          <a:endParaRPr lang="en-US"/>
-        </a:p>
-      </dgm:t>
     </dgm:pt>
     <dgm:pt modelId="{CBCF68D2-7703-46C9-8A9C-08BB1057D8C6}" type="pres">
       <dgm:prSet presAssocID="{6987B0A4-918A-4683-BE19-0165C7A40E0C}" presName="dummy3a" presStyleCnt="0"/>
@@ -1113,13 +1076,6 @@
         </dgm:presLayoutVars>
       </dgm:prSet>
       <dgm:spPr/>
-      <dgm:t>
-        <a:bodyPr/>
-        <a:lstStyle/>
-        <a:p>
-          <a:endParaRPr lang="en-US"/>
-        </a:p>
-      </dgm:t>
     </dgm:pt>
     <dgm:pt modelId="{9C9BDD4E-2F11-40D8-B564-39678649F1EB}" type="pres">
       <dgm:prSet presAssocID="{7274D2C7-4F79-47F5-92BF-FA70223CBD08}" presName="arrowWedge1" presStyleLbl="fgSibTrans2D1" presStyleIdx="0" presStyleCnt="3"/>
@@ -1135,16 +1091,16 @@
     </dgm:pt>
   </dgm:ptLst>
   <dgm:cxnLst>
-    <dgm:cxn modelId="{F691EDEB-0F85-45A1-BE6A-F6EC3639E8D0}" type="presOf" srcId="{3D1955FB-63E4-4692-9E6F-B24212C0737B}" destId="{F7113920-16E2-41FF-A583-1DA8FA9CAE38}" srcOrd="1" destOrd="0" presId="urn:microsoft.com/office/officeart/2005/8/layout/cycle8"/>
-    <dgm:cxn modelId="{2437DAD4-E9AA-48EA-A71E-620139D58AE8}" srcId="{6987B0A4-918A-4683-BE19-0165C7A40E0C}" destId="{C20D2E13-2BA3-4253-A1A4-2EE65D927917}" srcOrd="1" destOrd="0" parTransId="{618551F1-5299-4F3B-B702-F9B2722A9316}" sibTransId="{76BEF13E-8338-4E87-8FFD-F7F55161A462}"/>
-    <dgm:cxn modelId="{7627B0F9-A184-4570-BAB7-563CB35C220C}" type="presOf" srcId="{C20D2E13-2BA3-4253-A1A4-2EE65D927917}" destId="{1B60EB72-443F-4AA4-942E-7BD137AAA030}" srcOrd="0" destOrd="0" presId="urn:microsoft.com/office/officeart/2005/8/layout/cycle8"/>
-    <dgm:cxn modelId="{B53F88EC-A7EC-4B88-9B0B-11EE36F44162}" type="presOf" srcId="{6987B0A4-918A-4683-BE19-0165C7A40E0C}" destId="{5A91F801-7462-436C-88F8-5C8D32D5C3C1}" srcOrd="0" destOrd="0" presId="urn:microsoft.com/office/officeart/2005/8/layout/cycle8"/>
+    <dgm:cxn modelId="{05B47110-EC5D-491E-8D9F-8DA6E7989A6E}" type="presOf" srcId="{3D1955FB-63E4-4692-9E6F-B24212C0737B}" destId="{D62FDD3E-80F2-4B61-B7C6-3F1D5582DA66}" srcOrd="0" destOrd="0" presId="urn:microsoft.com/office/officeart/2005/8/layout/cycle8"/>
     <dgm:cxn modelId="{B1718B12-9F03-4789-8A0F-AF831AFA3605}" srcId="{6987B0A4-918A-4683-BE19-0165C7A40E0C}" destId="{3B291B58-8543-4920-8A08-8E94E9077C6E}" srcOrd="0" destOrd="0" parTransId="{59DA763A-C49A-4D5A-A42B-2C707DFDD8C2}" sibTransId="{7274D2C7-4F79-47F5-92BF-FA70223CBD08}"/>
-    <dgm:cxn modelId="{327744FF-6B8F-4E66-8C5D-5A3985D4940A}" type="presOf" srcId="{3B291B58-8543-4920-8A08-8E94E9077C6E}" destId="{65D4B9DF-5B1F-4301-925A-9631A5294869}" srcOrd="1" destOrd="0" presId="urn:microsoft.com/office/officeart/2005/8/layout/cycle8"/>
     <dgm:cxn modelId="{8A109322-52E9-4ECE-9906-5F383857A1BA}" type="presOf" srcId="{3B291B58-8543-4920-8A08-8E94E9077C6E}" destId="{5AD8CAFE-8930-455A-841F-62B13D4AB06A}" srcOrd="0" destOrd="0" presId="urn:microsoft.com/office/officeart/2005/8/layout/cycle8"/>
     <dgm:cxn modelId="{73BD643A-068D-4930-B936-38E6E7D020D8}" srcId="{6987B0A4-918A-4683-BE19-0165C7A40E0C}" destId="{3D1955FB-63E4-4692-9E6F-B24212C0737B}" srcOrd="2" destOrd="0" parTransId="{CCC5272B-2CA5-4BE6-9995-86AF46C4D971}" sibTransId="{0B25A567-6F89-4B3E-BE4B-3818F25C5FAA}"/>
-    <dgm:cxn modelId="{05B47110-EC5D-491E-8D9F-8DA6E7989A6E}" type="presOf" srcId="{3D1955FB-63E4-4692-9E6F-B24212C0737B}" destId="{D62FDD3E-80F2-4B61-B7C6-3F1D5582DA66}" srcOrd="0" destOrd="0" presId="urn:microsoft.com/office/officeart/2005/8/layout/cycle8"/>
     <dgm:cxn modelId="{92694FAE-C424-41BA-8555-617E3C4FD033}" type="presOf" srcId="{C20D2E13-2BA3-4253-A1A4-2EE65D927917}" destId="{08BFC4E1-2062-4F61-A280-E8A9A4979DC9}" srcOrd="1" destOrd="0" presId="urn:microsoft.com/office/officeart/2005/8/layout/cycle8"/>
+    <dgm:cxn modelId="{2437DAD4-E9AA-48EA-A71E-620139D58AE8}" srcId="{6987B0A4-918A-4683-BE19-0165C7A40E0C}" destId="{C20D2E13-2BA3-4253-A1A4-2EE65D927917}" srcOrd="1" destOrd="0" parTransId="{618551F1-5299-4F3B-B702-F9B2722A9316}" sibTransId="{76BEF13E-8338-4E87-8FFD-F7F55161A462}"/>
+    <dgm:cxn modelId="{F691EDEB-0F85-45A1-BE6A-F6EC3639E8D0}" type="presOf" srcId="{3D1955FB-63E4-4692-9E6F-B24212C0737B}" destId="{F7113920-16E2-41FF-A583-1DA8FA9CAE38}" srcOrd="1" destOrd="0" presId="urn:microsoft.com/office/officeart/2005/8/layout/cycle8"/>
+    <dgm:cxn modelId="{B53F88EC-A7EC-4B88-9B0B-11EE36F44162}" type="presOf" srcId="{6987B0A4-918A-4683-BE19-0165C7A40E0C}" destId="{5A91F801-7462-436C-88F8-5C8D32D5C3C1}" srcOrd="0" destOrd="0" presId="urn:microsoft.com/office/officeart/2005/8/layout/cycle8"/>
+    <dgm:cxn modelId="{7627B0F9-A184-4570-BAB7-563CB35C220C}" type="presOf" srcId="{C20D2E13-2BA3-4253-A1A4-2EE65D927917}" destId="{1B60EB72-443F-4AA4-942E-7BD137AAA030}" srcOrd="0" destOrd="0" presId="urn:microsoft.com/office/officeart/2005/8/layout/cycle8"/>
+    <dgm:cxn modelId="{327744FF-6B8F-4E66-8C5D-5A3985D4940A}" type="presOf" srcId="{3B291B58-8543-4920-8A08-8E94E9077C6E}" destId="{65D4B9DF-5B1F-4301-925A-9631A5294869}" srcOrd="1" destOrd="0" presId="urn:microsoft.com/office/officeart/2005/8/layout/cycle8"/>
     <dgm:cxn modelId="{01A533AE-13EA-4144-AE7A-6E1FE6142D42}" type="presParOf" srcId="{5A91F801-7462-436C-88F8-5C8D32D5C3C1}" destId="{5AD8CAFE-8930-455A-841F-62B13D4AB06A}" srcOrd="0" destOrd="0" presId="urn:microsoft.com/office/officeart/2005/8/layout/cycle8"/>
     <dgm:cxn modelId="{34F97093-A9E3-4EBA-B6C3-900FABE54DF3}" type="presParOf" srcId="{5A91F801-7462-436C-88F8-5C8D32D5C3C1}" destId="{E9CFDC91-B708-469B-A6E0-A1D8C63DB87D}" srcOrd="1" destOrd="0" presId="urn:microsoft.com/office/officeart/2005/8/layout/cycle8"/>
     <dgm:cxn modelId="{260C6C48-B981-4E9F-B030-3C7D1995A696}" type="presParOf" srcId="{5A91F801-7462-436C-88F8-5C8D32D5C3C1}" destId="{5A5EB19D-9D30-404E-9767-7559A54D304B}" srcOrd="2" destOrd="0" presId="urn:microsoft.com/office/officeart/2005/8/layout/cycle8"/>
@@ -1237,7 +1193,7 @@
         </a:bodyPr>
         <a:lstStyle/>
         <a:p>
-          <a:pPr lvl="0" algn="ctr" defTabSz="2578100">
+          <a:pPr marL="0" lvl="0" indent="0" algn="ctr" defTabSz="2578100">
             <a:lnSpc>
               <a:spcPct val="90000"/>
             </a:lnSpc>
@@ -1247,12 +1203,12 @@
             <a:spcAft>
               <a:spcPct val="35000"/>
             </a:spcAft>
+            <a:buNone/>
           </a:pPr>
           <a:r>
-            <a:rPr lang="en-US" sz="5800" kern="1200" dirty="0" smtClean="0"/>
+            <a:rPr lang="en-US" sz="5800" kern="1200" dirty="0"/>
             <a:t>Do</a:t>
           </a:r>
-          <a:endParaRPr lang="en-US" sz="5800" kern="1200" dirty="0"/>
         </a:p>
       </dsp:txBody>
       <dsp:txXfrm>
@@ -1318,7 +1274,7 @@
         </a:bodyPr>
         <a:lstStyle/>
         <a:p>
-          <a:pPr lvl="0" algn="ctr" defTabSz="2578100">
+          <a:pPr marL="0" lvl="0" indent="0" algn="ctr" defTabSz="2578100">
             <a:lnSpc>
               <a:spcPct val="90000"/>
             </a:lnSpc>
@@ -1328,12 +1284,12 @@
             <a:spcAft>
               <a:spcPct val="35000"/>
             </a:spcAft>
+            <a:buNone/>
           </a:pPr>
           <a:r>
-            <a:rPr lang="en-US" sz="5800" kern="1200" dirty="0" smtClean="0"/>
+            <a:rPr lang="en-US" sz="5800" kern="1200" dirty="0"/>
             <a:t>Have</a:t>
           </a:r>
-          <a:endParaRPr lang="en-US" sz="5800" kern="1200" dirty="0"/>
         </a:p>
       </dsp:txBody>
       <dsp:txXfrm>
@@ -1399,7 +1355,7 @@
         </a:bodyPr>
         <a:lstStyle/>
         <a:p>
-          <a:pPr lvl="0" algn="ctr" defTabSz="2578100">
+          <a:pPr marL="0" lvl="0" indent="0" algn="ctr" defTabSz="2578100">
             <a:lnSpc>
               <a:spcPct val="90000"/>
             </a:lnSpc>
@@ -1409,12 +1365,12 @@
             <a:spcAft>
               <a:spcPct val="35000"/>
             </a:spcAft>
+            <a:buNone/>
           </a:pPr>
           <a:r>
-            <a:rPr lang="en-US" sz="5800" kern="1200" dirty="0" smtClean="0"/>
+            <a:rPr lang="en-US" sz="5800" kern="1200" dirty="0"/>
             <a:t>Be</a:t>
           </a:r>
-          <a:endParaRPr lang="en-US" sz="5800" kern="1200" dirty="0"/>
         </a:p>
       </dsp:txBody>
       <dsp:txXfrm>
@@ -4446,7 +4402,7 @@
           <a:p>
             <a:fld id="{3FF724DD-C013-4DED-9F53-18D16E116C32}" type="datetimeFigureOut">
               <a:rPr lang="en-US" smtClean="0"/>
-              <a:t>10/22/2018</a:t>
+              <a:t>11/1/2018</a:t>
             </a:fld>
             <a:endParaRPr lang="en-US"/>
           </a:p>
@@ -4510,38 +4466,37 @@
           <a:p>
             <a:pPr lvl="0"/>
             <a:r>
-              <a:rPr lang="en-US" smtClean="0"/>
+              <a:rPr lang="en-US"/>
               <a:t>Edit Master text styles</a:t>
             </a:r>
           </a:p>
           <a:p>
             <a:pPr lvl="1"/>
             <a:r>
-              <a:rPr lang="en-US" smtClean="0"/>
+              <a:rPr lang="en-US"/>
               <a:t>Second level</a:t>
             </a:r>
           </a:p>
           <a:p>
             <a:pPr lvl="2"/>
             <a:r>
-              <a:rPr lang="en-US" smtClean="0"/>
+              <a:rPr lang="en-US"/>
               <a:t>Third level</a:t>
             </a:r>
           </a:p>
           <a:p>
             <a:pPr lvl="3"/>
             <a:r>
-              <a:rPr lang="en-US" smtClean="0"/>
+              <a:rPr lang="en-US"/>
               <a:t>Fourth level</a:t>
             </a:r>
           </a:p>
           <a:p>
             <a:pPr lvl="4"/>
             <a:r>
-              <a:rPr lang="en-US" smtClean="0"/>
+              <a:rPr lang="en-US"/>
               <a:t>Fifth level</a:t>
             </a:r>
-            <a:endParaRPr lang="en-US"/>
           </a:p>
         </p:txBody>
       </p:sp>
@@ -4872,7 +4827,7 @@
     </p:spTree>
     <p:extLst>
       <p:ext uri="{BB962C8B-B14F-4D97-AF65-F5344CB8AC3E}">
-        <p14:creationId xmlns:p14="http://schemas.microsoft.com/office/powerpoint/2010/main" val="4075168869"/>
+        <p14:creationId xmlns:p14="http://schemas.microsoft.com/office/powerpoint/2010/main" val="157277238"/>
       </p:ext>
     </p:extLst>
   </p:cSld>
@@ -4956,7 +4911,7 @@
     </p:spTree>
     <p:extLst>
       <p:ext uri="{BB962C8B-B14F-4D97-AF65-F5344CB8AC3E}">
-        <p14:creationId xmlns:p14="http://schemas.microsoft.com/office/powerpoint/2010/main" val="1096800122"/>
+        <p14:creationId xmlns:p14="http://schemas.microsoft.com/office/powerpoint/2010/main" val="4231233710"/>
       </p:ext>
     </p:extLst>
   </p:cSld>
@@ -5011,7 +4966,7 @@
           <a:lstStyle/>
           <a:p>
             <a:r>
-              <a:rPr lang="en-US" baseline="0" dirty="0" smtClean="0"/>
+              <a:rPr lang="en-US" baseline="0" dirty="0"/>
               <a:t>Start point:</a:t>
             </a:r>
             <a:endParaRPr lang="en-US" dirty="0"/>
@@ -5099,19 +5054,19 @@
           <a:lstStyle/>
           <a:p>
             <a:r>
-              <a:rPr lang="en-US" baseline="0" dirty="0" smtClean="0"/>
+              <a:rPr lang="en-US" baseline="0" dirty="0"/>
               <a:t>Supervised: train from known outcomes</a:t>
             </a:r>
           </a:p>
           <a:p>
             <a:r>
-              <a:rPr lang="en-US" baseline="0" dirty="0" smtClean="0"/>
+              <a:rPr lang="en-US" baseline="0" dirty="0"/>
               <a:t>Unsupervised: learn and discover relationships in data</a:t>
             </a:r>
           </a:p>
           <a:p>
             <a:r>
-              <a:rPr lang="en-US" baseline="0" dirty="0" smtClean="0"/>
+              <a:rPr lang="en-US" baseline="0" dirty="0"/>
               <a:t>Loosely defined: can assign numbers to categories, can assign known labels to clusters</a:t>
             </a:r>
             <a:endParaRPr lang="en-US" dirty="0"/>
@@ -5199,11 +5154,11 @@
           <a:lstStyle/>
           <a:p>
             <a:r>
-              <a:rPr lang="en-US" dirty="0" smtClean="0"/>
+              <a:rPr lang="en-US" dirty="0"/>
               <a:t>What</a:t>
             </a:r>
             <a:r>
-              <a:rPr lang="en-US" baseline="0" dirty="0" smtClean="0"/>
+              <a:rPr lang="en-US" baseline="0" dirty="0"/>
               <a:t> are the origin and basis vectors?</a:t>
             </a:r>
             <a:endParaRPr lang="en-US" dirty="0"/>
@@ -5291,19 +5246,19 @@
           <a:lstStyle/>
           <a:p>
             <a:r>
-              <a:rPr lang="en-US" dirty="0" smtClean="0"/>
+              <a:rPr lang="en-US" dirty="0"/>
               <a:t>While advice</a:t>
             </a:r>
             <a:r>
-              <a:rPr lang="en-US" baseline="0" dirty="0" smtClean="0"/>
+              <a:rPr lang="en-US" baseline="0" dirty="0"/>
               <a:t> is the goal what proportion of effort constitutes it as a deliverable?  </a:t>
             </a:r>
             <a:r>
-              <a:rPr lang="en-US" dirty="0" smtClean="0"/>
+              <a:rPr lang="en-US" dirty="0"/>
               <a:t>How much space does advise take</a:t>
             </a:r>
             <a:r>
-              <a:rPr lang="en-US" baseline="0" dirty="0" smtClean="0"/>
+              <a:rPr lang="en-US" baseline="0" dirty="0"/>
               <a:t> up on the graph?</a:t>
             </a:r>
             <a:endParaRPr lang="en-US" dirty="0"/>
@@ -5391,19 +5346,19 @@
           <a:lstStyle/>
           <a:p>
             <a:r>
-              <a:rPr lang="en-US" dirty="0" smtClean="0"/>
+              <a:rPr lang="en-US" dirty="0"/>
               <a:t>While advice</a:t>
             </a:r>
             <a:r>
-              <a:rPr lang="en-US" baseline="0" dirty="0" smtClean="0"/>
+              <a:rPr lang="en-US" baseline="0" dirty="0"/>
               <a:t> is the goal what proportion of effort constitutes it as a deliverable?  </a:t>
             </a:r>
             <a:r>
-              <a:rPr lang="en-US" dirty="0" smtClean="0"/>
+              <a:rPr lang="en-US" dirty="0"/>
               <a:t>How much space does advise take</a:t>
             </a:r>
             <a:r>
-              <a:rPr lang="en-US" baseline="0" dirty="0" smtClean="0"/>
+              <a:rPr lang="en-US" baseline="0" dirty="0"/>
               <a:t> up on the graph?</a:t>
             </a:r>
             <a:endParaRPr lang="en-US" dirty="0"/>
@@ -5491,19 +5446,19 @@
           <a:lstStyle/>
           <a:p>
             <a:r>
-              <a:rPr lang="en-US" dirty="0" smtClean="0"/>
+              <a:rPr lang="en-US" dirty="0"/>
               <a:t>While advice</a:t>
             </a:r>
             <a:r>
-              <a:rPr lang="en-US" baseline="0" dirty="0" smtClean="0"/>
+              <a:rPr lang="en-US" baseline="0" dirty="0"/>
               <a:t> is the goal what proportion of effort constitutes it as a deliverable?  </a:t>
             </a:r>
             <a:r>
-              <a:rPr lang="en-US" dirty="0" smtClean="0"/>
+              <a:rPr lang="en-US" dirty="0"/>
               <a:t>How much space does advise take</a:t>
             </a:r>
             <a:r>
-              <a:rPr lang="en-US" baseline="0" dirty="0" smtClean="0"/>
+              <a:rPr lang="en-US" baseline="0" dirty="0"/>
               <a:t> up on the graph?</a:t>
             </a:r>
             <a:endParaRPr lang="en-US" dirty="0"/>
@@ -5843,11 +5798,11 @@
           <a:lstStyle/>
           <a:p>
             <a:r>
-              <a:rPr lang="en-US" dirty="0" smtClean="0"/>
+              <a:rPr lang="en-US" dirty="0"/>
               <a:t>Clockwise: be,</a:t>
             </a:r>
             <a:r>
-              <a:rPr lang="en-US" baseline="0" dirty="0" smtClean="0"/>
+              <a:rPr lang="en-US" baseline="0" dirty="0"/>
               <a:t> do, have</a:t>
             </a:r>
             <a:endParaRPr lang="en-US" dirty="0"/>
@@ -6187,17 +6142,17 @@
           <a:lstStyle/>
           <a:p>
             <a:r>
-              <a:rPr lang="en-US" dirty="0" smtClean="0"/>
+              <a:rPr lang="en-US" dirty="0"/>
               <a:t>Banquet and collapsed temple.  Who was there?</a:t>
             </a:r>
           </a:p>
           <a:p>
             <a:r>
-              <a:rPr lang="en-US" dirty="0" smtClean="0"/>
+              <a:rPr lang="en-US" dirty="0"/>
               <a:t>Treasure map, end point, start point, and basis with</a:t>
             </a:r>
             <a:r>
-              <a:rPr lang="en-US" baseline="0" dirty="0" smtClean="0"/>
+              <a:rPr lang="en-US" baseline="0" dirty="0"/>
               <a:t> origin (North, South, East, West)</a:t>
             </a:r>
             <a:endParaRPr lang="en-US" dirty="0"/>
@@ -6314,7 +6269,7 @@
     </p:spTree>
     <p:extLst>
       <p:ext uri="{BB962C8B-B14F-4D97-AF65-F5344CB8AC3E}">
-        <p14:creationId xmlns:p14="http://schemas.microsoft.com/office/powerpoint/2010/main" val="1605024293"/>
+        <p14:creationId xmlns:p14="http://schemas.microsoft.com/office/powerpoint/2010/main" val="2611299894"/>
       </p:ext>
     </p:extLst>
   </p:cSld>
@@ -6398,7 +6353,7 @@
     </p:spTree>
     <p:extLst>
       <p:ext uri="{BB962C8B-B14F-4D97-AF65-F5344CB8AC3E}">
-        <p14:creationId xmlns:p14="http://schemas.microsoft.com/office/powerpoint/2010/main" val="3418968630"/>
+        <p14:creationId xmlns:p14="http://schemas.microsoft.com/office/powerpoint/2010/main" val="2950965502"/>
       </p:ext>
     </p:extLst>
   </p:cSld>
@@ -6482,7 +6437,7 @@
     </p:spTree>
     <p:extLst>
       <p:ext uri="{BB962C8B-B14F-4D97-AF65-F5344CB8AC3E}">
-        <p14:creationId xmlns:p14="http://schemas.microsoft.com/office/powerpoint/2010/main" val="125828513"/>
+        <p14:creationId xmlns:p14="http://schemas.microsoft.com/office/powerpoint/2010/main" val="1096800122"/>
       </p:ext>
     </p:extLst>
   </p:cSld>
@@ -6534,10 +6489,9 @@
           </a:lstStyle>
           <a:p>
             <a:r>
-              <a:rPr lang="en-US" smtClean="0"/>
+              <a:rPr lang="en-US"/>
               <a:t>Click to edit Master title style</a:t>
             </a:r>
-            <a:endParaRPr lang="en-US"/>
           </a:p>
         </p:txBody>
       </p:sp>
@@ -6599,10 +6553,9 @@
           </a:lstStyle>
           <a:p>
             <a:r>
-              <a:rPr lang="en-US" smtClean="0"/>
+              <a:rPr lang="en-US"/>
               <a:t>Click to edit Master subtitle style</a:t>
             </a:r>
-            <a:endParaRPr lang="en-US"/>
           </a:p>
         </p:txBody>
       </p:sp>
@@ -6623,7 +6576,7 @@
           <a:p>
             <a:fld id="{B9231216-36D3-43A5-A9F7-6E5DCCF6D363}" type="datetimeFigureOut">
               <a:rPr lang="en-US" smtClean="0"/>
-              <a:t>10/22/2018</a:t>
+              <a:t>11/1/2018</a:t>
             </a:fld>
             <a:endParaRPr lang="en-US"/>
           </a:p>
@@ -6717,10 +6670,9 @@
           <a:lstStyle/>
           <a:p>
             <a:r>
-              <a:rPr lang="en-US" smtClean="0"/>
+              <a:rPr lang="en-US"/>
               <a:t>Click to edit Master title style</a:t>
             </a:r>
-            <a:endParaRPr lang="en-US"/>
           </a:p>
         </p:txBody>
       </p:sp>
@@ -6741,38 +6693,37 @@
           <a:p>
             <a:pPr lvl="0"/>
             <a:r>
-              <a:rPr lang="en-US" smtClean="0"/>
+              <a:rPr lang="en-US"/>
               <a:t>Edit Master text styles</a:t>
             </a:r>
           </a:p>
           <a:p>
             <a:pPr lvl="1"/>
             <a:r>
-              <a:rPr lang="en-US" smtClean="0"/>
+              <a:rPr lang="en-US"/>
               <a:t>Second level</a:t>
             </a:r>
           </a:p>
           <a:p>
             <a:pPr lvl="2"/>
             <a:r>
-              <a:rPr lang="en-US" smtClean="0"/>
+              <a:rPr lang="en-US"/>
               <a:t>Third level</a:t>
             </a:r>
           </a:p>
           <a:p>
             <a:pPr lvl="3"/>
             <a:r>
-              <a:rPr lang="en-US" smtClean="0"/>
+              <a:rPr lang="en-US"/>
               <a:t>Fourth level</a:t>
             </a:r>
           </a:p>
           <a:p>
             <a:pPr lvl="4"/>
             <a:r>
-              <a:rPr lang="en-US" smtClean="0"/>
+              <a:rPr lang="en-US"/>
               <a:t>Fifth level</a:t>
             </a:r>
-            <a:endParaRPr lang="en-US"/>
           </a:p>
         </p:txBody>
       </p:sp>
@@ -6793,7 +6744,7 @@
           <a:p>
             <a:fld id="{B9231216-36D3-43A5-A9F7-6E5DCCF6D363}" type="datetimeFigureOut">
               <a:rPr lang="en-US" smtClean="0"/>
-              <a:t>10/22/2018</a:t>
+              <a:t>11/1/2018</a:t>
             </a:fld>
             <a:endParaRPr lang="en-US"/>
           </a:p>
@@ -6892,10 +6843,9 @@
           <a:lstStyle/>
           <a:p>
             <a:r>
-              <a:rPr lang="en-US" smtClean="0"/>
+              <a:rPr lang="en-US"/>
               <a:t>Click to edit Master title style</a:t>
             </a:r>
-            <a:endParaRPr lang="en-US"/>
           </a:p>
         </p:txBody>
       </p:sp>
@@ -6921,38 +6871,37 @@
           <a:p>
             <a:pPr lvl="0"/>
             <a:r>
-              <a:rPr lang="en-US" smtClean="0"/>
+              <a:rPr lang="en-US"/>
               <a:t>Edit Master text styles</a:t>
             </a:r>
           </a:p>
           <a:p>
             <a:pPr lvl="1"/>
             <a:r>
-              <a:rPr lang="en-US" smtClean="0"/>
+              <a:rPr lang="en-US"/>
               <a:t>Second level</a:t>
             </a:r>
           </a:p>
           <a:p>
             <a:pPr lvl="2"/>
             <a:r>
-              <a:rPr lang="en-US" smtClean="0"/>
+              <a:rPr lang="en-US"/>
               <a:t>Third level</a:t>
             </a:r>
           </a:p>
           <a:p>
             <a:pPr lvl="3"/>
             <a:r>
-              <a:rPr lang="en-US" smtClean="0"/>
+              <a:rPr lang="en-US"/>
               <a:t>Fourth level</a:t>
             </a:r>
           </a:p>
           <a:p>
             <a:pPr lvl="4"/>
             <a:r>
-              <a:rPr lang="en-US" smtClean="0"/>
+              <a:rPr lang="en-US"/>
               <a:t>Fifth level</a:t>
             </a:r>
-            <a:endParaRPr lang="en-US"/>
           </a:p>
         </p:txBody>
       </p:sp>
@@ -6973,7 +6922,7 @@
           <a:p>
             <a:fld id="{B9231216-36D3-43A5-A9F7-6E5DCCF6D363}" type="datetimeFigureOut">
               <a:rPr lang="en-US" smtClean="0"/>
-              <a:t>10/22/2018</a:t>
+              <a:t>11/1/2018</a:t>
             </a:fld>
             <a:endParaRPr lang="en-US"/>
           </a:p>
@@ -7067,10 +7016,9 @@
           <a:lstStyle/>
           <a:p>
             <a:r>
-              <a:rPr lang="en-US" smtClean="0"/>
+              <a:rPr lang="en-US"/>
               <a:t>Click to edit Master title style</a:t>
             </a:r>
-            <a:endParaRPr lang="en-US"/>
           </a:p>
         </p:txBody>
       </p:sp>
@@ -7091,38 +7039,37 @@
           <a:p>
             <a:pPr lvl="0"/>
             <a:r>
-              <a:rPr lang="en-US" smtClean="0"/>
+              <a:rPr lang="en-US"/>
               <a:t>Edit Master text styles</a:t>
             </a:r>
           </a:p>
           <a:p>
             <a:pPr lvl="1"/>
             <a:r>
-              <a:rPr lang="en-US" smtClean="0"/>
+              <a:rPr lang="en-US"/>
               <a:t>Second level</a:t>
             </a:r>
           </a:p>
           <a:p>
             <a:pPr lvl="2"/>
             <a:r>
-              <a:rPr lang="en-US" smtClean="0"/>
+              <a:rPr lang="en-US"/>
               <a:t>Third level</a:t>
             </a:r>
           </a:p>
           <a:p>
             <a:pPr lvl="3"/>
             <a:r>
-              <a:rPr lang="en-US" smtClean="0"/>
+              <a:rPr lang="en-US"/>
               <a:t>Fourth level</a:t>
             </a:r>
           </a:p>
           <a:p>
             <a:pPr lvl="4"/>
             <a:r>
-              <a:rPr lang="en-US" smtClean="0"/>
+              <a:rPr lang="en-US"/>
               <a:t>Fifth level</a:t>
             </a:r>
-            <a:endParaRPr lang="en-US"/>
           </a:p>
         </p:txBody>
       </p:sp>
@@ -7143,7 +7090,7 @@
           <a:p>
             <a:fld id="{B9231216-36D3-43A5-A9F7-6E5DCCF6D363}" type="datetimeFigureOut">
               <a:rPr lang="en-US" smtClean="0"/>
-              <a:t>10/22/2018</a:t>
+              <a:t>11/1/2018</a:t>
             </a:fld>
             <a:endParaRPr lang="en-US"/>
           </a:p>
@@ -7246,10 +7193,9 @@
           </a:lstStyle>
           <a:p>
             <a:r>
-              <a:rPr lang="en-US" smtClean="0"/>
+              <a:rPr lang="en-US"/>
               <a:t>Click to edit Master title style</a:t>
             </a:r>
-            <a:endParaRPr lang="en-US"/>
           </a:p>
         </p:txBody>
       </p:sp>
@@ -7366,7 +7312,7 @@
           <a:p>
             <a:pPr lvl="0"/>
             <a:r>
-              <a:rPr lang="en-US" smtClean="0"/>
+              <a:rPr lang="en-US"/>
               <a:t>Edit Master text styles</a:t>
             </a:r>
           </a:p>
@@ -7389,7 +7335,7 @@
           <a:p>
             <a:fld id="{B9231216-36D3-43A5-A9F7-6E5DCCF6D363}" type="datetimeFigureOut">
               <a:rPr lang="en-US" smtClean="0"/>
-              <a:t>10/22/2018</a:t>
+              <a:t>11/1/2018</a:t>
             </a:fld>
             <a:endParaRPr lang="en-US"/>
           </a:p>
@@ -7483,10 +7429,9 @@
           <a:lstStyle/>
           <a:p>
             <a:r>
-              <a:rPr lang="en-US" smtClean="0"/>
+              <a:rPr lang="en-US"/>
               <a:t>Click to edit Master title style</a:t>
             </a:r>
-            <a:endParaRPr lang="en-US"/>
           </a:p>
         </p:txBody>
       </p:sp>
@@ -7512,38 +7457,37 @@
           <a:p>
             <a:pPr lvl="0"/>
             <a:r>
-              <a:rPr lang="en-US" smtClean="0"/>
+              <a:rPr lang="en-US"/>
               <a:t>Edit Master text styles</a:t>
             </a:r>
           </a:p>
           <a:p>
             <a:pPr lvl="1"/>
             <a:r>
-              <a:rPr lang="en-US" smtClean="0"/>
+              <a:rPr lang="en-US"/>
               <a:t>Second level</a:t>
             </a:r>
           </a:p>
           <a:p>
             <a:pPr lvl="2"/>
             <a:r>
-              <a:rPr lang="en-US" smtClean="0"/>
+              <a:rPr lang="en-US"/>
               <a:t>Third level</a:t>
             </a:r>
           </a:p>
           <a:p>
             <a:pPr lvl="3"/>
             <a:r>
-              <a:rPr lang="en-US" smtClean="0"/>
+              <a:rPr lang="en-US"/>
               <a:t>Fourth level</a:t>
             </a:r>
           </a:p>
           <a:p>
             <a:pPr lvl="4"/>
             <a:r>
-              <a:rPr lang="en-US" smtClean="0"/>
+              <a:rPr lang="en-US"/>
               <a:t>Fifth level</a:t>
             </a:r>
-            <a:endParaRPr lang="en-US"/>
           </a:p>
         </p:txBody>
       </p:sp>
@@ -7569,38 +7513,37 @@
           <a:p>
             <a:pPr lvl="0"/>
             <a:r>
-              <a:rPr lang="en-US" smtClean="0"/>
+              <a:rPr lang="en-US"/>
               <a:t>Edit Master text styles</a:t>
             </a:r>
           </a:p>
           <a:p>
             <a:pPr lvl="1"/>
             <a:r>
-              <a:rPr lang="en-US" smtClean="0"/>
+              <a:rPr lang="en-US"/>
               <a:t>Second level</a:t>
             </a:r>
           </a:p>
           <a:p>
             <a:pPr lvl="2"/>
             <a:r>
-              <a:rPr lang="en-US" smtClean="0"/>
+              <a:rPr lang="en-US"/>
               <a:t>Third level</a:t>
             </a:r>
           </a:p>
           <a:p>
             <a:pPr lvl="3"/>
             <a:r>
-              <a:rPr lang="en-US" smtClean="0"/>
+              <a:rPr lang="en-US"/>
               <a:t>Fourth level</a:t>
             </a:r>
           </a:p>
           <a:p>
             <a:pPr lvl="4"/>
             <a:r>
-              <a:rPr lang="en-US" smtClean="0"/>
+              <a:rPr lang="en-US"/>
               <a:t>Fifth level</a:t>
             </a:r>
-            <a:endParaRPr lang="en-US"/>
           </a:p>
         </p:txBody>
       </p:sp>
@@ -7621,7 +7564,7 @@
           <a:p>
             <a:fld id="{B9231216-36D3-43A5-A9F7-6E5DCCF6D363}" type="datetimeFigureOut">
               <a:rPr lang="en-US" smtClean="0"/>
-              <a:t>10/22/2018</a:t>
+              <a:t>11/1/2018</a:t>
             </a:fld>
             <a:endParaRPr lang="en-US"/>
           </a:p>
@@ -7720,10 +7663,9 @@
           <a:lstStyle/>
           <a:p>
             <a:r>
-              <a:rPr lang="en-US" smtClean="0"/>
+              <a:rPr lang="en-US"/>
               <a:t>Click to edit Master title style</a:t>
             </a:r>
-            <a:endParaRPr lang="en-US"/>
           </a:p>
         </p:txBody>
       </p:sp>
@@ -7786,7 +7728,7 @@
           <a:p>
             <a:pPr lvl="0"/>
             <a:r>
-              <a:rPr lang="en-US" smtClean="0"/>
+              <a:rPr lang="en-US"/>
               <a:t>Edit Master text styles</a:t>
             </a:r>
           </a:p>
@@ -7814,38 +7756,37 @@
           <a:p>
             <a:pPr lvl="0"/>
             <a:r>
-              <a:rPr lang="en-US" smtClean="0"/>
+              <a:rPr lang="en-US"/>
               <a:t>Edit Master text styles</a:t>
             </a:r>
           </a:p>
           <a:p>
             <a:pPr lvl="1"/>
             <a:r>
-              <a:rPr lang="en-US" smtClean="0"/>
+              <a:rPr lang="en-US"/>
               <a:t>Second level</a:t>
             </a:r>
           </a:p>
           <a:p>
             <a:pPr lvl="2"/>
             <a:r>
-              <a:rPr lang="en-US" smtClean="0"/>
+              <a:rPr lang="en-US"/>
               <a:t>Third level</a:t>
             </a:r>
           </a:p>
           <a:p>
             <a:pPr lvl="3"/>
             <a:r>
-              <a:rPr lang="en-US" smtClean="0"/>
+              <a:rPr lang="en-US"/>
               <a:t>Fourth level</a:t>
             </a:r>
           </a:p>
           <a:p>
             <a:pPr lvl="4"/>
             <a:r>
-              <a:rPr lang="en-US" smtClean="0"/>
+              <a:rPr lang="en-US"/>
               <a:t>Fifth level</a:t>
             </a:r>
-            <a:endParaRPr lang="en-US"/>
           </a:p>
         </p:txBody>
       </p:sp>
@@ -7908,7 +7849,7 @@
           <a:p>
             <a:pPr lvl="0"/>
             <a:r>
-              <a:rPr lang="en-US" smtClean="0"/>
+              <a:rPr lang="en-US"/>
               <a:t>Edit Master text styles</a:t>
             </a:r>
           </a:p>
@@ -7936,38 +7877,37 @@
           <a:p>
             <a:pPr lvl="0"/>
             <a:r>
-              <a:rPr lang="en-US" smtClean="0"/>
+              <a:rPr lang="en-US"/>
               <a:t>Edit Master text styles</a:t>
             </a:r>
           </a:p>
           <a:p>
             <a:pPr lvl="1"/>
             <a:r>
-              <a:rPr lang="en-US" smtClean="0"/>
+              <a:rPr lang="en-US"/>
               <a:t>Second level</a:t>
             </a:r>
           </a:p>
           <a:p>
             <a:pPr lvl="2"/>
             <a:r>
-              <a:rPr lang="en-US" smtClean="0"/>
+              <a:rPr lang="en-US"/>
               <a:t>Third level</a:t>
             </a:r>
           </a:p>
           <a:p>
             <a:pPr lvl="3"/>
             <a:r>
-              <a:rPr lang="en-US" smtClean="0"/>
+              <a:rPr lang="en-US"/>
               <a:t>Fourth level</a:t>
             </a:r>
           </a:p>
           <a:p>
             <a:pPr lvl="4"/>
             <a:r>
-              <a:rPr lang="en-US" smtClean="0"/>
+              <a:rPr lang="en-US"/>
               <a:t>Fifth level</a:t>
             </a:r>
-            <a:endParaRPr lang="en-US"/>
           </a:p>
         </p:txBody>
       </p:sp>
@@ -7988,7 +7928,7 @@
           <a:p>
             <a:fld id="{B9231216-36D3-43A5-A9F7-6E5DCCF6D363}" type="datetimeFigureOut">
               <a:rPr lang="en-US" smtClean="0"/>
-              <a:t>10/22/2018</a:t>
+              <a:t>11/1/2018</a:t>
             </a:fld>
             <a:endParaRPr lang="en-US"/>
           </a:p>
@@ -8082,10 +8022,9 @@
           <a:lstStyle/>
           <a:p>
             <a:r>
-              <a:rPr lang="en-US" smtClean="0"/>
+              <a:rPr lang="en-US"/>
               <a:t>Click to edit Master title style</a:t>
             </a:r>
-            <a:endParaRPr lang="en-US"/>
           </a:p>
         </p:txBody>
       </p:sp>
@@ -8106,7 +8045,7 @@
           <a:p>
             <a:fld id="{B9231216-36D3-43A5-A9F7-6E5DCCF6D363}" type="datetimeFigureOut">
               <a:rPr lang="en-US" smtClean="0"/>
-              <a:t>10/22/2018</a:t>
+              <a:t>11/1/2018</a:t>
             </a:fld>
             <a:endParaRPr lang="en-US"/>
           </a:p>
@@ -8201,7 +8140,7 @@
           <a:p>
             <a:fld id="{B9231216-36D3-43A5-A9F7-6E5DCCF6D363}" type="datetimeFigureOut">
               <a:rPr lang="en-US" smtClean="0"/>
-              <a:t>10/22/2018</a:t>
+              <a:t>11/1/2018</a:t>
             </a:fld>
             <a:endParaRPr lang="en-US"/>
           </a:p>
@@ -8304,10 +8243,9 @@
           </a:lstStyle>
           <a:p>
             <a:r>
-              <a:rPr lang="en-US" smtClean="0"/>
+              <a:rPr lang="en-US"/>
               <a:t>Click to edit Master title style</a:t>
             </a:r>
-            <a:endParaRPr lang="en-US"/>
           </a:p>
         </p:txBody>
       </p:sp>
@@ -8361,38 +8299,37 @@
           <a:p>
             <a:pPr lvl="0"/>
             <a:r>
-              <a:rPr lang="en-US" smtClean="0"/>
+              <a:rPr lang="en-US"/>
               <a:t>Edit Master text styles</a:t>
             </a:r>
           </a:p>
           <a:p>
             <a:pPr lvl="1"/>
             <a:r>
-              <a:rPr lang="en-US" smtClean="0"/>
+              <a:rPr lang="en-US"/>
               <a:t>Second level</a:t>
             </a:r>
           </a:p>
           <a:p>
             <a:pPr lvl="2"/>
             <a:r>
-              <a:rPr lang="en-US" smtClean="0"/>
+              <a:rPr lang="en-US"/>
               <a:t>Third level</a:t>
             </a:r>
           </a:p>
           <a:p>
             <a:pPr lvl="3"/>
             <a:r>
-              <a:rPr lang="en-US" smtClean="0"/>
+              <a:rPr lang="en-US"/>
               <a:t>Fourth level</a:t>
             </a:r>
           </a:p>
           <a:p>
             <a:pPr lvl="4"/>
             <a:r>
-              <a:rPr lang="en-US" smtClean="0"/>
+              <a:rPr lang="en-US"/>
               <a:t>Fifth level</a:t>
             </a:r>
-            <a:endParaRPr lang="en-US"/>
           </a:p>
         </p:txBody>
       </p:sp>
@@ -8455,7 +8392,7 @@
           <a:p>
             <a:pPr lvl="0"/>
             <a:r>
-              <a:rPr lang="en-US" smtClean="0"/>
+              <a:rPr lang="en-US"/>
               <a:t>Edit Master text styles</a:t>
             </a:r>
           </a:p>
@@ -8478,7 +8415,7 @@
           <a:p>
             <a:fld id="{B9231216-36D3-43A5-A9F7-6E5DCCF6D363}" type="datetimeFigureOut">
               <a:rPr lang="en-US" smtClean="0"/>
-              <a:t>10/22/2018</a:t>
+              <a:t>11/1/2018</a:t>
             </a:fld>
             <a:endParaRPr lang="en-US"/>
           </a:p>
@@ -8581,10 +8518,9 @@
           </a:lstStyle>
           <a:p>
             <a:r>
-              <a:rPr lang="en-US" smtClean="0"/>
+              <a:rPr lang="en-US"/>
               <a:t>Click to edit Master title style</a:t>
             </a:r>
-            <a:endParaRPr lang="en-US"/>
           </a:p>
         </p:txBody>
       </p:sp>
@@ -8708,7 +8644,7 @@
           <a:p>
             <a:pPr lvl="0"/>
             <a:r>
-              <a:rPr lang="en-US" smtClean="0"/>
+              <a:rPr lang="en-US"/>
               <a:t>Edit Master text styles</a:t>
             </a:r>
           </a:p>
@@ -8731,7 +8667,7 @@
           <a:p>
             <a:fld id="{B9231216-36D3-43A5-A9F7-6E5DCCF6D363}" type="datetimeFigureOut">
               <a:rPr lang="en-US" smtClean="0"/>
-              <a:t>10/22/2018</a:t>
+              <a:t>11/1/2018</a:t>
             </a:fld>
             <a:endParaRPr lang="en-US"/>
           </a:p>
@@ -8840,10 +8776,9 @@
           <a:lstStyle/>
           <a:p>
             <a:r>
-              <a:rPr lang="en-US" smtClean="0"/>
+              <a:rPr lang="en-US"/>
               <a:t>Click to edit Master title style</a:t>
             </a:r>
-            <a:endParaRPr lang="en-US"/>
           </a:p>
         </p:txBody>
       </p:sp>
@@ -8874,38 +8809,37 @@
           <a:p>
             <a:pPr lvl="0"/>
             <a:r>
-              <a:rPr lang="en-US" smtClean="0"/>
+              <a:rPr lang="en-US"/>
               <a:t>Edit Master text styles</a:t>
             </a:r>
           </a:p>
           <a:p>
             <a:pPr lvl="1"/>
             <a:r>
-              <a:rPr lang="en-US" smtClean="0"/>
+              <a:rPr lang="en-US"/>
               <a:t>Second level</a:t>
             </a:r>
           </a:p>
           <a:p>
             <a:pPr lvl="2"/>
             <a:r>
-              <a:rPr lang="en-US" smtClean="0"/>
+              <a:rPr lang="en-US"/>
               <a:t>Third level</a:t>
             </a:r>
           </a:p>
           <a:p>
             <a:pPr lvl="3"/>
             <a:r>
-              <a:rPr lang="en-US" smtClean="0"/>
+              <a:rPr lang="en-US"/>
               <a:t>Fourth level</a:t>
             </a:r>
           </a:p>
           <a:p>
             <a:pPr lvl="4"/>
             <a:r>
-              <a:rPr lang="en-US" smtClean="0"/>
+              <a:rPr lang="en-US"/>
               <a:t>Fifth level</a:t>
             </a:r>
-            <a:endParaRPr lang="en-US"/>
           </a:p>
         </p:txBody>
       </p:sp>
@@ -8944,7 +8878,7 @@
           <a:p>
             <a:fld id="{B9231216-36D3-43A5-A9F7-6E5DCCF6D363}" type="datetimeFigureOut">
               <a:rPr lang="en-US" smtClean="0"/>
-              <a:t>10/22/2018</a:t>
+              <a:t>11/1/2018</a:t>
             </a:fld>
             <a:endParaRPr lang="en-US"/>
           </a:p>
@@ -9372,17 +9306,16 @@
           <a:lstStyle/>
           <a:p>
             <a:r>
-              <a:rPr lang="en-US" dirty="0" smtClean="0"/>
+              <a:rPr lang="en-US" dirty="0"/>
               <a:t>Knowing All Data Science:</a:t>
             </a:r>
             <a:br>
-              <a:rPr lang="en-US" dirty="0" smtClean="0"/>
+              <a:rPr lang="en-US" dirty="0"/>
             </a:br>
             <a:r>
-              <a:rPr lang="en-US" dirty="0" smtClean="0"/>
+              <a:rPr lang="en-US" dirty="0"/>
               <a:t>a minutes long tour of the limits of the space of data science</a:t>
             </a:r>
-            <a:endParaRPr lang="en-US" dirty="0"/>
           </a:p>
         </p:txBody>
       </p:sp>
@@ -9409,13 +9342,13 @@
           <a:lstStyle/>
           <a:p>
             <a:r>
-              <a:rPr lang="en-US" dirty="0" smtClean="0"/>
+              <a:rPr lang="en-US" dirty="0"/>
               <a:t>Ron Neely</a:t>
             </a:r>
           </a:p>
           <a:p>
             <a:r>
-              <a:rPr lang="en-US" dirty="0" smtClean="0"/>
+              <a:rPr lang="en-US" dirty="0"/>
               <a:t>2018.Oct.18</a:t>
             </a:r>
           </a:p>
@@ -9424,13 +9357,13 @@
           </a:p>
           <a:p>
             <a:r>
-              <a:rPr lang="en-US" dirty="0" smtClean="0">
+              <a:rPr lang="en-US" dirty="0">
                 <a:hlinkClick r:id="rId3"/>
               </a:rPr>
               <a:t>https://github.com/SpeedCoder5/notes</a:t>
             </a:r>
             <a:r>
-              <a:rPr lang="en-US" dirty="0" smtClean="0"/>
+              <a:rPr lang="en-US" dirty="0"/>
               <a:t> </a:t>
             </a:r>
           </a:p>
@@ -9446,13 +9379,6 @@
   <p:clrMapOvr>
     <a:masterClrMapping/>
   </p:clrMapOvr>
-  <p:timing>
-    <p:tnLst>
-      <p:par>
-        <p:cTn id="1" dur="indefinite" restart="never" nodeType="tmRoot"/>
-      </p:par>
-    </p:tnLst>
-  </p:timing>
 </p:sld>
 </file>
 
@@ -9475,26 +9401,20 @@
       </p:grpSpPr>
       <p:pic>
         <p:nvPicPr>
-          <p:cNvPr id="5" name="Content Placeholder 4"/>
+          <p:cNvPr id="16" name="Picture 15">
+            <a:extLst>
+              <a:ext uri="{FF2B5EF4-FFF2-40B4-BE49-F238E27FC236}">
+                <a16:creationId xmlns:a16="http://schemas.microsoft.com/office/drawing/2014/main" id="{E90B0B24-1FB7-4B2F-8DEB-7D26975DC503}"/>
+              </a:ext>
+            </a:extLst>
+          </p:cNvPr>
           <p:cNvPicPr>
-            <a:picLocks noGrp="1" noChangeAspect="1"/>
+            <a:picLocks noChangeAspect="1"/>
           </p:cNvPicPr>
-          <p:nvPr>
-            <p:ph idx="1"/>
-          </p:nvPr>
+          <p:nvPr/>
         </p:nvPicPr>
         <p:blipFill>
           <a:blip r:embed="rId3">
-            <a:clrChange>
-              <a:clrFrom>
-                <a:srgbClr val="FEFEFE"/>
-              </a:clrFrom>
-              <a:clrTo>
-                <a:srgbClr val="FEFEFE">
-                  <a:alpha val="0"/>
-                </a:srgbClr>
-              </a:clrTo>
-            </a:clrChange>
             <a:extLst>
               <a:ext uri="{28A0092B-C50C-407E-A947-70E740481C1C}">
                 <a14:useLocalDpi xmlns:a14="http://schemas.microsoft.com/office/drawing/2010/main" val="0"/>
@@ -9507,9 +9427,12 @@
         </p:blipFill>
         <p:spPr>
           <a:xfrm>
-            <a:off x="574343" y="391886"/>
-            <a:ext cx="8758343" cy="6586275"/>
+            <a:off x="711200" y="500674"/>
+            <a:ext cx="8562375" cy="6382726"/>
           </a:xfrm>
+          <a:prstGeom prst="rect">
+            <a:avLst/>
+          </a:prstGeom>
         </p:spPr>
       </p:pic>
       <p:sp>
@@ -9536,7 +9459,7 @@
           <a:p>
             <a:pPr lvl="0"/>
             <a:r>
-              <a:rPr lang="en-US" sz="2800" kern="1200" dirty="0" smtClean="0">
+              <a:rPr lang="en-US" sz="2800" kern="1200" dirty="0">
                 <a:solidFill>
                   <a:schemeClr val="tx1"/>
                 </a:solidFill>
@@ -9548,7 +9471,7 @@
               <a:t>Method of Loci </a:t>
             </a:r>
             <a:r>
-              <a:rPr lang="en-US" sz="2800" dirty="0" smtClean="0">
+              <a:rPr lang="en-US" sz="2800" dirty="0">
                 <a:latin typeface="+mn-lt"/>
                 <a:ea typeface="+mn-ea"/>
                 <a:cs typeface="+mn-cs"/>
@@ -9596,7 +9519,7 @@
               <a:buChar char="ü"/>
             </a:pPr>
             <a:r>
-              <a:rPr lang="en-US" sz="4400" dirty="0" smtClean="0"/>
+              <a:rPr lang="en-US" sz="4400" dirty="0"/>
               <a:t>Place</a:t>
             </a:r>
           </a:p>
@@ -9606,7 +9529,7 @@
               <a:buChar char="ü"/>
             </a:pPr>
             <a:r>
-              <a:rPr lang="en-US" sz="4400" dirty="0" smtClean="0"/>
+              <a:rPr lang="en-US" sz="4400" dirty="0"/>
               <a:t>Path</a:t>
             </a:r>
           </a:p>
@@ -9788,7 +9711,7 @@
           </a:prstGeom>
           <a:ln w="101600">
             <a:solidFill>
-              <a:srgbClr val="00B050"/>
+              <a:srgbClr val="0070C0"/>
             </a:solidFill>
             <a:headEnd type="triangle" w="med" len="med"/>
             <a:tailEnd type="triangle" w="med" len="med"/>
@@ -9825,7 +9748,7 @@
           </a:prstGeom>
           <a:ln w="101600">
             <a:solidFill>
-              <a:srgbClr val="00B050"/>
+              <a:srgbClr val="0070C0"/>
             </a:solidFill>
             <a:headEnd type="triangle" w="med" len="med"/>
             <a:tailEnd type="triangle" w="med" len="med"/>
@@ -9849,20 +9772,13 @@
     </p:spTree>
     <p:extLst>
       <p:ext uri="{BB962C8B-B14F-4D97-AF65-F5344CB8AC3E}">
-        <p14:creationId xmlns:p14="http://schemas.microsoft.com/office/powerpoint/2010/main" val="300841261"/>
+        <p14:creationId xmlns:p14="http://schemas.microsoft.com/office/powerpoint/2010/main" val="2697983814"/>
       </p:ext>
     </p:extLst>
   </p:cSld>
   <p:clrMapOvr>
     <a:masterClrMapping/>
   </p:clrMapOvr>
-  <p:timing>
-    <p:tnLst>
-      <p:par>
-        <p:cTn id="1" dur="indefinite" restart="never" nodeType="tmRoot"/>
-      </p:par>
-    </p:tnLst>
-  </p:timing>
 </p:sld>
 </file>
 
@@ -9885,26 +9801,20 @@
       </p:grpSpPr>
       <p:pic>
         <p:nvPicPr>
-          <p:cNvPr id="5" name="Content Placeholder 4"/>
+          <p:cNvPr id="16" name="Picture 15">
+            <a:extLst>
+              <a:ext uri="{FF2B5EF4-FFF2-40B4-BE49-F238E27FC236}">
+                <a16:creationId xmlns:a16="http://schemas.microsoft.com/office/drawing/2014/main" id="{E90B0B24-1FB7-4B2F-8DEB-7D26975DC503}"/>
+              </a:ext>
+            </a:extLst>
+          </p:cNvPr>
           <p:cNvPicPr>
-            <a:picLocks noGrp="1" noChangeAspect="1"/>
+            <a:picLocks noChangeAspect="1"/>
           </p:cNvPicPr>
-          <p:nvPr>
-            <p:ph idx="1"/>
-          </p:nvPr>
+          <p:nvPr/>
         </p:nvPicPr>
         <p:blipFill>
           <a:blip r:embed="rId3">
-            <a:clrChange>
-              <a:clrFrom>
-                <a:srgbClr val="FEFEFE"/>
-              </a:clrFrom>
-              <a:clrTo>
-                <a:srgbClr val="FEFEFE">
-                  <a:alpha val="0"/>
-                </a:srgbClr>
-              </a:clrTo>
-            </a:clrChange>
             <a:extLst>
               <a:ext uri="{28A0092B-C50C-407E-A947-70E740481C1C}">
                 <a14:useLocalDpi xmlns:a14="http://schemas.microsoft.com/office/drawing/2010/main" val="0"/>
@@ -9917,9 +9827,12 @@
         </p:blipFill>
         <p:spPr>
           <a:xfrm>
-            <a:off x="574343" y="391886"/>
-            <a:ext cx="8758343" cy="6586275"/>
+            <a:off x="711200" y="500674"/>
+            <a:ext cx="8562375" cy="6382726"/>
           </a:xfrm>
+          <a:prstGeom prst="rect">
+            <a:avLst/>
+          </a:prstGeom>
         </p:spPr>
       </p:pic>
       <p:sp>
@@ -9946,7 +9859,7 @@
           <a:p>
             <a:pPr lvl="0"/>
             <a:r>
-              <a:rPr lang="en-US" sz="2800" kern="1200" dirty="0" smtClean="0">
+              <a:rPr lang="en-US" sz="2800" kern="1200" dirty="0">
                 <a:solidFill>
                   <a:schemeClr val="tx1"/>
                 </a:solidFill>
@@ -9958,7 +9871,7 @@
               <a:t>Method of Loci </a:t>
             </a:r>
             <a:r>
-              <a:rPr lang="en-US" sz="2800" dirty="0" smtClean="0">
+              <a:rPr lang="en-US" sz="2800" dirty="0">
                 <a:latin typeface="+mn-lt"/>
                 <a:ea typeface="+mn-ea"/>
                 <a:cs typeface="+mn-cs"/>
@@ -10006,7 +9919,7 @@
               <a:buChar char="ü"/>
             </a:pPr>
             <a:r>
-              <a:rPr lang="en-US" sz="4400" dirty="0" smtClean="0"/>
+              <a:rPr lang="en-US" sz="4400" dirty="0"/>
               <a:t>Place</a:t>
             </a:r>
           </a:p>
@@ -10016,7 +9929,7 @@
               <a:buChar char="ü"/>
             </a:pPr>
             <a:r>
-              <a:rPr lang="en-US" sz="4400" dirty="0" smtClean="0"/>
+              <a:rPr lang="en-US" sz="4400" dirty="0"/>
               <a:t>Path</a:t>
             </a:r>
           </a:p>
@@ -10026,15 +9939,9 @@
               <a:buChar char="ü"/>
             </a:pPr>
             <a:r>
-              <a:rPr lang="en-US" sz="4400" dirty="0" smtClean="0"/>
+              <a:rPr lang="en-US" sz="4400" dirty="0"/>
               <a:t>Location</a:t>
             </a:r>
-          </a:p>
-          <a:p>
-            <a:pPr marL="0" indent="0">
-              <a:buNone/>
-            </a:pPr>
-            <a:endParaRPr lang="en-US" sz="4400" dirty="0"/>
           </a:p>
         </p:txBody>
       </p:sp>
@@ -10254,7 +10161,7 @@
           </a:prstGeom>
           <a:ln w="101600">
             <a:solidFill>
-              <a:srgbClr val="00B050"/>
+              <a:srgbClr val="0070C0"/>
             </a:solidFill>
             <a:headEnd type="triangle" w="med" len="med"/>
             <a:tailEnd type="triangle" w="med" len="med"/>
@@ -10291,7 +10198,7 @@
           </a:prstGeom>
           <a:ln w="101600">
             <a:solidFill>
-              <a:srgbClr val="00B050"/>
+              <a:srgbClr val="0070C0"/>
             </a:solidFill>
             <a:headEnd type="triangle" w="med" len="med"/>
             <a:tailEnd type="triangle" w="med" len="med"/>
@@ -10315,20 +10222,13 @@
     </p:spTree>
     <p:extLst>
       <p:ext uri="{BB962C8B-B14F-4D97-AF65-F5344CB8AC3E}">
-        <p14:creationId xmlns:p14="http://schemas.microsoft.com/office/powerpoint/2010/main" val="1764006904"/>
+        <p14:creationId xmlns:p14="http://schemas.microsoft.com/office/powerpoint/2010/main" val="1854685785"/>
       </p:ext>
     </p:extLst>
   </p:cSld>
   <p:clrMapOvr>
     <a:masterClrMapping/>
   </p:clrMapOvr>
-  <p:timing>
-    <p:tnLst>
-      <p:par>
-        <p:cTn id="1" dur="indefinite" restart="never" nodeType="tmRoot"/>
-      </p:par>
-    </p:tnLst>
-  </p:timing>
 </p:sld>
 </file>
 
@@ -10351,26 +10251,20 @@
       </p:grpSpPr>
       <p:pic>
         <p:nvPicPr>
-          <p:cNvPr id="5" name="Content Placeholder 4"/>
+          <p:cNvPr id="16" name="Picture 15">
+            <a:extLst>
+              <a:ext uri="{FF2B5EF4-FFF2-40B4-BE49-F238E27FC236}">
+                <a16:creationId xmlns:a16="http://schemas.microsoft.com/office/drawing/2014/main" id="{E90B0B24-1FB7-4B2F-8DEB-7D26975DC503}"/>
+              </a:ext>
+            </a:extLst>
+          </p:cNvPr>
           <p:cNvPicPr>
-            <a:picLocks noGrp="1" noChangeAspect="1"/>
+            <a:picLocks noChangeAspect="1"/>
           </p:cNvPicPr>
-          <p:nvPr>
-            <p:ph idx="1"/>
-          </p:nvPr>
+          <p:nvPr/>
         </p:nvPicPr>
         <p:blipFill>
           <a:blip r:embed="rId3">
-            <a:clrChange>
-              <a:clrFrom>
-                <a:srgbClr val="FEFEFE"/>
-              </a:clrFrom>
-              <a:clrTo>
-                <a:srgbClr val="FEFEFE">
-                  <a:alpha val="0"/>
-                </a:srgbClr>
-              </a:clrTo>
-            </a:clrChange>
             <a:extLst>
               <a:ext uri="{28A0092B-C50C-407E-A947-70E740481C1C}">
                 <a14:useLocalDpi xmlns:a14="http://schemas.microsoft.com/office/drawing/2010/main" val="0"/>
@@ -10383,9 +10277,12 @@
         </p:blipFill>
         <p:spPr>
           <a:xfrm>
-            <a:off x="574343" y="391886"/>
-            <a:ext cx="8758343" cy="6586275"/>
+            <a:off x="711200" y="500674"/>
+            <a:ext cx="8562375" cy="6382726"/>
           </a:xfrm>
+          <a:prstGeom prst="rect">
+            <a:avLst/>
+          </a:prstGeom>
         </p:spPr>
       </p:pic>
       <p:sp>
@@ -10412,7 +10309,7 @@
           <a:p>
             <a:pPr lvl="0"/>
             <a:r>
-              <a:rPr lang="en-US" sz="2800" kern="1200" dirty="0" smtClean="0">
+              <a:rPr lang="en-US" sz="2800" kern="1200" dirty="0">
                 <a:solidFill>
                   <a:schemeClr val="tx1"/>
                 </a:solidFill>
@@ -10424,7 +10321,7 @@
               <a:t>Method of Loci </a:t>
             </a:r>
             <a:r>
-              <a:rPr lang="en-US" sz="2800" dirty="0" smtClean="0">
+              <a:rPr lang="en-US" sz="2800" dirty="0">
                 <a:latin typeface="+mn-lt"/>
                 <a:ea typeface="+mn-ea"/>
                 <a:cs typeface="+mn-cs"/>
@@ -10472,7 +10369,7 @@
               <a:buChar char="ü"/>
             </a:pPr>
             <a:r>
-              <a:rPr lang="en-US" sz="4400" dirty="0" smtClean="0"/>
+              <a:rPr lang="en-US" sz="4400" dirty="0"/>
               <a:t>Place</a:t>
             </a:r>
           </a:p>
@@ -10482,7 +10379,7 @@
               <a:buChar char="ü"/>
             </a:pPr>
             <a:r>
-              <a:rPr lang="en-US" sz="4400" dirty="0" smtClean="0"/>
+              <a:rPr lang="en-US" sz="4400" dirty="0"/>
               <a:t>Path</a:t>
             </a:r>
           </a:p>
@@ -10492,7 +10389,7 @@
               <a:buChar char="ü"/>
             </a:pPr>
             <a:r>
-              <a:rPr lang="en-US" sz="4400" dirty="0" smtClean="0"/>
+              <a:rPr lang="en-US" sz="4400" dirty="0"/>
               <a:t>Location</a:t>
             </a:r>
           </a:p>
@@ -10502,7 +10399,7 @@
               <a:buChar char="ü"/>
             </a:pPr>
             <a:r>
-              <a:rPr lang="en-US" sz="4400" dirty="0" smtClean="0"/>
+              <a:rPr lang="en-US" sz="4400" dirty="0"/>
               <a:t>Placing</a:t>
             </a:r>
           </a:p>
@@ -10761,7 +10658,7 @@
           </a:prstGeom>
           <a:ln w="101600">
             <a:solidFill>
-              <a:srgbClr val="00B050"/>
+              <a:srgbClr val="0070C0"/>
             </a:solidFill>
             <a:headEnd type="triangle" w="med" len="med"/>
             <a:tailEnd type="triangle" w="med" len="med"/>
@@ -10798,7 +10695,7 @@
           </a:prstGeom>
           <a:ln w="101600">
             <a:solidFill>
-              <a:srgbClr val="00B050"/>
+              <a:srgbClr val="0070C0"/>
             </a:solidFill>
             <a:headEnd type="triangle" w="med" len="med"/>
             <a:tailEnd type="triangle" w="med" len="med"/>
@@ -10822,20 +10719,13 @@
     </p:spTree>
     <p:extLst>
       <p:ext uri="{BB962C8B-B14F-4D97-AF65-F5344CB8AC3E}">
-        <p14:creationId xmlns:p14="http://schemas.microsoft.com/office/powerpoint/2010/main" val="2697983814"/>
+        <p14:creationId xmlns:p14="http://schemas.microsoft.com/office/powerpoint/2010/main" val="608132098"/>
       </p:ext>
     </p:extLst>
   </p:cSld>
   <p:clrMapOvr>
     <a:masterClrMapping/>
   </p:clrMapOvr>
-  <p:timing>
-    <p:tnLst>
-      <p:par>
-        <p:cTn id="1" dur="indefinite" restart="never" nodeType="tmRoot"/>
-      </p:par>
-    </p:tnLst>
-  </p:timing>
 </p:sld>
 </file>
 
@@ -10878,7 +10768,7 @@
           <a:p>
             <a:pPr lvl="0" rtl="0" eaLnBrk="1" latinLnBrk="0" hangingPunct="1"/>
             <a:r>
-              <a:rPr lang="en-US" sz="2800" kern="1200" dirty="0" err="1" smtClean="0">
+              <a:rPr lang="en-US" sz="2800" kern="1200" dirty="0" err="1">
                 <a:solidFill>
                   <a:schemeClr val="tx1"/>
                 </a:solidFill>
@@ -10890,7 +10780,7 @@
               <a:t>Scikit-learn’s</a:t>
             </a:r>
             <a:r>
-              <a:rPr lang="en-US" sz="2800" kern="1200" dirty="0" smtClean="0">
+              <a:rPr lang="en-US" sz="2800" kern="1200" dirty="0">
                 <a:solidFill>
                   <a:schemeClr val="tx1"/>
                 </a:solidFill>
@@ -10945,13 +10835,6 @@
   <p:clrMapOvr>
     <a:masterClrMapping/>
   </p:clrMapOvr>
-  <p:timing>
-    <p:tnLst>
-      <p:par>
-        <p:cTn id="1" dur="indefinite" restart="never" nodeType="tmRoot"/>
-      </p:par>
-    </p:tnLst>
-  </p:timing>
 </p:sld>
 </file>
 
@@ -10994,7 +10877,7 @@
           <a:p>
             <a:pPr lvl="0" rtl="0" eaLnBrk="1" latinLnBrk="0" hangingPunct="1"/>
             <a:r>
-              <a:rPr lang="en-US" sz="2800" kern="1200" dirty="0" err="1" smtClean="0">
+              <a:rPr lang="en-US" sz="2800" kern="1200" dirty="0" err="1">
                 <a:solidFill>
                   <a:schemeClr val="tx1"/>
                 </a:solidFill>
@@ -11006,7 +10889,7 @@
               <a:t>Scikit-learn’s</a:t>
             </a:r>
             <a:r>
-              <a:rPr lang="en-US" sz="2800" kern="1200" dirty="0" smtClean="0">
+              <a:rPr lang="en-US" sz="2800" kern="1200" dirty="0">
                 <a:solidFill>
                   <a:schemeClr val="tx1"/>
                 </a:solidFill>
@@ -11018,7 +10901,7 @@
               <a:t> “butterfly map” – with origin and ver</a:t>
             </a:r>
             <a:r>
-              <a:rPr lang="en-US" sz="2800" dirty="0" smtClean="0">
+              <a:rPr lang="en-US" sz="2800" dirty="0">
                 <a:latin typeface="+mn-lt"/>
                 <a:ea typeface="+mn-ea"/>
                 <a:cs typeface="+mn-cs"/>
@@ -11148,18 +11031,13 @@
           <a:lstStyle/>
           <a:p>
             <a:r>
-              <a:rPr lang="en-US" sz="2800" b="1" dirty="0" smtClean="0">
+              <a:rPr lang="en-US" sz="2800" b="1" dirty="0">
                 <a:solidFill>
                   <a:srgbClr val="0070C0"/>
                 </a:solidFill>
               </a:rPr>
               <a:t>Numeric</a:t>
             </a:r>
-            <a:endParaRPr lang="en-US" sz="2800" b="1" dirty="0">
-              <a:solidFill>
-                <a:srgbClr val="0070C0"/>
-              </a:solidFill>
-            </a:endParaRPr>
           </a:p>
         </p:txBody>
       </p:sp>
@@ -11187,18 +11065,13 @@
           <a:p>
             <a:pPr algn="r"/>
             <a:r>
-              <a:rPr lang="en-US" sz="2800" b="1" dirty="0" smtClean="0">
+              <a:rPr lang="en-US" sz="2800" b="1" dirty="0">
                 <a:solidFill>
                   <a:srgbClr val="0070C0"/>
                 </a:solidFill>
               </a:rPr>
               <a:t>Unsupervised</a:t>
             </a:r>
-            <a:endParaRPr lang="en-US" sz="2800" b="1" dirty="0">
-              <a:solidFill>
-                <a:srgbClr val="0070C0"/>
-              </a:solidFill>
-            </a:endParaRPr>
           </a:p>
         </p:txBody>
       </p:sp>
@@ -11231,21 +11104,8 @@
                   <a:srgbClr val="0070C0"/>
                 </a:solidFill>
               </a:rPr>
-              <a:t>S</a:t>
-            </a:r>
-            <a:r>
-              <a:rPr lang="en-US" sz="2800" b="1" dirty="0" smtClean="0">
-                <a:solidFill>
-                  <a:srgbClr val="0070C0"/>
-                </a:solidFill>
-              </a:rPr>
-              <a:t>upervised</a:t>
-            </a:r>
-            <a:endParaRPr lang="en-US" sz="2800" b="1" dirty="0">
-              <a:solidFill>
-                <a:srgbClr val="0070C0"/>
-              </a:solidFill>
-            </a:endParaRPr>
+              <a:t>Supervised</a:t>
+            </a:r>
           </a:p>
         </p:txBody>
       </p:sp>
@@ -11272,18 +11132,13 @@
           <a:lstStyle/>
           <a:p>
             <a:r>
-              <a:rPr lang="en-US" sz="2800" b="1" dirty="0" smtClean="0">
+              <a:rPr lang="en-US" sz="2800" b="1" dirty="0">
                 <a:solidFill>
                   <a:srgbClr val="0070C0"/>
                 </a:solidFill>
               </a:rPr>
               <a:t>Categorical</a:t>
             </a:r>
-            <a:endParaRPr lang="en-US" sz="2800" b="1" dirty="0">
-              <a:solidFill>
-                <a:srgbClr val="0070C0"/>
-              </a:solidFill>
-            </a:endParaRPr>
           </a:p>
         </p:txBody>
       </p:sp>
@@ -11297,13 +11152,6 @@
   <p:clrMapOvr>
     <a:masterClrMapping/>
   </p:clrMapOvr>
-  <p:timing>
-    <p:tnLst>
-      <p:par>
-        <p:cTn id="1" dur="indefinite" restart="never" nodeType="tmRoot"/>
-      </p:par>
-    </p:tnLst>
-  </p:timing>
 </p:sld>
 </file>
 
@@ -11355,13 +11203,7 @@
               <a:rPr lang="en-US" sz="3900" dirty="0">
                 <a:hlinkClick r:id="rId3"/>
               </a:rPr>
-              <a:t>Field Guide to Data </a:t>
-            </a:r>
-            <a:r>
-              <a:rPr lang="en-US" sz="3900" dirty="0" smtClean="0">
-                <a:hlinkClick r:id="rId3"/>
-              </a:rPr>
-              <a:t>Science</a:t>
+              <a:t>Field Guide to Data Science</a:t>
             </a:r>
             <a:endParaRPr lang="en-US" sz="3900" dirty="0"/>
           </a:p>
@@ -11423,41 +11265,41 @@
               <a:buNone/>
             </a:pPr>
             <a:r>
-              <a:rPr lang="en-US" dirty="0" smtClean="0"/>
+              <a:rPr lang="en-US" dirty="0"/>
               <a:t>Where are you?</a:t>
             </a:r>
           </a:p>
           <a:p>
             <a:pPr lvl="0"/>
             <a:r>
-              <a:rPr lang="en-US" dirty="0" smtClean="0"/>
+              <a:rPr lang="en-US" dirty="0"/>
               <a:t>Individual</a:t>
             </a:r>
           </a:p>
           <a:p>
             <a:pPr lvl="0"/>
             <a:r>
-              <a:rPr lang="en-US" dirty="0" smtClean="0"/>
+              <a:rPr lang="en-US" dirty="0"/>
               <a:t>Organization</a:t>
             </a:r>
           </a:p>
           <a:p>
             <a:pPr lvl="0"/>
             <a:r>
-              <a:rPr lang="en-US" dirty="0" smtClean="0"/>
+              <a:rPr lang="en-US" dirty="0"/>
               <a:t>Per Project</a:t>
             </a:r>
           </a:p>
           <a:p>
             <a:pPr lvl="1"/>
-            <a:endParaRPr lang="en-US" dirty="0" smtClean="0"/>
+            <a:endParaRPr lang="en-US" dirty="0"/>
           </a:p>
           <a:p>
             <a:pPr marL="0" indent="0">
               <a:buNone/>
             </a:pPr>
             <a:r>
-              <a:rPr lang="en-US" dirty="0" smtClean="0"/>
+              <a:rPr lang="en-US" dirty="0"/>
               <a:t> </a:t>
             </a:r>
           </a:p>
@@ -11473,13 +11315,6 @@
   <p:clrMapOvr>
     <a:masterClrMapping/>
   </p:clrMapOvr>
-  <p:timing>
-    <p:tnLst>
-      <p:par>
-        <p:cTn id="1" dur="indefinite" restart="never" nodeType="tmRoot"/>
-      </p:par>
-    </p:tnLst>
-  </p:timing>
 </p:sld>
 </file>
 
@@ -11531,13 +11366,7 @@
               <a:rPr lang="en-US" sz="3900" dirty="0">
                 <a:hlinkClick r:id="rId3"/>
               </a:rPr>
-              <a:t>Field Guide to Data </a:t>
-            </a:r>
-            <a:r>
-              <a:rPr lang="en-US" sz="3900" dirty="0" smtClean="0">
-                <a:hlinkClick r:id="rId3"/>
-              </a:rPr>
-              <a:t>Science</a:t>
+              <a:t>Field Guide to Data Science</a:t>
             </a:r>
             <a:endParaRPr lang="en-US" sz="3900" dirty="0"/>
           </a:p>
@@ -11599,45 +11428,45 @@
               <a:buNone/>
             </a:pPr>
             <a:r>
-              <a:rPr lang="en-US" dirty="0" smtClean="0"/>
+              <a:rPr lang="en-US" dirty="0"/>
               <a:t>Where are you?</a:t>
             </a:r>
           </a:p>
           <a:p>
             <a:pPr lvl="0"/>
             <a:r>
-              <a:rPr lang="en-US" dirty="0" smtClean="0"/>
+              <a:rPr lang="en-US" dirty="0"/>
               <a:t>Individual</a:t>
             </a:r>
           </a:p>
           <a:p>
             <a:pPr lvl="0"/>
             <a:r>
-              <a:rPr lang="en-US" dirty="0" smtClean="0"/>
+              <a:rPr lang="en-US" dirty="0"/>
               <a:t>Organization</a:t>
             </a:r>
           </a:p>
           <a:p>
             <a:pPr lvl="0"/>
             <a:r>
-              <a:rPr lang="en-US" dirty="0" smtClean="0"/>
+              <a:rPr lang="en-US" dirty="0"/>
               <a:t>Per Project</a:t>
             </a:r>
           </a:p>
           <a:p>
             <a:pPr lvl="1"/>
-            <a:endParaRPr lang="en-US" dirty="0" smtClean="0"/>
+            <a:endParaRPr lang="en-US" dirty="0"/>
           </a:p>
           <a:p>
             <a:pPr marL="0" indent="0">
               <a:buNone/>
             </a:pPr>
             <a:r>
-              <a:rPr lang="en-US" dirty="0" smtClean="0"/>
+              <a:rPr lang="en-US" dirty="0"/>
               <a:t>Goal: </a:t>
             </a:r>
             <a:r>
-              <a:rPr lang="en-US" dirty="0" smtClean="0">
+              <a:rPr lang="en-US" dirty="0">
                 <a:solidFill>
                   <a:srgbClr val="00B050"/>
                 </a:solidFill>
@@ -11733,13 +11562,6 @@
   <p:clrMapOvr>
     <a:masterClrMapping/>
   </p:clrMapOvr>
-  <p:timing>
-    <p:tnLst>
-      <p:par>
-        <p:cTn id="1" dur="indefinite" restart="never" nodeType="tmRoot"/>
-      </p:par>
-    </p:tnLst>
-  </p:timing>
 </p:sld>
 </file>
 
@@ -11791,13 +11613,7 @@
               <a:rPr lang="en-US" sz="3900" dirty="0">
                 <a:hlinkClick r:id="rId3"/>
               </a:rPr>
-              <a:t>Field Guide to Data </a:t>
-            </a:r>
-            <a:r>
-              <a:rPr lang="en-US" sz="3900" dirty="0" smtClean="0">
-                <a:hlinkClick r:id="rId3"/>
-              </a:rPr>
-              <a:t>Science</a:t>
+              <a:t>Field Guide to Data Science</a:t>
             </a:r>
             <a:endParaRPr lang="en-US" sz="3900" dirty="0"/>
           </a:p>
@@ -11859,45 +11675,45 @@
               <a:buNone/>
             </a:pPr>
             <a:r>
-              <a:rPr lang="en-US" dirty="0" smtClean="0"/>
+              <a:rPr lang="en-US" dirty="0"/>
               <a:t>Where are you?</a:t>
             </a:r>
           </a:p>
           <a:p>
             <a:pPr lvl="0"/>
             <a:r>
-              <a:rPr lang="en-US" dirty="0" smtClean="0"/>
+              <a:rPr lang="en-US" dirty="0"/>
               <a:t>Individual</a:t>
             </a:r>
           </a:p>
           <a:p>
             <a:pPr lvl="0"/>
             <a:r>
-              <a:rPr lang="en-US" dirty="0" smtClean="0"/>
+              <a:rPr lang="en-US" dirty="0"/>
               <a:t>Organization</a:t>
             </a:r>
           </a:p>
           <a:p>
             <a:pPr lvl="0"/>
             <a:r>
-              <a:rPr lang="en-US" dirty="0" smtClean="0"/>
+              <a:rPr lang="en-US" dirty="0"/>
               <a:t>Per Project</a:t>
             </a:r>
           </a:p>
           <a:p>
             <a:pPr lvl="1"/>
-            <a:endParaRPr lang="en-US" dirty="0" smtClean="0"/>
+            <a:endParaRPr lang="en-US" dirty="0"/>
           </a:p>
           <a:p>
             <a:pPr marL="0" indent="0">
               <a:buNone/>
             </a:pPr>
             <a:r>
-              <a:rPr lang="en-US" dirty="0" smtClean="0"/>
+              <a:rPr lang="en-US" dirty="0"/>
               <a:t>Goal: </a:t>
             </a:r>
             <a:r>
-              <a:rPr lang="en-US" dirty="0" smtClean="0">
+              <a:rPr lang="en-US" dirty="0">
                 <a:solidFill>
                   <a:srgbClr val="00B050"/>
                 </a:solidFill>
@@ -12039,13 +11855,6 @@
   <p:clrMapOvr>
     <a:masterClrMapping/>
   </p:clrMapOvr>
-  <p:timing>
-    <p:tnLst>
-      <p:par>
-        <p:cTn id="1" dur="indefinite" restart="never" nodeType="tmRoot"/>
-      </p:par>
-    </p:tnLst>
-  </p:timing>
 </p:sld>
 </file>
 
@@ -12097,13 +11906,7 @@
               <a:rPr lang="en-US" sz="3900" dirty="0">
                 <a:hlinkClick r:id="rId3"/>
               </a:rPr>
-              <a:t>Field Guide to Data </a:t>
-            </a:r>
-            <a:r>
-              <a:rPr lang="en-US" sz="3900" dirty="0" smtClean="0">
-                <a:hlinkClick r:id="rId3"/>
-              </a:rPr>
-              <a:t>Science</a:t>
+              <a:t>Field Guide to Data Science</a:t>
             </a:r>
             <a:endParaRPr lang="en-US" sz="3900" dirty="0"/>
           </a:p>
@@ -12165,45 +11968,45 @@
               <a:buNone/>
             </a:pPr>
             <a:r>
-              <a:rPr lang="en-US" dirty="0" smtClean="0"/>
+              <a:rPr lang="en-US" dirty="0"/>
               <a:t>Where are you?</a:t>
             </a:r>
           </a:p>
           <a:p>
             <a:pPr lvl="0"/>
             <a:r>
-              <a:rPr lang="en-US" dirty="0" smtClean="0"/>
+              <a:rPr lang="en-US" dirty="0"/>
               <a:t>Individual</a:t>
             </a:r>
           </a:p>
           <a:p>
             <a:pPr lvl="0"/>
             <a:r>
-              <a:rPr lang="en-US" dirty="0" smtClean="0"/>
+              <a:rPr lang="en-US" dirty="0"/>
               <a:t>Organization</a:t>
             </a:r>
           </a:p>
           <a:p>
             <a:pPr lvl="0"/>
             <a:r>
-              <a:rPr lang="en-US" dirty="0" smtClean="0"/>
+              <a:rPr lang="en-US" dirty="0"/>
               <a:t>Per Project</a:t>
             </a:r>
           </a:p>
           <a:p>
             <a:pPr lvl="1"/>
-            <a:endParaRPr lang="en-US" dirty="0" smtClean="0"/>
+            <a:endParaRPr lang="en-US" dirty="0"/>
           </a:p>
           <a:p>
             <a:pPr marL="0" indent="0">
               <a:buNone/>
             </a:pPr>
             <a:r>
-              <a:rPr lang="en-US" dirty="0" smtClean="0"/>
+              <a:rPr lang="en-US" dirty="0"/>
               <a:t>Goal: </a:t>
             </a:r>
             <a:r>
-              <a:rPr lang="en-US" dirty="0" smtClean="0">
+              <a:rPr lang="en-US" dirty="0">
                 <a:solidFill>
                   <a:srgbClr val="00B050"/>
                 </a:solidFill>
@@ -12358,18 +12161,13 @@
           <a:lstStyle/>
           <a:p>
             <a:r>
-              <a:rPr lang="en-US" dirty="0" smtClean="0">
+              <a:rPr lang="en-US" dirty="0">
                 <a:solidFill>
                   <a:srgbClr val="00B050"/>
                 </a:solidFill>
               </a:rPr>
               <a:t>$</a:t>
             </a:r>
-            <a:endParaRPr lang="en-US" dirty="0">
-              <a:solidFill>
-                <a:srgbClr val="00B050"/>
-              </a:solidFill>
-            </a:endParaRPr>
           </a:p>
         </p:txBody>
       </p:sp>
@@ -12396,18 +12194,13 @@
           <a:lstStyle/>
           <a:p>
             <a:r>
-              <a:rPr lang="en-US" sz="1200" dirty="0" smtClean="0">
+              <a:rPr lang="en-US" sz="1200" dirty="0">
                 <a:solidFill>
                   <a:srgbClr val="00B050"/>
                 </a:solidFill>
               </a:rPr>
               <a:t>$</a:t>
             </a:r>
-            <a:endParaRPr lang="en-US" sz="1200" dirty="0">
-              <a:solidFill>
-                <a:srgbClr val="00B050"/>
-              </a:solidFill>
-            </a:endParaRPr>
           </a:p>
         </p:txBody>
       </p:sp>
@@ -12434,18 +12227,13 @@
           <a:lstStyle/>
           <a:p>
             <a:r>
-              <a:rPr lang="en-US" dirty="0" smtClean="0">
+              <a:rPr lang="en-US" dirty="0">
                 <a:solidFill>
                   <a:srgbClr val="00B050"/>
                 </a:solidFill>
               </a:rPr>
               <a:t>$</a:t>
             </a:r>
-            <a:endParaRPr lang="en-US" dirty="0">
-              <a:solidFill>
-                <a:srgbClr val="00B050"/>
-              </a:solidFill>
-            </a:endParaRPr>
           </a:p>
         </p:txBody>
       </p:sp>
@@ -12472,18 +12260,13 @@
           <a:lstStyle/>
           <a:p>
             <a:r>
-              <a:rPr lang="en-US" b="1" dirty="0" smtClean="0">
+              <a:rPr lang="en-US" b="1" dirty="0">
                 <a:solidFill>
                   <a:srgbClr val="00B050"/>
                 </a:solidFill>
               </a:rPr>
               <a:t>$$$</a:t>
             </a:r>
-            <a:endParaRPr lang="en-US" b="1" dirty="0">
-              <a:solidFill>
-                <a:srgbClr val="00B050"/>
-              </a:solidFill>
-            </a:endParaRPr>
           </a:p>
         </p:txBody>
       </p:sp>
@@ -12510,18 +12293,13 @@
           <a:lstStyle/>
           <a:p>
             <a:r>
-              <a:rPr lang="en-US" b="1" dirty="0" smtClean="0">
+              <a:rPr lang="en-US" b="1" dirty="0">
                 <a:solidFill>
                   <a:srgbClr val="00B050"/>
                 </a:solidFill>
               </a:rPr>
               <a:t>$$$$</a:t>
             </a:r>
-            <a:endParaRPr lang="en-US" b="1" dirty="0">
-              <a:solidFill>
-                <a:srgbClr val="00B050"/>
-              </a:solidFill>
-            </a:endParaRPr>
           </a:p>
         </p:txBody>
       </p:sp>
@@ -12535,13 +12313,6 @@
   <p:clrMapOvr>
     <a:masterClrMapping/>
   </p:clrMapOvr>
-  <p:timing>
-    <p:tnLst>
-      <p:par>
-        <p:cTn id="1" dur="indefinite" restart="never" nodeType="tmRoot"/>
-      </p:par>
-    </p:tnLst>
-  </p:timing>
 </p:sld>
 </file>
 
@@ -12581,17 +12352,16 @@
           <a:p>
             <a:pPr lvl="0"/>
             <a:r>
-              <a:rPr lang="en-US" dirty="0" smtClean="0"/>
+              <a:rPr lang="en-US" dirty="0"/>
               <a:t>BAH Field Guide: </a:t>
             </a:r>
             <a:br>
-              <a:rPr lang="en-US" dirty="0" smtClean="0"/>
+              <a:rPr lang="en-US" dirty="0"/>
             </a:br>
             <a:r>
-              <a:rPr lang="en-US" b="1" dirty="0" smtClean="0"/>
+              <a:rPr lang="en-US" b="1" dirty="0"/>
               <a:t>Data Science is the art of turning data into actions:</a:t>
             </a:r>
-            <a:endParaRPr lang="en-US" b="1" dirty="0"/>
           </a:p>
         </p:txBody>
       </p:sp>
@@ -12619,68 +12389,60 @@
           <a:p>
             <a:pPr lvl="0"/>
             <a:r>
-              <a:rPr lang="en-US" sz="3200" dirty="0" smtClean="0"/>
+              <a:rPr lang="en-US" sz="3200" dirty="0"/>
               <a:t>Tradecraft </a:t>
             </a:r>
             <a:r>
-              <a:rPr lang="en-US" sz="3200" i="1" dirty="0" smtClean="0"/>
+              <a:rPr lang="en-US" sz="3200" i="1" dirty="0"/>
               <a:t>creates </a:t>
             </a:r>
             <a:r>
-              <a:rPr lang="en-US" sz="3200" b="1" i="1" dirty="0" smtClean="0"/>
+              <a:rPr lang="en-US" sz="3200" b="1" i="1" dirty="0"/>
               <a:t>data products</a:t>
             </a:r>
-            <a:endParaRPr lang="en-US" sz="3200" b="1" dirty="0" smtClean="0"/>
+            <a:endParaRPr lang="en-US" sz="3200" b="1" dirty="0"/>
           </a:p>
           <a:p>
             <a:pPr lvl="1"/>
             <a:r>
-              <a:rPr lang="en-US" sz="3200" dirty="0" smtClean="0"/>
-              <a:t>Drive </a:t>
-            </a:r>
-            <a:r>
               <a:rPr lang="en-US" sz="3200" dirty="0"/>
-              <a:t>actions </a:t>
-            </a:r>
-            <a:r>
-              <a:rPr lang="en-US" sz="3200" dirty="0" smtClean="0"/>
-              <a:t>– </a:t>
-            </a:r>
-            <a:r>
-              <a:rPr lang="en-US" sz="3200" b="1" i="1" dirty="0" smtClean="0"/>
+              <a:t>Drive actions – </a:t>
+            </a:r>
+            <a:r>
+              <a:rPr lang="en-US" sz="3200" b="1" i="1" dirty="0"/>
               <a:t>advice</a:t>
             </a:r>
             <a:r>
-              <a:rPr lang="en-US" sz="3200" dirty="0" smtClean="0"/>
+              <a:rPr lang="en-US" sz="3200" dirty="0"/>
               <a:t> – possibility and danger</a:t>
             </a:r>
           </a:p>
           <a:p>
             <a:pPr lvl="0"/>
             <a:r>
-              <a:rPr lang="en-US" sz="3200" dirty="0" smtClean="0"/>
+              <a:rPr lang="en-US" sz="3200" dirty="0"/>
               <a:t>Supports and encourages shifting between:</a:t>
             </a:r>
           </a:p>
           <a:p>
             <a:pPr lvl="1"/>
             <a:r>
-              <a:rPr lang="en-US" sz="3200" b="1" dirty="0" smtClean="0"/>
+              <a:rPr lang="en-US" sz="3200" b="1" dirty="0"/>
               <a:t>Deductive</a:t>
             </a:r>
             <a:r>
-              <a:rPr lang="en-US" sz="3200" dirty="0" smtClean="0"/>
+              <a:rPr lang="en-US" sz="3200" dirty="0"/>
               <a:t> (hypothesis-based) reasoning</a:t>
             </a:r>
           </a:p>
           <a:p>
             <a:pPr lvl="1"/>
             <a:r>
-              <a:rPr lang="en-US" sz="3200" b="1" dirty="0" smtClean="0"/>
+              <a:rPr lang="en-US" sz="3200" b="1" dirty="0"/>
               <a:t>Inductive</a:t>
             </a:r>
             <a:r>
-              <a:rPr lang="en-US" sz="3200" dirty="0" smtClean="0"/>
+              <a:rPr lang="en-US" sz="3200" dirty="0"/>
               <a:t> (pattern-based) reasoning</a:t>
             </a:r>
           </a:p>
@@ -12688,54 +12450,49 @@
             <a:pPr lvl="0"/>
             <a:r>
               <a:rPr lang="en-US" sz="3200" dirty="0"/>
-              <a:t>N</a:t>
-            </a:r>
-            <a:r>
-              <a:rPr lang="en-US" sz="3200" dirty="0" smtClean="0"/>
-              <a:t>ecessary for companies to </a:t>
-            </a:r>
-            <a:r>
-              <a:rPr lang="en-US" sz="3200" b="1" dirty="0" smtClean="0"/>
+              <a:t>Necessary for companies to </a:t>
+            </a:r>
+            <a:r>
+              <a:rPr lang="en-US" sz="3200" b="1" dirty="0"/>
               <a:t>compete</a:t>
             </a:r>
           </a:p>
           <a:p>
             <a:pPr lvl="0"/>
             <a:r>
-              <a:rPr lang="en-US" sz="3200" dirty="0" smtClean="0"/>
+              <a:rPr lang="en-US" sz="3200" dirty="0"/>
               <a:t>Capabilities </a:t>
             </a:r>
             <a:r>
-              <a:rPr lang="en-US" sz="3200" b="1" dirty="0" smtClean="0"/>
+              <a:rPr lang="en-US" sz="3200" b="1" dirty="0"/>
               <a:t>can be built</a:t>
             </a:r>
             <a:r>
-              <a:rPr lang="en-US" sz="3200" dirty="0" smtClean="0"/>
+              <a:rPr lang="en-US" sz="3200" dirty="0"/>
               <a:t> over time</a:t>
             </a:r>
           </a:p>
           <a:p>
             <a:pPr lvl="0"/>
             <a:r>
-              <a:rPr lang="en-US" sz="3200" dirty="0" smtClean="0"/>
+              <a:rPr lang="en-US" sz="3200" dirty="0"/>
               <a:t>Different kind of team sport</a:t>
             </a:r>
           </a:p>
           <a:p>
             <a:pPr lvl="1"/>
             <a:r>
-              <a:rPr lang="en-US" sz="2800" dirty="0" smtClean="0"/>
+              <a:rPr lang="en-US" sz="2800" dirty="0"/>
               <a:t>Company-wide </a:t>
             </a:r>
             <a:r>
-              <a:rPr lang="en-US" sz="2800" i="1" dirty="0" smtClean="0"/>
+              <a:rPr lang="en-US" sz="2800" i="1" dirty="0"/>
               <a:t>open culture </a:t>
             </a:r>
             <a:r>
-              <a:rPr lang="en-US" sz="2800" dirty="0" smtClean="0"/>
+              <a:rPr lang="en-US" sz="2800" dirty="0"/>
               <a:t>– commitment to insights from data</a:t>
             </a:r>
-            <a:endParaRPr lang="en-US" sz="2800" dirty="0"/>
           </a:p>
         </p:txBody>
       </p:sp>
@@ -12749,13 +12506,6 @@
   <p:clrMapOvr>
     <a:masterClrMapping/>
   </p:clrMapOvr>
-  <p:timing>
-    <p:tnLst>
-      <p:par>
-        <p:cTn id="1" dur="indefinite" restart="never" nodeType="tmRoot"/>
-      </p:par>
-    </p:tnLst>
-  </p:timing>
 </p:sld>
 </file>
 
@@ -12793,11 +12543,11 @@
           <a:p>
             <a:pPr lvl="0"/>
             <a:r>
-              <a:rPr lang="en-US" dirty="0" smtClean="0"/>
+              <a:rPr lang="en-US" dirty="0"/>
               <a:t>Is</a:t>
             </a:r>
             <a:r>
-              <a:rPr lang="en-US" baseline="0" dirty="0" smtClean="0"/>
+              <a:rPr lang="en-US" baseline="0" dirty="0"/>
               <a:t> it possible to know all of Data Science?</a:t>
             </a:r>
             <a:endParaRPr lang="en-US" dirty="0"/>
@@ -12825,25 +12575,25 @@
               <a:buNone/>
             </a:pPr>
             <a:r>
-              <a:rPr lang="en-US" sz="4000" dirty="0" smtClean="0"/>
+              <a:rPr lang="en-US" sz="4000" dirty="0"/>
               <a:t>In minutes?</a:t>
             </a:r>
           </a:p>
           <a:p>
             <a:r>
-              <a:rPr lang="en-US" sz="4000" dirty="0" smtClean="0"/>
+              <a:rPr lang="en-US" sz="4000" dirty="0"/>
               <a:t>What?</a:t>
             </a:r>
           </a:p>
           <a:p>
             <a:r>
-              <a:rPr lang="en-US" sz="4000" dirty="0" smtClean="0"/>
+              <a:rPr lang="en-US" sz="4000" dirty="0"/>
               <a:t>How?</a:t>
             </a:r>
           </a:p>
           <a:p>
             <a:r>
-              <a:rPr lang="en-US" sz="4000" dirty="0" smtClean="0"/>
+              <a:rPr lang="en-US" sz="4000" dirty="0"/>
               <a:t>Why?</a:t>
             </a:r>
           </a:p>
@@ -12852,7 +12602,7 @@
               <a:buNone/>
             </a:pPr>
             <a:r>
-              <a:rPr lang="en-US" sz="4000" dirty="0" smtClean="0"/>
+              <a:rPr lang="en-US" sz="4000" dirty="0"/>
               <a:t>Wide – not deep.</a:t>
             </a:r>
           </a:p>
@@ -12884,29 +12634,27 @@
               <a:buNone/>
             </a:pPr>
             <a:r>
-              <a:rPr lang="en-US" sz="4000" dirty="0" smtClean="0"/>
+              <a:rPr lang="en-US" sz="4000" dirty="0"/>
               <a:t>For whom?</a:t>
             </a:r>
           </a:p>
           <a:p>
             <a:r>
-              <a:rPr lang="en-US" sz="4000" dirty="0" smtClean="0"/>
+              <a:rPr lang="en-US" sz="4000" dirty="0"/>
               <a:t>New to Data Science</a:t>
             </a:r>
-            <a:endParaRPr lang="en-US" sz="4000" dirty="0" smtClean="0"/>
-          </a:p>
-          <a:p>
-            <a:r>
-              <a:rPr lang="en-US" sz="4000" dirty="0" smtClean="0"/>
+          </a:p>
+          <a:p>
+            <a:r>
+              <a:rPr lang="en-US" sz="4000" dirty="0"/>
               <a:t>Business Folks - $</a:t>
             </a:r>
           </a:p>
           <a:p>
             <a:r>
-              <a:rPr lang="en-US" sz="4000" dirty="0" smtClean="0"/>
+              <a:rPr lang="en-US" sz="4000" dirty="0"/>
               <a:t>Seasoned Data Scientists</a:t>
             </a:r>
-            <a:endParaRPr lang="en-US" sz="4000" dirty="0" smtClean="0"/>
           </a:p>
         </p:txBody>
       </p:sp>
@@ -12920,13 +12668,6 @@
   <p:clrMapOvr>
     <a:masterClrMapping/>
   </p:clrMapOvr>
-  <p:timing>
-    <p:tnLst>
-      <p:par>
-        <p:cTn id="1" dur="indefinite" restart="never" nodeType="tmRoot"/>
-      </p:par>
-    </p:tnLst>
-  </p:timing>
 </p:sld>
 </file>
 
@@ -12970,18 +12711,17 @@
           <a:lstStyle/>
           <a:p>
             <a:r>
-              <a:rPr lang="en-US" sz="3800" dirty="0" smtClean="0"/>
+              <a:rPr lang="en-US" sz="3800" dirty="0"/>
               <a:t>Vs. DoD</a:t>
             </a:r>
             <a:r>
-              <a:rPr lang="en-US" sz="3800" baseline="0" dirty="0" smtClean="0"/>
+              <a:rPr lang="en-US" sz="3800" baseline="0" dirty="0"/>
               <a:t> Process </a:t>
             </a:r>
             <a:r>
-              <a:rPr lang="en-US" sz="3800" dirty="0" smtClean="0"/>
+              <a:rPr lang="en-US" sz="3800" dirty="0"/>
               <a:t>Capability Maturity Model (CMM) Levels?</a:t>
             </a:r>
-            <a:endParaRPr lang="en-US" sz="3800" dirty="0"/>
           </a:p>
         </p:txBody>
       </p:sp>
@@ -13032,40 +12772,36 @@
           <a:lstStyle/>
           <a:p>
             <a:r>
-              <a:rPr lang="en-US" baseline="0" dirty="0" smtClean="0"/>
+              <a:rPr lang="en-US" baseline="0" dirty="0"/>
               <a:t>Earned Value Management =</a:t>
             </a:r>
             <a:br>
-              <a:rPr lang="en-US" baseline="0" dirty="0" smtClean="0"/>
+              <a:rPr lang="en-US" baseline="0" dirty="0"/>
             </a:br>
             <a:r>
-              <a:rPr lang="en-US" baseline="0" dirty="0" smtClean="0"/>
+              <a:rPr lang="en-US" baseline="0" dirty="0"/>
               <a:t>value earned from work being done </a:t>
             </a:r>
             <a:r>
-              <a:rPr lang="en-US" baseline="0" dirty="0" smtClean="0">
+              <a:rPr lang="en-US" baseline="0" dirty="0">
                 <a:hlinkClick r:id="rId4"/>
               </a:rPr>
               <a:t>dau.mil</a:t>
             </a:r>
-            <a:r>
-              <a:rPr lang="en-US" baseline="0" dirty="0" smtClean="0"/>
-              <a:t/>
-            </a:r>
             <a:br>
-              <a:rPr lang="en-US" baseline="0" dirty="0" smtClean="0"/>
+              <a:rPr lang="en-US" baseline="0" dirty="0"/>
             </a:br>
-            <a:endParaRPr lang="en-US" baseline="0" dirty="0" smtClean="0"/>
-          </a:p>
-          <a:p>
-            <a:r>
-              <a:rPr lang="en-US" dirty="0" smtClean="0"/>
+            <a:endParaRPr lang="en-US" baseline="0" dirty="0"/>
+          </a:p>
+          <a:p>
+            <a:r>
+              <a:rPr lang="en-US" dirty="0"/>
               <a:t>Plan your work work your plan</a:t>
             </a:r>
             <a:br>
-              <a:rPr lang="en-US" dirty="0" smtClean="0"/>
+              <a:rPr lang="en-US" dirty="0"/>
             </a:br>
-            <a:endParaRPr lang="en-US" dirty="0" smtClean="0"/>
+            <a:endParaRPr lang="en-US" dirty="0"/>
           </a:p>
           <a:p>
             <a:endParaRPr lang="en-US" dirty="0"/>
@@ -13075,11 +12811,11 @@
               <a:buNone/>
             </a:pPr>
             <a:r>
-              <a:rPr lang="en-US" sz="1600" dirty="0" smtClean="0"/>
+              <a:rPr lang="en-US" sz="1600" dirty="0"/>
               <a:t>source: </a:t>
             </a:r>
             <a:r>
-              <a:rPr lang="en-US" sz="1600" dirty="0" err="1" smtClean="0">
+              <a:rPr lang="en-US" sz="1600" dirty="0" err="1">
                 <a:hlinkClick r:id="rId5"/>
               </a:rPr>
               <a:t>wikipedia</a:t>
@@ -13192,7 +12928,7 @@
           <a:lstStyle/>
           <a:p>
             <a:r>
-              <a:rPr lang="en-US" sz="2800" b="1" dirty="0" smtClean="0">
+              <a:rPr lang="en-US" sz="2800" b="1" dirty="0">
                 <a:solidFill>
                   <a:srgbClr val="0070C0"/>
                 </a:solidFill>
@@ -13225,18 +12961,13 @@
           <a:lstStyle/>
           <a:p>
             <a:r>
-              <a:rPr lang="en-US" sz="2800" b="1" dirty="0" smtClean="0">
+              <a:rPr lang="en-US" sz="2800" b="1" dirty="0">
                 <a:solidFill>
                   <a:srgbClr val="0070C0"/>
                 </a:solidFill>
               </a:rPr>
               <a:t>Maturity</a:t>
             </a:r>
-            <a:endParaRPr lang="en-US" sz="2800" b="1" dirty="0">
-              <a:solidFill>
-                <a:srgbClr val="0070C0"/>
-              </a:solidFill>
-            </a:endParaRPr>
           </a:p>
         </p:txBody>
       </p:sp>
@@ -13280,13 +13011,6 @@
   <p:clrMapOvr>
     <a:masterClrMapping/>
   </p:clrMapOvr>
-  <p:timing>
-    <p:tnLst>
-      <p:par>
-        <p:cTn id="1" dur="indefinite" restart="never" nodeType="tmRoot"/>
-      </p:par>
-    </p:tnLst>
-  </p:timing>
 </p:sld>
 </file>
 
@@ -13353,18 +13077,18 @@
           <a:p>
             <a:pPr algn="ctr"/>
             <a:r>
-              <a:rPr lang="en-US" dirty="0" smtClean="0"/>
+              <a:rPr lang="en-US" dirty="0"/>
               <a:t>BAH Data CMM and DOD Process CMM</a:t>
             </a:r>
             <a:br>
-              <a:rPr lang="en-US" dirty="0" smtClean="0"/>
+              <a:rPr lang="en-US" dirty="0"/>
             </a:br>
             <a:r>
-              <a:rPr lang="en-US" dirty="0" smtClean="0"/>
+              <a:rPr lang="en-US" dirty="0"/>
               <a:t>Complement Each</a:t>
             </a:r>
             <a:r>
-              <a:rPr lang="en-US" baseline="0" dirty="0" smtClean="0"/>
+              <a:rPr lang="en-US" baseline="0" dirty="0"/>
               <a:t> Other</a:t>
             </a:r>
             <a:endParaRPr lang="en-US" dirty="0"/>
@@ -13381,13 +13105,6 @@
   <p:clrMapOvr>
     <a:masterClrMapping/>
   </p:clrMapOvr>
-  <p:timing>
-    <p:tnLst>
-      <p:par>
-        <p:cTn id="1" dur="indefinite" restart="never" nodeType="tmRoot"/>
-      </p:par>
-    </p:tnLst>
-  </p:timing>
 </p:sld>
 </file>
 
@@ -13430,7 +13147,7 @@
           <a:p>
             <a:pPr lvl="0" rtl="0" eaLnBrk="1" latinLnBrk="0" hangingPunct="1"/>
             <a:r>
-              <a:rPr lang="en-US" sz="2800" kern="1200" dirty="0" smtClean="0">
+              <a:rPr lang="en-US" sz="2800" kern="1200" dirty="0">
                 <a:solidFill>
                   <a:schemeClr val="tx1"/>
                 </a:solidFill>
@@ -13442,7 +13159,7 @@
               <a:t>“Noun-</a:t>
             </a:r>
             <a:r>
-              <a:rPr lang="en-US" sz="2800" kern="1200" dirty="0" err="1" smtClean="0">
+              <a:rPr lang="en-US" sz="2800" kern="1200" dirty="0" err="1">
                 <a:solidFill>
                   <a:schemeClr val="tx1"/>
                 </a:solidFill>
@@ -13454,7 +13171,7 @@
               <a:t>ified</a:t>
             </a:r>
             <a:r>
-              <a:rPr lang="en-US" sz="2800" kern="1200" dirty="0" smtClean="0">
+              <a:rPr lang="en-US" sz="2800" kern="1200" dirty="0">
                 <a:solidFill>
                   <a:schemeClr val="tx1"/>
                 </a:solidFill>
@@ -13484,7 +13201,7 @@
           <a:bodyPr/>
           <a:lstStyle/>
           <a:p>
-            <a:endParaRPr lang="en-US" dirty="0" smtClean="0"/>
+            <a:endParaRPr lang="en-US" dirty="0"/>
           </a:p>
           <a:p>
             <a:endParaRPr lang="en-US" dirty="0"/>
@@ -13525,13 +13242,6 @@
   <p:clrMapOvr>
     <a:masterClrMapping/>
   </p:clrMapOvr>
-  <p:timing>
-    <p:tnLst>
-      <p:par>
-        <p:cTn id="1" dur="indefinite" restart="never" nodeType="tmRoot"/>
-      </p:par>
-    </p:tnLst>
-  </p:timing>
 </p:sld>
 </file>
 
@@ -13573,10 +13283,9 @@
           <a:lstStyle/>
           <a:p>
             <a:r>
-              <a:rPr lang="en-US" dirty="0" smtClean="0"/>
+              <a:rPr lang="en-US" dirty="0"/>
               <a:t>Limits of Data Science – States of Being</a:t>
             </a:r>
-            <a:endParaRPr lang="en-US" dirty="0"/>
           </a:p>
         </p:txBody>
       </p:sp>
@@ -13628,97 +13337,67 @@
           <a:lstStyle/>
           <a:p>
             <a:r>
-              <a:rPr lang="en-US" dirty="0" smtClean="0"/>
+              <a:rPr lang="en-US" dirty="0"/>
               <a:t>Possibility - clockwise (Opportunity):</a:t>
             </a:r>
-            <a:endParaRPr lang="en-US" dirty="0"/>
           </a:p>
           <a:p>
             <a:pPr lvl="1"/>
             <a:r>
-              <a:rPr lang="en-US" dirty="0" smtClean="0"/>
-              <a:t>DS </a:t>
-            </a:r>
-            <a:r>
               <a:rPr lang="en-US" dirty="0"/>
-              <a:t>provides </a:t>
-            </a:r>
-            <a:r>
-              <a:rPr lang="en-US" dirty="0" smtClean="0"/>
-              <a:t>Clarity</a:t>
-            </a:r>
-            <a:r>
-              <a:rPr lang="en-US" dirty="0"/>
-              <a:t>, </a:t>
-            </a:r>
-            <a:r>
-              <a:rPr lang="en-US" dirty="0" smtClean="0"/>
-              <a:t>Predictions, </a:t>
-            </a:r>
-            <a:r>
-              <a:rPr lang="en-US" dirty="0" smtClean="0">
+              <a:t>DS provides Clarity, Predictions, </a:t>
+            </a:r>
+            <a:r>
+              <a:rPr lang="en-US" dirty="0">
                 <a:solidFill>
                   <a:srgbClr val="00B050"/>
                 </a:solidFill>
               </a:rPr>
               <a:t>Advice</a:t>
             </a:r>
-            <a:endParaRPr lang="en-US" dirty="0">
-              <a:solidFill>
-                <a:srgbClr val="00B050"/>
-              </a:solidFill>
-            </a:endParaRPr>
           </a:p>
           <a:p>
             <a:pPr lvl="1"/>
             <a:r>
-              <a:rPr lang="en-US" dirty="0" smtClean="0"/>
+              <a:rPr lang="en-US" dirty="0"/>
               <a:t>You declare where to go (what to be) next</a:t>
             </a:r>
           </a:p>
           <a:p>
             <a:pPr lvl="2"/>
             <a:r>
-              <a:rPr lang="en-US" dirty="0" smtClean="0"/>
+              <a:rPr lang="en-US" dirty="0"/>
               <a:t>Data is only a starting point</a:t>
             </a:r>
           </a:p>
           <a:p>
             <a:pPr lvl="1"/>
             <a:r>
-              <a:rPr lang="en-US" dirty="0" smtClean="0"/>
-              <a:t>Be </a:t>
-            </a:r>
-            <a:r>
               <a:rPr lang="en-US" dirty="0"/>
-              <a:t>-&gt; Do -&gt; </a:t>
-            </a:r>
-            <a:r>
-              <a:rPr lang="en-US" dirty="0" smtClean="0"/>
-              <a:t>Have</a:t>
+              <a:t>Be -&gt; Do -&gt; Have</a:t>
             </a:r>
           </a:p>
           <a:p>
             <a:pPr lvl="1"/>
             <a:r>
-              <a:rPr lang="en-US" dirty="0" smtClean="0"/>
+              <a:rPr lang="en-US" dirty="0"/>
               <a:t>Empowering</a:t>
             </a:r>
           </a:p>
           <a:p>
             <a:r>
-              <a:rPr lang="en-US" dirty="0" smtClean="0"/>
+              <a:rPr lang="en-US" dirty="0"/>
               <a:t>Danger - counterclockwise (Constraint):</a:t>
             </a:r>
           </a:p>
           <a:p>
             <a:pPr lvl="1"/>
             <a:r>
-              <a:rPr lang="en-US" dirty="0" smtClean="0"/>
+              <a:rPr lang="en-US" dirty="0"/>
               <a:t>DS provides </a:t>
             </a:r>
             <a:r>
-              <a:rPr lang="en-US" dirty="0" smtClean="0">
+              <a:rPr lang="en-US" dirty="0">
                 <a:solidFill>
                   <a:srgbClr val="FF0000"/>
                 </a:solidFill>
@@ -13726,7 +13405,7 @@
               <a:t>justification</a:t>
             </a:r>
             <a:r>
-              <a:rPr lang="en-US" dirty="0" smtClean="0"/>
+              <a:rPr lang="en-US" dirty="0"/>
               <a:t> to constrain being</a:t>
             </a:r>
           </a:p>
@@ -13734,43 +13413,29 @@
             <a:pPr lvl="1"/>
             <a:r>
               <a:rPr lang="en-US" dirty="0"/>
-              <a:t>Data </a:t>
-            </a:r>
-            <a:r>
-              <a:rPr lang="en-US" dirty="0" smtClean="0"/>
-              <a:t>limits </a:t>
-            </a:r>
+              <a:t>Data limits where you can go next</a:t>
+            </a:r>
+          </a:p>
+          <a:p>
+            <a:pPr lvl="2"/>
             <a:r>
               <a:rPr lang="en-US" dirty="0"/>
-              <a:t>where </a:t>
-            </a:r>
-            <a:r>
-              <a:rPr lang="en-US" dirty="0" smtClean="0"/>
-              <a:t>you can go next</a:t>
-            </a:r>
-          </a:p>
-          <a:p>
-            <a:pPr lvl="2"/>
-            <a:r>
-              <a:rPr lang="en-US" dirty="0" smtClean="0"/>
               <a:t>Data becomes beginning and ending</a:t>
             </a:r>
-            <a:endParaRPr lang="en-US" dirty="0"/>
           </a:p>
           <a:p>
             <a:pPr lvl="1"/>
             <a:r>
-              <a:rPr lang="en-US" dirty="0" smtClean="0"/>
+              <a:rPr lang="en-US" dirty="0"/>
               <a:t>Have -&gt; Do -&gt; Be</a:t>
             </a:r>
           </a:p>
           <a:p>
             <a:pPr lvl="1"/>
             <a:r>
-              <a:rPr lang="en-US" dirty="0" smtClean="0"/>
+              <a:rPr lang="en-US" dirty="0"/>
               <a:t>Limiting</a:t>
             </a:r>
-            <a:endParaRPr lang="en-US" dirty="0"/>
           </a:p>
         </p:txBody>
       </p:sp>
@@ -13867,18 +13532,13 @@
           <a:lstStyle/>
           <a:p>
             <a:r>
-              <a:rPr lang="en-US" sz="2800" b="1" dirty="0" smtClean="0">
+              <a:rPr lang="en-US" sz="2800" b="1" dirty="0">
                 <a:solidFill>
                   <a:srgbClr val="00B050"/>
                 </a:solidFill>
               </a:rPr>
               <a:t>Advice</a:t>
             </a:r>
-            <a:endParaRPr lang="en-US" sz="2800" b="1" dirty="0">
-              <a:solidFill>
-                <a:srgbClr val="00B050"/>
-              </a:solidFill>
-            </a:endParaRPr>
           </a:p>
         </p:txBody>
       </p:sp>
@@ -13945,18 +13605,13 @@
           <a:lstStyle/>
           <a:p>
             <a:r>
-              <a:rPr lang="en-US" sz="2800" b="1" dirty="0" smtClean="0">
+              <a:rPr lang="en-US" sz="2800" b="1" dirty="0">
                 <a:solidFill>
                   <a:srgbClr val="FF0000"/>
                 </a:solidFill>
               </a:rPr>
               <a:t>Justification</a:t>
             </a:r>
-            <a:endParaRPr lang="en-US" sz="2800" b="1" dirty="0">
-              <a:solidFill>
-                <a:srgbClr val="FF0000"/>
-              </a:solidFill>
-            </a:endParaRPr>
           </a:p>
         </p:txBody>
       </p:sp>
@@ -14043,13 +13698,6 @@
   <p:clrMapOvr>
     <a:masterClrMapping/>
   </p:clrMapOvr>
-  <p:timing>
-    <p:tnLst>
-      <p:par>
-        <p:cTn id="1" dur="indefinite" restart="never" nodeType="tmRoot"/>
-      </p:par>
-    </p:tnLst>
-  </p:timing>
 </p:sld>
 </file>
 
@@ -14072,6 +13720,104 @@
       </p:grpSpPr>
       <p:sp>
         <p:nvSpPr>
+          <p:cNvPr id="2" name="Title 1">
+            <a:extLst>
+              <a:ext uri="{FF2B5EF4-FFF2-40B4-BE49-F238E27FC236}">
+                <a16:creationId xmlns:a16="http://schemas.microsoft.com/office/drawing/2014/main" id="{53B8C99C-5030-4581-B43F-00A5F95B2A39}"/>
+              </a:ext>
+            </a:extLst>
+          </p:cNvPr>
+          <p:cNvSpPr>
+            <a:spLocks noGrp="1"/>
+          </p:cNvSpPr>
+          <p:nvPr>
+            <p:ph type="title"/>
+          </p:nvPr>
+        </p:nvSpPr>
+        <p:spPr>
+          <a:xfrm>
+            <a:off x="3225800" y="0"/>
+            <a:ext cx="8204200" cy="1325563"/>
+          </a:xfrm>
+        </p:spPr>
+        <p:txBody>
+          <a:bodyPr/>
+          <a:lstStyle/>
+          <a:p>
+            <a:r>
+              <a:rPr lang="en-US" dirty="0"/>
+              <a:t>stakes</a:t>
+            </a:r>
+          </a:p>
+        </p:txBody>
+      </p:sp>
+      <p:pic>
+        <p:nvPicPr>
+          <p:cNvPr id="5" name="Content Placeholder 4">
+            <a:extLst>
+              <a:ext uri="{FF2B5EF4-FFF2-40B4-BE49-F238E27FC236}">
+                <a16:creationId xmlns:a16="http://schemas.microsoft.com/office/drawing/2014/main" id="{E7DAAEDC-2F5C-4982-B983-201F938D6346}"/>
+              </a:ext>
+            </a:extLst>
+          </p:cNvPr>
+          <p:cNvPicPr>
+            <a:picLocks noGrp="1" noChangeAspect="1"/>
+          </p:cNvPicPr>
+          <p:nvPr>
+            <p:ph idx="1"/>
+          </p:nvPr>
+        </p:nvPicPr>
+        <p:blipFill>
+          <a:blip r:embed="rId2">
+            <a:extLst>
+              <a:ext uri="{28A0092B-C50C-407E-A947-70E740481C1C}">
+                <a14:useLocalDpi xmlns:a14="http://schemas.microsoft.com/office/drawing/2010/main" val="0"/>
+              </a:ext>
+            </a:extLst>
+          </a:blip>
+          <a:stretch>
+            <a:fillRect/>
+          </a:stretch>
+        </p:blipFill>
+        <p:spPr>
+          <a:xfrm>
+            <a:off x="2628900" y="1325563"/>
+            <a:ext cx="8458200" cy="5115847"/>
+          </a:xfrm>
+        </p:spPr>
+      </p:pic>
+    </p:spTree>
+    <p:extLst>
+      <p:ext uri="{BB962C8B-B14F-4D97-AF65-F5344CB8AC3E}">
+        <p14:creationId xmlns:p14="http://schemas.microsoft.com/office/powerpoint/2010/main" val="1608848686"/>
+      </p:ext>
+    </p:extLst>
+  </p:cSld>
+  <p:clrMapOvr>
+    <a:masterClrMapping/>
+  </p:clrMapOvr>
+</p:sld>
+</file>
+
+<file path=ppt/slides/slide25.xml><?xml version="1.0" encoding="utf-8"?>
+<p:sld xmlns:a="http://schemas.openxmlformats.org/drawingml/2006/main" xmlns:r="http://schemas.openxmlformats.org/officeDocument/2006/relationships" xmlns:p="http://schemas.openxmlformats.org/presentationml/2006/main">
+  <p:cSld>
+    <p:spTree>
+      <p:nvGrpSpPr>
+        <p:cNvPr id="1" name=""/>
+        <p:cNvGrpSpPr/>
+        <p:nvPr/>
+      </p:nvGrpSpPr>
+      <p:grpSpPr>
+        <a:xfrm>
+          <a:off x="0" y="0"/>
+          <a:ext cx="0" cy="0"/>
+          <a:chOff x="0" y="0"/>
+          <a:chExt cx="0" cy="0"/>
+        </a:xfrm>
+      </p:grpSpPr>
+      <p:sp>
+        <p:nvSpPr>
           <p:cNvPr id="2" name="Title 1"/>
           <p:cNvSpPr>
             <a:spLocks noGrp="1"/>
@@ -14093,10 +13839,9 @@
           <a:lstStyle/>
           <a:p>
             <a:r>
-              <a:rPr lang="en-US" dirty="0" smtClean="0"/>
+              <a:rPr lang="en-US" dirty="0"/>
               <a:t>Thank you</a:t>
             </a:r>
-            <a:endParaRPr lang="en-US" dirty="0"/>
           </a:p>
         </p:txBody>
       </p:sp>
@@ -14126,31 +13871,31 @@
               <a:buNone/>
             </a:pPr>
             <a:r>
-              <a:rPr lang="en-US" dirty="0" smtClean="0"/>
+              <a:rPr lang="en-US" dirty="0"/>
               <a:t>What we covered:</a:t>
             </a:r>
           </a:p>
           <a:p>
             <a:r>
-              <a:rPr lang="en-US" dirty="0" smtClean="0"/>
+              <a:rPr lang="en-US" dirty="0"/>
               <a:t>What</a:t>
             </a:r>
           </a:p>
           <a:p>
             <a:r>
-              <a:rPr lang="en-US" dirty="0" smtClean="0"/>
+              <a:rPr lang="en-US" dirty="0"/>
               <a:t>How</a:t>
             </a:r>
           </a:p>
           <a:p>
             <a:r>
-              <a:rPr lang="en-US" dirty="0" smtClean="0"/>
+              <a:rPr lang="en-US" dirty="0"/>
               <a:t>Why</a:t>
             </a:r>
           </a:p>
           <a:p>
             <a:r>
-              <a:rPr lang="en-US" dirty="0" smtClean="0"/>
+              <a:rPr lang="en-US" dirty="0"/>
               <a:t>Limits</a:t>
             </a:r>
           </a:p>
@@ -14159,11 +13904,11 @@
               <a:buNone/>
             </a:pPr>
             <a:r>
-              <a:rPr lang="en-US" dirty="0" smtClean="0"/>
+              <a:rPr lang="en-US" dirty="0"/>
               <a:t>of Data Science</a:t>
             </a:r>
             <a:br>
-              <a:rPr lang="en-US" dirty="0" smtClean="0"/>
+              <a:rPr lang="en-US" dirty="0"/>
             </a:br>
             <a:endParaRPr lang="en-US" dirty="0"/>
           </a:p>
@@ -14172,7 +13917,7 @@
               <a:buNone/>
             </a:pPr>
             <a:r>
-              <a:rPr lang="en-US" dirty="0" smtClean="0"/>
+              <a:rPr lang="en-US" dirty="0"/>
               <a:t>What did you learn?  Any questions?</a:t>
             </a:r>
           </a:p>
@@ -14220,13 +13965,6 @@
   <p:clrMapOvr>
     <a:masterClrMapping/>
   </p:clrMapOvr>
-  <p:timing>
-    <p:tnLst>
-      <p:par>
-        <p:cTn id="1" dur="indefinite" restart="never" nodeType="tmRoot"/>
-      </p:par>
-    </p:tnLst>
-  </p:timing>
 </p:sld>
 </file>
 
@@ -14269,10 +14007,9 @@
           <a:p>
             <a:pPr lvl="0"/>
             <a:r>
-              <a:rPr lang="en-US" dirty="0" smtClean="0"/>
+              <a:rPr lang="en-US" dirty="0"/>
               <a:t>Agenda: a perspective – open to suggestions</a:t>
             </a:r>
-            <a:endParaRPr lang="en-US" dirty="0"/>
           </a:p>
         </p:txBody>
       </p:sp>
@@ -14297,10 +14034,9 @@
           <a:lstStyle/>
           <a:p>
             <a:r>
-              <a:rPr lang="en-US" sz="3200" dirty="0" smtClean="0"/>
+              <a:rPr lang="en-US" sz="3200" dirty="0"/>
               <a:t>Covered</a:t>
             </a:r>
-            <a:endParaRPr lang="en-US" sz="3200" dirty="0"/>
           </a:p>
         </p:txBody>
       </p:sp>
@@ -14330,62 +14066,62 @@
               <a:buNone/>
             </a:pPr>
             <a:r>
-              <a:rPr lang="en-US" sz="4000" u="sng" dirty="0" smtClean="0"/>
+              <a:rPr lang="en-US" sz="4000" u="sng" dirty="0"/>
               <a:t>What is data science?</a:t>
             </a:r>
             <a:r>
-              <a:rPr lang="en-US" sz="4000" dirty="0" smtClean="0"/>
+              <a:rPr lang="en-US" sz="4000" dirty="0"/>
               <a:t>  </a:t>
             </a:r>
           </a:p>
           <a:p>
             <a:r>
-              <a:rPr lang="en-US" sz="4000" dirty="0" smtClean="0"/>
+              <a:rPr lang="en-US" sz="4000" dirty="0"/>
               <a:t>Learn: A method to learn fast and recall more</a:t>
             </a:r>
           </a:p>
           <a:p>
             <a:r>
-              <a:rPr lang="en-US" sz="4000" dirty="0" smtClean="0"/>
+              <a:rPr lang="en-US" sz="4000" dirty="0"/>
               <a:t>The space of </a:t>
             </a:r>
             <a:r>
-              <a:rPr lang="en-US" sz="4000" dirty="0" err="1" smtClean="0"/>
+              <a:rPr lang="en-US" sz="4000" dirty="0" err="1"/>
               <a:t>sci</a:t>
             </a:r>
             <a:r>
-              <a:rPr lang="en-US" sz="4000" dirty="0" smtClean="0"/>
+              <a:rPr lang="en-US" sz="4000" dirty="0"/>
               <a:t>-kit learn</a:t>
             </a:r>
           </a:p>
           <a:p>
             <a:r>
-              <a:rPr lang="en-US" sz="4000" dirty="0" smtClean="0"/>
+              <a:rPr lang="en-US" sz="4000" dirty="0"/>
               <a:t>A capability maturity model for data science</a:t>
             </a:r>
           </a:p>
           <a:p>
             <a:r>
-              <a:rPr lang="en-US" sz="4000" dirty="0" smtClean="0"/>
+              <a:rPr lang="en-US" sz="4000" dirty="0"/>
               <a:t>Deliverables</a:t>
             </a:r>
           </a:p>
           <a:p>
             <a:r>
-              <a:rPr lang="en-US" sz="4000" dirty="0" smtClean="0"/>
+              <a:rPr lang="en-US" sz="4000" dirty="0"/>
               <a:t>Limits</a:t>
             </a:r>
           </a:p>
           <a:p>
-            <a:endParaRPr lang="en-US" sz="4000" dirty="0" smtClean="0"/>
-          </a:p>
-          <a:p>
-            <a:r>
-              <a:rPr lang="en-US" sz="4000" u="sng" dirty="0" smtClean="0"/>
+            <a:endParaRPr lang="en-US" sz="4000" dirty="0"/>
+          </a:p>
+          <a:p>
+            <a:r>
+              <a:rPr lang="en-US" sz="4000" u="sng" dirty="0"/>
               <a:t>Arguably</a:t>
             </a:r>
             <a:r>
-              <a:rPr lang="en-US" sz="4000" dirty="0" smtClean="0"/>
+              <a:rPr lang="en-US" sz="4000" dirty="0"/>
               <a:t>: How NN, AI and ML fit it</a:t>
             </a:r>
           </a:p>
@@ -14414,10 +14150,9 @@
           <a:lstStyle/>
           <a:p>
             <a:r>
-              <a:rPr lang="en-US" sz="3200" dirty="0" smtClean="0"/>
+              <a:rPr lang="en-US" sz="3200" dirty="0"/>
               <a:t>Not Covered</a:t>
             </a:r>
-            <a:endParaRPr lang="en-US" sz="3200" dirty="0"/>
           </a:p>
         </p:txBody>
       </p:sp>
@@ -14445,36 +14180,35 @@
               <a:buNone/>
             </a:pPr>
             <a:r>
-              <a:rPr lang="en-US" u="sng" dirty="0" smtClean="0"/>
+              <a:rPr lang="en-US" u="sng" dirty="0"/>
               <a:t>Details of</a:t>
             </a:r>
           </a:p>
           <a:p>
             <a:r>
-              <a:rPr lang="en-US" dirty="0" smtClean="0"/>
+              <a:rPr lang="en-US" dirty="0"/>
               <a:t>Neural </a:t>
             </a:r>
             <a:r>
-              <a:rPr lang="en-US" sz="3100" dirty="0" smtClean="0"/>
+              <a:rPr lang="en-US" sz="3100" dirty="0"/>
               <a:t>Networks</a:t>
             </a:r>
             <a:r>
-              <a:rPr lang="en-US" dirty="0" smtClean="0"/>
+              <a:rPr lang="en-US" dirty="0"/>
               <a:t> (NN)</a:t>
             </a:r>
           </a:p>
           <a:p>
             <a:r>
-              <a:rPr lang="en-US" dirty="0" smtClean="0"/>
+              <a:rPr lang="en-US" dirty="0"/>
               <a:t>Artificial Intelligence (AI)</a:t>
             </a:r>
           </a:p>
           <a:p>
             <a:r>
-              <a:rPr lang="en-US" dirty="0" smtClean="0"/>
+              <a:rPr lang="en-US" dirty="0"/>
               <a:t>Machine Learning (ML)</a:t>
             </a:r>
-            <a:endParaRPr lang="en-US" dirty="0"/>
           </a:p>
         </p:txBody>
       </p:sp>
@@ -14488,13 +14222,6 @@
   <p:clrMapOvr>
     <a:masterClrMapping/>
   </p:clrMapOvr>
-  <p:timing>
-    <p:tnLst>
-      <p:par>
-        <p:cTn id="1" dur="indefinite" restart="never" nodeType="tmRoot"/>
-      </p:par>
-    </p:tnLst>
-  </p:timing>
 </p:sld>
 </file>
 
@@ -14532,7 +14259,7 @@
           <a:p>
             <a:pPr lvl="0" rtl="0" eaLnBrk="1" latinLnBrk="0" hangingPunct="1"/>
             <a:r>
-              <a:rPr lang="en-US" sz="2800" kern="1200" dirty="0" smtClean="0">
+              <a:rPr lang="en-US" sz="2800" kern="1200" dirty="0">
                 <a:solidFill>
                   <a:schemeClr val="tx1"/>
                 </a:solidFill>
@@ -14571,28 +14298,28 @@
               <a:buNone/>
             </a:pPr>
             <a:r>
-              <a:rPr lang="en-US" dirty="0" smtClean="0">
+              <a:rPr lang="en-US" dirty="0">
                 <a:hlinkClick r:id="rId2"/>
               </a:rPr>
               <a:t>Wikipedia</a:t>
             </a:r>
             <a:r>
-              <a:rPr lang="en-US" dirty="0" smtClean="0"/>
+              <a:rPr lang="en-US" dirty="0"/>
               <a:t>: </a:t>
             </a:r>
             <a:r>
-              <a:rPr lang="en-US" b="1" dirty="0" smtClean="0"/>
+              <a:rPr lang="en-US" b="1" dirty="0"/>
               <a:t>Data science</a:t>
             </a:r>
             <a:r>
-              <a:rPr lang="en-US" dirty="0" smtClean="0"/>
+              <a:rPr lang="en-US" dirty="0"/>
               <a:t> is an interdisciplinary field that uses scientific</a:t>
             </a:r>
             <a:br>
-              <a:rPr lang="en-US" dirty="0" smtClean="0"/>
+              <a:rPr lang="en-US" dirty="0"/>
             </a:br>
             <a:r>
-              <a:rPr lang="en-US" dirty="0" smtClean="0"/>
+              <a:rPr lang="en-US" dirty="0"/>
               <a:t>methods, processes, algorithms and systems to extract knowledge and insights from data in various forms, both structured and unstructured.</a:t>
             </a:r>
           </a:p>
@@ -14607,18 +14334,17 @@
               <a:buNone/>
             </a:pPr>
             <a:r>
-              <a:rPr lang="en-US" dirty="0" smtClean="0"/>
+              <a:rPr lang="en-US" dirty="0"/>
               <a:t>Anything </a:t>
             </a:r>
             <a:r>
-              <a:rPr lang="en-US" i="1" dirty="0" smtClean="0"/>
+              <a:rPr lang="en-US" i="1" dirty="0"/>
               <a:t>missing</a:t>
             </a:r>
             <a:r>
-              <a:rPr lang="en-US" dirty="0" smtClean="0"/>
+              <a:rPr lang="en-US" dirty="0"/>
               <a:t> from above definition?</a:t>
             </a:r>
-            <a:endParaRPr lang="en-US" dirty="0"/>
           </a:p>
         </p:txBody>
       </p:sp>
@@ -14632,13 +14358,6 @@
   <p:clrMapOvr>
     <a:masterClrMapping/>
   </p:clrMapOvr>
-  <p:timing>
-    <p:tnLst>
-      <p:par>
-        <p:cTn id="1" dur="indefinite" restart="never" nodeType="tmRoot"/>
-      </p:par>
-    </p:tnLst>
-  </p:timing>
 </p:sld>
 </file>
 
@@ -14676,7 +14395,7 @@
           <a:p>
             <a:pPr lvl="0" rtl="0" eaLnBrk="1" latinLnBrk="0" hangingPunct="1"/>
             <a:r>
-              <a:rPr lang="en-US" sz="2800" kern="1200" dirty="0" smtClean="0">
+              <a:rPr lang="en-US" sz="2800" kern="1200" dirty="0">
                 <a:solidFill>
                   <a:schemeClr val="tx1"/>
                 </a:solidFill>
@@ -14712,21 +14431,21 @@
               <a:buNone/>
             </a:pPr>
             <a:r>
-              <a:rPr lang="en-US" dirty="0" smtClean="0">
+              <a:rPr lang="en-US" dirty="0">
                 <a:hlinkClick r:id="rId3"/>
               </a:rPr>
               <a:t>Wikipedia</a:t>
             </a:r>
             <a:r>
-              <a:rPr lang="en-US" dirty="0" smtClean="0"/>
+              <a:rPr lang="en-US" dirty="0"/>
               <a:t>: </a:t>
             </a:r>
             <a:r>
-              <a:rPr lang="en-US" b="1" dirty="0" smtClean="0"/>
+              <a:rPr lang="en-US" b="1" dirty="0"/>
               <a:t>Data science</a:t>
             </a:r>
             <a:r>
-              <a:rPr lang="en-US" dirty="0" smtClean="0"/>
+              <a:rPr lang="en-US" dirty="0"/>
               <a:t> is an interdisciplinary field that uses scientific methods, processes, algorithms and systems to extract knowledge and insights from data in various forms, both structured and unstructured.</a:t>
             </a:r>
           </a:p>
@@ -14734,11 +14453,11 @@
             <a:pPr marL="0" indent="0">
               <a:buNone/>
             </a:pPr>
-            <a:endParaRPr lang="en-US" dirty="0" smtClean="0"/>
-          </a:p>
-          <a:p>
-            <a:r>
-              <a:rPr lang="en-US" dirty="0" smtClean="0">
+            <a:endParaRPr lang="en-US" dirty="0"/>
+          </a:p>
+          <a:p>
+            <a:r>
+              <a:rPr lang="en-US" dirty="0">
                 <a:solidFill>
                   <a:srgbClr val="FF0000"/>
                 </a:solidFill>
@@ -14746,13 +14465,13 @@
               <a:t>Data</a:t>
             </a:r>
             <a:r>
-              <a:rPr lang="en-US" dirty="0" smtClean="0"/>
+              <a:rPr lang="en-US" dirty="0"/>
               <a:t> =&gt; Information =&gt; Knowledge</a:t>
             </a:r>
           </a:p>
           <a:p>
             <a:r>
-              <a:rPr lang="en-US" dirty="0" smtClean="0">
+              <a:rPr lang="en-US" dirty="0">
                 <a:solidFill>
                   <a:srgbClr val="FFC000"/>
                 </a:solidFill>
@@ -14763,20 +14482,20 @@
           <a:p>
             <a:pPr lvl="1"/>
             <a:r>
-              <a:rPr lang="en-US" dirty="0" smtClean="0"/>
+              <a:rPr lang="en-US" dirty="0"/>
               <a:t>Visualization</a:t>
             </a:r>
           </a:p>
           <a:p>
             <a:pPr lvl="1"/>
             <a:r>
-              <a:rPr lang="en-US" dirty="0" smtClean="0"/>
+              <a:rPr lang="en-US" dirty="0"/>
               <a:t>Predictive Model</a:t>
             </a:r>
           </a:p>
           <a:p>
             <a:r>
-              <a:rPr lang="en-US" dirty="0" smtClean="0">
+              <a:rPr lang="en-US" dirty="0">
                 <a:solidFill>
                   <a:srgbClr val="00B050"/>
                 </a:solidFill>
@@ -14787,24 +14506,19 @@
           <a:p>
             <a:pPr lvl="1"/>
             <a:r>
-              <a:rPr lang="en-US" dirty="0" smtClean="0"/>
+              <a:rPr lang="en-US" dirty="0"/>
               <a:t>Advice</a:t>
             </a:r>
           </a:p>
           <a:p>
             <a:r>
-              <a:rPr lang="en-US" dirty="0" smtClean="0">
+              <a:rPr lang="en-US" dirty="0">
                 <a:solidFill>
                   <a:srgbClr val="0070C0"/>
                 </a:solidFill>
               </a:rPr>
               <a:t>Repeat</a:t>
             </a:r>
-            <a:endParaRPr lang="en-US" dirty="0">
-              <a:solidFill>
-                <a:srgbClr val="0070C0"/>
-              </a:solidFill>
-            </a:endParaRPr>
           </a:p>
         </p:txBody>
       </p:sp>
@@ -14861,18 +14575,13 @@
           <a:lstStyle/>
           <a:p>
             <a:r>
-              <a:rPr lang="en-US" sz="2800" b="1" dirty="0" smtClean="0">
+              <a:rPr lang="en-US" sz="2800" b="1" dirty="0">
                 <a:solidFill>
                   <a:srgbClr val="0070C0"/>
                 </a:solidFill>
               </a:rPr>
               <a:t>Data Science Wheel</a:t>
             </a:r>
-            <a:endParaRPr lang="en-US" sz="2800" b="1" dirty="0">
-              <a:solidFill>
-                <a:srgbClr val="0070C0"/>
-              </a:solidFill>
-            </a:endParaRPr>
           </a:p>
         </p:txBody>
       </p:sp>
@@ -14886,13 +14595,6 @@
   <p:clrMapOvr>
     <a:masterClrMapping/>
   </p:clrMapOvr>
-  <p:timing>
-    <p:tnLst>
-      <p:par>
-        <p:cTn id="1" dur="indefinite" restart="never" nodeType="tmRoot"/>
-      </p:par>
-    </p:tnLst>
-  </p:timing>
 </p:sld>
 </file>
 
@@ -14937,7 +14639,7 @@
           <a:p>
             <a:pPr lvl="0"/>
             <a:r>
-              <a:rPr lang="en-US" sz="2800" dirty="0" smtClean="0">
+              <a:rPr lang="en-US" sz="2800" dirty="0">
                 <a:latin typeface="+mn-lt"/>
                 <a:ea typeface="+mn-ea"/>
                 <a:cs typeface="+mn-cs"/>
@@ -14958,13 +14660,6 @@
   <p:clrMapOvr>
     <a:masterClrMapping/>
   </p:clrMapOvr>
-  <p:timing>
-    <p:tnLst>
-      <p:par>
-        <p:cTn id="1" dur="indefinite" restart="never" nodeType="tmRoot"/>
-      </p:par>
-    </p:tnLst>
-  </p:timing>
 </p:sld>
 </file>
 
@@ -15009,7 +14704,7 @@
           <a:p>
             <a:pPr lvl="0"/>
             <a:r>
-              <a:rPr lang="en-US" sz="2800" kern="1200" dirty="0" smtClean="0">
+              <a:rPr lang="en-US" sz="2800" kern="1200" dirty="0">
                 <a:solidFill>
                   <a:schemeClr val="tx1"/>
                 </a:solidFill>
@@ -15026,15 +14721,7 @@
                 <a:ea typeface="+mn-ea"/>
                 <a:cs typeface="+mn-cs"/>
               </a:rPr>
-              <a:t>Recall </a:t>
-            </a:r>
-            <a:r>
-              <a:rPr lang="en-US" sz="2800" dirty="0" smtClean="0">
-                <a:latin typeface="+mn-lt"/>
-                <a:ea typeface="+mn-ea"/>
-                <a:cs typeface="+mn-cs"/>
-              </a:rPr>
-              <a:t>more</a:t>
+              <a:t>Recall more</a:t>
             </a:r>
             <a:endParaRPr lang="en-US" dirty="0"/>
           </a:p>
@@ -15064,51 +14751,47 @@
           <a:p>
             <a:pPr lvl="0"/>
             <a:r>
-              <a:rPr lang="en-US" dirty="0" smtClean="0"/>
-              <a:t>Who</a:t>
-            </a:r>
-            <a:r>
               <a:rPr lang="en-US" dirty="0"/>
-              <a:t>? Ancient Greek poet: Simonides of </a:t>
+              <a:t>Who? Ancient Greek poet: Simonides of </a:t>
             </a:r>
             <a:r>
               <a:rPr lang="en-US" dirty="0" err="1"/>
               <a:t>Creos</a:t>
             </a:r>
-            <a:endParaRPr lang="en-US" dirty="0" smtClean="0"/>
+            <a:endParaRPr lang="en-US" dirty="0"/>
           </a:p>
           <a:p>
             <a:pPr lvl="0"/>
             <a:r>
-              <a:rPr lang="en-US" dirty="0" smtClean="0"/>
+              <a:rPr lang="en-US" dirty="0"/>
               <a:t>Are we losing geo-spatial capability?</a:t>
             </a:r>
           </a:p>
           <a:p>
             <a:pPr lvl="0"/>
             <a:r>
-              <a:rPr lang="en-US" dirty="0" smtClean="0"/>
+              <a:rPr lang="en-US" dirty="0"/>
               <a:t>Use mental “maps” to get to data:</a:t>
             </a:r>
             <a:br>
-              <a:rPr lang="en-US" dirty="0" smtClean="0"/>
+              <a:rPr lang="en-US" dirty="0"/>
             </a:br>
             <a:r>
-              <a:rPr lang="en-US" dirty="0" smtClean="0"/>
+              <a:rPr lang="en-US" dirty="0"/>
               <a:t>Getting to a desired destination requires both:</a:t>
             </a:r>
           </a:p>
           <a:p>
             <a:pPr lvl="1"/>
             <a:r>
-              <a:rPr lang="en-US" dirty="0" smtClean="0"/>
+              <a:rPr lang="en-US" dirty="0"/>
               <a:t>start point </a:t>
             </a:r>
           </a:p>
           <a:p>
             <a:pPr lvl="1"/>
             <a:r>
-              <a:rPr lang="en-US" dirty="0" smtClean="0"/>
+              <a:rPr lang="en-US" dirty="0"/>
               <a:t>AND basis with origin </a:t>
             </a:r>
           </a:p>
@@ -15120,16 +14803,10 @@
               <a:rPr lang="en-US" sz="1800" dirty="0">
                 <a:hlinkClick r:id="rId3"/>
               </a:rPr>
-              <a:t>http://</a:t>
-            </a:r>
-            <a:r>
-              <a:rPr lang="en-US" sz="1800" dirty="0" smtClean="0">
-                <a:hlinkClick r:id="rId3"/>
-              </a:rPr>
-              <a:t>advertisementfeature.cnn.com/think-brilliant/memory-palace.html</a:t>
-            </a:r>
-            <a:r>
-              <a:rPr lang="en-US" sz="1800" dirty="0" smtClean="0"/>
+              <a:t>http://advertisementfeature.cnn.com/think-brilliant/memory-palace.html</a:t>
+            </a:r>
+            <a:r>
+              <a:rPr lang="en-US" sz="1800" dirty="0"/>
               <a:t> </a:t>
             </a:r>
           </a:p>
@@ -15205,13 +14882,6 @@
   <p:clrMapOvr>
     <a:masterClrMapping/>
   </p:clrMapOvr>
-  <p:timing>
-    <p:tnLst>
-      <p:par>
-        <p:cTn id="1" dur="indefinite" restart="never" nodeType="tmRoot"/>
-      </p:par>
-    </p:tnLst>
-  </p:timing>
 </p:sld>
 </file>
 
@@ -15234,26 +14904,20 @@
       </p:grpSpPr>
       <p:pic>
         <p:nvPicPr>
-          <p:cNvPr id="5" name="Content Placeholder 4"/>
+          <p:cNvPr id="16" name="Picture 15">
+            <a:extLst>
+              <a:ext uri="{FF2B5EF4-FFF2-40B4-BE49-F238E27FC236}">
+                <a16:creationId xmlns:a16="http://schemas.microsoft.com/office/drawing/2014/main" id="{E90B0B24-1FB7-4B2F-8DEB-7D26975DC503}"/>
+              </a:ext>
+            </a:extLst>
+          </p:cNvPr>
           <p:cNvPicPr>
-            <a:picLocks noGrp="1" noChangeAspect="1"/>
+            <a:picLocks noChangeAspect="1"/>
           </p:cNvPicPr>
-          <p:nvPr>
-            <p:ph idx="1"/>
-          </p:nvPr>
+          <p:nvPr/>
         </p:nvPicPr>
         <p:blipFill>
           <a:blip r:embed="rId3">
-            <a:clrChange>
-              <a:clrFrom>
-                <a:srgbClr val="FEFEFE"/>
-              </a:clrFrom>
-              <a:clrTo>
-                <a:srgbClr val="FEFEFE">
-                  <a:alpha val="0"/>
-                </a:srgbClr>
-              </a:clrTo>
-            </a:clrChange>
             <a:extLst>
               <a:ext uri="{28A0092B-C50C-407E-A947-70E740481C1C}">
                 <a14:useLocalDpi xmlns:a14="http://schemas.microsoft.com/office/drawing/2010/main" val="0"/>
@@ -15266,9 +14930,12 @@
         </p:blipFill>
         <p:spPr>
           <a:xfrm>
-            <a:off x="574343" y="391886"/>
-            <a:ext cx="8758343" cy="6586275"/>
+            <a:off x="711200" y="500674"/>
+            <a:ext cx="8562375" cy="6382726"/>
           </a:xfrm>
+          <a:prstGeom prst="rect">
+            <a:avLst/>
+          </a:prstGeom>
         </p:spPr>
       </p:pic>
       <p:sp>
@@ -15295,7 +14962,7 @@
           <a:p>
             <a:pPr lvl="0"/>
             <a:r>
-              <a:rPr lang="en-US" sz="2800" kern="1200" dirty="0" smtClean="0">
+              <a:rPr lang="en-US" sz="2800" kern="1200" dirty="0">
                 <a:solidFill>
                   <a:schemeClr val="tx1"/>
                 </a:solidFill>
@@ -15307,7 +14974,7 @@
               <a:t>Method of Loci </a:t>
             </a:r>
             <a:r>
-              <a:rPr lang="en-US" sz="2800" dirty="0" smtClean="0">
+              <a:rPr lang="en-US" sz="2800" dirty="0">
                 <a:latin typeface="+mn-lt"/>
                 <a:ea typeface="+mn-ea"/>
                 <a:cs typeface="+mn-cs"/>
@@ -15345,30 +15012,22 @@
               <a:buChar char="ü"/>
             </a:pPr>
             <a:r>
-              <a:rPr lang="en-US" sz="4400" dirty="0" smtClean="0"/>
+              <a:rPr lang="en-US" sz="4400" dirty="0"/>
               <a:t>Drawing</a:t>
             </a:r>
-            <a:endParaRPr lang="en-US" sz="4400" dirty="0"/>
           </a:p>
         </p:txBody>
       </p:sp>
     </p:spTree>
     <p:extLst>
       <p:ext uri="{BB962C8B-B14F-4D97-AF65-F5344CB8AC3E}">
-        <p14:creationId xmlns:p14="http://schemas.microsoft.com/office/powerpoint/2010/main" val="154498567"/>
+        <p14:creationId xmlns:p14="http://schemas.microsoft.com/office/powerpoint/2010/main" val="1294508922"/>
       </p:ext>
     </p:extLst>
   </p:cSld>
   <p:clrMapOvr>
     <a:masterClrMapping/>
   </p:clrMapOvr>
-  <p:timing>
-    <p:tnLst>
-      <p:par>
-        <p:cTn id="1" dur="indefinite" restart="never" nodeType="tmRoot"/>
-      </p:par>
-    </p:tnLst>
-  </p:timing>
 </p:sld>
 </file>
 
@@ -15391,26 +15050,20 @@
       </p:grpSpPr>
       <p:pic>
         <p:nvPicPr>
-          <p:cNvPr id="5" name="Content Placeholder 4"/>
+          <p:cNvPr id="16" name="Picture 15">
+            <a:extLst>
+              <a:ext uri="{FF2B5EF4-FFF2-40B4-BE49-F238E27FC236}">
+                <a16:creationId xmlns:a16="http://schemas.microsoft.com/office/drawing/2014/main" id="{E90B0B24-1FB7-4B2F-8DEB-7D26975DC503}"/>
+              </a:ext>
+            </a:extLst>
+          </p:cNvPr>
           <p:cNvPicPr>
-            <a:picLocks noGrp="1" noChangeAspect="1"/>
+            <a:picLocks noChangeAspect="1"/>
           </p:cNvPicPr>
-          <p:nvPr>
-            <p:ph idx="1"/>
-          </p:nvPr>
+          <p:nvPr/>
         </p:nvPicPr>
         <p:blipFill>
           <a:blip r:embed="rId3">
-            <a:clrChange>
-              <a:clrFrom>
-                <a:srgbClr val="FEFEFE"/>
-              </a:clrFrom>
-              <a:clrTo>
-                <a:srgbClr val="FEFEFE">
-                  <a:alpha val="0"/>
-                </a:srgbClr>
-              </a:clrTo>
-            </a:clrChange>
             <a:extLst>
               <a:ext uri="{28A0092B-C50C-407E-A947-70E740481C1C}">
                 <a14:useLocalDpi xmlns:a14="http://schemas.microsoft.com/office/drawing/2010/main" val="0"/>
@@ -15423,9 +15076,12 @@
         </p:blipFill>
         <p:spPr>
           <a:xfrm>
-            <a:off x="574343" y="391886"/>
-            <a:ext cx="8758343" cy="6586275"/>
+            <a:off x="711200" y="500674"/>
+            <a:ext cx="8562375" cy="6382726"/>
           </a:xfrm>
+          <a:prstGeom prst="rect">
+            <a:avLst/>
+          </a:prstGeom>
         </p:spPr>
       </p:pic>
       <p:sp>
@@ -15452,7 +15108,7 @@
           <a:p>
             <a:pPr lvl="0"/>
             <a:r>
-              <a:rPr lang="en-US" sz="2800" kern="1200" dirty="0" smtClean="0">
+              <a:rPr lang="en-US" sz="2800" kern="1200" dirty="0">
                 <a:solidFill>
                   <a:schemeClr val="tx1"/>
                 </a:solidFill>
@@ -15464,7 +15120,7 @@
               <a:t>Method of Loci </a:t>
             </a:r>
             <a:r>
-              <a:rPr lang="en-US" sz="2800" dirty="0" smtClean="0">
+              <a:rPr lang="en-US" sz="2800" dirty="0">
                 <a:latin typeface="+mn-lt"/>
                 <a:ea typeface="+mn-ea"/>
                 <a:cs typeface="+mn-cs"/>
@@ -15512,7 +15168,7 @@
               <a:buChar char="ü"/>
             </a:pPr>
             <a:r>
-              <a:rPr lang="en-US" sz="4400" dirty="0" smtClean="0"/>
+              <a:rPr lang="en-US" sz="4400" dirty="0"/>
               <a:t>Place</a:t>
             </a:r>
           </a:p>
@@ -15620,7 +15276,7 @@
           </a:prstGeom>
           <a:ln w="101600">
             <a:solidFill>
-              <a:srgbClr val="00B050"/>
+              <a:srgbClr val="0070C0"/>
             </a:solidFill>
             <a:headEnd type="triangle" w="med" len="med"/>
             <a:tailEnd type="triangle" w="med" len="med"/>
@@ -15657,7 +15313,7 @@
           </a:prstGeom>
           <a:ln w="101600">
             <a:solidFill>
-              <a:srgbClr val="00B050"/>
+              <a:srgbClr val="0070C0"/>
             </a:solidFill>
             <a:headEnd type="triangle" w="med" len="med"/>
             <a:tailEnd type="triangle" w="med" len="med"/>
@@ -15681,20 +15337,13 @@
     </p:spTree>
     <p:extLst>
       <p:ext uri="{BB962C8B-B14F-4D97-AF65-F5344CB8AC3E}">
-        <p14:creationId xmlns:p14="http://schemas.microsoft.com/office/powerpoint/2010/main" val="2964251980"/>
+        <p14:creationId xmlns:p14="http://schemas.microsoft.com/office/powerpoint/2010/main" val="1538157022"/>
       </p:ext>
     </p:extLst>
   </p:cSld>
   <p:clrMapOvr>
     <a:masterClrMapping/>
   </p:clrMapOvr>
-  <p:timing>
-    <p:tnLst>
-      <p:par>
-        <p:cTn id="1" dur="indefinite" restart="never" nodeType="tmRoot"/>
-      </p:par>
-    </p:tnLst>
-  </p:timing>
 </p:sld>
 </file>
 
